--- a/Lectures/Lecture03_Correlations/Lecture3_Correlations.pptx
+++ b/Lectures/Lecture03_Correlations/Lecture3_Correlations.pptx
@@ -6,7 +6,7 @@
     <p:sldMasterId id="2147483750" r:id="rId2"/>
   </p:sldMasterIdLst>
   <p:notesMasterIdLst>
-    <p:notesMasterId r:id="rId85"/>
+    <p:notesMasterId r:id="rId86"/>
   </p:notesMasterIdLst>
   <p:sldIdLst>
     <p:sldId id="256" r:id="rId3"/>
@@ -34,63 +34,64 @@
     <p:sldId id="431" r:id="rId25"/>
     <p:sldId id="430" r:id="rId26"/>
     <p:sldId id="432" r:id="rId27"/>
-    <p:sldId id="427" r:id="rId28"/>
-    <p:sldId id="724" r:id="rId29"/>
-    <p:sldId id="737" r:id="rId30"/>
-    <p:sldId id="426" r:id="rId31"/>
-    <p:sldId id="428" r:id="rId32"/>
-    <p:sldId id="725" r:id="rId33"/>
-    <p:sldId id="726" r:id="rId34"/>
-    <p:sldId id="727" r:id="rId35"/>
-    <p:sldId id="443" r:id="rId36"/>
-    <p:sldId id="440" r:id="rId37"/>
-    <p:sldId id="445" r:id="rId38"/>
-    <p:sldId id="728" r:id="rId39"/>
-    <p:sldId id="398" r:id="rId40"/>
-    <p:sldId id="475" r:id="rId41"/>
-    <p:sldId id="476" r:id="rId42"/>
-    <p:sldId id="477" r:id="rId43"/>
-    <p:sldId id="478" r:id="rId44"/>
-    <p:sldId id="740" r:id="rId45"/>
-    <p:sldId id="433" r:id="rId46"/>
-    <p:sldId id="460" r:id="rId47"/>
-    <p:sldId id="461" r:id="rId48"/>
-    <p:sldId id="462" r:id="rId49"/>
-    <p:sldId id="741" r:id="rId50"/>
-    <p:sldId id="742" r:id="rId51"/>
-    <p:sldId id="743" r:id="rId52"/>
-    <p:sldId id="744" r:id="rId53"/>
-    <p:sldId id="448" r:id="rId54"/>
-    <p:sldId id="418" r:id="rId55"/>
-    <p:sldId id="442" r:id="rId56"/>
-    <p:sldId id="463" r:id="rId57"/>
-    <p:sldId id="745" r:id="rId58"/>
-    <p:sldId id="450" r:id="rId59"/>
-    <p:sldId id="451" r:id="rId60"/>
-    <p:sldId id="452" r:id="rId61"/>
-    <p:sldId id="453" r:id="rId62"/>
-    <p:sldId id="459" r:id="rId63"/>
-    <p:sldId id="464" r:id="rId64"/>
-    <p:sldId id="465" r:id="rId65"/>
-    <p:sldId id="466" r:id="rId66"/>
-    <p:sldId id="467" r:id="rId67"/>
-    <p:sldId id="437" r:id="rId68"/>
-    <p:sldId id="468" r:id="rId69"/>
-    <p:sldId id="469" r:id="rId70"/>
-    <p:sldId id="738" r:id="rId71"/>
-    <p:sldId id="739" r:id="rId72"/>
-    <p:sldId id="470" r:id="rId73"/>
-    <p:sldId id="471" r:id="rId74"/>
-    <p:sldId id="472" r:id="rId75"/>
-    <p:sldId id="473" r:id="rId76"/>
-    <p:sldId id="262" r:id="rId77"/>
-    <p:sldId id="263" r:id="rId78"/>
-    <p:sldId id="265" r:id="rId79"/>
-    <p:sldId id="266" r:id="rId80"/>
-    <p:sldId id="267" r:id="rId81"/>
-    <p:sldId id="271" r:id="rId82"/>
-    <p:sldId id="474" r:id="rId83"/>
-    <p:sldId id="444" r:id="rId84"/>
+    <p:sldId id="746" r:id="rId28"/>
+    <p:sldId id="427" r:id="rId29"/>
+    <p:sldId id="724" r:id="rId30"/>
+    <p:sldId id="737" r:id="rId31"/>
+    <p:sldId id="426" r:id="rId32"/>
+    <p:sldId id="428" r:id="rId33"/>
+    <p:sldId id="725" r:id="rId34"/>
+    <p:sldId id="726" r:id="rId35"/>
+    <p:sldId id="727" r:id="rId36"/>
+    <p:sldId id="443" r:id="rId37"/>
+    <p:sldId id="440" r:id="rId38"/>
+    <p:sldId id="445" r:id="rId39"/>
+    <p:sldId id="728" r:id="rId40"/>
+    <p:sldId id="398" r:id="rId41"/>
+    <p:sldId id="475" r:id="rId42"/>
+    <p:sldId id="476" r:id="rId43"/>
+    <p:sldId id="477" r:id="rId44"/>
+    <p:sldId id="478" r:id="rId45"/>
+    <p:sldId id="740" r:id="rId46"/>
+    <p:sldId id="433" r:id="rId47"/>
+    <p:sldId id="460" r:id="rId48"/>
+    <p:sldId id="461" r:id="rId49"/>
+    <p:sldId id="462" r:id="rId50"/>
+    <p:sldId id="741" r:id="rId51"/>
+    <p:sldId id="742" r:id="rId52"/>
+    <p:sldId id="743" r:id="rId53"/>
+    <p:sldId id="744" r:id="rId54"/>
+    <p:sldId id="448" r:id="rId55"/>
+    <p:sldId id="418" r:id="rId56"/>
+    <p:sldId id="442" r:id="rId57"/>
+    <p:sldId id="463" r:id="rId58"/>
+    <p:sldId id="745" r:id="rId59"/>
+    <p:sldId id="450" r:id="rId60"/>
+    <p:sldId id="451" r:id="rId61"/>
+    <p:sldId id="452" r:id="rId62"/>
+    <p:sldId id="453" r:id="rId63"/>
+    <p:sldId id="459" r:id="rId64"/>
+    <p:sldId id="464" r:id="rId65"/>
+    <p:sldId id="465" r:id="rId66"/>
+    <p:sldId id="466" r:id="rId67"/>
+    <p:sldId id="467" r:id="rId68"/>
+    <p:sldId id="437" r:id="rId69"/>
+    <p:sldId id="468" r:id="rId70"/>
+    <p:sldId id="469" r:id="rId71"/>
+    <p:sldId id="738" r:id="rId72"/>
+    <p:sldId id="739" r:id="rId73"/>
+    <p:sldId id="470" r:id="rId74"/>
+    <p:sldId id="471" r:id="rId75"/>
+    <p:sldId id="472" r:id="rId76"/>
+    <p:sldId id="473" r:id="rId77"/>
+    <p:sldId id="262" r:id="rId78"/>
+    <p:sldId id="263" r:id="rId79"/>
+    <p:sldId id="265" r:id="rId80"/>
+    <p:sldId id="266" r:id="rId81"/>
+    <p:sldId id="267" r:id="rId82"/>
+    <p:sldId id="271" r:id="rId83"/>
+    <p:sldId id="474" r:id="rId84"/>
+    <p:sldId id="444" r:id="rId85"/>
   </p:sldIdLst>
   <p:sldSz cx="12192000" cy="6858000"/>
   <p:notesSz cx="7010400" cy="9296400"/>
@@ -290,7 +291,7 @@
           <a:p>
             <a:fld id="{EF911157-0FC2-4F06-8D61-FD647FE4E19D}" type="datetimeFigureOut">
               <a:rPr lang="en-US" smtClean="0"/>
-              <a:t>1/20/2025</a:t>
+              <a:t>1/23/2025</a:t>
             </a:fld>
             <a:endParaRPr lang="en-US"/>
           </a:p>
@@ -1824,7 +1825,10 @@
           <a:bodyPr/>
           <a:lstStyle/>
           <a:p>
-            <a:endParaRPr lang="en-US" dirty="0"/>
+            <a:r>
+              <a:rPr lang="en-US" dirty="0"/>
+              <a:t>Note that this one is still discrete.</a:t>
+            </a:r>
           </a:p>
         </p:txBody>
       </p:sp>
@@ -2356,6 +2360,114 @@
   <p:cSld>
     <p:spTree>
       <p:nvGrpSpPr>
+        <p:cNvPr id="1" name="">
+          <a:extLst>
+            <a:ext uri="{FF2B5EF4-FFF2-40B4-BE49-F238E27FC236}">
+              <a16:creationId xmlns:a16="http://schemas.microsoft.com/office/drawing/2014/main" id="{A2E7C6A0-BF8C-BF96-B682-A50D4E3BBB0E}"/>
+            </a:ext>
+          </a:extLst>
+        </p:cNvPr>
+        <p:cNvGrpSpPr/>
+        <p:nvPr/>
+      </p:nvGrpSpPr>
+      <p:grpSpPr>
+        <a:xfrm>
+          <a:off x="0" y="0"/>
+          <a:ext cx="0" cy="0"/>
+          <a:chOff x="0" y="0"/>
+          <a:chExt cx="0" cy="0"/>
+        </a:xfrm>
+      </p:grpSpPr>
+      <p:sp>
+        <p:nvSpPr>
+          <p:cNvPr id="2" name="Slide Image Placeholder 1">
+            <a:extLst>
+              <a:ext uri="{FF2B5EF4-FFF2-40B4-BE49-F238E27FC236}">
+                <a16:creationId xmlns:a16="http://schemas.microsoft.com/office/drawing/2014/main" id="{CC0FC03A-EB4D-F905-2D58-04284C070A35}"/>
+              </a:ext>
+            </a:extLst>
+          </p:cNvPr>
+          <p:cNvSpPr>
+            <a:spLocks noGrp="1" noRot="1" noChangeAspect="1"/>
+          </p:cNvSpPr>
+          <p:nvPr>
+            <p:ph type="sldImg"/>
+          </p:nvPr>
+        </p:nvSpPr>
+        <p:spPr/>
+      </p:sp>
+      <p:sp>
+        <p:nvSpPr>
+          <p:cNvPr id="3" name="Notes Placeholder 2">
+            <a:extLst>
+              <a:ext uri="{FF2B5EF4-FFF2-40B4-BE49-F238E27FC236}">
+                <a16:creationId xmlns:a16="http://schemas.microsoft.com/office/drawing/2014/main" id="{6228B7DF-EDAF-F75F-9018-B8C303891213}"/>
+              </a:ext>
+            </a:extLst>
+          </p:cNvPr>
+          <p:cNvSpPr>
+            <a:spLocks noGrp="1"/>
+          </p:cNvSpPr>
+          <p:nvPr>
+            <p:ph type="body" idx="1"/>
+          </p:nvPr>
+        </p:nvSpPr>
+        <p:spPr/>
+        <p:txBody>
+          <a:bodyPr/>
+          <a:lstStyle/>
+          <a:p>
+            <a:endParaRPr lang="en-US" dirty="0"/>
+          </a:p>
+        </p:txBody>
+      </p:sp>
+      <p:sp>
+        <p:nvSpPr>
+          <p:cNvPr id="4" name="Slide Number Placeholder 3">
+            <a:extLst>
+              <a:ext uri="{FF2B5EF4-FFF2-40B4-BE49-F238E27FC236}">
+                <a16:creationId xmlns:a16="http://schemas.microsoft.com/office/drawing/2014/main" id="{0713EE6F-4FB0-6543-8031-19760C865506}"/>
+              </a:ext>
+            </a:extLst>
+          </p:cNvPr>
+          <p:cNvSpPr>
+            <a:spLocks noGrp="1"/>
+          </p:cNvSpPr>
+          <p:nvPr>
+            <p:ph type="sldNum" sz="quarter" idx="5"/>
+          </p:nvPr>
+        </p:nvSpPr>
+        <p:spPr/>
+        <p:txBody>
+          <a:bodyPr/>
+          <a:lstStyle/>
+          <a:p>
+            <a:fld id="{4AF79E1B-2C51-4B9B-8EA4-26DE9E345AFF}" type="slidenum">
+              <a:rPr lang="en-US" smtClean="0"/>
+              <a:t>26</a:t>
+            </a:fld>
+            <a:endParaRPr lang="en-US"/>
+          </a:p>
+        </p:txBody>
+      </p:sp>
+    </p:spTree>
+    <p:extLst>
+      <p:ext uri="{BB962C8B-B14F-4D97-AF65-F5344CB8AC3E}">
+        <p14:creationId xmlns:p14="http://schemas.microsoft.com/office/powerpoint/2010/main" val="3619760147"/>
+      </p:ext>
+    </p:extLst>
+  </p:cSld>
+  <p:clrMapOvr>
+    <a:masterClrMapping/>
+  </p:clrMapOvr>
+</p:notes>
+</file>
+
+<file path=ppt/notesSlides/notesSlide27.xml><?xml version="1.0" encoding="utf-8"?>
+<p:notes xmlns:a="http://schemas.openxmlformats.org/drawingml/2006/main" xmlns:r="http://schemas.openxmlformats.org/officeDocument/2006/relationships" xmlns:p="http://schemas.openxmlformats.org/presentationml/2006/main">
+  <p:cSld>
+    <p:spTree>
+      <p:nvGrpSpPr>
         <p:cNvPr id="1" name=""/>
         <p:cNvGrpSpPr/>
         <p:nvPr/>
@@ -2419,7 +2531,7 @@
           <a:p>
             <a:fld id="{4AF79E1B-2C51-4B9B-8EA4-26DE9E345AFF}" type="slidenum">
               <a:rPr lang="en-US" smtClean="0"/>
-              <a:t>26</a:t>
+              <a:t>27</a:t>
             </a:fld>
             <a:endParaRPr lang="en-US"/>
           </a:p>
@@ -2438,7 +2550,7 @@
 </p:notes>
 </file>
 
-<file path=ppt/notesSlides/notesSlide27.xml><?xml version="1.0" encoding="utf-8"?>
+<file path=ppt/notesSlides/notesSlide28.xml><?xml version="1.0" encoding="utf-8"?>
 <p:notes xmlns:a="http://schemas.openxmlformats.org/drawingml/2006/main" xmlns:r="http://schemas.openxmlformats.org/officeDocument/2006/relationships" xmlns:p="http://schemas.openxmlformats.org/presentationml/2006/main">
   <p:cSld>
     <p:spTree>
@@ -2530,7 +2642,7 @@
           <a:p>
             <a:fld id="{4AF79E1B-2C51-4B9B-8EA4-26DE9E345AFF}" type="slidenum">
               <a:rPr lang="en-US" smtClean="0"/>
-              <a:t>27</a:t>
+              <a:t>28</a:t>
             </a:fld>
             <a:endParaRPr lang="en-US"/>
           </a:p>
@@ -2549,7 +2661,7 @@
 </p:notes>
 </file>
 
-<file path=ppt/notesSlides/notesSlide28.xml><?xml version="1.0" encoding="utf-8"?>
+<file path=ppt/notesSlides/notesSlide29.xml><?xml version="1.0" encoding="utf-8"?>
 <p:notes xmlns:a="http://schemas.openxmlformats.org/drawingml/2006/main" xmlns:r="http://schemas.openxmlformats.org/officeDocument/2006/relationships" xmlns:p="http://schemas.openxmlformats.org/presentationml/2006/main">
   <p:cSld>
     <p:spTree>
@@ -2641,7 +2753,7 @@
           <a:p>
             <a:fld id="{4AF79E1B-2C51-4B9B-8EA4-26DE9E345AFF}" type="slidenum">
               <a:rPr lang="en-US" smtClean="0"/>
-              <a:t>28</a:t>
+              <a:t>29</a:t>
             </a:fld>
             <a:endParaRPr lang="en-US"/>
           </a:p>
@@ -2651,94 +2763,6 @@
     <p:extLst>
       <p:ext uri="{BB962C8B-B14F-4D97-AF65-F5344CB8AC3E}">
         <p14:creationId xmlns:p14="http://schemas.microsoft.com/office/powerpoint/2010/main" val="3601812065"/>
-      </p:ext>
-    </p:extLst>
-  </p:cSld>
-  <p:clrMapOvr>
-    <a:masterClrMapping/>
-  </p:clrMapOvr>
-</p:notes>
-</file>
-
-<file path=ppt/notesSlides/notesSlide29.xml><?xml version="1.0" encoding="utf-8"?>
-<p:notes xmlns:a="http://schemas.openxmlformats.org/drawingml/2006/main" xmlns:r="http://schemas.openxmlformats.org/officeDocument/2006/relationships" xmlns:p="http://schemas.openxmlformats.org/presentationml/2006/main">
-  <p:cSld>
-    <p:spTree>
-      <p:nvGrpSpPr>
-        <p:cNvPr id="1" name=""/>
-        <p:cNvGrpSpPr/>
-        <p:nvPr/>
-      </p:nvGrpSpPr>
-      <p:grpSpPr>
-        <a:xfrm>
-          <a:off x="0" y="0"/>
-          <a:ext cx="0" cy="0"/>
-          <a:chOff x="0" y="0"/>
-          <a:chExt cx="0" cy="0"/>
-        </a:xfrm>
-      </p:grpSpPr>
-      <p:sp>
-        <p:nvSpPr>
-          <p:cNvPr id="2" name="Slide Image Placeholder 1"/>
-          <p:cNvSpPr>
-            <a:spLocks noGrp="1" noRot="1" noChangeAspect="1"/>
-          </p:cNvSpPr>
-          <p:nvPr>
-            <p:ph type="sldImg"/>
-          </p:nvPr>
-        </p:nvSpPr>
-        <p:spPr/>
-      </p:sp>
-      <p:sp>
-        <p:nvSpPr>
-          <p:cNvPr id="3" name="Notes Placeholder 2"/>
-          <p:cNvSpPr>
-            <a:spLocks noGrp="1"/>
-          </p:cNvSpPr>
-          <p:nvPr>
-            <p:ph type="body" idx="1"/>
-          </p:nvPr>
-        </p:nvSpPr>
-        <p:spPr/>
-        <p:txBody>
-          <a:bodyPr/>
-          <a:lstStyle/>
-          <a:p>
-            <a:r>
-              <a:rPr lang="en-US" b="1" dirty="0"/>
-              <a:t>This is a good place to talk about skew and long tails, since we won’t cover it explicitly (but the book does)</a:t>
-            </a:r>
-            <a:endParaRPr lang="en-US" dirty="0"/>
-          </a:p>
-        </p:txBody>
-      </p:sp>
-      <p:sp>
-        <p:nvSpPr>
-          <p:cNvPr id="4" name="Slide Number Placeholder 3"/>
-          <p:cNvSpPr>
-            <a:spLocks noGrp="1"/>
-          </p:cNvSpPr>
-          <p:nvPr>
-            <p:ph type="sldNum" sz="quarter" idx="5"/>
-          </p:nvPr>
-        </p:nvSpPr>
-        <p:spPr/>
-        <p:txBody>
-          <a:bodyPr/>
-          <a:lstStyle/>
-          <a:p>
-            <a:fld id="{4AF79E1B-2C51-4B9B-8EA4-26DE9E345AFF}" type="slidenum">
-              <a:rPr lang="en-US" smtClean="0"/>
-              <a:t>29</a:t>
-            </a:fld>
-            <a:endParaRPr lang="en-US"/>
-          </a:p>
-        </p:txBody>
-      </p:sp>
-    </p:spTree>
-    <p:extLst>
-      <p:ext uri="{BB962C8B-B14F-4D97-AF65-F5344CB8AC3E}">
-        <p14:creationId xmlns:p14="http://schemas.microsoft.com/office/powerpoint/2010/main" val="1530705670"/>
       </p:ext>
     </p:extLst>
   </p:cSld>
@@ -2901,17 +2925,10 @@
           <a:lstStyle/>
           <a:p>
             <a:r>
-              <a:rPr lang="en-US" dirty="0"/>
-              <a:t>Draw this on the board and kind of “cut” out the next few percentiles. Note that the 50</a:t>
-            </a:r>
-            <a:r>
-              <a:rPr lang="en-US" baseline="30000" dirty="0"/>
-              <a:t>th</a:t>
-            </a:r>
-            <a:r>
-              <a:rPr lang="en-US" dirty="0"/>
-              <a:t> percentile is the same as the median! </a:t>
-            </a:r>
+              <a:rPr lang="en-US" b="1" dirty="0"/>
+              <a:t>This is a good place to talk about skew and long tails, since we won’t cover it explicitly (but the book does)</a:t>
+            </a:r>
+            <a:endParaRPr lang="en-US" dirty="0"/>
           </a:p>
         </p:txBody>
       </p:sp>
@@ -2933,6 +2950,101 @@
             <a:fld id="{4AF79E1B-2C51-4B9B-8EA4-26DE9E345AFF}" type="slidenum">
               <a:rPr lang="en-US" smtClean="0"/>
               <a:t>30</a:t>
+            </a:fld>
+            <a:endParaRPr lang="en-US"/>
+          </a:p>
+        </p:txBody>
+      </p:sp>
+    </p:spTree>
+    <p:extLst>
+      <p:ext uri="{BB962C8B-B14F-4D97-AF65-F5344CB8AC3E}">
+        <p14:creationId xmlns:p14="http://schemas.microsoft.com/office/powerpoint/2010/main" val="1530705670"/>
+      </p:ext>
+    </p:extLst>
+  </p:cSld>
+  <p:clrMapOvr>
+    <a:masterClrMapping/>
+  </p:clrMapOvr>
+</p:notes>
+</file>
+
+<file path=ppt/notesSlides/notesSlide31.xml><?xml version="1.0" encoding="utf-8"?>
+<p:notes xmlns:a="http://schemas.openxmlformats.org/drawingml/2006/main" xmlns:r="http://schemas.openxmlformats.org/officeDocument/2006/relationships" xmlns:p="http://schemas.openxmlformats.org/presentationml/2006/main">
+  <p:cSld>
+    <p:spTree>
+      <p:nvGrpSpPr>
+        <p:cNvPr id="1" name=""/>
+        <p:cNvGrpSpPr/>
+        <p:nvPr/>
+      </p:nvGrpSpPr>
+      <p:grpSpPr>
+        <a:xfrm>
+          <a:off x="0" y="0"/>
+          <a:ext cx="0" cy="0"/>
+          <a:chOff x="0" y="0"/>
+          <a:chExt cx="0" cy="0"/>
+        </a:xfrm>
+      </p:grpSpPr>
+      <p:sp>
+        <p:nvSpPr>
+          <p:cNvPr id="2" name="Slide Image Placeholder 1"/>
+          <p:cNvSpPr>
+            <a:spLocks noGrp="1" noRot="1" noChangeAspect="1"/>
+          </p:cNvSpPr>
+          <p:nvPr>
+            <p:ph type="sldImg"/>
+          </p:nvPr>
+        </p:nvSpPr>
+        <p:spPr/>
+      </p:sp>
+      <p:sp>
+        <p:nvSpPr>
+          <p:cNvPr id="3" name="Notes Placeholder 2"/>
+          <p:cNvSpPr>
+            <a:spLocks noGrp="1"/>
+          </p:cNvSpPr>
+          <p:nvPr>
+            <p:ph type="body" idx="1"/>
+          </p:nvPr>
+        </p:nvSpPr>
+        <p:spPr/>
+        <p:txBody>
+          <a:bodyPr/>
+          <a:lstStyle/>
+          <a:p>
+            <a:r>
+              <a:rPr lang="en-US" dirty="0"/>
+              <a:t>Draw this on the board and kind of “cut” out the next few percentiles. Note that the 50</a:t>
+            </a:r>
+            <a:r>
+              <a:rPr lang="en-US" baseline="30000" dirty="0"/>
+              <a:t>th</a:t>
+            </a:r>
+            <a:r>
+              <a:rPr lang="en-US" dirty="0"/>
+              <a:t> percentile is the same as the median! </a:t>
+            </a:r>
+          </a:p>
+        </p:txBody>
+      </p:sp>
+      <p:sp>
+        <p:nvSpPr>
+          <p:cNvPr id="4" name="Slide Number Placeholder 3"/>
+          <p:cNvSpPr>
+            <a:spLocks noGrp="1"/>
+          </p:cNvSpPr>
+          <p:nvPr>
+            <p:ph type="sldNum" sz="quarter" idx="5"/>
+          </p:nvPr>
+        </p:nvSpPr>
+        <p:spPr/>
+        <p:txBody>
+          <a:bodyPr/>
+          <a:lstStyle/>
+          <a:p>
+            <a:fld id="{4AF79E1B-2C51-4B9B-8EA4-26DE9E345AFF}" type="slidenum">
+              <a:rPr lang="en-US" smtClean="0"/>
+              <a:t>31</a:t>
             </a:fld>
             <a:endParaRPr lang="en-US"/>
           </a:p>
@@ -2951,7 +3063,7 @@
 </p:notes>
 </file>
 
-<file path=ppt/notesSlides/notesSlide31.xml><?xml version="1.0" encoding="utf-8"?>
+<file path=ppt/notesSlides/notesSlide32.xml><?xml version="1.0" encoding="utf-8"?>
 <p:notes xmlns:a="http://schemas.openxmlformats.org/drawingml/2006/main" xmlns:r="http://schemas.openxmlformats.org/officeDocument/2006/relationships" xmlns:p="http://schemas.openxmlformats.org/presentationml/2006/main">
   <p:cSld>
     <p:spTree>
@@ -3051,7 +3163,7 @@
           <a:p>
             <a:fld id="{4AF79E1B-2C51-4B9B-8EA4-26DE9E345AFF}" type="slidenum">
               <a:rPr lang="en-US" smtClean="0"/>
-              <a:t>31</a:t>
+              <a:t>32</a:t>
             </a:fld>
             <a:endParaRPr lang="en-US"/>
           </a:p>
@@ -3070,7 +3182,7 @@
 </p:notes>
 </file>
 
-<file path=ppt/notesSlides/notesSlide32.xml><?xml version="1.0" encoding="utf-8"?>
+<file path=ppt/notesSlides/notesSlide33.xml><?xml version="1.0" encoding="utf-8"?>
 <p:notes xmlns:a="http://schemas.openxmlformats.org/drawingml/2006/main" xmlns:r="http://schemas.openxmlformats.org/officeDocument/2006/relationships" xmlns:p="http://schemas.openxmlformats.org/presentationml/2006/main">
   <p:cSld>
     <p:spTree>
@@ -3162,7 +3274,7 @@
           <a:p>
             <a:fld id="{4AF79E1B-2C51-4B9B-8EA4-26DE9E345AFF}" type="slidenum">
               <a:rPr lang="en-US" smtClean="0"/>
-              <a:t>32</a:t>
+              <a:t>33</a:t>
             </a:fld>
             <a:endParaRPr lang="en-US"/>
           </a:p>
@@ -3181,7 +3293,7 @@
 </p:notes>
 </file>
 
-<file path=ppt/notesSlides/notesSlide33.xml><?xml version="1.0" encoding="utf-8"?>
+<file path=ppt/notesSlides/notesSlide34.xml><?xml version="1.0" encoding="utf-8"?>
 <p:notes xmlns:a="http://schemas.openxmlformats.org/drawingml/2006/main" xmlns:r="http://schemas.openxmlformats.org/officeDocument/2006/relationships" xmlns:p="http://schemas.openxmlformats.org/presentationml/2006/main">
   <p:cSld>
     <p:spTree>
@@ -3270,7 +3382,7 @@
           <a:p>
             <a:fld id="{4AF79E1B-2C51-4B9B-8EA4-26DE9E345AFF}" type="slidenum">
               <a:rPr lang="en-US" smtClean="0"/>
-              <a:t>33</a:t>
+              <a:t>34</a:t>
             </a:fld>
             <a:endParaRPr lang="en-US"/>
           </a:p>
@@ -3280,93 +3392,6 @@
     <p:extLst>
       <p:ext uri="{BB962C8B-B14F-4D97-AF65-F5344CB8AC3E}">
         <p14:creationId xmlns:p14="http://schemas.microsoft.com/office/powerpoint/2010/main" val="4240665544"/>
-      </p:ext>
-    </p:extLst>
-  </p:cSld>
-  <p:clrMapOvr>
-    <a:masterClrMapping/>
-  </p:clrMapOvr>
-</p:notes>
-</file>
-
-<file path=ppt/notesSlides/notesSlide34.xml><?xml version="1.0" encoding="utf-8"?>
-<p:notes xmlns:a="http://schemas.openxmlformats.org/drawingml/2006/main" xmlns:r="http://schemas.openxmlformats.org/officeDocument/2006/relationships" xmlns:p="http://schemas.openxmlformats.org/presentationml/2006/main">
-  <p:cSld>
-    <p:spTree>
-      <p:nvGrpSpPr>
-        <p:cNvPr id="1" name=""/>
-        <p:cNvGrpSpPr/>
-        <p:nvPr/>
-      </p:nvGrpSpPr>
-      <p:grpSpPr>
-        <a:xfrm>
-          <a:off x="0" y="0"/>
-          <a:ext cx="0" cy="0"/>
-          <a:chOff x="0" y="0"/>
-          <a:chExt cx="0" cy="0"/>
-        </a:xfrm>
-      </p:grpSpPr>
-      <p:sp>
-        <p:nvSpPr>
-          <p:cNvPr id="2" name="Slide Image Placeholder 1"/>
-          <p:cNvSpPr>
-            <a:spLocks noGrp="1" noRot="1" noChangeAspect="1"/>
-          </p:cNvSpPr>
-          <p:nvPr>
-            <p:ph type="sldImg"/>
-          </p:nvPr>
-        </p:nvSpPr>
-        <p:spPr/>
-      </p:sp>
-      <p:sp>
-        <p:nvSpPr>
-          <p:cNvPr id="3" name="Notes Placeholder 2"/>
-          <p:cNvSpPr>
-            <a:spLocks noGrp="1"/>
-          </p:cNvSpPr>
-          <p:nvPr>
-            <p:ph type="body" idx="1"/>
-          </p:nvPr>
-        </p:nvSpPr>
-        <p:spPr/>
-        <p:txBody>
-          <a:bodyPr/>
-          <a:lstStyle/>
-          <a:p>
-            <a:r>
-              <a:rPr lang="en-US" dirty="0"/>
-              <a:t>Tells us something about the dispersion of our data. Typically 2/3 of data are within one standard deviation of the mean (vague but good ROT)</a:t>
-            </a:r>
-          </a:p>
-        </p:txBody>
-      </p:sp>
-      <p:sp>
-        <p:nvSpPr>
-          <p:cNvPr id="4" name="Slide Number Placeholder 3"/>
-          <p:cNvSpPr>
-            <a:spLocks noGrp="1"/>
-          </p:cNvSpPr>
-          <p:nvPr>
-            <p:ph type="sldNum" sz="quarter" idx="5"/>
-          </p:nvPr>
-        </p:nvSpPr>
-        <p:spPr/>
-        <p:txBody>
-          <a:bodyPr/>
-          <a:lstStyle/>
-          <a:p>
-            <a:fld id="{4AF79E1B-2C51-4B9B-8EA4-26DE9E345AFF}" type="slidenum">
-              <a:rPr lang="en-US" smtClean="0"/>
-              <a:t>34</a:t>
-            </a:fld>
-            <a:endParaRPr lang="en-US"/>
-          </a:p>
-        </p:txBody>
-      </p:sp>
-    </p:spTree>
-    <p:extLst>
-      <p:ext uri="{BB962C8B-B14F-4D97-AF65-F5344CB8AC3E}">
-        <p14:creationId xmlns:p14="http://schemas.microsoft.com/office/powerpoint/2010/main" val="96513464"/>
       </p:ext>
     </p:extLst>
   </p:cSld>
@@ -3422,7 +3447,7 @@
           <a:p>
             <a:r>
               <a:rPr lang="en-US" dirty="0"/>
-              <a:t>Tells us something about the dispersion of our data</a:t>
+              <a:t>Tells us something about the dispersion of our data. Typically 2/3 of data are within one standard deviation of the mean (vague but good ROT)</a:t>
             </a:r>
           </a:p>
         </p:txBody>
@@ -3453,7 +3478,7 @@
     </p:spTree>
     <p:extLst>
       <p:ext uri="{BB962C8B-B14F-4D97-AF65-F5344CB8AC3E}">
-        <p14:creationId xmlns:p14="http://schemas.microsoft.com/office/powerpoint/2010/main" val="180324682"/>
+        <p14:creationId xmlns:p14="http://schemas.microsoft.com/office/powerpoint/2010/main" val="96513464"/>
       </p:ext>
     </p:extLst>
   </p:cSld>
@@ -3540,6 +3565,93 @@
     </p:spTree>
     <p:extLst>
       <p:ext uri="{BB962C8B-B14F-4D97-AF65-F5344CB8AC3E}">
+        <p14:creationId xmlns:p14="http://schemas.microsoft.com/office/powerpoint/2010/main" val="180324682"/>
+      </p:ext>
+    </p:extLst>
+  </p:cSld>
+  <p:clrMapOvr>
+    <a:masterClrMapping/>
+  </p:clrMapOvr>
+</p:notes>
+</file>
+
+<file path=ppt/notesSlides/notesSlide37.xml><?xml version="1.0" encoding="utf-8"?>
+<p:notes xmlns:a="http://schemas.openxmlformats.org/drawingml/2006/main" xmlns:r="http://schemas.openxmlformats.org/officeDocument/2006/relationships" xmlns:p="http://schemas.openxmlformats.org/presentationml/2006/main">
+  <p:cSld>
+    <p:spTree>
+      <p:nvGrpSpPr>
+        <p:cNvPr id="1" name=""/>
+        <p:cNvGrpSpPr/>
+        <p:nvPr/>
+      </p:nvGrpSpPr>
+      <p:grpSpPr>
+        <a:xfrm>
+          <a:off x="0" y="0"/>
+          <a:ext cx="0" cy="0"/>
+          <a:chOff x="0" y="0"/>
+          <a:chExt cx="0" cy="0"/>
+        </a:xfrm>
+      </p:grpSpPr>
+      <p:sp>
+        <p:nvSpPr>
+          <p:cNvPr id="2" name="Slide Image Placeholder 1"/>
+          <p:cNvSpPr>
+            <a:spLocks noGrp="1" noRot="1" noChangeAspect="1"/>
+          </p:cNvSpPr>
+          <p:nvPr>
+            <p:ph type="sldImg"/>
+          </p:nvPr>
+        </p:nvSpPr>
+        <p:spPr/>
+      </p:sp>
+      <p:sp>
+        <p:nvSpPr>
+          <p:cNvPr id="3" name="Notes Placeholder 2"/>
+          <p:cNvSpPr>
+            <a:spLocks noGrp="1"/>
+          </p:cNvSpPr>
+          <p:nvPr>
+            <p:ph type="body" idx="1"/>
+          </p:nvPr>
+        </p:nvSpPr>
+        <p:spPr/>
+        <p:txBody>
+          <a:bodyPr/>
+          <a:lstStyle/>
+          <a:p>
+            <a:r>
+              <a:rPr lang="en-US" dirty="0"/>
+              <a:t>Tells us something about the dispersion of our data</a:t>
+            </a:r>
+          </a:p>
+        </p:txBody>
+      </p:sp>
+      <p:sp>
+        <p:nvSpPr>
+          <p:cNvPr id="4" name="Slide Number Placeholder 3"/>
+          <p:cNvSpPr>
+            <a:spLocks noGrp="1"/>
+          </p:cNvSpPr>
+          <p:nvPr>
+            <p:ph type="sldNum" sz="quarter" idx="5"/>
+          </p:nvPr>
+        </p:nvSpPr>
+        <p:spPr/>
+        <p:txBody>
+          <a:bodyPr/>
+          <a:lstStyle/>
+          <a:p>
+            <a:fld id="{4AF79E1B-2C51-4B9B-8EA4-26DE9E345AFF}" type="slidenum">
+              <a:rPr lang="en-US" smtClean="0"/>
+              <a:t>37</a:t>
+            </a:fld>
+            <a:endParaRPr lang="en-US"/>
+          </a:p>
+        </p:txBody>
+      </p:sp>
+    </p:spTree>
+    <p:extLst>
+      <p:ext uri="{BB962C8B-B14F-4D97-AF65-F5344CB8AC3E}">
         <p14:creationId xmlns:p14="http://schemas.microsoft.com/office/powerpoint/2010/main" val="773221695"/>
       </p:ext>
     </p:extLst>
@@ -3550,7 +3662,7 @@
 </p:notes>
 </file>
 
-<file path=ppt/notesSlides/notesSlide37.xml><?xml version="1.0" encoding="utf-8"?>
+<file path=ppt/notesSlides/notesSlide38.xml><?xml version="1.0" encoding="utf-8"?>
 <p:notes xmlns:a="http://schemas.openxmlformats.org/drawingml/2006/main" xmlns:r="http://schemas.openxmlformats.org/officeDocument/2006/relationships" xmlns:p="http://schemas.openxmlformats.org/presentationml/2006/main">
   <p:cSld>
     <p:spTree>
@@ -3649,7 +3761,7 @@
           <a:p>
             <a:fld id="{4AF79E1B-2C51-4B9B-8EA4-26DE9E345AFF}" type="slidenum">
               <a:rPr lang="en-US" smtClean="0"/>
-              <a:t>37</a:t>
+              <a:t>38</a:t>
             </a:fld>
             <a:endParaRPr lang="en-US"/>
           </a:p>
@@ -3668,7 +3780,7 @@
 </p:notes>
 </file>
 
-<file path=ppt/notesSlides/notesSlide38.xml><?xml version="1.0" encoding="utf-8"?>
+<file path=ppt/notesSlides/notesSlide39.xml><?xml version="1.0" encoding="utf-8"?>
 <p:notes xmlns:a="http://schemas.openxmlformats.org/drawingml/2006/main" xmlns:r="http://schemas.openxmlformats.org/officeDocument/2006/relationships" xmlns:p="http://schemas.openxmlformats.org/presentationml/2006/main">
   <p:cSld>
     <p:spTree>
@@ -3733,7 +3845,7 @@
           <a:p>
             <a:fld id="{4AF79E1B-2C51-4B9B-8EA4-26DE9E345AFF}" type="slidenum">
               <a:rPr lang="en-US" smtClean="0"/>
-              <a:t>38</a:t>
+              <a:t>39</a:t>
             </a:fld>
             <a:endParaRPr lang="en-US"/>
           </a:p>
@@ -3743,149 +3855,6 @@
     <p:extLst>
       <p:ext uri="{BB962C8B-B14F-4D97-AF65-F5344CB8AC3E}">
         <p14:creationId xmlns:p14="http://schemas.microsoft.com/office/powerpoint/2010/main" val="3366095260"/>
-      </p:ext>
-    </p:extLst>
-  </p:cSld>
-  <p:clrMapOvr>
-    <a:masterClrMapping/>
-  </p:clrMapOvr>
-</p:notes>
-</file>
-
-<file path=ppt/notesSlides/notesSlide39.xml><?xml version="1.0" encoding="utf-8"?>
-<p:notes xmlns:a="http://schemas.openxmlformats.org/drawingml/2006/main" xmlns:r="http://schemas.openxmlformats.org/officeDocument/2006/relationships" xmlns:p="http://schemas.openxmlformats.org/presentationml/2006/main">
-  <p:cSld>
-    <p:spTree>
-      <p:nvGrpSpPr>
-        <p:cNvPr id="1" name="">
-          <a:extLst>
-            <a:ext uri="{FF2B5EF4-FFF2-40B4-BE49-F238E27FC236}">
-              <a16:creationId xmlns:a16="http://schemas.microsoft.com/office/drawing/2014/main" id="{C533CD1B-ACED-F279-CEFA-A82459C14F77}"/>
-            </a:ext>
-          </a:extLst>
-        </p:cNvPr>
-        <p:cNvGrpSpPr/>
-        <p:nvPr/>
-      </p:nvGrpSpPr>
-      <p:grpSpPr>
-        <a:xfrm>
-          <a:off x="0" y="0"/>
-          <a:ext cx="0" cy="0"/>
-          <a:chOff x="0" y="0"/>
-          <a:chExt cx="0" cy="0"/>
-        </a:xfrm>
-      </p:grpSpPr>
-      <p:sp>
-        <p:nvSpPr>
-          <p:cNvPr id="2" name="Slide Image Placeholder 1">
-            <a:extLst>
-              <a:ext uri="{FF2B5EF4-FFF2-40B4-BE49-F238E27FC236}">
-                <a16:creationId xmlns:a16="http://schemas.microsoft.com/office/drawing/2014/main" id="{991013FC-E8CC-31EE-2AC9-B9D9AA5D6BC0}"/>
-              </a:ext>
-            </a:extLst>
-          </p:cNvPr>
-          <p:cNvSpPr>
-            <a:spLocks noGrp="1" noRot="1" noChangeAspect="1"/>
-          </p:cNvSpPr>
-          <p:nvPr>
-            <p:ph type="sldImg"/>
-          </p:nvPr>
-        </p:nvSpPr>
-        <p:spPr/>
-      </p:sp>
-      <p:sp>
-        <p:nvSpPr>
-          <p:cNvPr id="3" name="Notes Placeholder 2">
-            <a:extLst>
-              <a:ext uri="{FF2B5EF4-FFF2-40B4-BE49-F238E27FC236}">
-                <a16:creationId xmlns:a16="http://schemas.microsoft.com/office/drawing/2014/main" id="{6B9F7625-DF40-4931-96F4-A0AFC497FFE2}"/>
-              </a:ext>
-            </a:extLst>
-          </p:cNvPr>
-          <p:cNvSpPr>
-            <a:spLocks noGrp="1"/>
-          </p:cNvSpPr>
-          <p:nvPr>
-            <p:ph type="body" idx="1"/>
-          </p:nvPr>
-        </p:nvSpPr>
-        <p:spPr/>
-        <p:txBody>
-          <a:bodyPr/>
-          <a:lstStyle/>
-          <a:p>
-            <a:r>
-              <a:rPr lang="en-US" dirty="0"/>
-              <a:t>Source: </a:t>
-            </a:r>
-            <a:r>
-              <a:rPr lang="en-US" b="0" i="0" dirty="0">
-                <a:solidFill>
-                  <a:srgbClr val="212529"/>
-                </a:solidFill>
-                <a:effectLst/>
-                <a:latin typeface="et-book"/>
-              </a:rPr>
-              <a:t>Blake, McAuliffe, and colleagues (</a:t>
-            </a:r>
-            <a:r>
-              <a:rPr lang="en-US" b="0" i="0" u="none" strike="noStrike" dirty="0">
-                <a:solidFill>
-                  <a:srgbClr val="212529"/>
-                </a:solidFill>
-                <a:effectLst/>
-                <a:latin typeface="et-book"/>
-                <a:hlinkClick r:id="rId3"/>
-              </a:rPr>
-              <a:t>2015</a:t>
-            </a:r>
-            <a:r>
-              <a:rPr lang="en-US" b="0" i="0" dirty="0">
-                <a:solidFill>
-                  <a:srgbClr val="212529"/>
-                </a:solidFill>
-                <a:effectLst/>
-                <a:latin typeface="et-book"/>
-              </a:rPr>
-              <a:t>) in their article “Ontogeny of Fairness in Seven Societies.”</a:t>
-            </a:r>
-            <a:endParaRPr lang="en-US" dirty="0"/>
-          </a:p>
-        </p:txBody>
-      </p:sp>
-      <p:sp>
-        <p:nvSpPr>
-          <p:cNvPr id="4" name="Slide Number Placeholder 3">
-            <a:extLst>
-              <a:ext uri="{FF2B5EF4-FFF2-40B4-BE49-F238E27FC236}">
-                <a16:creationId xmlns:a16="http://schemas.microsoft.com/office/drawing/2014/main" id="{FA546E39-E5EA-A824-B457-7031DF2979A7}"/>
-              </a:ext>
-            </a:extLst>
-          </p:cNvPr>
-          <p:cNvSpPr>
-            <a:spLocks noGrp="1"/>
-          </p:cNvSpPr>
-          <p:nvPr>
-            <p:ph type="sldNum" sz="quarter" idx="5"/>
-          </p:nvPr>
-        </p:nvSpPr>
-        <p:spPr/>
-        <p:txBody>
-          <a:bodyPr/>
-          <a:lstStyle/>
-          <a:p>
-            <a:fld id="{4AF79E1B-2C51-4B9B-8EA4-26DE9E345AFF}" type="slidenum">
-              <a:rPr lang="en-US" smtClean="0"/>
-              <a:t>39</a:t>
-            </a:fld>
-            <a:endParaRPr lang="en-US"/>
-          </a:p>
-        </p:txBody>
-      </p:sp>
-    </p:spTree>
-    <p:extLst>
-      <p:ext uri="{BB962C8B-B14F-4D97-AF65-F5344CB8AC3E}">
-        <p14:creationId xmlns:p14="http://schemas.microsoft.com/office/powerpoint/2010/main" val="2289304829"/>
       </p:ext>
     </p:extLst>
   </p:cSld>
@@ -4014,6 +3983,149 @@
         <p:cNvPr id="1" name="">
           <a:extLst>
             <a:ext uri="{FF2B5EF4-FFF2-40B4-BE49-F238E27FC236}">
+              <a16:creationId xmlns:a16="http://schemas.microsoft.com/office/drawing/2014/main" id="{C533CD1B-ACED-F279-CEFA-A82459C14F77}"/>
+            </a:ext>
+          </a:extLst>
+        </p:cNvPr>
+        <p:cNvGrpSpPr/>
+        <p:nvPr/>
+      </p:nvGrpSpPr>
+      <p:grpSpPr>
+        <a:xfrm>
+          <a:off x="0" y="0"/>
+          <a:ext cx="0" cy="0"/>
+          <a:chOff x="0" y="0"/>
+          <a:chExt cx="0" cy="0"/>
+        </a:xfrm>
+      </p:grpSpPr>
+      <p:sp>
+        <p:nvSpPr>
+          <p:cNvPr id="2" name="Slide Image Placeholder 1">
+            <a:extLst>
+              <a:ext uri="{FF2B5EF4-FFF2-40B4-BE49-F238E27FC236}">
+                <a16:creationId xmlns:a16="http://schemas.microsoft.com/office/drawing/2014/main" id="{991013FC-E8CC-31EE-2AC9-B9D9AA5D6BC0}"/>
+              </a:ext>
+            </a:extLst>
+          </p:cNvPr>
+          <p:cNvSpPr>
+            <a:spLocks noGrp="1" noRot="1" noChangeAspect="1"/>
+          </p:cNvSpPr>
+          <p:nvPr>
+            <p:ph type="sldImg"/>
+          </p:nvPr>
+        </p:nvSpPr>
+        <p:spPr/>
+      </p:sp>
+      <p:sp>
+        <p:nvSpPr>
+          <p:cNvPr id="3" name="Notes Placeholder 2">
+            <a:extLst>
+              <a:ext uri="{FF2B5EF4-FFF2-40B4-BE49-F238E27FC236}">
+                <a16:creationId xmlns:a16="http://schemas.microsoft.com/office/drawing/2014/main" id="{6B9F7625-DF40-4931-96F4-A0AFC497FFE2}"/>
+              </a:ext>
+            </a:extLst>
+          </p:cNvPr>
+          <p:cNvSpPr>
+            <a:spLocks noGrp="1"/>
+          </p:cNvSpPr>
+          <p:nvPr>
+            <p:ph type="body" idx="1"/>
+          </p:nvPr>
+        </p:nvSpPr>
+        <p:spPr/>
+        <p:txBody>
+          <a:bodyPr/>
+          <a:lstStyle/>
+          <a:p>
+            <a:r>
+              <a:rPr lang="en-US" dirty="0"/>
+              <a:t>Source: </a:t>
+            </a:r>
+            <a:r>
+              <a:rPr lang="en-US" b="0" i="0" dirty="0">
+                <a:solidFill>
+                  <a:srgbClr val="212529"/>
+                </a:solidFill>
+                <a:effectLst/>
+                <a:latin typeface="et-book"/>
+              </a:rPr>
+              <a:t>Blake, McAuliffe, and colleagues (</a:t>
+            </a:r>
+            <a:r>
+              <a:rPr lang="en-US" b="0" i="0" u="none" strike="noStrike" dirty="0">
+                <a:solidFill>
+                  <a:srgbClr val="212529"/>
+                </a:solidFill>
+                <a:effectLst/>
+                <a:latin typeface="et-book"/>
+                <a:hlinkClick r:id="rId3"/>
+              </a:rPr>
+              <a:t>2015</a:t>
+            </a:r>
+            <a:r>
+              <a:rPr lang="en-US" b="0" i="0" dirty="0">
+                <a:solidFill>
+                  <a:srgbClr val="212529"/>
+                </a:solidFill>
+                <a:effectLst/>
+                <a:latin typeface="et-book"/>
+              </a:rPr>
+              <a:t>) in their article “Ontogeny of Fairness in Seven Societies.”</a:t>
+            </a:r>
+            <a:endParaRPr lang="en-US" dirty="0"/>
+          </a:p>
+        </p:txBody>
+      </p:sp>
+      <p:sp>
+        <p:nvSpPr>
+          <p:cNvPr id="4" name="Slide Number Placeholder 3">
+            <a:extLst>
+              <a:ext uri="{FF2B5EF4-FFF2-40B4-BE49-F238E27FC236}">
+                <a16:creationId xmlns:a16="http://schemas.microsoft.com/office/drawing/2014/main" id="{FA546E39-E5EA-A824-B457-7031DF2979A7}"/>
+              </a:ext>
+            </a:extLst>
+          </p:cNvPr>
+          <p:cNvSpPr>
+            <a:spLocks noGrp="1"/>
+          </p:cNvSpPr>
+          <p:nvPr>
+            <p:ph type="sldNum" sz="quarter" idx="5"/>
+          </p:nvPr>
+        </p:nvSpPr>
+        <p:spPr/>
+        <p:txBody>
+          <a:bodyPr/>
+          <a:lstStyle/>
+          <a:p>
+            <a:fld id="{4AF79E1B-2C51-4B9B-8EA4-26DE9E345AFF}" type="slidenum">
+              <a:rPr lang="en-US" smtClean="0"/>
+              <a:t>40</a:t>
+            </a:fld>
+            <a:endParaRPr lang="en-US"/>
+          </a:p>
+        </p:txBody>
+      </p:sp>
+    </p:spTree>
+    <p:extLst>
+      <p:ext uri="{BB962C8B-B14F-4D97-AF65-F5344CB8AC3E}">
+        <p14:creationId xmlns:p14="http://schemas.microsoft.com/office/powerpoint/2010/main" val="2289304829"/>
+      </p:ext>
+    </p:extLst>
+  </p:cSld>
+  <p:clrMapOvr>
+    <a:masterClrMapping/>
+  </p:clrMapOvr>
+</p:notes>
+</file>
+
+<file path=ppt/notesSlides/notesSlide41.xml><?xml version="1.0" encoding="utf-8"?>
+<p:notes xmlns:a="http://schemas.openxmlformats.org/drawingml/2006/main" xmlns:r="http://schemas.openxmlformats.org/officeDocument/2006/relationships" xmlns:p="http://schemas.openxmlformats.org/presentationml/2006/main">
+  <p:cSld>
+    <p:spTree>
+      <p:nvGrpSpPr>
+        <p:cNvPr id="1" name="">
+          <a:extLst>
+            <a:ext uri="{FF2B5EF4-FFF2-40B4-BE49-F238E27FC236}">
               <a16:creationId xmlns:a16="http://schemas.microsoft.com/office/drawing/2014/main" id="{3C5EBC1F-693C-C839-79E8-1AC7E7089814}"/>
             </a:ext>
           </a:extLst>
@@ -4130,7 +4242,7 @@
           <a:p>
             <a:fld id="{4AF79E1B-2C51-4B9B-8EA4-26DE9E345AFF}" type="slidenum">
               <a:rPr lang="en-US" smtClean="0"/>
-              <a:t>40</a:t>
+              <a:t>41</a:t>
             </a:fld>
             <a:endParaRPr lang="en-US"/>
           </a:p>
@@ -4149,7 +4261,7 @@
 </p:notes>
 </file>
 
-<file path=ppt/notesSlides/notesSlide41.xml><?xml version="1.0" encoding="utf-8"?>
+<file path=ppt/notesSlides/notesSlide42.xml><?xml version="1.0" encoding="utf-8"?>
 <p:notes xmlns:a="http://schemas.openxmlformats.org/drawingml/2006/main" xmlns:r="http://schemas.openxmlformats.org/officeDocument/2006/relationships" xmlns:p="http://schemas.openxmlformats.org/presentationml/2006/main">
   <p:cSld>
     <p:spTree>
@@ -4241,7 +4353,7 @@
           <a:p>
             <a:fld id="{4AF79E1B-2C51-4B9B-8EA4-26DE9E345AFF}" type="slidenum">
               <a:rPr lang="en-US" smtClean="0"/>
-              <a:t>41</a:t>
+              <a:t>42</a:t>
             </a:fld>
             <a:endParaRPr lang="en-US"/>
           </a:p>
@@ -4260,7 +4372,7 @@
 </p:notes>
 </file>
 
-<file path=ppt/notesSlides/notesSlide42.xml><?xml version="1.0" encoding="utf-8"?>
+<file path=ppt/notesSlides/notesSlide43.xml><?xml version="1.0" encoding="utf-8"?>
 <p:notes xmlns:a="http://schemas.openxmlformats.org/drawingml/2006/main" xmlns:r="http://schemas.openxmlformats.org/officeDocument/2006/relationships" xmlns:p="http://schemas.openxmlformats.org/presentationml/2006/main">
   <p:cSld>
     <p:spTree>
@@ -4359,7 +4471,7 @@
           <a:p>
             <a:fld id="{4AF79E1B-2C51-4B9B-8EA4-26DE9E345AFF}" type="slidenum">
               <a:rPr lang="en-US" smtClean="0"/>
-              <a:t>42</a:t>
+              <a:t>43</a:t>
             </a:fld>
             <a:endParaRPr lang="en-US"/>
           </a:p>
@@ -4378,7 +4490,7 @@
 </p:notes>
 </file>
 
-<file path=ppt/notesSlides/notesSlide43.xml><?xml version="1.0" encoding="utf-8"?>
+<file path=ppt/notesSlides/notesSlide44.xml><?xml version="1.0" encoding="utf-8"?>
 <p:notes xmlns:a="http://schemas.openxmlformats.org/drawingml/2006/main" xmlns:r="http://schemas.openxmlformats.org/officeDocument/2006/relationships" xmlns:p="http://schemas.openxmlformats.org/presentationml/2006/main">
   <p:cSld>
     <p:spTree>
@@ -4467,7 +4579,7 @@
           <a:p>
             <a:fld id="{4AF79E1B-2C51-4B9B-8EA4-26DE9E345AFF}" type="slidenum">
               <a:rPr lang="en-US" smtClean="0"/>
-              <a:t>43</a:t>
+              <a:t>44</a:t>
             </a:fld>
             <a:endParaRPr lang="en-US"/>
           </a:p>
@@ -4486,7 +4598,7 @@
 </p:notes>
 </file>
 
-<file path=ppt/notesSlides/notesSlide44.xml><?xml version="1.0" encoding="utf-8"?>
+<file path=ppt/notesSlides/notesSlide45.xml><?xml version="1.0" encoding="utf-8"?>
 <p:notes xmlns:a="http://schemas.openxmlformats.org/drawingml/2006/main" xmlns:r="http://schemas.openxmlformats.org/officeDocument/2006/relationships" xmlns:p="http://schemas.openxmlformats.org/presentationml/2006/main">
   <p:cSld>
     <p:spTree>
@@ -4554,7 +4666,7 @@
           <a:p>
             <a:fld id="{4AF79E1B-2C51-4B9B-8EA4-26DE9E345AFF}" type="slidenum">
               <a:rPr lang="en-US" smtClean="0"/>
-              <a:t>44</a:t>
+              <a:t>45</a:t>
             </a:fld>
             <a:endParaRPr lang="en-US"/>
           </a:p>
@@ -4573,7 +4685,7 @@
 </p:notes>
 </file>
 
-<file path=ppt/notesSlides/notesSlide45.xml><?xml version="1.0" encoding="utf-8"?>
+<file path=ppt/notesSlides/notesSlide46.xml><?xml version="1.0" encoding="utf-8"?>
 <p:notes xmlns:a="http://schemas.openxmlformats.org/drawingml/2006/main" xmlns:r="http://schemas.openxmlformats.org/officeDocument/2006/relationships" xmlns:p="http://schemas.openxmlformats.org/presentationml/2006/main">
   <p:cSld>
     <p:spTree>
@@ -4665,7 +4777,7 @@
           <a:p>
             <a:fld id="{4AF79E1B-2C51-4B9B-8EA4-26DE9E345AFF}" type="slidenum">
               <a:rPr lang="en-US" smtClean="0"/>
-              <a:t>45</a:t>
+              <a:t>46</a:t>
             </a:fld>
             <a:endParaRPr lang="en-US"/>
           </a:p>
@@ -4684,7 +4796,7 @@
 </p:notes>
 </file>
 
-<file path=ppt/notesSlides/notesSlide46.xml><?xml version="1.0" encoding="utf-8"?>
+<file path=ppt/notesSlides/notesSlide47.xml><?xml version="1.0" encoding="utf-8"?>
 <p:notes xmlns:a="http://schemas.openxmlformats.org/drawingml/2006/main" xmlns:r="http://schemas.openxmlformats.org/officeDocument/2006/relationships" xmlns:p="http://schemas.openxmlformats.org/presentationml/2006/main">
   <p:cSld>
     <p:spTree>
@@ -4787,7 +4899,7 @@
           <a:p>
             <a:fld id="{4AF79E1B-2C51-4B9B-8EA4-26DE9E345AFF}" type="slidenum">
               <a:rPr lang="en-US" smtClean="0"/>
-              <a:t>46</a:t>
+              <a:t>47</a:t>
             </a:fld>
             <a:endParaRPr lang="en-US"/>
           </a:p>
@@ -4806,7 +4918,7 @@
 </p:notes>
 </file>
 
-<file path=ppt/notesSlides/notesSlide47.xml><?xml version="1.0" encoding="utf-8"?>
+<file path=ppt/notesSlides/notesSlide48.xml><?xml version="1.0" encoding="utf-8"?>
 <p:notes xmlns:a="http://schemas.openxmlformats.org/drawingml/2006/main" xmlns:r="http://schemas.openxmlformats.org/officeDocument/2006/relationships" xmlns:p="http://schemas.openxmlformats.org/presentationml/2006/main">
   <p:cSld>
     <p:spTree>
@@ -4899,7 +5011,7 @@
           <a:p>
             <a:fld id="{4AF79E1B-2C51-4B9B-8EA4-26DE9E345AFF}" type="slidenum">
               <a:rPr lang="en-US" smtClean="0"/>
-              <a:t>47</a:t>
+              <a:t>48</a:t>
             </a:fld>
             <a:endParaRPr lang="en-US"/>
           </a:p>
@@ -4918,7 +5030,7 @@
 </p:notes>
 </file>
 
-<file path=ppt/notesSlides/notesSlide48.xml><?xml version="1.0" encoding="utf-8"?>
+<file path=ppt/notesSlides/notesSlide49.xml><?xml version="1.0" encoding="utf-8"?>
 <p:notes xmlns:a="http://schemas.openxmlformats.org/drawingml/2006/main" xmlns:r="http://schemas.openxmlformats.org/officeDocument/2006/relationships" xmlns:p="http://schemas.openxmlformats.org/presentationml/2006/main">
   <p:cSld>
     <p:spTree>
@@ -5007,7 +5119,7 @@
           <a:p>
             <a:fld id="{4AF79E1B-2C51-4B9B-8EA4-26DE9E345AFF}" type="slidenum">
               <a:rPr lang="en-US" smtClean="0"/>
-              <a:t>48</a:t>
+              <a:t>49</a:t>
             </a:fld>
             <a:endParaRPr lang="en-US"/>
           </a:p>
@@ -5017,114 +5129,6 @@
     <p:extLst>
       <p:ext uri="{BB962C8B-B14F-4D97-AF65-F5344CB8AC3E}">
         <p14:creationId xmlns:p14="http://schemas.microsoft.com/office/powerpoint/2010/main" val="4082178748"/>
-      </p:ext>
-    </p:extLst>
-  </p:cSld>
-  <p:clrMapOvr>
-    <a:masterClrMapping/>
-  </p:clrMapOvr>
-</p:notes>
-</file>
-
-<file path=ppt/notesSlides/notesSlide49.xml><?xml version="1.0" encoding="utf-8"?>
-<p:notes xmlns:a="http://schemas.openxmlformats.org/drawingml/2006/main" xmlns:r="http://schemas.openxmlformats.org/officeDocument/2006/relationships" xmlns:p="http://schemas.openxmlformats.org/presentationml/2006/main">
-  <p:cSld>
-    <p:spTree>
-      <p:nvGrpSpPr>
-        <p:cNvPr id="1" name="">
-          <a:extLst>
-            <a:ext uri="{FF2B5EF4-FFF2-40B4-BE49-F238E27FC236}">
-              <a16:creationId xmlns:a16="http://schemas.microsoft.com/office/drawing/2014/main" id="{79A2A2BB-4D81-16BD-AF81-50451867207D}"/>
-            </a:ext>
-          </a:extLst>
-        </p:cNvPr>
-        <p:cNvGrpSpPr/>
-        <p:nvPr/>
-      </p:nvGrpSpPr>
-      <p:grpSpPr>
-        <a:xfrm>
-          <a:off x="0" y="0"/>
-          <a:ext cx="0" cy="0"/>
-          <a:chOff x="0" y="0"/>
-          <a:chExt cx="0" cy="0"/>
-        </a:xfrm>
-      </p:grpSpPr>
-      <p:sp>
-        <p:nvSpPr>
-          <p:cNvPr id="2" name="Slide Image Placeholder 1">
-            <a:extLst>
-              <a:ext uri="{FF2B5EF4-FFF2-40B4-BE49-F238E27FC236}">
-                <a16:creationId xmlns:a16="http://schemas.microsoft.com/office/drawing/2014/main" id="{4DCB6F44-8CE8-97A7-037C-807629D5BD97}"/>
-              </a:ext>
-            </a:extLst>
-          </p:cNvPr>
-          <p:cNvSpPr>
-            <a:spLocks noGrp="1" noRot="1" noChangeAspect="1"/>
-          </p:cNvSpPr>
-          <p:nvPr>
-            <p:ph type="sldImg"/>
-          </p:nvPr>
-        </p:nvSpPr>
-        <p:spPr/>
-      </p:sp>
-      <p:sp>
-        <p:nvSpPr>
-          <p:cNvPr id="3" name="Notes Placeholder 2">
-            <a:extLst>
-              <a:ext uri="{FF2B5EF4-FFF2-40B4-BE49-F238E27FC236}">
-                <a16:creationId xmlns:a16="http://schemas.microsoft.com/office/drawing/2014/main" id="{2925A3E9-F5FD-210C-39B1-F5A9D00BA608}"/>
-              </a:ext>
-            </a:extLst>
-          </p:cNvPr>
-          <p:cNvSpPr>
-            <a:spLocks noGrp="1"/>
-          </p:cNvSpPr>
-          <p:nvPr>
-            <p:ph type="body" idx="1"/>
-          </p:nvPr>
-        </p:nvSpPr>
-        <p:spPr/>
-        <p:txBody>
-          <a:bodyPr/>
-          <a:lstStyle/>
-          <a:p>
-            <a:endParaRPr lang="en-US" dirty="0"/>
-          </a:p>
-        </p:txBody>
-      </p:sp>
-      <p:sp>
-        <p:nvSpPr>
-          <p:cNvPr id="4" name="Slide Number Placeholder 3">
-            <a:extLst>
-              <a:ext uri="{FF2B5EF4-FFF2-40B4-BE49-F238E27FC236}">
-                <a16:creationId xmlns:a16="http://schemas.microsoft.com/office/drawing/2014/main" id="{7FD36B1B-ED23-ED25-B43D-D51C526E1215}"/>
-              </a:ext>
-            </a:extLst>
-          </p:cNvPr>
-          <p:cNvSpPr>
-            <a:spLocks noGrp="1"/>
-          </p:cNvSpPr>
-          <p:nvPr>
-            <p:ph type="sldNum" sz="quarter" idx="5"/>
-          </p:nvPr>
-        </p:nvSpPr>
-        <p:spPr/>
-        <p:txBody>
-          <a:bodyPr/>
-          <a:lstStyle/>
-          <a:p>
-            <a:fld id="{4AF79E1B-2C51-4B9B-8EA4-26DE9E345AFF}" type="slidenum">
-              <a:rPr lang="en-US" smtClean="0"/>
-              <a:t>49</a:t>
-            </a:fld>
-            <a:endParaRPr lang="en-US"/>
-          </a:p>
-        </p:txBody>
-      </p:sp>
-    </p:spTree>
-    <p:extLst>
-      <p:ext uri="{BB962C8B-B14F-4D97-AF65-F5344CB8AC3E}">
-        <p14:creationId xmlns:p14="http://schemas.microsoft.com/office/powerpoint/2010/main" val="3901340384"/>
       </p:ext>
     </p:extLst>
   </p:cSld>
@@ -5253,6 +5257,114 @@
         <p:cNvPr id="1" name="">
           <a:extLst>
             <a:ext uri="{FF2B5EF4-FFF2-40B4-BE49-F238E27FC236}">
+              <a16:creationId xmlns:a16="http://schemas.microsoft.com/office/drawing/2014/main" id="{79A2A2BB-4D81-16BD-AF81-50451867207D}"/>
+            </a:ext>
+          </a:extLst>
+        </p:cNvPr>
+        <p:cNvGrpSpPr/>
+        <p:nvPr/>
+      </p:nvGrpSpPr>
+      <p:grpSpPr>
+        <a:xfrm>
+          <a:off x="0" y="0"/>
+          <a:ext cx="0" cy="0"/>
+          <a:chOff x="0" y="0"/>
+          <a:chExt cx="0" cy="0"/>
+        </a:xfrm>
+      </p:grpSpPr>
+      <p:sp>
+        <p:nvSpPr>
+          <p:cNvPr id="2" name="Slide Image Placeholder 1">
+            <a:extLst>
+              <a:ext uri="{FF2B5EF4-FFF2-40B4-BE49-F238E27FC236}">
+                <a16:creationId xmlns:a16="http://schemas.microsoft.com/office/drawing/2014/main" id="{4DCB6F44-8CE8-97A7-037C-807629D5BD97}"/>
+              </a:ext>
+            </a:extLst>
+          </p:cNvPr>
+          <p:cNvSpPr>
+            <a:spLocks noGrp="1" noRot="1" noChangeAspect="1"/>
+          </p:cNvSpPr>
+          <p:nvPr>
+            <p:ph type="sldImg"/>
+          </p:nvPr>
+        </p:nvSpPr>
+        <p:spPr/>
+      </p:sp>
+      <p:sp>
+        <p:nvSpPr>
+          <p:cNvPr id="3" name="Notes Placeholder 2">
+            <a:extLst>
+              <a:ext uri="{FF2B5EF4-FFF2-40B4-BE49-F238E27FC236}">
+                <a16:creationId xmlns:a16="http://schemas.microsoft.com/office/drawing/2014/main" id="{2925A3E9-F5FD-210C-39B1-F5A9D00BA608}"/>
+              </a:ext>
+            </a:extLst>
+          </p:cNvPr>
+          <p:cNvSpPr>
+            <a:spLocks noGrp="1"/>
+          </p:cNvSpPr>
+          <p:nvPr>
+            <p:ph type="body" idx="1"/>
+          </p:nvPr>
+        </p:nvSpPr>
+        <p:spPr/>
+        <p:txBody>
+          <a:bodyPr/>
+          <a:lstStyle/>
+          <a:p>
+            <a:endParaRPr lang="en-US" dirty="0"/>
+          </a:p>
+        </p:txBody>
+      </p:sp>
+      <p:sp>
+        <p:nvSpPr>
+          <p:cNvPr id="4" name="Slide Number Placeholder 3">
+            <a:extLst>
+              <a:ext uri="{FF2B5EF4-FFF2-40B4-BE49-F238E27FC236}">
+                <a16:creationId xmlns:a16="http://schemas.microsoft.com/office/drawing/2014/main" id="{7FD36B1B-ED23-ED25-B43D-D51C526E1215}"/>
+              </a:ext>
+            </a:extLst>
+          </p:cNvPr>
+          <p:cNvSpPr>
+            <a:spLocks noGrp="1"/>
+          </p:cNvSpPr>
+          <p:nvPr>
+            <p:ph type="sldNum" sz="quarter" idx="5"/>
+          </p:nvPr>
+        </p:nvSpPr>
+        <p:spPr/>
+        <p:txBody>
+          <a:bodyPr/>
+          <a:lstStyle/>
+          <a:p>
+            <a:fld id="{4AF79E1B-2C51-4B9B-8EA4-26DE9E345AFF}" type="slidenum">
+              <a:rPr lang="en-US" smtClean="0"/>
+              <a:t>50</a:t>
+            </a:fld>
+            <a:endParaRPr lang="en-US"/>
+          </a:p>
+        </p:txBody>
+      </p:sp>
+    </p:spTree>
+    <p:extLst>
+      <p:ext uri="{BB962C8B-B14F-4D97-AF65-F5344CB8AC3E}">
+        <p14:creationId xmlns:p14="http://schemas.microsoft.com/office/powerpoint/2010/main" val="3901340384"/>
+      </p:ext>
+    </p:extLst>
+  </p:cSld>
+  <p:clrMapOvr>
+    <a:masterClrMapping/>
+  </p:clrMapOvr>
+</p:notes>
+</file>
+
+<file path=ppt/notesSlides/notesSlide51.xml><?xml version="1.0" encoding="utf-8"?>
+<p:notes xmlns:a="http://schemas.openxmlformats.org/drawingml/2006/main" xmlns:r="http://schemas.openxmlformats.org/officeDocument/2006/relationships" xmlns:p="http://schemas.openxmlformats.org/presentationml/2006/main">
+  <p:cSld>
+    <p:spTree>
+      <p:nvGrpSpPr>
+        <p:cNvPr id="1" name="">
+          <a:extLst>
+            <a:ext uri="{FF2B5EF4-FFF2-40B4-BE49-F238E27FC236}">
               <a16:creationId xmlns:a16="http://schemas.microsoft.com/office/drawing/2014/main" id="{454325C9-F251-717F-2441-774EEABDFC00}"/>
             </a:ext>
           </a:extLst>
@@ -5345,7 +5457,7 @@
           <a:p>
             <a:fld id="{4AF79E1B-2C51-4B9B-8EA4-26DE9E345AFF}" type="slidenum">
               <a:rPr lang="en-US" smtClean="0"/>
-              <a:t>50</a:t>
+              <a:t>51</a:t>
             </a:fld>
             <a:endParaRPr lang="en-US"/>
           </a:p>
@@ -5364,7 +5476,7 @@
 </p:notes>
 </file>
 
-<file path=ppt/notesSlides/notesSlide51.xml><?xml version="1.0" encoding="utf-8"?>
+<file path=ppt/notesSlides/notesSlide52.xml><?xml version="1.0" encoding="utf-8"?>
 <p:notes xmlns:a="http://schemas.openxmlformats.org/drawingml/2006/main" xmlns:r="http://schemas.openxmlformats.org/officeDocument/2006/relationships" xmlns:p="http://schemas.openxmlformats.org/presentationml/2006/main">
   <p:cSld>
     <p:spTree>
@@ -5538,7 +5650,7 @@
           <a:p>
             <a:fld id="{4AF79E1B-2C51-4B9B-8EA4-26DE9E345AFF}" type="slidenum">
               <a:rPr lang="en-US" smtClean="0"/>
-              <a:t>51</a:t>
+              <a:t>52</a:t>
             </a:fld>
             <a:endParaRPr lang="en-US"/>
           </a:p>
@@ -5548,93 +5660,6 @@
     <p:extLst>
       <p:ext uri="{BB962C8B-B14F-4D97-AF65-F5344CB8AC3E}">
         <p14:creationId xmlns:p14="http://schemas.microsoft.com/office/powerpoint/2010/main" val="3284497677"/>
-      </p:ext>
-    </p:extLst>
-  </p:cSld>
-  <p:clrMapOvr>
-    <a:masterClrMapping/>
-  </p:clrMapOvr>
-</p:notes>
-</file>
-
-<file path=ppt/notesSlides/notesSlide52.xml><?xml version="1.0" encoding="utf-8"?>
-<p:notes xmlns:a="http://schemas.openxmlformats.org/drawingml/2006/main" xmlns:r="http://schemas.openxmlformats.org/officeDocument/2006/relationships" xmlns:p="http://schemas.openxmlformats.org/presentationml/2006/main">
-  <p:cSld>
-    <p:spTree>
-      <p:nvGrpSpPr>
-        <p:cNvPr id="1" name=""/>
-        <p:cNvGrpSpPr/>
-        <p:nvPr/>
-      </p:nvGrpSpPr>
-      <p:grpSpPr>
-        <a:xfrm>
-          <a:off x="0" y="0"/>
-          <a:ext cx="0" cy="0"/>
-          <a:chOff x="0" y="0"/>
-          <a:chExt cx="0" cy="0"/>
-        </a:xfrm>
-      </p:grpSpPr>
-      <p:sp>
-        <p:nvSpPr>
-          <p:cNvPr id="2" name="Slide Image Placeholder 1"/>
-          <p:cNvSpPr>
-            <a:spLocks noGrp="1" noRot="1" noChangeAspect="1"/>
-          </p:cNvSpPr>
-          <p:nvPr>
-            <p:ph type="sldImg"/>
-          </p:nvPr>
-        </p:nvSpPr>
-        <p:spPr/>
-      </p:sp>
-      <p:sp>
-        <p:nvSpPr>
-          <p:cNvPr id="3" name="Notes Placeholder 2"/>
-          <p:cNvSpPr>
-            <a:spLocks noGrp="1"/>
-          </p:cNvSpPr>
-          <p:nvPr>
-            <p:ph type="body" idx="1"/>
-          </p:nvPr>
-        </p:nvSpPr>
-        <p:spPr/>
-        <p:txBody>
-          <a:bodyPr/>
-          <a:lstStyle/>
-          <a:p>
-            <a:r>
-              <a:rPr lang="en-US" dirty="0"/>
-              <a:t>Now coming back to how to visualize this – best for continuous data. https://chartio.com/learn/charts/how-to-choose-data-visualization/ </a:t>
-            </a:r>
-          </a:p>
-        </p:txBody>
-      </p:sp>
-      <p:sp>
-        <p:nvSpPr>
-          <p:cNvPr id="4" name="Slide Number Placeholder 3"/>
-          <p:cNvSpPr>
-            <a:spLocks noGrp="1"/>
-          </p:cNvSpPr>
-          <p:nvPr>
-            <p:ph type="sldNum" sz="quarter" idx="5"/>
-          </p:nvPr>
-        </p:nvSpPr>
-        <p:spPr/>
-        <p:txBody>
-          <a:bodyPr/>
-          <a:lstStyle/>
-          <a:p>
-            <a:fld id="{4AF79E1B-2C51-4B9B-8EA4-26DE9E345AFF}" type="slidenum">
-              <a:rPr lang="en-US" smtClean="0"/>
-              <a:t>52</a:t>
-            </a:fld>
-            <a:endParaRPr lang="en-US"/>
-          </a:p>
-        </p:txBody>
-      </p:sp>
-    </p:spTree>
-    <p:extLst>
-      <p:ext uri="{BB962C8B-B14F-4D97-AF65-F5344CB8AC3E}">
-        <p14:creationId xmlns:p14="http://schemas.microsoft.com/office/powerpoint/2010/main" val="1332799001"/>
       </p:ext>
     </p:extLst>
   </p:cSld>
@@ -5688,7 +5713,10 @@
           <a:bodyPr/>
           <a:lstStyle/>
           <a:p>
-            <a:endParaRPr lang="en-US" dirty="0"/>
+            <a:r>
+              <a:rPr lang="en-US" dirty="0"/>
+              <a:t>Now coming back to how to visualize this – best for continuous data. https://chartio.com/learn/charts/how-to-choose-data-visualization/ </a:t>
+            </a:r>
           </a:p>
         </p:txBody>
       </p:sp>
@@ -5718,7 +5746,7 @@
     </p:spTree>
     <p:extLst>
       <p:ext uri="{BB962C8B-B14F-4D97-AF65-F5344CB8AC3E}">
-        <p14:creationId xmlns:p14="http://schemas.microsoft.com/office/powerpoint/2010/main" val="4129922979"/>
+        <p14:creationId xmlns:p14="http://schemas.microsoft.com/office/powerpoint/2010/main" val="1332799001"/>
       </p:ext>
     </p:extLst>
   </p:cSld>
@@ -5772,18 +5800,7 @@
           <a:bodyPr/>
           <a:lstStyle/>
           <a:p>
-            <a:r>
-              <a:rPr lang="en-US" dirty="0"/>
-              <a:t>We’ll cover regression more in future lectures, but the idea behind regression is a visual use of covariance. We want to measure strength of relationship between X and Y , or the direction of the linear relationship • If X and Y have a strong positive relationship (high X ⇔ high Y ), then x &gt; µX ⇔ y &gt; µY —hence, </a:t>
-            </a:r>
-            <a:r>
-              <a:rPr lang="en-US" dirty="0" err="1"/>
-              <a:t>Cov</a:t>
-            </a:r>
-            <a:r>
-              <a:rPr lang="en-US" dirty="0"/>
-              <a:t>(X, Y ) will be strongly positive </a:t>
-            </a:r>
+            <a:endParaRPr lang="en-US" dirty="0"/>
           </a:p>
         </p:txBody>
       </p:sp>
@@ -5805,6 +5822,101 @@
             <a:fld id="{4AF79E1B-2C51-4B9B-8EA4-26DE9E345AFF}" type="slidenum">
               <a:rPr lang="en-US" smtClean="0"/>
               <a:t>54</a:t>
+            </a:fld>
+            <a:endParaRPr lang="en-US"/>
+          </a:p>
+        </p:txBody>
+      </p:sp>
+    </p:spTree>
+    <p:extLst>
+      <p:ext uri="{BB962C8B-B14F-4D97-AF65-F5344CB8AC3E}">
+        <p14:creationId xmlns:p14="http://schemas.microsoft.com/office/powerpoint/2010/main" val="4129922979"/>
+      </p:ext>
+    </p:extLst>
+  </p:cSld>
+  <p:clrMapOvr>
+    <a:masterClrMapping/>
+  </p:clrMapOvr>
+</p:notes>
+</file>
+
+<file path=ppt/notesSlides/notesSlide55.xml><?xml version="1.0" encoding="utf-8"?>
+<p:notes xmlns:a="http://schemas.openxmlformats.org/drawingml/2006/main" xmlns:r="http://schemas.openxmlformats.org/officeDocument/2006/relationships" xmlns:p="http://schemas.openxmlformats.org/presentationml/2006/main">
+  <p:cSld>
+    <p:spTree>
+      <p:nvGrpSpPr>
+        <p:cNvPr id="1" name=""/>
+        <p:cNvGrpSpPr/>
+        <p:nvPr/>
+      </p:nvGrpSpPr>
+      <p:grpSpPr>
+        <a:xfrm>
+          <a:off x="0" y="0"/>
+          <a:ext cx="0" cy="0"/>
+          <a:chOff x="0" y="0"/>
+          <a:chExt cx="0" cy="0"/>
+        </a:xfrm>
+      </p:grpSpPr>
+      <p:sp>
+        <p:nvSpPr>
+          <p:cNvPr id="2" name="Slide Image Placeholder 1"/>
+          <p:cNvSpPr>
+            <a:spLocks noGrp="1" noRot="1" noChangeAspect="1"/>
+          </p:cNvSpPr>
+          <p:nvPr>
+            <p:ph type="sldImg"/>
+          </p:nvPr>
+        </p:nvSpPr>
+        <p:spPr/>
+      </p:sp>
+      <p:sp>
+        <p:nvSpPr>
+          <p:cNvPr id="3" name="Notes Placeholder 2"/>
+          <p:cNvSpPr>
+            <a:spLocks noGrp="1"/>
+          </p:cNvSpPr>
+          <p:nvPr>
+            <p:ph type="body" idx="1"/>
+          </p:nvPr>
+        </p:nvSpPr>
+        <p:spPr/>
+        <p:txBody>
+          <a:bodyPr/>
+          <a:lstStyle/>
+          <a:p>
+            <a:r>
+              <a:rPr lang="en-US" dirty="0"/>
+              <a:t>We’ll cover regression more in future lectures, but the idea behind regression is a visual use of covariance. We want to measure strength of relationship between X and Y , or the direction of the linear relationship • If X and Y have a strong positive relationship (high X ⇔ high Y ), then x &gt; µX ⇔ y &gt; µY —hence, </a:t>
+            </a:r>
+            <a:r>
+              <a:rPr lang="en-US" dirty="0" err="1"/>
+              <a:t>Cov</a:t>
+            </a:r>
+            <a:r>
+              <a:rPr lang="en-US" dirty="0"/>
+              <a:t>(X, Y ) will be strongly positive </a:t>
+            </a:r>
+          </a:p>
+        </p:txBody>
+      </p:sp>
+      <p:sp>
+        <p:nvSpPr>
+          <p:cNvPr id="4" name="Slide Number Placeholder 3"/>
+          <p:cNvSpPr>
+            <a:spLocks noGrp="1"/>
+          </p:cNvSpPr>
+          <p:nvPr>
+            <p:ph type="sldNum" sz="quarter" idx="5"/>
+          </p:nvPr>
+        </p:nvSpPr>
+        <p:spPr/>
+        <p:txBody>
+          <a:bodyPr/>
+          <a:lstStyle/>
+          <a:p>
+            <a:fld id="{4AF79E1B-2C51-4B9B-8EA4-26DE9E345AFF}" type="slidenum">
+              <a:rPr lang="en-US" smtClean="0"/>
+              <a:t>55</a:t>
             </a:fld>
             <a:endParaRPr lang="en-US"/>
           </a:p>
@@ -5823,7 +5935,7 @@
 </p:notes>
 </file>
 
-<file path=ppt/notesSlides/notesSlide55.xml><?xml version="1.0" encoding="utf-8"?>
+<file path=ppt/notesSlides/notesSlide56.xml><?xml version="1.0" encoding="utf-8"?>
 <p:notes xmlns:a="http://schemas.openxmlformats.org/drawingml/2006/main" xmlns:r="http://schemas.openxmlformats.org/officeDocument/2006/relationships" xmlns:p="http://schemas.openxmlformats.org/presentationml/2006/main">
   <p:cSld>
     <p:spTree>
@@ -5922,7 +6034,7 @@
           <a:p>
             <a:fld id="{4AF79E1B-2C51-4B9B-8EA4-26DE9E345AFF}" type="slidenum">
               <a:rPr lang="en-US" smtClean="0"/>
-              <a:t>55</a:t>
+              <a:t>56</a:t>
             </a:fld>
             <a:endParaRPr lang="en-US"/>
           </a:p>
@@ -5941,7 +6053,7 @@
 </p:notes>
 </file>
 
-<file path=ppt/notesSlides/notesSlide56.xml><?xml version="1.0" encoding="utf-8"?>
+<file path=ppt/notesSlides/notesSlide57.xml><?xml version="1.0" encoding="utf-8"?>
 <p:notes xmlns:a="http://schemas.openxmlformats.org/drawingml/2006/main" xmlns:r="http://schemas.openxmlformats.org/officeDocument/2006/relationships" xmlns:p="http://schemas.openxmlformats.org/presentationml/2006/main">
   <p:cSld>
     <p:spTree>
@@ -6083,7 +6195,7 @@
           <a:p>
             <a:fld id="{4AF79E1B-2C51-4B9B-8EA4-26DE9E345AFF}" type="slidenum">
               <a:rPr lang="en-US" smtClean="0"/>
-              <a:t>56</a:t>
+              <a:t>57</a:t>
             </a:fld>
             <a:endParaRPr lang="en-US"/>
           </a:p>
@@ -6093,93 +6205,6 @@
     <p:extLst>
       <p:ext uri="{BB962C8B-B14F-4D97-AF65-F5344CB8AC3E}">
         <p14:creationId xmlns:p14="http://schemas.microsoft.com/office/powerpoint/2010/main" val="2720817004"/>
-      </p:ext>
-    </p:extLst>
-  </p:cSld>
-  <p:clrMapOvr>
-    <a:masterClrMapping/>
-  </p:clrMapOvr>
-</p:notes>
-</file>
-
-<file path=ppt/notesSlides/notesSlide57.xml><?xml version="1.0" encoding="utf-8"?>
-<p:notes xmlns:a="http://schemas.openxmlformats.org/drawingml/2006/main" xmlns:r="http://schemas.openxmlformats.org/officeDocument/2006/relationships" xmlns:p="http://schemas.openxmlformats.org/presentationml/2006/main">
-  <p:cSld>
-    <p:spTree>
-      <p:nvGrpSpPr>
-        <p:cNvPr id="1" name=""/>
-        <p:cNvGrpSpPr/>
-        <p:nvPr/>
-      </p:nvGrpSpPr>
-      <p:grpSpPr>
-        <a:xfrm>
-          <a:off x="0" y="0"/>
-          <a:ext cx="0" cy="0"/>
-          <a:chOff x="0" y="0"/>
-          <a:chExt cx="0" cy="0"/>
-        </a:xfrm>
-      </p:grpSpPr>
-      <p:sp>
-        <p:nvSpPr>
-          <p:cNvPr id="2" name="Slide Image Placeholder 1"/>
-          <p:cNvSpPr>
-            <a:spLocks noGrp="1" noRot="1" noChangeAspect="1"/>
-          </p:cNvSpPr>
-          <p:nvPr>
-            <p:ph type="sldImg"/>
-          </p:nvPr>
-        </p:nvSpPr>
-        <p:spPr/>
-      </p:sp>
-      <p:sp>
-        <p:nvSpPr>
-          <p:cNvPr id="3" name="Notes Placeholder 2"/>
-          <p:cNvSpPr>
-            <a:spLocks noGrp="1"/>
-          </p:cNvSpPr>
-          <p:nvPr>
-            <p:ph type="body" idx="1"/>
-          </p:nvPr>
-        </p:nvSpPr>
-        <p:spPr/>
-        <p:txBody>
-          <a:bodyPr/>
-          <a:lstStyle/>
-          <a:p>
-            <a:r>
-              <a:rPr lang="en-US" dirty="0"/>
-              <a:t>Intuition – how would we calculate this in R? </a:t>
-            </a:r>
-          </a:p>
-        </p:txBody>
-      </p:sp>
-      <p:sp>
-        <p:nvSpPr>
-          <p:cNvPr id="4" name="Slide Number Placeholder 3"/>
-          <p:cNvSpPr>
-            <a:spLocks noGrp="1"/>
-          </p:cNvSpPr>
-          <p:nvPr>
-            <p:ph type="sldNum" sz="quarter" idx="5"/>
-          </p:nvPr>
-        </p:nvSpPr>
-        <p:spPr/>
-        <p:txBody>
-          <a:bodyPr/>
-          <a:lstStyle/>
-          <a:p>
-            <a:fld id="{4AF79E1B-2C51-4B9B-8EA4-26DE9E345AFF}" type="slidenum">
-              <a:rPr lang="en-US" smtClean="0"/>
-              <a:t>57</a:t>
-            </a:fld>
-            <a:endParaRPr lang="en-US"/>
-          </a:p>
-        </p:txBody>
-      </p:sp>
-    </p:spTree>
-    <p:extLst>
-      <p:ext uri="{BB962C8B-B14F-4D97-AF65-F5344CB8AC3E}">
-        <p14:creationId xmlns:p14="http://schemas.microsoft.com/office/powerpoint/2010/main" val="1441752433"/>
       </p:ext>
     </p:extLst>
   </p:cSld>
@@ -6235,7 +6260,7 @@
           <a:p>
             <a:r>
               <a:rPr lang="en-US" dirty="0"/>
-              <a:t>Some useful properties about covariance – it’s a straightforward generalization from variance. Show unit sensitivity in R. </a:t>
+              <a:t>Intuition – how would we calculate this in R? </a:t>
             </a:r>
           </a:p>
         </p:txBody>
@@ -6266,7 +6291,7 @@
     </p:spTree>
     <p:extLst>
       <p:ext uri="{BB962C8B-B14F-4D97-AF65-F5344CB8AC3E}">
-        <p14:creationId xmlns:p14="http://schemas.microsoft.com/office/powerpoint/2010/main" val="3094098428"/>
+        <p14:creationId xmlns:p14="http://schemas.microsoft.com/office/powerpoint/2010/main" val="1441752433"/>
       </p:ext>
     </p:extLst>
   </p:cSld>
@@ -6320,7 +6345,10 @@
           <a:bodyPr/>
           <a:lstStyle/>
           <a:p>
-            <a:endParaRPr lang="en-US" dirty="0"/>
+            <a:r>
+              <a:rPr lang="en-US" dirty="0"/>
+              <a:t>Some useful properties about covariance – it’s a straightforward generalization from variance. Show unit sensitivity in R. </a:t>
+            </a:r>
           </a:p>
         </p:txBody>
       </p:sp>
@@ -6350,7 +6378,7 @@
     </p:spTree>
     <p:extLst>
       <p:ext uri="{BB962C8B-B14F-4D97-AF65-F5344CB8AC3E}">
-        <p14:creationId xmlns:p14="http://schemas.microsoft.com/office/powerpoint/2010/main" val="1625499298"/>
+        <p14:creationId xmlns:p14="http://schemas.microsoft.com/office/powerpoint/2010/main" val="3094098428"/>
       </p:ext>
     </p:extLst>
   </p:cSld>
@@ -6404,7 +6432,10 @@
           <a:bodyPr/>
           <a:lstStyle/>
           <a:p>
-            <a:endParaRPr lang="en-US" dirty="0"/>
+            <a:r>
+              <a:rPr lang="en-US" dirty="0"/>
+              <a:t>Before we can do any statistics at all, we need to visualize and summarize our own data. This is where we take code and integrate it into stats. </a:t>
+            </a:r>
           </a:p>
         </p:txBody>
       </p:sp>
@@ -6488,10 +6519,7 @@
           <a:bodyPr/>
           <a:lstStyle/>
           <a:p>
-            <a:r>
-              <a:rPr lang="en-US" dirty="0"/>
-              <a:t>Note that when two variables are independent, rho = 0. Is the reverse true? </a:t>
-            </a:r>
+            <a:endParaRPr lang="en-US" dirty="0"/>
           </a:p>
         </p:txBody>
       </p:sp>
@@ -6513,6 +6541,93 @@
             <a:fld id="{4AF79E1B-2C51-4B9B-8EA4-26DE9E345AFF}" type="slidenum">
               <a:rPr lang="en-US" smtClean="0"/>
               <a:t>60</a:t>
+            </a:fld>
+            <a:endParaRPr lang="en-US"/>
+          </a:p>
+        </p:txBody>
+      </p:sp>
+    </p:spTree>
+    <p:extLst>
+      <p:ext uri="{BB962C8B-B14F-4D97-AF65-F5344CB8AC3E}">
+        <p14:creationId xmlns:p14="http://schemas.microsoft.com/office/powerpoint/2010/main" val="1625499298"/>
+      </p:ext>
+    </p:extLst>
+  </p:cSld>
+  <p:clrMapOvr>
+    <a:masterClrMapping/>
+  </p:clrMapOvr>
+</p:notes>
+</file>
+
+<file path=ppt/notesSlides/notesSlide61.xml><?xml version="1.0" encoding="utf-8"?>
+<p:notes xmlns:a="http://schemas.openxmlformats.org/drawingml/2006/main" xmlns:r="http://schemas.openxmlformats.org/officeDocument/2006/relationships" xmlns:p="http://schemas.openxmlformats.org/presentationml/2006/main">
+  <p:cSld>
+    <p:spTree>
+      <p:nvGrpSpPr>
+        <p:cNvPr id="1" name=""/>
+        <p:cNvGrpSpPr/>
+        <p:nvPr/>
+      </p:nvGrpSpPr>
+      <p:grpSpPr>
+        <a:xfrm>
+          <a:off x="0" y="0"/>
+          <a:ext cx="0" cy="0"/>
+          <a:chOff x="0" y="0"/>
+          <a:chExt cx="0" cy="0"/>
+        </a:xfrm>
+      </p:grpSpPr>
+      <p:sp>
+        <p:nvSpPr>
+          <p:cNvPr id="2" name="Slide Image Placeholder 1"/>
+          <p:cNvSpPr>
+            <a:spLocks noGrp="1" noRot="1" noChangeAspect="1"/>
+          </p:cNvSpPr>
+          <p:nvPr>
+            <p:ph type="sldImg"/>
+          </p:nvPr>
+        </p:nvSpPr>
+        <p:spPr/>
+      </p:sp>
+      <p:sp>
+        <p:nvSpPr>
+          <p:cNvPr id="3" name="Notes Placeholder 2"/>
+          <p:cNvSpPr>
+            <a:spLocks noGrp="1"/>
+          </p:cNvSpPr>
+          <p:nvPr>
+            <p:ph type="body" idx="1"/>
+          </p:nvPr>
+        </p:nvSpPr>
+        <p:spPr/>
+        <p:txBody>
+          <a:bodyPr/>
+          <a:lstStyle/>
+          <a:p>
+            <a:r>
+              <a:rPr lang="en-US" dirty="0"/>
+              <a:t>Note that when two variables are independent, rho = 0. Is the reverse true? </a:t>
+            </a:r>
+          </a:p>
+        </p:txBody>
+      </p:sp>
+      <p:sp>
+        <p:nvSpPr>
+          <p:cNvPr id="4" name="Slide Number Placeholder 3"/>
+          <p:cNvSpPr>
+            <a:spLocks noGrp="1"/>
+          </p:cNvSpPr>
+          <p:nvPr>
+            <p:ph type="sldNum" sz="quarter" idx="5"/>
+          </p:nvPr>
+        </p:nvSpPr>
+        <p:spPr/>
+        <p:txBody>
+          <a:bodyPr/>
+          <a:lstStyle/>
+          <a:p>
+            <a:fld id="{4AF79E1B-2C51-4B9B-8EA4-26DE9E345AFF}" type="slidenum">
+              <a:rPr lang="en-US" smtClean="0"/>
+              <a:t>61</a:t>
             </a:fld>
             <a:endParaRPr lang="en-US"/>
           </a:p>
@@ -6531,7 +6646,7 @@
 </p:notes>
 </file>
 
-<file path=ppt/notesSlides/notesSlide61.xml><?xml version="1.0" encoding="utf-8"?>
+<file path=ppt/notesSlides/notesSlide62.xml><?xml version="1.0" encoding="utf-8"?>
 <p:notes xmlns:a="http://schemas.openxmlformats.org/drawingml/2006/main" xmlns:r="http://schemas.openxmlformats.org/officeDocument/2006/relationships" xmlns:p="http://schemas.openxmlformats.org/presentationml/2006/main">
   <p:cSld>
     <p:spTree>
@@ -6623,7 +6738,7 @@
           <a:p>
             <a:fld id="{4AF79E1B-2C51-4B9B-8EA4-26DE9E345AFF}" type="slidenum">
               <a:rPr lang="en-US" smtClean="0"/>
-              <a:t>61</a:t>
+              <a:t>62</a:t>
             </a:fld>
             <a:endParaRPr lang="en-US"/>
           </a:p>
@@ -6642,7 +6757,7 @@
 </p:notes>
 </file>
 
-<file path=ppt/notesSlides/notesSlide62.xml><?xml version="1.0" encoding="utf-8"?>
+<file path=ppt/notesSlides/notesSlide63.xml><?xml version="1.0" encoding="utf-8"?>
 <p:notes xmlns:a="http://schemas.openxmlformats.org/drawingml/2006/main" xmlns:r="http://schemas.openxmlformats.org/officeDocument/2006/relationships" xmlns:p="http://schemas.openxmlformats.org/presentationml/2006/main">
   <p:cSld>
     <p:spTree>
@@ -6741,7 +6856,7 @@
           <a:p>
             <a:fld id="{4AF79E1B-2C51-4B9B-8EA4-26DE9E345AFF}" type="slidenum">
               <a:rPr lang="en-US" smtClean="0"/>
-              <a:t>62</a:t>
+              <a:t>63</a:t>
             </a:fld>
             <a:endParaRPr lang="en-US"/>
           </a:p>
@@ -6760,7 +6875,7 @@
 </p:notes>
 </file>
 
-<file path=ppt/notesSlides/notesSlide63.xml><?xml version="1.0" encoding="utf-8"?>
+<file path=ppt/notesSlides/notesSlide64.xml><?xml version="1.0" encoding="utf-8"?>
 <p:notes xmlns:a="http://schemas.openxmlformats.org/drawingml/2006/main" xmlns:r="http://schemas.openxmlformats.org/officeDocument/2006/relationships" xmlns:p="http://schemas.openxmlformats.org/presentationml/2006/main">
   <p:cSld>
     <p:spTree>
@@ -6852,7 +6967,7 @@
           <a:p>
             <a:fld id="{4AF79E1B-2C51-4B9B-8EA4-26DE9E345AFF}" type="slidenum">
               <a:rPr lang="en-US" smtClean="0"/>
-              <a:t>63</a:t>
+              <a:t>64</a:t>
             </a:fld>
             <a:endParaRPr lang="en-US"/>
           </a:p>
@@ -6871,7 +6986,7 @@
 </p:notes>
 </file>
 
-<file path=ppt/notesSlides/notesSlide64.xml><?xml version="1.0" encoding="utf-8"?>
+<file path=ppt/notesSlides/notesSlide65.xml><?xml version="1.0" encoding="utf-8"?>
 <p:notes xmlns:a="http://schemas.openxmlformats.org/drawingml/2006/main" xmlns:r="http://schemas.openxmlformats.org/officeDocument/2006/relationships" xmlns:p="http://schemas.openxmlformats.org/presentationml/2006/main">
   <p:cSld>
     <p:spTree>
@@ -6963,7 +7078,7 @@
           <a:p>
             <a:fld id="{4AF79E1B-2C51-4B9B-8EA4-26DE9E345AFF}" type="slidenum">
               <a:rPr lang="en-US" smtClean="0"/>
-              <a:t>64</a:t>
+              <a:t>65</a:t>
             </a:fld>
             <a:endParaRPr lang="en-US"/>
           </a:p>
@@ -6982,7 +7097,7 @@
 </p:notes>
 </file>
 
-<file path=ppt/notesSlides/notesSlide65.xml><?xml version="1.0" encoding="utf-8"?>
+<file path=ppt/notesSlides/notesSlide66.xml><?xml version="1.0" encoding="utf-8"?>
 <p:notes xmlns:a="http://schemas.openxmlformats.org/drawingml/2006/main" xmlns:r="http://schemas.openxmlformats.org/officeDocument/2006/relationships" xmlns:p="http://schemas.openxmlformats.org/presentationml/2006/main">
   <p:cSld>
     <p:spTree>
@@ -7074,7 +7189,7 @@
           <a:p>
             <a:fld id="{4AF79E1B-2C51-4B9B-8EA4-26DE9E345AFF}" type="slidenum">
               <a:rPr lang="en-US" smtClean="0"/>
-              <a:t>65</a:t>
+              <a:t>66</a:t>
             </a:fld>
             <a:endParaRPr lang="en-US"/>
           </a:p>
@@ -7093,7 +7208,7 @@
 </p:notes>
 </file>
 
-<file path=ppt/notesSlides/notesSlide66.xml><?xml version="1.0" encoding="utf-8"?>
+<file path=ppt/notesSlides/notesSlide67.xml><?xml version="1.0" encoding="utf-8"?>
 <p:notes xmlns:a="http://schemas.openxmlformats.org/drawingml/2006/main" xmlns:r="http://schemas.openxmlformats.org/officeDocument/2006/relationships" xmlns:p="http://schemas.openxmlformats.org/presentationml/2006/main">
   <p:cSld>
     <p:spTree>
@@ -7168,7 +7283,7 @@
           <a:p>
             <a:fld id="{4AF79E1B-2C51-4B9B-8EA4-26DE9E345AFF}" type="slidenum">
               <a:rPr lang="en-US" smtClean="0"/>
-              <a:t>66</a:t>
+              <a:t>67</a:t>
             </a:fld>
             <a:endParaRPr lang="en-US"/>
           </a:p>
@@ -7187,7 +7302,7 @@
 </p:notes>
 </file>
 
-<file path=ppt/notesSlides/notesSlide67.xml><?xml version="1.0" encoding="utf-8"?>
+<file path=ppt/notesSlides/notesSlide68.xml><?xml version="1.0" encoding="utf-8"?>
 <p:notes xmlns:a="http://schemas.openxmlformats.org/drawingml/2006/main" xmlns:r="http://schemas.openxmlformats.org/officeDocument/2006/relationships" xmlns:p="http://schemas.openxmlformats.org/presentationml/2006/main">
   <p:cSld>
     <p:spTree>
@@ -7279,7 +7394,7 @@
           <a:p>
             <a:fld id="{4AF79E1B-2C51-4B9B-8EA4-26DE9E345AFF}" type="slidenum">
               <a:rPr lang="en-US" smtClean="0"/>
-              <a:t>67</a:t>
+              <a:t>68</a:t>
             </a:fld>
             <a:endParaRPr lang="en-US"/>
           </a:p>
@@ -7298,7 +7413,7 @@
 </p:notes>
 </file>
 
-<file path=ppt/notesSlides/notesSlide68.xml><?xml version="1.0" encoding="utf-8"?>
+<file path=ppt/notesSlides/notesSlide69.xml><?xml version="1.0" encoding="utf-8"?>
 <p:notes xmlns:a="http://schemas.openxmlformats.org/drawingml/2006/main" xmlns:r="http://schemas.openxmlformats.org/officeDocument/2006/relationships" xmlns:p="http://schemas.openxmlformats.org/presentationml/2006/main">
   <p:cSld>
     <p:spTree>
@@ -7390,7 +7505,7 @@
           <a:p>
             <a:fld id="{4AF79E1B-2C51-4B9B-8EA4-26DE9E345AFF}" type="slidenum">
               <a:rPr lang="en-US" smtClean="0"/>
-              <a:t>68</a:t>
+              <a:t>69</a:t>
             </a:fld>
             <a:endParaRPr lang="en-US"/>
           </a:p>
@@ -7400,117 +7515,6 @@
     <p:extLst>
       <p:ext uri="{BB962C8B-B14F-4D97-AF65-F5344CB8AC3E}">
         <p14:creationId xmlns:p14="http://schemas.microsoft.com/office/powerpoint/2010/main" val="274775026"/>
-      </p:ext>
-    </p:extLst>
-  </p:cSld>
-  <p:clrMapOvr>
-    <a:masterClrMapping/>
-  </p:clrMapOvr>
-</p:notes>
-</file>
-
-<file path=ppt/notesSlides/notesSlide69.xml><?xml version="1.0" encoding="utf-8"?>
-<p:notes xmlns:a="http://schemas.openxmlformats.org/drawingml/2006/main" xmlns:r="http://schemas.openxmlformats.org/officeDocument/2006/relationships" xmlns:p="http://schemas.openxmlformats.org/presentationml/2006/main">
-  <p:cSld>
-    <p:spTree>
-      <p:nvGrpSpPr>
-        <p:cNvPr id="1" name="">
-          <a:extLst>
-            <a:ext uri="{FF2B5EF4-FFF2-40B4-BE49-F238E27FC236}">
-              <a16:creationId xmlns:a16="http://schemas.microsoft.com/office/drawing/2014/main" id="{3351A192-3A49-13DC-6B5B-266843D59EEB}"/>
-            </a:ext>
-          </a:extLst>
-        </p:cNvPr>
-        <p:cNvGrpSpPr/>
-        <p:nvPr/>
-      </p:nvGrpSpPr>
-      <p:grpSpPr>
-        <a:xfrm>
-          <a:off x="0" y="0"/>
-          <a:ext cx="0" cy="0"/>
-          <a:chOff x="0" y="0"/>
-          <a:chExt cx="0" cy="0"/>
-        </a:xfrm>
-      </p:grpSpPr>
-      <p:sp>
-        <p:nvSpPr>
-          <p:cNvPr id="2" name="Slide Image Placeholder 1">
-            <a:extLst>
-              <a:ext uri="{FF2B5EF4-FFF2-40B4-BE49-F238E27FC236}">
-                <a16:creationId xmlns:a16="http://schemas.microsoft.com/office/drawing/2014/main" id="{3BC525DB-CBBD-5774-25E3-733B1203FD52}"/>
-              </a:ext>
-            </a:extLst>
-          </p:cNvPr>
-          <p:cNvSpPr>
-            <a:spLocks noGrp="1" noRot="1" noChangeAspect="1"/>
-          </p:cNvSpPr>
-          <p:nvPr>
-            <p:ph type="sldImg"/>
-          </p:nvPr>
-        </p:nvSpPr>
-        <p:spPr/>
-      </p:sp>
-      <p:sp>
-        <p:nvSpPr>
-          <p:cNvPr id="3" name="Notes Placeholder 2">
-            <a:extLst>
-              <a:ext uri="{FF2B5EF4-FFF2-40B4-BE49-F238E27FC236}">
-                <a16:creationId xmlns:a16="http://schemas.microsoft.com/office/drawing/2014/main" id="{BA1F8952-D401-82F4-930C-FEC5B8C97FB4}"/>
-              </a:ext>
-            </a:extLst>
-          </p:cNvPr>
-          <p:cNvSpPr>
-            <a:spLocks noGrp="1"/>
-          </p:cNvSpPr>
-          <p:nvPr>
-            <p:ph type="body" idx="1"/>
-          </p:nvPr>
-        </p:nvSpPr>
-        <p:spPr/>
-        <p:txBody>
-          <a:bodyPr/>
-          <a:lstStyle/>
-          <a:p>
-            <a:r>
-              <a:rPr lang="en-US" dirty="0"/>
-              <a:t>Each of these is the same data. Which one works? What does it highlight? *Note: a good figure usually does more than one thing*.</a:t>
-            </a:r>
-          </a:p>
-        </p:txBody>
-      </p:sp>
-      <p:sp>
-        <p:nvSpPr>
-          <p:cNvPr id="4" name="Slide Number Placeholder 3">
-            <a:extLst>
-              <a:ext uri="{FF2B5EF4-FFF2-40B4-BE49-F238E27FC236}">
-                <a16:creationId xmlns:a16="http://schemas.microsoft.com/office/drawing/2014/main" id="{5FCDE322-DAB9-8EC6-A5F8-C16C10304EF0}"/>
-              </a:ext>
-            </a:extLst>
-          </p:cNvPr>
-          <p:cNvSpPr>
-            <a:spLocks noGrp="1"/>
-          </p:cNvSpPr>
-          <p:nvPr>
-            <p:ph type="sldNum" sz="quarter" idx="5"/>
-          </p:nvPr>
-        </p:nvSpPr>
-        <p:spPr/>
-        <p:txBody>
-          <a:bodyPr/>
-          <a:lstStyle/>
-          <a:p>
-            <a:fld id="{4AF79E1B-2C51-4B9B-8EA4-26DE9E345AFF}" type="slidenum">
-              <a:rPr lang="en-US" smtClean="0"/>
-              <a:t>69</a:t>
-            </a:fld>
-            <a:endParaRPr lang="en-US"/>
-          </a:p>
-        </p:txBody>
-      </p:sp>
-    </p:spTree>
-    <p:extLst>
-      <p:ext uri="{BB962C8B-B14F-4D97-AF65-F5344CB8AC3E}">
-        <p14:creationId xmlns:p14="http://schemas.microsoft.com/office/powerpoint/2010/main" val="427769072"/>
       </p:ext>
     </p:extLst>
   </p:cSld>
@@ -7659,6 +7663,117 @@
         <p:cNvPr id="1" name="">
           <a:extLst>
             <a:ext uri="{FF2B5EF4-FFF2-40B4-BE49-F238E27FC236}">
+              <a16:creationId xmlns:a16="http://schemas.microsoft.com/office/drawing/2014/main" id="{3351A192-3A49-13DC-6B5B-266843D59EEB}"/>
+            </a:ext>
+          </a:extLst>
+        </p:cNvPr>
+        <p:cNvGrpSpPr/>
+        <p:nvPr/>
+      </p:nvGrpSpPr>
+      <p:grpSpPr>
+        <a:xfrm>
+          <a:off x="0" y="0"/>
+          <a:ext cx="0" cy="0"/>
+          <a:chOff x="0" y="0"/>
+          <a:chExt cx="0" cy="0"/>
+        </a:xfrm>
+      </p:grpSpPr>
+      <p:sp>
+        <p:nvSpPr>
+          <p:cNvPr id="2" name="Slide Image Placeholder 1">
+            <a:extLst>
+              <a:ext uri="{FF2B5EF4-FFF2-40B4-BE49-F238E27FC236}">
+                <a16:creationId xmlns:a16="http://schemas.microsoft.com/office/drawing/2014/main" id="{3BC525DB-CBBD-5774-25E3-733B1203FD52}"/>
+              </a:ext>
+            </a:extLst>
+          </p:cNvPr>
+          <p:cNvSpPr>
+            <a:spLocks noGrp="1" noRot="1" noChangeAspect="1"/>
+          </p:cNvSpPr>
+          <p:nvPr>
+            <p:ph type="sldImg"/>
+          </p:nvPr>
+        </p:nvSpPr>
+        <p:spPr/>
+      </p:sp>
+      <p:sp>
+        <p:nvSpPr>
+          <p:cNvPr id="3" name="Notes Placeholder 2">
+            <a:extLst>
+              <a:ext uri="{FF2B5EF4-FFF2-40B4-BE49-F238E27FC236}">
+                <a16:creationId xmlns:a16="http://schemas.microsoft.com/office/drawing/2014/main" id="{BA1F8952-D401-82F4-930C-FEC5B8C97FB4}"/>
+              </a:ext>
+            </a:extLst>
+          </p:cNvPr>
+          <p:cNvSpPr>
+            <a:spLocks noGrp="1"/>
+          </p:cNvSpPr>
+          <p:nvPr>
+            <p:ph type="body" idx="1"/>
+          </p:nvPr>
+        </p:nvSpPr>
+        <p:spPr/>
+        <p:txBody>
+          <a:bodyPr/>
+          <a:lstStyle/>
+          <a:p>
+            <a:r>
+              <a:rPr lang="en-US" dirty="0"/>
+              <a:t>Each of these is the same data. Which one works? What does it highlight? *Note: a good figure usually does more than one thing*.</a:t>
+            </a:r>
+          </a:p>
+        </p:txBody>
+      </p:sp>
+      <p:sp>
+        <p:nvSpPr>
+          <p:cNvPr id="4" name="Slide Number Placeholder 3">
+            <a:extLst>
+              <a:ext uri="{FF2B5EF4-FFF2-40B4-BE49-F238E27FC236}">
+                <a16:creationId xmlns:a16="http://schemas.microsoft.com/office/drawing/2014/main" id="{5FCDE322-DAB9-8EC6-A5F8-C16C10304EF0}"/>
+              </a:ext>
+            </a:extLst>
+          </p:cNvPr>
+          <p:cNvSpPr>
+            <a:spLocks noGrp="1"/>
+          </p:cNvSpPr>
+          <p:nvPr>
+            <p:ph type="sldNum" sz="quarter" idx="5"/>
+          </p:nvPr>
+        </p:nvSpPr>
+        <p:spPr/>
+        <p:txBody>
+          <a:bodyPr/>
+          <a:lstStyle/>
+          <a:p>
+            <a:fld id="{4AF79E1B-2C51-4B9B-8EA4-26DE9E345AFF}" type="slidenum">
+              <a:rPr lang="en-US" smtClean="0"/>
+              <a:t>70</a:t>
+            </a:fld>
+            <a:endParaRPr lang="en-US"/>
+          </a:p>
+        </p:txBody>
+      </p:sp>
+    </p:spTree>
+    <p:extLst>
+      <p:ext uri="{BB962C8B-B14F-4D97-AF65-F5344CB8AC3E}">
+        <p14:creationId xmlns:p14="http://schemas.microsoft.com/office/powerpoint/2010/main" val="427769072"/>
+      </p:ext>
+    </p:extLst>
+  </p:cSld>
+  <p:clrMapOvr>
+    <a:masterClrMapping/>
+  </p:clrMapOvr>
+</p:notes>
+</file>
+
+<file path=ppt/notesSlides/notesSlide71.xml><?xml version="1.0" encoding="utf-8"?>
+<p:notes xmlns:a="http://schemas.openxmlformats.org/drawingml/2006/main" xmlns:r="http://schemas.openxmlformats.org/officeDocument/2006/relationships" xmlns:p="http://schemas.openxmlformats.org/presentationml/2006/main">
+  <p:cSld>
+    <p:spTree>
+      <p:nvGrpSpPr>
+        <p:cNvPr id="1" name="">
+          <a:extLst>
+            <a:ext uri="{FF2B5EF4-FFF2-40B4-BE49-F238E27FC236}">
               <a16:creationId xmlns:a16="http://schemas.microsoft.com/office/drawing/2014/main" id="{5B32B981-02A2-1755-9074-C76CB8835BD9}"/>
             </a:ext>
           </a:extLst>
@@ -7743,7 +7858,7 @@
           <a:p>
             <a:fld id="{4AF79E1B-2C51-4B9B-8EA4-26DE9E345AFF}" type="slidenum">
               <a:rPr lang="en-US" smtClean="0"/>
-              <a:t>70</a:t>
+              <a:t>71</a:t>
             </a:fld>
             <a:endParaRPr lang="en-US"/>
           </a:p>
@@ -7762,7 +7877,7 @@
 </p:notes>
 </file>
 
-<file path=ppt/notesSlides/notesSlide71.xml><?xml version="1.0" encoding="utf-8"?>
+<file path=ppt/notesSlides/notesSlide72.xml><?xml version="1.0" encoding="utf-8"?>
 <p:notes xmlns:a="http://schemas.openxmlformats.org/drawingml/2006/main" xmlns:r="http://schemas.openxmlformats.org/officeDocument/2006/relationships" xmlns:p="http://schemas.openxmlformats.org/presentationml/2006/main">
   <p:cSld>
     <p:spTree>
@@ -7854,7 +7969,7 @@
           <a:p>
             <a:fld id="{4AF79E1B-2C51-4B9B-8EA4-26DE9E345AFF}" type="slidenum">
               <a:rPr lang="en-US" smtClean="0"/>
-              <a:t>71</a:t>
+              <a:t>72</a:t>
             </a:fld>
             <a:endParaRPr lang="en-US"/>
           </a:p>
@@ -7873,7 +7988,7 @@
 </p:notes>
 </file>
 
-<file path=ppt/notesSlides/notesSlide72.xml><?xml version="1.0" encoding="utf-8"?>
+<file path=ppt/notesSlides/notesSlide73.xml><?xml version="1.0" encoding="utf-8"?>
 <p:notes xmlns:a="http://schemas.openxmlformats.org/drawingml/2006/main" xmlns:r="http://schemas.openxmlformats.org/officeDocument/2006/relationships" xmlns:p="http://schemas.openxmlformats.org/presentationml/2006/main">
   <p:cSld>
     <p:spTree>
@@ -8162,7 +8277,7 @@
           <a:p>
             <a:fld id="{4AF79E1B-2C51-4B9B-8EA4-26DE9E345AFF}" type="slidenum">
               <a:rPr lang="en-US" smtClean="0"/>
-              <a:t>72</a:t>
+              <a:t>73</a:t>
             </a:fld>
             <a:endParaRPr lang="en-US"/>
           </a:p>
@@ -8181,7 +8296,7 @@
 </p:notes>
 </file>
 
-<file path=ppt/notesSlides/notesSlide73.xml><?xml version="1.0" encoding="utf-8"?>
+<file path=ppt/notesSlides/notesSlide74.xml><?xml version="1.0" encoding="utf-8"?>
 <p:notes xmlns:a="http://schemas.openxmlformats.org/drawingml/2006/main" xmlns:r="http://schemas.openxmlformats.org/officeDocument/2006/relationships" xmlns:p="http://schemas.openxmlformats.org/presentationml/2006/main">
   <p:cSld>
     <p:spTree>
@@ -8273,7 +8388,7 @@
           <a:p>
             <a:fld id="{4AF79E1B-2C51-4B9B-8EA4-26DE9E345AFF}" type="slidenum">
               <a:rPr lang="en-US" smtClean="0"/>
-              <a:t>73</a:t>
+              <a:t>74</a:t>
             </a:fld>
             <a:endParaRPr lang="en-US"/>
           </a:p>
@@ -8292,7 +8407,7 @@
 </p:notes>
 </file>
 
-<file path=ppt/notesSlides/notesSlide74.xml><?xml version="1.0" encoding="utf-8"?>
+<file path=ppt/notesSlides/notesSlide75.xml><?xml version="1.0" encoding="utf-8"?>
 <p:notes xmlns:a="http://schemas.openxmlformats.org/drawingml/2006/main" xmlns:r="http://schemas.openxmlformats.org/officeDocument/2006/relationships" xmlns:p="http://schemas.openxmlformats.org/presentationml/2006/main">
   <p:cSld>
     <p:spTree>
@@ -8384,7 +8499,7 @@
           <a:p>
             <a:fld id="{4AF79E1B-2C51-4B9B-8EA4-26DE9E345AFF}" type="slidenum">
               <a:rPr lang="en-US" smtClean="0"/>
-              <a:t>74</a:t>
+              <a:t>75</a:t>
             </a:fld>
             <a:endParaRPr lang="en-US"/>
           </a:p>
@@ -8403,7 +8518,7 @@
 </p:notes>
 </file>
 
-<file path=ppt/notesSlides/notesSlide75.xml><?xml version="1.0" encoding="utf-8"?>
+<file path=ppt/notesSlides/notesSlide76.xml><?xml version="1.0" encoding="utf-8"?>
 <p:notes xmlns:a="http://schemas.openxmlformats.org/drawingml/2006/main" xmlns:r="http://schemas.openxmlformats.org/officeDocument/2006/relationships" xmlns:p="http://schemas.openxmlformats.org/presentationml/2006/main">
   <p:cSld>
     <p:spTree>
@@ -8492,7 +8607,7 @@
           <a:p>
             <a:fld id="{4AF79E1B-2C51-4B9B-8EA4-26DE9E345AFF}" type="slidenum">
               <a:rPr lang="en-US" smtClean="0"/>
-              <a:t>81</a:t>
+              <a:t>82</a:t>
             </a:fld>
             <a:endParaRPr lang="en-US"/>
           </a:p>
@@ -8511,7 +8626,7 @@
 </p:notes>
 </file>
 
-<file path=ppt/notesSlides/notesSlide76.xml><?xml version="1.0" encoding="utf-8"?>
+<file path=ppt/notesSlides/notesSlide77.xml><?xml version="1.0" encoding="utf-8"?>
 <p:notes xmlns:a="http://schemas.openxmlformats.org/drawingml/2006/main" xmlns:r="http://schemas.openxmlformats.org/officeDocument/2006/relationships" xmlns:p="http://schemas.openxmlformats.org/presentationml/2006/main">
   <p:cSld>
     <p:spTree>
@@ -8580,7 +8695,7 @@
           <a:p>
             <a:fld id="{4AF79E1B-2C51-4B9B-8EA4-26DE9E345AFF}" type="slidenum">
               <a:rPr lang="en-US" smtClean="0"/>
-              <a:t>82</a:t>
+              <a:t>83</a:t>
             </a:fld>
             <a:endParaRPr lang="en-US"/>
           </a:p>
@@ -8958,7 +9073,7 @@
             <a:fld id="{0972D05C-DCFB-4BB6-B49C-AC126BF3ED2C}" type="datetimeFigureOut">
               <a:rPr lang="en-US" smtClean="0"/>
               <a:pPr/>
-              <a:t>1/20/2025</a:t>
+              <a:t>1/23/2025</a:t>
             </a:fld>
             <a:endParaRPr lang="en-US"/>
           </a:p>
@@ -9188,7 +9303,7 @@
             <a:fld id="{0972D05C-DCFB-4BB6-B49C-AC126BF3ED2C}" type="datetimeFigureOut">
               <a:rPr lang="en-US" smtClean="0"/>
               <a:pPr/>
-              <a:t>1/20/2025</a:t>
+              <a:t>1/23/2025</a:t>
             </a:fld>
             <a:endParaRPr lang="en-US"/>
           </a:p>
@@ -9370,7 +9485,7 @@
             <a:fld id="{0972D05C-DCFB-4BB6-B49C-AC126BF3ED2C}" type="datetimeFigureOut">
               <a:rPr lang="en-US" smtClean="0"/>
               <a:pPr/>
-              <a:t>1/20/2025</a:t>
+              <a:t>1/23/2025</a:t>
             </a:fld>
             <a:endParaRPr lang="en-US"/>
           </a:p>
@@ -10890,7 +11005,7 @@
             <a:fld id="{0972D05C-DCFB-4BB6-B49C-AC126BF3ED2C}" type="datetimeFigureOut">
               <a:rPr lang="en-US" smtClean="0"/>
               <a:pPr/>
-              <a:t>1/20/2025</a:t>
+              <a:t>1/23/2025</a:t>
             </a:fld>
             <a:endParaRPr lang="en-US"/>
           </a:p>
@@ -11146,7 +11261,7 @@
             <a:fld id="{0972D05C-DCFB-4BB6-B49C-AC126BF3ED2C}" type="datetimeFigureOut">
               <a:rPr lang="en-US" smtClean="0"/>
               <a:pPr/>
-              <a:t>1/20/2025</a:t>
+              <a:t>1/23/2025</a:t>
             </a:fld>
             <a:endParaRPr lang="en-US"/>
           </a:p>
@@ -11474,7 +11589,7 @@
             <a:fld id="{0972D05C-DCFB-4BB6-B49C-AC126BF3ED2C}" type="datetimeFigureOut">
               <a:rPr lang="en-US" smtClean="0"/>
               <a:pPr/>
-              <a:t>1/20/2025</a:t>
+              <a:t>1/23/2025</a:t>
             </a:fld>
             <a:endParaRPr lang="en-US"/>
           </a:p>
@@ -11927,7 +12042,7 @@
             <a:fld id="{0972D05C-DCFB-4BB6-B49C-AC126BF3ED2C}" type="datetimeFigureOut">
               <a:rPr lang="en-US" smtClean="0"/>
               <a:pPr/>
-              <a:t>1/20/2025</a:t>
+              <a:t>1/23/2025</a:t>
             </a:fld>
             <a:endParaRPr lang="en-US"/>
           </a:p>
@@ -12047,7 +12162,7 @@
             <a:fld id="{0972D05C-DCFB-4BB6-B49C-AC126BF3ED2C}" type="datetimeFigureOut">
               <a:rPr lang="en-US" smtClean="0"/>
               <a:pPr/>
-              <a:t>1/20/2025</a:t>
+              <a:t>1/23/2025</a:t>
             </a:fld>
             <a:endParaRPr lang="en-US"/>
           </a:p>
@@ -12144,7 +12259,7 @@
             <a:fld id="{0972D05C-DCFB-4BB6-B49C-AC126BF3ED2C}" type="datetimeFigureOut">
               <a:rPr lang="en-US" smtClean="0"/>
               <a:pPr/>
-              <a:t>1/20/2025</a:t>
+              <a:t>1/23/2025</a:t>
             </a:fld>
             <a:endParaRPr lang="en-US"/>
           </a:p>
@@ -12433,7 +12548,7 @@
             <a:fld id="{0972D05C-DCFB-4BB6-B49C-AC126BF3ED2C}" type="datetimeFigureOut">
               <a:rPr lang="en-US" smtClean="0"/>
               <a:pPr/>
-              <a:t>1/20/2025</a:t>
+              <a:t>1/23/2025</a:t>
             </a:fld>
             <a:endParaRPr lang="en-US"/>
           </a:p>
@@ -12757,7 +12872,7 @@
             <a:fld id="{0972D05C-DCFB-4BB6-B49C-AC126BF3ED2C}" type="datetimeFigureOut">
               <a:rPr lang="en-US" smtClean="0"/>
               <a:pPr/>
-              <a:t>1/20/2025</a:t>
+              <a:t>1/23/2025</a:t>
             </a:fld>
             <a:endParaRPr lang="en-US"/>
           </a:p>
@@ -13012,7 +13127,7 @@
             <a:fld id="{0972D05C-DCFB-4BB6-B49C-AC126BF3ED2C}" type="datetimeFigureOut">
               <a:rPr lang="en-US" smtClean="0"/>
               <a:pPr/>
-              <a:t>1/20/2025</a:t>
+              <a:t>1/23/2025</a:t>
             </a:fld>
             <a:endParaRPr lang="en-US" dirty="0"/>
           </a:p>
@@ -18010,6 +18125,104 @@
   <p:cSld>
     <p:spTree>
       <p:nvGrpSpPr>
+        <p:cNvPr id="1" name="">
+          <a:extLst>
+            <a:ext uri="{FF2B5EF4-FFF2-40B4-BE49-F238E27FC236}">
+              <a16:creationId xmlns:a16="http://schemas.microsoft.com/office/drawing/2014/main" id="{A6EC6421-0DD9-9C3E-26B0-6F19E4F082E1}"/>
+            </a:ext>
+          </a:extLst>
+        </p:cNvPr>
+        <p:cNvGrpSpPr/>
+        <p:nvPr/>
+      </p:nvGrpSpPr>
+      <p:grpSpPr>
+        <a:xfrm>
+          <a:off x="0" y="0"/>
+          <a:ext cx="0" cy="0"/>
+          <a:chOff x="0" y="0"/>
+          <a:chExt cx="0" cy="0"/>
+        </a:xfrm>
+      </p:grpSpPr>
+      <p:sp>
+        <p:nvSpPr>
+          <p:cNvPr id="2" name="Title 1">
+            <a:extLst>
+              <a:ext uri="{FF2B5EF4-FFF2-40B4-BE49-F238E27FC236}">
+                <a16:creationId xmlns:a16="http://schemas.microsoft.com/office/drawing/2014/main" id="{29F3E82B-6048-26E4-ED8F-BBC783C6DA90}"/>
+              </a:ext>
+            </a:extLst>
+          </p:cNvPr>
+          <p:cNvSpPr>
+            <a:spLocks noGrp="1"/>
+          </p:cNvSpPr>
+          <p:nvPr>
+            <p:ph type="ctrTitle"/>
+          </p:nvPr>
+        </p:nvSpPr>
+        <p:spPr>
+          <a:xfrm>
+            <a:off x="1261872" y="758952"/>
+            <a:ext cx="10549128" cy="4041648"/>
+          </a:xfrm>
+        </p:spPr>
+        <p:txBody>
+          <a:bodyPr>
+            <a:normAutofit/>
+          </a:bodyPr>
+          <a:lstStyle/>
+          <a:p>
+            <a:r>
+              <a:rPr lang="en-US" sz="6600" dirty="0"/>
+              <a:t>Measures of Central Tendency</a:t>
+            </a:r>
+          </a:p>
+        </p:txBody>
+      </p:sp>
+      <p:sp>
+        <p:nvSpPr>
+          <p:cNvPr id="3" name="Subtitle 2">
+            <a:extLst>
+              <a:ext uri="{FF2B5EF4-FFF2-40B4-BE49-F238E27FC236}">
+                <a16:creationId xmlns:a16="http://schemas.microsoft.com/office/drawing/2014/main" id="{770E4370-8605-C520-AFF6-AAE2E8CEC934}"/>
+              </a:ext>
+            </a:extLst>
+          </p:cNvPr>
+          <p:cNvSpPr>
+            <a:spLocks noGrp="1"/>
+          </p:cNvSpPr>
+          <p:nvPr>
+            <p:ph type="subTitle" idx="1"/>
+          </p:nvPr>
+        </p:nvSpPr>
+        <p:spPr/>
+        <p:txBody>
+          <a:bodyPr>
+            <a:normAutofit/>
+          </a:bodyPr>
+          <a:lstStyle/>
+          <a:p>
+            <a:endParaRPr lang="en-US" sz="4400" dirty="0"/>
+          </a:p>
+        </p:txBody>
+      </p:sp>
+    </p:spTree>
+    <p:extLst>
+      <p:ext uri="{BB962C8B-B14F-4D97-AF65-F5344CB8AC3E}">
+        <p14:creationId xmlns:p14="http://schemas.microsoft.com/office/powerpoint/2010/main" val="1507239805"/>
+      </p:ext>
+    </p:extLst>
+  </p:cSld>
+  <p:clrMapOvr>
+    <a:masterClrMapping/>
+  </p:clrMapOvr>
+</p:sld>
+</file>
+
+<file path=ppt/slides/slide27.xml><?xml version="1.0" encoding="utf-8"?>
+<p:sld xmlns:a="http://schemas.openxmlformats.org/drawingml/2006/main" xmlns:r="http://schemas.openxmlformats.org/officeDocument/2006/relationships" xmlns:p="http://schemas.openxmlformats.org/presentationml/2006/main">
+  <p:cSld>
+    <p:spTree>
+      <p:nvGrpSpPr>
         <p:cNvPr id="1" name=""/>
         <p:cNvGrpSpPr/>
         <p:nvPr/>
@@ -18280,7 +18493,7 @@
 </p:sld>
 </file>
 
-<file path=ppt/slides/slide27.xml><?xml version="1.0" encoding="utf-8"?>
+<file path=ppt/slides/slide28.xml><?xml version="1.0" encoding="utf-8"?>
 <p:sld xmlns:a="http://schemas.openxmlformats.org/drawingml/2006/main" xmlns:r="http://schemas.openxmlformats.org/officeDocument/2006/relationships" xmlns:p="http://schemas.openxmlformats.org/presentationml/2006/main">
   <p:cSld>
     <p:spTree>
@@ -18732,7 +18945,7 @@
 </p:sld>
 </file>
 
-<file path=ppt/slides/slide28.xml><?xml version="1.0" encoding="utf-8"?>
+<file path=ppt/slides/slide29.xml><?xml version="1.0" encoding="utf-8"?>
 <p:sld xmlns:a="http://schemas.openxmlformats.org/drawingml/2006/main" xmlns:r="http://schemas.openxmlformats.org/officeDocument/2006/relationships" xmlns:p="http://schemas.openxmlformats.org/presentationml/2006/main">
   <p:cSld>
     <p:spTree>
@@ -18928,7 +19141,103 @@
 </p:sld>
 </file>
 
-<file path=ppt/slides/slide29.xml><?xml version="1.0" encoding="utf-8"?>
+<file path=ppt/slides/slide3.xml><?xml version="1.0" encoding="utf-8"?>
+<p:sld xmlns:a="http://schemas.openxmlformats.org/drawingml/2006/main" xmlns:r="http://schemas.openxmlformats.org/officeDocument/2006/relationships" xmlns:p="http://schemas.openxmlformats.org/presentationml/2006/main">
+  <p:cSld>
+    <p:spTree>
+      <p:nvGrpSpPr>
+        <p:cNvPr id="1" name="">
+          <a:extLst>
+            <a:ext uri="{FF2B5EF4-FFF2-40B4-BE49-F238E27FC236}">
+              <a16:creationId xmlns:a16="http://schemas.microsoft.com/office/drawing/2014/main" id="{211922C6-9945-1593-EC14-F5B78E0331A4}"/>
+            </a:ext>
+          </a:extLst>
+        </p:cNvPr>
+        <p:cNvGrpSpPr/>
+        <p:nvPr/>
+      </p:nvGrpSpPr>
+      <p:grpSpPr>
+        <a:xfrm>
+          <a:off x="0" y="0"/>
+          <a:ext cx="0" cy="0"/>
+          <a:chOff x="0" y="0"/>
+          <a:chExt cx="0" cy="0"/>
+        </a:xfrm>
+      </p:grpSpPr>
+      <p:sp>
+        <p:nvSpPr>
+          <p:cNvPr id="2" name="Title 1">
+            <a:extLst>
+              <a:ext uri="{FF2B5EF4-FFF2-40B4-BE49-F238E27FC236}">
+                <a16:creationId xmlns:a16="http://schemas.microsoft.com/office/drawing/2014/main" id="{5E2AA5ED-CE14-461F-C68F-506E438D8D0C}"/>
+              </a:ext>
+            </a:extLst>
+          </p:cNvPr>
+          <p:cNvSpPr>
+            <a:spLocks noGrp="1"/>
+          </p:cNvSpPr>
+          <p:nvPr>
+            <p:ph type="ctrTitle"/>
+          </p:nvPr>
+        </p:nvSpPr>
+        <p:spPr>
+          <a:xfrm>
+            <a:off x="1261872" y="758952"/>
+            <a:ext cx="10549128" cy="4041648"/>
+          </a:xfrm>
+        </p:spPr>
+        <p:txBody>
+          <a:bodyPr/>
+          <a:lstStyle/>
+          <a:p>
+            <a:r>
+              <a:rPr lang="en-US" dirty="0"/>
+              <a:t>Data Visualization </a:t>
+            </a:r>
+          </a:p>
+        </p:txBody>
+      </p:sp>
+      <p:sp>
+        <p:nvSpPr>
+          <p:cNvPr id="3" name="Subtitle 2">
+            <a:extLst>
+              <a:ext uri="{FF2B5EF4-FFF2-40B4-BE49-F238E27FC236}">
+                <a16:creationId xmlns:a16="http://schemas.microsoft.com/office/drawing/2014/main" id="{37F5DFB8-A060-BCFD-2324-1405F39E33B7}"/>
+              </a:ext>
+            </a:extLst>
+          </p:cNvPr>
+          <p:cNvSpPr>
+            <a:spLocks noGrp="1"/>
+          </p:cNvSpPr>
+          <p:nvPr>
+            <p:ph type="subTitle" idx="1"/>
+          </p:nvPr>
+        </p:nvSpPr>
+        <p:spPr/>
+        <p:txBody>
+          <a:bodyPr>
+            <a:normAutofit/>
+          </a:bodyPr>
+          <a:lstStyle/>
+          <a:p>
+            <a:endParaRPr lang="en-US" sz="4400" dirty="0"/>
+          </a:p>
+        </p:txBody>
+      </p:sp>
+    </p:spTree>
+    <p:extLst>
+      <p:ext uri="{BB962C8B-B14F-4D97-AF65-F5344CB8AC3E}">
+        <p14:creationId xmlns:p14="http://schemas.microsoft.com/office/powerpoint/2010/main" val="1708843838"/>
+      </p:ext>
+    </p:extLst>
+  </p:cSld>
+  <p:clrMapOvr>
+    <a:masterClrMapping/>
+  </p:clrMapOvr>
+</p:sld>
+</file>
+
+<file path=ppt/slides/slide30.xml><?xml version="1.0" encoding="utf-8"?>
 <p:sld xmlns:a="http://schemas.openxmlformats.org/drawingml/2006/main" xmlns:r="http://schemas.openxmlformats.org/officeDocument/2006/relationships" xmlns:p="http://schemas.openxmlformats.org/presentationml/2006/main">
   <p:cSld>
     <p:spTree>
@@ -19287,103 +19596,7 @@
 </p:sld>
 </file>
 
-<file path=ppt/slides/slide3.xml><?xml version="1.0" encoding="utf-8"?>
-<p:sld xmlns:a="http://schemas.openxmlformats.org/drawingml/2006/main" xmlns:r="http://schemas.openxmlformats.org/officeDocument/2006/relationships" xmlns:p="http://schemas.openxmlformats.org/presentationml/2006/main">
-  <p:cSld>
-    <p:spTree>
-      <p:nvGrpSpPr>
-        <p:cNvPr id="1" name="">
-          <a:extLst>
-            <a:ext uri="{FF2B5EF4-FFF2-40B4-BE49-F238E27FC236}">
-              <a16:creationId xmlns:a16="http://schemas.microsoft.com/office/drawing/2014/main" id="{211922C6-9945-1593-EC14-F5B78E0331A4}"/>
-            </a:ext>
-          </a:extLst>
-        </p:cNvPr>
-        <p:cNvGrpSpPr/>
-        <p:nvPr/>
-      </p:nvGrpSpPr>
-      <p:grpSpPr>
-        <a:xfrm>
-          <a:off x="0" y="0"/>
-          <a:ext cx="0" cy="0"/>
-          <a:chOff x="0" y="0"/>
-          <a:chExt cx="0" cy="0"/>
-        </a:xfrm>
-      </p:grpSpPr>
-      <p:sp>
-        <p:nvSpPr>
-          <p:cNvPr id="2" name="Title 1">
-            <a:extLst>
-              <a:ext uri="{FF2B5EF4-FFF2-40B4-BE49-F238E27FC236}">
-                <a16:creationId xmlns:a16="http://schemas.microsoft.com/office/drawing/2014/main" id="{5E2AA5ED-CE14-461F-C68F-506E438D8D0C}"/>
-              </a:ext>
-            </a:extLst>
-          </p:cNvPr>
-          <p:cNvSpPr>
-            <a:spLocks noGrp="1"/>
-          </p:cNvSpPr>
-          <p:nvPr>
-            <p:ph type="ctrTitle"/>
-          </p:nvPr>
-        </p:nvSpPr>
-        <p:spPr>
-          <a:xfrm>
-            <a:off x="1261872" y="758952"/>
-            <a:ext cx="10549128" cy="4041648"/>
-          </a:xfrm>
-        </p:spPr>
-        <p:txBody>
-          <a:bodyPr/>
-          <a:lstStyle/>
-          <a:p>
-            <a:r>
-              <a:rPr lang="en-US" dirty="0"/>
-              <a:t>Data Visualization </a:t>
-            </a:r>
-          </a:p>
-        </p:txBody>
-      </p:sp>
-      <p:sp>
-        <p:nvSpPr>
-          <p:cNvPr id="3" name="Subtitle 2">
-            <a:extLst>
-              <a:ext uri="{FF2B5EF4-FFF2-40B4-BE49-F238E27FC236}">
-                <a16:creationId xmlns:a16="http://schemas.microsoft.com/office/drawing/2014/main" id="{37F5DFB8-A060-BCFD-2324-1405F39E33B7}"/>
-              </a:ext>
-            </a:extLst>
-          </p:cNvPr>
-          <p:cNvSpPr>
-            <a:spLocks noGrp="1"/>
-          </p:cNvSpPr>
-          <p:nvPr>
-            <p:ph type="subTitle" idx="1"/>
-          </p:nvPr>
-        </p:nvSpPr>
-        <p:spPr/>
-        <p:txBody>
-          <a:bodyPr>
-            <a:normAutofit/>
-          </a:bodyPr>
-          <a:lstStyle/>
-          <a:p>
-            <a:endParaRPr lang="en-US" sz="4400" dirty="0"/>
-          </a:p>
-        </p:txBody>
-      </p:sp>
-    </p:spTree>
-    <p:extLst>
-      <p:ext uri="{BB962C8B-B14F-4D97-AF65-F5344CB8AC3E}">
-        <p14:creationId xmlns:p14="http://schemas.microsoft.com/office/powerpoint/2010/main" val="1708843838"/>
-      </p:ext>
-    </p:extLst>
-  </p:cSld>
-  <p:clrMapOvr>
-    <a:masterClrMapping/>
-  </p:clrMapOvr>
-</p:sld>
-</file>
-
-<file path=ppt/slides/slide30.xml><?xml version="1.0" encoding="utf-8"?>
+<file path=ppt/slides/slide31.xml><?xml version="1.0" encoding="utf-8"?>
 <p:sld xmlns:a="http://schemas.openxmlformats.org/drawingml/2006/main" xmlns:r="http://schemas.openxmlformats.org/officeDocument/2006/relationships" xmlns:p="http://schemas.openxmlformats.org/presentationml/2006/main">
   <p:cSld>
     <p:spTree>
@@ -19780,7 +19993,7 @@
 </p:sld>
 </file>
 
-<file path=ppt/slides/slide31.xml><?xml version="1.0" encoding="utf-8"?>
+<file path=ppt/slides/slide32.xml><?xml version="1.0" encoding="utf-8"?>
 <p:sld xmlns:a="http://schemas.openxmlformats.org/drawingml/2006/main" xmlns:r="http://schemas.openxmlformats.org/officeDocument/2006/relationships" xmlns:p="http://schemas.openxmlformats.org/presentationml/2006/main">
   <p:cSld>
     <p:spTree>
@@ -20257,7 +20470,7 @@
 </p:sld>
 </file>
 
-<file path=ppt/slides/slide32.xml><?xml version="1.0" encoding="utf-8"?>
+<file path=ppt/slides/slide33.xml><?xml version="1.0" encoding="utf-8"?>
 <p:sld xmlns:a="http://schemas.openxmlformats.org/drawingml/2006/main" xmlns:r="http://schemas.openxmlformats.org/officeDocument/2006/relationships" xmlns:p="http://schemas.openxmlformats.org/presentationml/2006/main">
   <p:cSld>
     <p:spTree>
@@ -20531,7 +20744,7 @@
 </p:sld>
 </file>
 
-<file path=ppt/slides/slide33.xml><?xml version="1.0" encoding="utf-8"?>
+<file path=ppt/slides/slide34.xml><?xml version="1.0" encoding="utf-8"?>
 <p:sld xmlns:a="http://schemas.openxmlformats.org/drawingml/2006/main" xmlns:r="http://schemas.openxmlformats.org/officeDocument/2006/relationships" xmlns:p="http://schemas.openxmlformats.org/presentationml/2006/main">
   <p:cSld>
     <p:spTree>
@@ -20710,7 +20923,7 @@
 </p:sld>
 </file>
 
-<file path=ppt/slides/slide34.xml><?xml version="1.0" encoding="utf-8"?>
+<file path=ppt/slides/slide35.xml><?xml version="1.0" encoding="utf-8"?>
 <p:sld xmlns:a="http://schemas.openxmlformats.org/drawingml/2006/main" xmlns:r="http://schemas.openxmlformats.org/officeDocument/2006/relationships" xmlns:p="http://schemas.openxmlformats.org/presentationml/2006/main">
   <p:cSld>
     <p:spTree>
@@ -20827,7 +21040,7 @@
 </p:sld>
 </file>
 
-<file path=ppt/slides/slide35.xml><?xml version="1.0" encoding="utf-8"?>
+<file path=ppt/slides/slide36.xml><?xml version="1.0" encoding="utf-8"?>
 <p:sld xmlns:a="http://schemas.openxmlformats.org/drawingml/2006/main" xmlns:r="http://schemas.openxmlformats.org/officeDocument/2006/relationships" xmlns:p="http://schemas.openxmlformats.org/presentationml/2006/main">
   <p:cSld>
     <p:spTree>
@@ -20918,7 +21131,7 @@
 </p:sld>
 </file>
 
-<file path=ppt/slides/slide36.xml><?xml version="1.0" encoding="utf-8"?>
+<file path=ppt/slides/slide37.xml><?xml version="1.0" encoding="utf-8"?>
 <p:sld xmlns:a="http://schemas.openxmlformats.org/drawingml/2006/main" xmlns:r="http://schemas.openxmlformats.org/officeDocument/2006/relationships" xmlns:p="http://schemas.openxmlformats.org/presentationml/2006/main">
   <p:cSld>
     <p:spTree>
@@ -21306,7 +21519,7 @@
 </p:sld>
 </file>
 
-<file path=ppt/slides/slide37.xml><?xml version="1.0" encoding="utf-8"?>
+<file path=ppt/slides/slide38.xml><?xml version="1.0" encoding="utf-8"?>
 <p:sld xmlns:a="http://schemas.openxmlformats.org/drawingml/2006/main" xmlns:r="http://schemas.openxmlformats.org/officeDocument/2006/relationships" xmlns:p="http://schemas.openxmlformats.org/presentationml/2006/main">
   <p:cSld>
     <p:spTree>
@@ -21533,7 +21746,7 @@
 </p:sld>
 </file>
 
-<file path=ppt/slides/slide38.xml><?xml version="1.0" encoding="utf-8"?>
+<file path=ppt/slides/slide39.xml><?xml version="1.0" encoding="utf-8"?>
 <p:sld xmlns:a="http://schemas.openxmlformats.org/drawingml/2006/main" xmlns:r="http://schemas.openxmlformats.org/officeDocument/2006/relationships" xmlns:p="http://schemas.openxmlformats.org/presentationml/2006/main">
   <p:cSld>
     <p:spTree>
@@ -21614,167 +21827,6 @@
     <p:extLst>
       <p:ext uri="{BB962C8B-B14F-4D97-AF65-F5344CB8AC3E}">
         <p14:creationId xmlns:p14="http://schemas.microsoft.com/office/powerpoint/2010/main" val="2953910715"/>
-      </p:ext>
-    </p:extLst>
-  </p:cSld>
-  <p:clrMapOvr>
-    <a:masterClrMapping/>
-  </p:clrMapOvr>
-</p:sld>
-</file>
-
-<file path=ppt/slides/slide39.xml><?xml version="1.0" encoding="utf-8"?>
-<p:sld xmlns:a="http://schemas.openxmlformats.org/drawingml/2006/main" xmlns:r="http://schemas.openxmlformats.org/officeDocument/2006/relationships" xmlns:p="http://schemas.openxmlformats.org/presentationml/2006/main">
-  <p:cSld>
-    <p:spTree>
-      <p:nvGrpSpPr>
-        <p:cNvPr id="1" name="">
-          <a:extLst>
-            <a:ext uri="{FF2B5EF4-FFF2-40B4-BE49-F238E27FC236}">
-              <a16:creationId xmlns:a16="http://schemas.microsoft.com/office/drawing/2014/main" id="{A6E35A84-30E9-FC2B-8F09-7F94A7B206DF}"/>
-            </a:ext>
-          </a:extLst>
-        </p:cNvPr>
-        <p:cNvGrpSpPr/>
-        <p:nvPr/>
-      </p:nvGrpSpPr>
-      <p:grpSpPr>
-        <a:xfrm>
-          <a:off x="0" y="0"/>
-          <a:ext cx="0" cy="0"/>
-          <a:chOff x="0" y="0"/>
-          <a:chExt cx="0" cy="0"/>
-        </a:xfrm>
-      </p:grpSpPr>
-      <p:sp>
-        <p:nvSpPr>
-          <p:cNvPr id="2" name="Title 1">
-            <a:extLst>
-              <a:ext uri="{FF2B5EF4-FFF2-40B4-BE49-F238E27FC236}">
-                <a16:creationId xmlns:a16="http://schemas.microsoft.com/office/drawing/2014/main" id="{E3DB695C-A659-D918-0EC1-9BB67C812177}"/>
-              </a:ext>
-            </a:extLst>
-          </p:cNvPr>
-          <p:cNvSpPr>
-            <a:spLocks noGrp="1"/>
-          </p:cNvSpPr>
-          <p:nvPr>
-            <p:ph type="title"/>
-          </p:nvPr>
-        </p:nvSpPr>
-        <p:spPr>
-          <a:xfrm>
-            <a:off x="609600" y="337392"/>
-            <a:ext cx="9601200" cy="624840"/>
-          </a:xfrm>
-        </p:spPr>
-        <p:txBody>
-          <a:bodyPr>
-            <a:normAutofit fontScale="90000"/>
-          </a:bodyPr>
-          <a:lstStyle/>
-          <a:p>
-            <a:r>
-              <a:rPr lang="en-US" dirty="0">
-                <a:latin typeface="Times New Roman" panose="02020603050405020304" pitchFamily="18" charset="0"/>
-                <a:cs typeface="Times New Roman" panose="02020603050405020304" pitchFamily="18" charset="0"/>
-              </a:rPr>
-              <a:t>Diagnostic Visualization</a:t>
-            </a:r>
-          </a:p>
-        </p:txBody>
-      </p:sp>
-      <p:sp>
-        <p:nvSpPr>
-          <p:cNvPr id="3" name="Content Placeholder 2">
-            <a:extLst>
-              <a:ext uri="{FF2B5EF4-FFF2-40B4-BE49-F238E27FC236}">
-                <a16:creationId xmlns:a16="http://schemas.microsoft.com/office/drawing/2014/main" id="{245B1DBE-78EB-B68E-9B86-0412B0AAA0CF}"/>
-              </a:ext>
-            </a:extLst>
-          </p:cNvPr>
-          <p:cNvSpPr>
-            <a:spLocks noGrp="1"/>
-          </p:cNvSpPr>
-          <p:nvPr>
-            <p:ph idx="1"/>
-          </p:nvPr>
-        </p:nvSpPr>
-        <p:spPr>
-          <a:xfrm>
-            <a:off x="609600" y="1066801"/>
-            <a:ext cx="10210800" cy="5141388"/>
-          </a:xfrm>
-        </p:spPr>
-        <p:txBody>
-          <a:bodyPr>
-            <a:noAutofit/>
-          </a:bodyPr>
-          <a:lstStyle/>
-          <a:p>
-            <a:r>
-              <a:rPr lang="en-US" sz="2200" dirty="0">
-                <a:cs typeface="Times New Roman" panose="02020603050405020304" pitchFamily="18" charset="0"/>
-              </a:rPr>
-              <a:t>One of the most helpful types of visualization is not </a:t>
-            </a:r>
-            <a:r>
-              <a:rPr lang="en-US" sz="2200" b="1" dirty="0">
-                <a:cs typeface="Times New Roman" panose="02020603050405020304" pitchFamily="18" charset="0"/>
-              </a:rPr>
-              <a:t>confirmatory </a:t>
-            </a:r>
-            <a:r>
-              <a:rPr lang="en-US" sz="2200" dirty="0">
-                <a:cs typeface="Times New Roman" panose="02020603050405020304" pitchFamily="18" charset="0"/>
-              </a:rPr>
-              <a:t>(pretty figures) but </a:t>
-            </a:r>
-            <a:r>
-              <a:rPr lang="en-US" sz="2200" b="1" dirty="0">
-                <a:cs typeface="Times New Roman" panose="02020603050405020304" pitchFamily="18" charset="0"/>
-              </a:rPr>
-              <a:t>exploratory </a:t>
-            </a:r>
-            <a:r>
-              <a:rPr lang="en-US" sz="2200" dirty="0">
-                <a:cs typeface="Times New Roman" panose="02020603050405020304" pitchFamily="18" charset="0"/>
-              </a:rPr>
-              <a:t>(data cleaning)</a:t>
-            </a:r>
-          </a:p>
-          <a:p>
-            <a:r>
-              <a:rPr lang="en-US" sz="2200" dirty="0">
-                <a:cs typeface="Times New Roman" panose="02020603050405020304" pitchFamily="18" charset="0"/>
-              </a:rPr>
-              <a:t>Example: suppose we have data on how children reason about fairness across cultures</a:t>
-            </a:r>
-          </a:p>
-          <a:p>
-            <a:pPr lvl="1"/>
-            <a:r>
-              <a:rPr lang="en-US" sz="1800" dirty="0">
-                <a:cs typeface="Times New Roman" panose="02020603050405020304" pitchFamily="18" charset="0"/>
-              </a:rPr>
-              <a:t>We have some experimental lab data</a:t>
-            </a:r>
-          </a:p>
-          <a:p>
-            <a:pPr lvl="1"/>
-            <a:r>
-              <a:rPr lang="en-US" sz="1800" dirty="0">
-                <a:cs typeface="Times New Roman" panose="02020603050405020304" pitchFamily="18" charset="0"/>
-              </a:rPr>
-              <a:t>But what kind of data do we actually have? Let’s make some histograms! And think about how these should influence our research choices. </a:t>
-            </a:r>
-          </a:p>
-        </p:txBody>
-      </p:sp>
-    </p:spTree>
-    <p:extLst>
-      <p:ext uri="{BB962C8B-B14F-4D97-AF65-F5344CB8AC3E}">
-        <p14:creationId xmlns:p14="http://schemas.microsoft.com/office/powerpoint/2010/main" val="1947053288"/>
       </p:ext>
     </p:extLst>
   </p:cSld>
@@ -21934,6 +21986,167 @@
         <p:cNvPr id="1" name="">
           <a:extLst>
             <a:ext uri="{FF2B5EF4-FFF2-40B4-BE49-F238E27FC236}">
+              <a16:creationId xmlns:a16="http://schemas.microsoft.com/office/drawing/2014/main" id="{A6E35A84-30E9-FC2B-8F09-7F94A7B206DF}"/>
+            </a:ext>
+          </a:extLst>
+        </p:cNvPr>
+        <p:cNvGrpSpPr/>
+        <p:nvPr/>
+      </p:nvGrpSpPr>
+      <p:grpSpPr>
+        <a:xfrm>
+          <a:off x="0" y="0"/>
+          <a:ext cx="0" cy="0"/>
+          <a:chOff x="0" y="0"/>
+          <a:chExt cx="0" cy="0"/>
+        </a:xfrm>
+      </p:grpSpPr>
+      <p:sp>
+        <p:nvSpPr>
+          <p:cNvPr id="2" name="Title 1">
+            <a:extLst>
+              <a:ext uri="{FF2B5EF4-FFF2-40B4-BE49-F238E27FC236}">
+                <a16:creationId xmlns:a16="http://schemas.microsoft.com/office/drawing/2014/main" id="{E3DB695C-A659-D918-0EC1-9BB67C812177}"/>
+              </a:ext>
+            </a:extLst>
+          </p:cNvPr>
+          <p:cNvSpPr>
+            <a:spLocks noGrp="1"/>
+          </p:cNvSpPr>
+          <p:nvPr>
+            <p:ph type="title"/>
+          </p:nvPr>
+        </p:nvSpPr>
+        <p:spPr>
+          <a:xfrm>
+            <a:off x="609600" y="337392"/>
+            <a:ext cx="9601200" cy="624840"/>
+          </a:xfrm>
+        </p:spPr>
+        <p:txBody>
+          <a:bodyPr>
+            <a:normAutofit fontScale="90000"/>
+          </a:bodyPr>
+          <a:lstStyle/>
+          <a:p>
+            <a:r>
+              <a:rPr lang="en-US" dirty="0">
+                <a:latin typeface="Times New Roman" panose="02020603050405020304" pitchFamily="18" charset="0"/>
+                <a:cs typeface="Times New Roman" panose="02020603050405020304" pitchFamily="18" charset="0"/>
+              </a:rPr>
+              <a:t>Diagnostic Visualization</a:t>
+            </a:r>
+          </a:p>
+        </p:txBody>
+      </p:sp>
+      <p:sp>
+        <p:nvSpPr>
+          <p:cNvPr id="3" name="Content Placeholder 2">
+            <a:extLst>
+              <a:ext uri="{FF2B5EF4-FFF2-40B4-BE49-F238E27FC236}">
+                <a16:creationId xmlns:a16="http://schemas.microsoft.com/office/drawing/2014/main" id="{245B1DBE-78EB-B68E-9B86-0412B0AAA0CF}"/>
+              </a:ext>
+            </a:extLst>
+          </p:cNvPr>
+          <p:cNvSpPr>
+            <a:spLocks noGrp="1"/>
+          </p:cNvSpPr>
+          <p:nvPr>
+            <p:ph idx="1"/>
+          </p:nvPr>
+        </p:nvSpPr>
+        <p:spPr>
+          <a:xfrm>
+            <a:off x="609600" y="1066801"/>
+            <a:ext cx="10210800" cy="5141388"/>
+          </a:xfrm>
+        </p:spPr>
+        <p:txBody>
+          <a:bodyPr>
+            <a:noAutofit/>
+          </a:bodyPr>
+          <a:lstStyle/>
+          <a:p>
+            <a:r>
+              <a:rPr lang="en-US" sz="2200" dirty="0">
+                <a:cs typeface="Times New Roman" panose="02020603050405020304" pitchFamily="18" charset="0"/>
+              </a:rPr>
+              <a:t>One of the most helpful types of visualization is not </a:t>
+            </a:r>
+            <a:r>
+              <a:rPr lang="en-US" sz="2200" b="1" dirty="0">
+                <a:cs typeface="Times New Roman" panose="02020603050405020304" pitchFamily="18" charset="0"/>
+              </a:rPr>
+              <a:t>confirmatory </a:t>
+            </a:r>
+            <a:r>
+              <a:rPr lang="en-US" sz="2200" dirty="0">
+                <a:cs typeface="Times New Roman" panose="02020603050405020304" pitchFamily="18" charset="0"/>
+              </a:rPr>
+              <a:t>(pretty figures) but </a:t>
+            </a:r>
+            <a:r>
+              <a:rPr lang="en-US" sz="2200" b="1" dirty="0">
+                <a:cs typeface="Times New Roman" panose="02020603050405020304" pitchFamily="18" charset="0"/>
+              </a:rPr>
+              <a:t>exploratory </a:t>
+            </a:r>
+            <a:r>
+              <a:rPr lang="en-US" sz="2200" dirty="0">
+                <a:cs typeface="Times New Roman" panose="02020603050405020304" pitchFamily="18" charset="0"/>
+              </a:rPr>
+              <a:t>(data cleaning)</a:t>
+            </a:r>
+          </a:p>
+          <a:p>
+            <a:r>
+              <a:rPr lang="en-US" sz="2200" dirty="0">
+                <a:cs typeface="Times New Roman" panose="02020603050405020304" pitchFamily="18" charset="0"/>
+              </a:rPr>
+              <a:t>Example: suppose we have data on how children reason about fairness across cultures</a:t>
+            </a:r>
+          </a:p>
+          <a:p>
+            <a:pPr lvl="1"/>
+            <a:r>
+              <a:rPr lang="en-US" sz="1800" dirty="0">
+                <a:cs typeface="Times New Roman" panose="02020603050405020304" pitchFamily="18" charset="0"/>
+              </a:rPr>
+              <a:t>We have some experimental lab data</a:t>
+            </a:r>
+          </a:p>
+          <a:p>
+            <a:pPr lvl="1"/>
+            <a:r>
+              <a:rPr lang="en-US" sz="1800" dirty="0">
+                <a:cs typeface="Times New Roman" panose="02020603050405020304" pitchFamily="18" charset="0"/>
+              </a:rPr>
+              <a:t>But what kind of data do we actually have? Let’s make some histograms! And think about how these should influence our research choices. </a:t>
+            </a:r>
+          </a:p>
+        </p:txBody>
+      </p:sp>
+    </p:spTree>
+    <p:extLst>
+      <p:ext uri="{BB962C8B-B14F-4D97-AF65-F5344CB8AC3E}">
+        <p14:creationId xmlns:p14="http://schemas.microsoft.com/office/powerpoint/2010/main" val="1947053288"/>
+      </p:ext>
+    </p:extLst>
+  </p:cSld>
+  <p:clrMapOvr>
+    <a:masterClrMapping/>
+  </p:clrMapOvr>
+</p:sld>
+</file>
+
+<file path=ppt/slides/slide41.xml><?xml version="1.0" encoding="utf-8"?>
+<p:sld xmlns:a="http://schemas.openxmlformats.org/drawingml/2006/main" xmlns:r="http://schemas.openxmlformats.org/officeDocument/2006/relationships" xmlns:p="http://schemas.openxmlformats.org/presentationml/2006/main">
+  <p:cSld>
+    <p:spTree>
+      <p:nvGrpSpPr>
+        <p:cNvPr id="1" name="">
+          <a:extLst>
+            <a:ext uri="{FF2B5EF4-FFF2-40B4-BE49-F238E27FC236}">
               <a16:creationId xmlns:a16="http://schemas.microsoft.com/office/drawing/2014/main" id="{C26409C3-25DC-C034-8849-94F6815C357D}"/>
             </a:ext>
           </a:extLst>
@@ -22117,7 +22330,7 @@
 </p:sld>
 </file>
 
-<file path=ppt/slides/slide41.xml><?xml version="1.0" encoding="utf-8"?>
+<file path=ppt/slides/slide42.xml><?xml version="1.0" encoding="utf-8"?>
 <p:sld xmlns:a="http://schemas.openxmlformats.org/drawingml/2006/main" xmlns:r="http://schemas.openxmlformats.org/officeDocument/2006/relationships" xmlns:p="http://schemas.openxmlformats.org/presentationml/2006/main">
   <p:cSld>
     <p:spTree>
@@ -22308,7 +22521,7 @@
 </p:sld>
 </file>
 
-<file path=ppt/slides/slide42.xml><?xml version="1.0" encoding="utf-8"?>
+<file path=ppt/slides/slide43.xml><?xml version="1.0" encoding="utf-8"?>
 <p:sld xmlns:a="http://schemas.openxmlformats.org/drawingml/2006/main" xmlns:r="http://schemas.openxmlformats.org/officeDocument/2006/relationships" xmlns:p="http://schemas.openxmlformats.org/presentationml/2006/main">
   <p:cSld>
     <p:spTree>
@@ -22499,7 +22712,7 @@
 </p:sld>
 </file>
 
-<file path=ppt/slides/slide43.xml><?xml version="1.0" encoding="utf-8"?>
+<file path=ppt/slides/slide44.xml><?xml version="1.0" encoding="utf-8"?>
 <p:sld xmlns:a="http://schemas.openxmlformats.org/drawingml/2006/main" xmlns:r="http://schemas.openxmlformats.org/officeDocument/2006/relationships" xmlns:p="http://schemas.openxmlformats.org/presentationml/2006/main">
   <p:cSld>
     <p:spTree>
@@ -22598,7 +22811,7 @@
 </p:sld>
 </file>
 
-<file path=ppt/slides/slide44.xml><?xml version="1.0" encoding="utf-8"?>
+<file path=ppt/slides/slide45.xml><?xml version="1.0" encoding="utf-8"?>
 <p:sld xmlns:a="http://schemas.openxmlformats.org/drawingml/2006/main" xmlns:r="http://schemas.openxmlformats.org/officeDocument/2006/relationships" xmlns:p="http://schemas.openxmlformats.org/presentationml/2006/main">
   <p:cSld>
     <p:spTree>
@@ -22769,7 +22982,7 @@
 </p:sld>
 </file>
 
-<file path=ppt/slides/slide45.xml><?xml version="1.0" encoding="utf-8"?>
+<file path=ppt/slides/slide46.xml><?xml version="1.0" encoding="utf-8"?>
 <p:sld xmlns:a="http://schemas.openxmlformats.org/drawingml/2006/main" xmlns:r="http://schemas.openxmlformats.org/officeDocument/2006/relationships" xmlns:p="http://schemas.openxmlformats.org/presentationml/2006/main">
   <p:cSld>
     <p:spTree>
@@ -23057,7 +23270,7 @@
 </p:sld>
 </file>
 
-<file path=ppt/slides/slide46.xml><?xml version="1.0" encoding="utf-8"?>
+<file path=ppt/slides/slide47.xml><?xml version="1.0" encoding="utf-8"?>
 <p:sld xmlns:a="http://schemas.openxmlformats.org/drawingml/2006/main" xmlns:r="http://schemas.openxmlformats.org/officeDocument/2006/relationships" xmlns:p="http://schemas.openxmlformats.org/presentationml/2006/main">
   <p:cSld>
     <p:spTree>
@@ -23218,7 +23431,7 @@
 </p:sld>
 </file>
 
-<file path=ppt/slides/slide47.xml><?xml version="1.0" encoding="utf-8"?>
+<file path=ppt/slides/slide48.xml><?xml version="1.0" encoding="utf-8"?>
 <p:sld xmlns:a="http://schemas.openxmlformats.org/drawingml/2006/main" xmlns:r="http://schemas.openxmlformats.org/officeDocument/2006/relationships" xmlns:p="http://schemas.openxmlformats.org/presentationml/2006/main">
   <p:cSld>
     <p:spTree>
@@ -23370,7 +23583,7 @@
 </p:sld>
 </file>
 
-<file path=ppt/slides/slide48.xml><?xml version="1.0" encoding="utf-8"?>
+<file path=ppt/slides/slide49.xml><?xml version="1.0" encoding="utf-8"?>
 <p:sld xmlns:a="http://schemas.openxmlformats.org/drawingml/2006/main" xmlns:r="http://schemas.openxmlformats.org/officeDocument/2006/relationships" xmlns:p="http://schemas.openxmlformats.org/presentationml/2006/main">
   <p:cSld>
     <p:spTree>
@@ -23525,178 +23738,6 @@
     <p:extLst>
       <p:ext uri="{BB962C8B-B14F-4D97-AF65-F5344CB8AC3E}">
         <p14:creationId xmlns:p14="http://schemas.microsoft.com/office/powerpoint/2010/main" val="3081117070"/>
-      </p:ext>
-    </p:extLst>
-  </p:cSld>
-  <p:clrMapOvr>
-    <a:masterClrMapping/>
-  </p:clrMapOvr>
-</p:sld>
-</file>
-
-<file path=ppt/slides/slide49.xml><?xml version="1.0" encoding="utf-8"?>
-<p:sld xmlns:a="http://schemas.openxmlformats.org/drawingml/2006/main" xmlns:r="http://schemas.openxmlformats.org/officeDocument/2006/relationships" xmlns:p="http://schemas.openxmlformats.org/presentationml/2006/main">
-  <p:cSld>
-    <p:spTree>
-      <p:nvGrpSpPr>
-        <p:cNvPr id="1" name="">
-          <a:extLst>
-            <a:ext uri="{FF2B5EF4-FFF2-40B4-BE49-F238E27FC236}">
-              <a16:creationId xmlns:a16="http://schemas.microsoft.com/office/drawing/2014/main" id="{A2165C61-CC6F-D294-0E3E-E0BDBC80ACDB}"/>
-            </a:ext>
-          </a:extLst>
-        </p:cNvPr>
-        <p:cNvGrpSpPr/>
-        <p:nvPr/>
-      </p:nvGrpSpPr>
-      <p:grpSpPr>
-        <a:xfrm>
-          <a:off x="0" y="0"/>
-          <a:ext cx="0" cy="0"/>
-          <a:chOff x="0" y="0"/>
-          <a:chExt cx="0" cy="0"/>
-        </a:xfrm>
-      </p:grpSpPr>
-      <p:sp>
-        <p:nvSpPr>
-          <p:cNvPr id="2" name="Title 1">
-            <a:extLst>
-              <a:ext uri="{FF2B5EF4-FFF2-40B4-BE49-F238E27FC236}">
-                <a16:creationId xmlns:a16="http://schemas.microsoft.com/office/drawing/2014/main" id="{DDEE4DE2-0A36-8BC3-0B3D-7A758647EFDE}"/>
-              </a:ext>
-            </a:extLst>
-          </p:cNvPr>
-          <p:cNvSpPr>
-            <a:spLocks noGrp="1"/>
-          </p:cNvSpPr>
-          <p:nvPr>
-            <p:ph type="title"/>
-          </p:nvPr>
-        </p:nvSpPr>
-        <p:spPr>
-          <a:xfrm>
-            <a:off x="609600" y="337392"/>
-            <a:ext cx="9601200" cy="624840"/>
-          </a:xfrm>
-        </p:spPr>
-        <p:txBody>
-          <a:bodyPr>
-            <a:normAutofit fontScale="90000"/>
-          </a:bodyPr>
-          <a:lstStyle/>
-          <a:p>
-            <a:r>
-              <a:rPr lang="en-US" dirty="0">
-                <a:latin typeface="Times New Roman" panose="02020603050405020304" pitchFamily="18" charset="0"/>
-                <a:cs typeface="Times New Roman" panose="02020603050405020304" pitchFamily="18" charset="0"/>
-              </a:rPr>
-              <a:t>Is it good for a variable to be alone?</a:t>
-            </a:r>
-          </a:p>
-        </p:txBody>
-      </p:sp>
-      <p:sp>
-        <p:nvSpPr>
-          <p:cNvPr id="3" name="Content Placeholder 2">
-            <a:extLst>
-              <a:ext uri="{FF2B5EF4-FFF2-40B4-BE49-F238E27FC236}">
-                <a16:creationId xmlns:a16="http://schemas.microsoft.com/office/drawing/2014/main" id="{BF728829-4F9F-4C6E-2578-80613DF1D8AD}"/>
-              </a:ext>
-            </a:extLst>
-          </p:cNvPr>
-          <p:cNvSpPr>
-            <a:spLocks noGrp="1"/>
-          </p:cNvSpPr>
-          <p:nvPr>
-            <p:ph idx="1"/>
-          </p:nvPr>
-        </p:nvSpPr>
-        <p:spPr>
-          <a:xfrm>
-            <a:off x="609600" y="1066801"/>
-            <a:ext cx="10210800" cy="5141388"/>
-          </a:xfrm>
-        </p:spPr>
-        <p:txBody>
-          <a:bodyPr>
-            <a:noAutofit/>
-          </a:bodyPr>
-          <a:lstStyle/>
-          <a:p>
-            <a:pPr marL="0" indent="0">
-              <a:buNone/>
-            </a:pPr>
-            <a:r>
-              <a:rPr lang="en-US" sz="2200" dirty="0">
-                <a:cs typeface="Times New Roman" panose="02020603050405020304" pitchFamily="18" charset="0"/>
-              </a:rPr>
-              <a:t>What if we have more than one variable to summarize?</a:t>
-            </a:r>
-          </a:p>
-          <a:p>
-            <a:r>
-              <a:rPr lang="en-US" sz="2200" dirty="0">
-                <a:cs typeface="Times New Roman" panose="02020603050405020304" pitchFamily="18" charset="0"/>
-              </a:rPr>
-              <a:t>Once again, we can summarize </a:t>
-            </a:r>
-            <a:r>
-              <a:rPr lang="en-US" sz="2200" u="sng" dirty="0">
-                <a:cs typeface="Times New Roman" panose="02020603050405020304" pitchFamily="18" charset="0"/>
-              </a:rPr>
-              <a:t>all </a:t>
-            </a:r>
-            <a:r>
-              <a:rPr lang="en-US" sz="2200" dirty="0">
-                <a:cs typeface="Times New Roman" panose="02020603050405020304" pitchFamily="18" charset="0"/>
-              </a:rPr>
-              <a:t>of the information (scatterplots) </a:t>
-            </a:r>
-          </a:p>
-          <a:p>
-            <a:r>
-              <a:rPr lang="en-US" sz="2200" dirty="0">
-                <a:cs typeface="Times New Roman" panose="02020603050405020304" pitchFamily="18" charset="0"/>
-              </a:rPr>
-              <a:t>Or we can be a little more selective (binned scatterplots) </a:t>
-            </a:r>
-          </a:p>
-        </p:txBody>
-      </p:sp>
-      <p:pic>
-        <p:nvPicPr>
-          <p:cNvPr id="6" name="Picture 5">
-            <a:extLst>
-              <a:ext uri="{FF2B5EF4-FFF2-40B4-BE49-F238E27FC236}">
-                <a16:creationId xmlns:a16="http://schemas.microsoft.com/office/drawing/2014/main" id="{DA063AE7-5FD2-2350-8087-3DE74E73FFF8}"/>
-              </a:ext>
-            </a:extLst>
-          </p:cNvPr>
-          <p:cNvPicPr>
-            <a:picLocks noChangeAspect="1"/>
-          </p:cNvPicPr>
-          <p:nvPr/>
-        </p:nvPicPr>
-        <p:blipFill>
-          <a:blip r:embed="rId3"/>
-          <a:stretch>
-            <a:fillRect/>
-          </a:stretch>
-        </p:blipFill>
-        <p:spPr>
-          <a:xfrm>
-            <a:off x="4953000" y="2680252"/>
-            <a:ext cx="6072875" cy="3978173"/>
-          </a:xfrm>
-          <a:prstGeom prst="rect">
-            <a:avLst/>
-          </a:prstGeom>
-        </p:spPr>
-      </p:pic>
-    </p:spTree>
-    <p:extLst>
-      <p:ext uri="{BB962C8B-B14F-4D97-AF65-F5344CB8AC3E}">
-        <p14:creationId xmlns:p14="http://schemas.microsoft.com/office/powerpoint/2010/main" val="2684708558"/>
       </p:ext>
     </p:extLst>
   </p:cSld>
@@ -23856,6 +23897,178 @@
         <p:cNvPr id="1" name="">
           <a:extLst>
             <a:ext uri="{FF2B5EF4-FFF2-40B4-BE49-F238E27FC236}">
+              <a16:creationId xmlns:a16="http://schemas.microsoft.com/office/drawing/2014/main" id="{A2165C61-CC6F-D294-0E3E-E0BDBC80ACDB}"/>
+            </a:ext>
+          </a:extLst>
+        </p:cNvPr>
+        <p:cNvGrpSpPr/>
+        <p:nvPr/>
+      </p:nvGrpSpPr>
+      <p:grpSpPr>
+        <a:xfrm>
+          <a:off x="0" y="0"/>
+          <a:ext cx="0" cy="0"/>
+          <a:chOff x="0" y="0"/>
+          <a:chExt cx="0" cy="0"/>
+        </a:xfrm>
+      </p:grpSpPr>
+      <p:sp>
+        <p:nvSpPr>
+          <p:cNvPr id="2" name="Title 1">
+            <a:extLst>
+              <a:ext uri="{FF2B5EF4-FFF2-40B4-BE49-F238E27FC236}">
+                <a16:creationId xmlns:a16="http://schemas.microsoft.com/office/drawing/2014/main" id="{DDEE4DE2-0A36-8BC3-0B3D-7A758647EFDE}"/>
+              </a:ext>
+            </a:extLst>
+          </p:cNvPr>
+          <p:cNvSpPr>
+            <a:spLocks noGrp="1"/>
+          </p:cNvSpPr>
+          <p:nvPr>
+            <p:ph type="title"/>
+          </p:nvPr>
+        </p:nvSpPr>
+        <p:spPr>
+          <a:xfrm>
+            <a:off x="609600" y="337392"/>
+            <a:ext cx="9601200" cy="624840"/>
+          </a:xfrm>
+        </p:spPr>
+        <p:txBody>
+          <a:bodyPr>
+            <a:normAutofit fontScale="90000"/>
+          </a:bodyPr>
+          <a:lstStyle/>
+          <a:p>
+            <a:r>
+              <a:rPr lang="en-US" dirty="0">
+                <a:latin typeface="Times New Roman" panose="02020603050405020304" pitchFamily="18" charset="0"/>
+                <a:cs typeface="Times New Roman" panose="02020603050405020304" pitchFamily="18" charset="0"/>
+              </a:rPr>
+              <a:t>Is it good for a variable to be alone?</a:t>
+            </a:r>
+          </a:p>
+        </p:txBody>
+      </p:sp>
+      <p:sp>
+        <p:nvSpPr>
+          <p:cNvPr id="3" name="Content Placeholder 2">
+            <a:extLst>
+              <a:ext uri="{FF2B5EF4-FFF2-40B4-BE49-F238E27FC236}">
+                <a16:creationId xmlns:a16="http://schemas.microsoft.com/office/drawing/2014/main" id="{BF728829-4F9F-4C6E-2578-80613DF1D8AD}"/>
+              </a:ext>
+            </a:extLst>
+          </p:cNvPr>
+          <p:cNvSpPr>
+            <a:spLocks noGrp="1"/>
+          </p:cNvSpPr>
+          <p:nvPr>
+            <p:ph idx="1"/>
+          </p:nvPr>
+        </p:nvSpPr>
+        <p:spPr>
+          <a:xfrm>
+            <a:off x="609600" y="1066801"/>
+            <a:ext cx="10210800" cy="5141388"/>
+          </a:xfrm>
+        </p:spPr>
+        <p:txBody>
+          <a:bodyPr>
+            <a:noAutofit/>
+          </a:bodyPr>
+          <a:lstStyle/>
+          <a:p>
+            <a:pPr marL="0" indent="0">
+              <a:buNone/>
+            </a:pPr>
+            <a:r>
+              <a:rPr lang="en-US" sz="2200" dirty="0">
+                <a:cs typeface="Times New Roman" panose="02020603050405020304" pitchFamily="18" charset="0"/>
+              </a:rPr>
+              <a:t>What if we have more than one variable to summarize?</a:t>
+            </a:r>
+          </a:p>
+          <a:p>
+            <a:r>
+              <a:rPr lang="en-US" sz="2200" dirty="0">
+                <a:cs typeface="Times New Roman" panose="02020603050405020304" pitchFamily="18" charset="0"/>
+              </a:rPr>
+              <a:t>Once again, we can summarize </a:t>
+            </a:r>
+            <a:r>
+              <a:rPr lang="en-US" sz="2200" u="sng" dirty="0">
+                <a:cs typeface="Times New Roman" panose="02020603050405020304" pitchFamily="18" charset="0"/>
+              </a:rPr>
+              <a:t>all </a:t>
+            </a:r>
+            <a:r>
+              <a:rPr lang="en-US" sz="2200" dirty="0">
+                <a:cs typeface="Times New Roman" panose="02020603050405020304" pitchFamily="18" charset="0"/>
+              </a:rPr>
+              <a:t>of the information (scatterplots) </a:t>
+            </a:r>
+          </a:p>
+          <a:p>
+            <a:r>
+              <a:rPr lang="en-US" sz="2200" dirty="0">
+                <a:cs typeface="Times New Roman" panose="02020603050405020304" pitchFamily="18" charset="0"/>
+              </a:rPr>
+              <a:t>Or we can be a little more selective (binned scatterplots) </a:t>
+            </a:r>
+          </a:p>
+        </p:txBody>
+      </p:sp>
+      <p:pic>
+        <p:nvPicPr>
+          <p:cNvPr id="6" name="Picture 5">
+            <a:extLst>
+              <a:ext uri="{FF2B5EF4-FFF2-40B4-BE49-F238E27FC236}">
+                <a16:creationId xmlns:a16="http://schemas.microsoft.com/office/drawing/2014/main" id="{DA063AE7-5FD2-2350-8087-3DE74E73FFF8}"/>
+              </a:ext>
+            </a:extLst>
+          </p:cNvPr>
+          <p:cNvPicPr>
+            <a:picLocks noChangeAspect="1"/>
+          </p:cNvPicPr>
+          <p:nvPr/>
+        </p:nvPicPr>
+        <p:blipFill>
+          <a:blip r:embed="rId3"/>
+          <a:stretch>
+            <a:fillRect/>
+          </a:stretch>
+        </p:blipFill>
+        <p:spPr>
+          <a:xfrm>
+            <a:off x="4953000" y="2680252"/>
+            <a:ext cx="6072875" cy="3978173"/>
+          </a:xfrm>
+          <a:prstGeom prst="rect">
+            <a:avLst/>
+          </a:prstGeom>
+        </p:spPr>
+      </p:pic>
+    </p:spTree>
+    <p:extLst>
+      <p:ext uri="{BB962C8B-B14F-4D97-AF65-F5344CB8AC3E}">
+        <p14:creationId xmlns:p14="http://schemas.microsoft.com/office/powerpoint/2010/main" val="2684708558"/>
+      </p:ext>
+    </p:extLst>
+  </p:cSld>
+  <p:clrMapOvr>
+    <a:masterClrMapping/>
+  </p:clrMapOvr>
+</p:sld>
+</file>
+
+<file path=ppt/slides/slide51.xml><?xml version="1.0" encoding="utf-8"?>
+<p:sld xmlns:a="http://schemas.openxmlformats.org/drawingml/2006/main" xmlns:r="http://schemas.openxmlformats.org/officeDocument/2006/relationships" xmlns:p="http://schemas.openxmlformats.org/presentationml/2006/main">
+  <p:cSld>
+    <p:spTree>
+      <p:nvGrpSpPr>
+        <p:cNvPr id="1" name="">
+          <a:extLst>
+            <a:ext uri="{FF2B5EF4-FFF2-40B4-BE49-F238E27FC236}">
               <a16:creationId xmlns:a16="http://schemas.microsoft.com/office/drawing/2014/main" id="{E40AD822-5705-2ECD-BA07-C66991FB8E43}"/>
             </a:ext>
           </a:extLst>
@@ -24020,7 +24233,7 @@
 </p:sld>
 </file>
 
-<file path=ppt/slides/slide51.xml><?xml version="1.0" encoding="utf-8"?>
+<file path=ppt/slides/slide52.xml><?xml version="1.0" encoding="utf-8"?>
 <p:sld xmlns:a="http://schemas.openxmlformats.org/drawingml/2006/main" xmlns:r="http://schemas.openxmlformats.org/officeDocument/2006/relationships" xmlns:p="http://schemas.openxmlformats.org/presentationml/2006/main">
   <p:cSld>
     <p:spTree>
@@ -24329,7 +24542,7 @@
 </p:sld>
 </file>
 
-<file path=ppt/slides/slide52.xml><?xml version="1.0" encoding="utf-8"?>
+<file path=ppt/slides/slide53.xml><?xml version="1.0" encoding="utf-8"?>
 <p:sld xmlns:a="http://schemas.openxmlformats.org/drawingml/2006/main" xmlns:r="http://schemas.openxmlformats.org/officeDocument/2006/relationships" xmlns:p="http://schemas.openxmlformats.org/presentationml/2006/main">
   <p:cSld>
     <p:spTree>
@@ -24536,7 +24749,7 @@
 </p:sld>
 </file>
 
-<file path=ppt/slides/slide53.xml><?xml version="1.0" encoding="utf-8"?>
+<file path=ppt/slides/slide54.xml><?xml version="1.0" encoding="utf-8"?>
 <p:sld xmlns:a="http://schemas.openxmlformats.org/drawingml/2006/main" xmlns:r="http://schemas.openxmlformats.org/officeDocument/2006/relationships" xmlns:p="http://schemas.openxmlformats.org/presentationml/2006/main">
   <p:cSld>
     <p:spTree>
@@ -24638,7 +24851,7 @@
 </p:sld>
 </file>
 
-<file path=ppt/slides/slide54.xml><?xml version="1.0" encoding="utf-8"?>
+<file path=ppt/slides/slide55.xml><?xml version="1.0" encoding="utf-8"?>
 <p:sld xmlns:a="http://schemas.openxmlformats.org/drawingml/2006/main" xmlns:r="http://schemas.openxmlformats.org/officeDocument/2006/relationships" xmlns:p="http://schemas.openxmlformats.org/presentationml/2006/main">
   <p:cSld>
     <p:spTree>
@@ -24803,7 +25016,7 @@
 </p:sld>
 </file>
 
-<file path=ppt/slides/slide55.xml><?xml version="1.0" encoding="utf-8"?>
+<file path=ppt/slides/slide56.xml><?xml version="1.0" encoding="utf-8"?>
 <p:sld xmlns:a="http://schemas.openxmlformats.org/drawingml/2006/main" xmlns:r="http://schemas.openxmlformats.org/officeDocument/2006/relationships" xmlns:p="http://schemas.openxmlformats.org/presentationml/2006/main">
   <p:cSld>
     <p:spTree>
@@ -24864,8 +25077,8 @@
           </a:p>
         </p:txBody>
       </p:sp>
-      <mc:AlternateContent xmlns:mc="http://schemas.openxmlformats.org/markup-compatibility/2006">
-        <mc:Choice xmlns:a14="http://schemas.microsoft.com/office/drawing/2010/main" Requires="a14">
+      <mc:AlternateContent xmlns:mc="http://schemas.openxmlformats.org/markup-compatibility/2006" xmlns:a14="http://schemas.microsoft.com/office/drawing/2010/main">
+        <mc:Choice Requires="a14">
           <p:sp>
             <p:nvSpPr>
               <p:cNvPr id="3" name="Content Placeholder 2">
@@ -25148,7 +25361,7 @@
             </p:txBody>
           </p:sp>
         </mc:Choice>
-        <mc:Fallback>
+        <mc:Fallback xmlns="">
           <p:sp>
             <p:nvSpPr>
               <p:cNvPr id="3" name="Content Placeholder 2">
@@ -25205,7 +25418,7 @@
 </p:sld>
 </file>
 
-<file path=ppt/slides/slide56.xml><?xml version="1.0" encoding="utf-8"?>
+<file path=ppt/slides/slide57.xml><?xml version="1.0" encoding="utf-8"?>
 <p:sld xmlns:a="http://schemas.openxmlformats.org/drawingml/2006/main" xmlns:r="http://schemas.openxmlformats.org/officeDocument/2006/relationships" xmlns:p="http://schemas.openxmlformats.org/presentationml/2006/main">
   <p:cSld>
     <p:spTree>
@@ -25654,7 +25867,7 @@
 </p:sld>
 </file>
 
-<file path=ppt/slides/slide57.xml><?xml version="1.0" encoding="utf-8"?>
+<file path=ppt/slides/slide58.xml><?xml version="1.0" encoding="utf-8"?>
 <p:sld xmlns:a="http://schemas.openxmlformats.org/drawingml/2006/main" xmlns:r="http://schemas.openxmlformats.org/officeDocument/2006/relationships" xmlns:p="http://schemas.openxmlformats.org/presentationml/2006/main">
   <p:cSld>
     <p:spTree>
@@ -26085,7 +26298,7 @@
 </p:sld>
 </file>
 
-<file path=ppt/slides/slide58.xml><?xml version="1.0" encoding="utf-8"?>
+<file path=ppt/slides/slide59.xml><?xml version="1.0" encoding="utf-8"?>
 <p:sld xmlns:a="http://schemas.openxmlformats.org/drawingml/2006/main" xmlns:r="http://schemas.openxmlformats.org/officeDocument/2006/relationships" xmlns:p="http://schemas.openxmlformats.org/presentationml/2006/main">
   <p:cSld>
     <p:spTree>
@@ -26331,7 +26544,97 @@
 </p:sld>
 </file>
 
-<file path=ppt/slides/slide59.xml><?xml version="1.0" encoding="utf-8"?>
+<file path=ppt/slides/slide6.xml><?xml version="1.0" encoding="utf-8"?>
+<p:sld xmlns:a="http://schemas.openxmlformats.org/drawingml/2006/main" xmlns:r="http://schemas.openxmlformats.org/officeDocument/2006/relationships" xmlns:p="http://schemas.openxmlformats.org/presentationml/2006/main">
+  <p:cSld>
+    <p:spTree>
+      <p:nvGrpSpPr>
+        <p:cNvPr id="1" name=""/>
+        <p:cNvGrpSpPr/>
+        <p:nvPr/>
+      </p:nvGrpSpPr>
+      <p:grpSpPr>
+        <a:xfrm>
+          <a:off x="0" y="0"/>
+          <a:ext cx="0" cy="0"/>
+          <a:chOff x="0" y="0"/>
+          <a:chExt cx="0" cy="0"/>
+        </a:xfrm>
+      </p:grpSpPr>
+      <p:sp>
+        <p:nvSpPr>
+          <p:cNvPr id="2" name="Title 1">
+            <a:extLst>
+              <a:ext uri="{FF2B5EF4-FFF2-40B4-BE49-F238E27FC236}">
+                <a16:creationId xmlns:a16="http://schemas.microsoft.com/office/drawing/2014/main" id="{F6693EDF-660D-4391-A114-A6C54268E445}"/>
+              </a:ext>
+            </a:extLst>
+          </p:cNvPr>
+          <p:cNvSpPr>
+            <a:spLocks noGrp="1"/>
+          </p:cNvSpPr>
+          <p:nvPr>
+            <p:ph type="ctrTitle"/>
+          </p:nvPr>
+        </p:nvSpPr>
+        <p:spPr>
+          <a:xfrm>
+            <a:off x="1261872" y="758952"/>
+            <a:ext cx="10549128" cy="4041648"/>
+          </a:xfrm>
+        </p:spPr>
+        <p:txBody>
+          <a:bodyPr/>
+          <a:lstStyle/>
+          <a:p>
+            <a:r>
+              <a:rPr lang="en-US" dirty="0"/>
+              <a:t>Descriptive Statistics</a:t>
+            </a:r>
+          </a:p>
+        </p:txBody>
+      </p:sp>
+      <p:sp>
+        <p:nvSpPr>
+          <p:cNvPr id="3" name="Subtitle 2">
+            <a:extLst>
+              <a:ext uri="{FF2B5EF4-FFF2-40B4-BE49-F238E27FC236}">
+                <a16:creationId xmlns:a16="http://schemas.microsoft.com/office/drawing/2014/main" id="{9A7FADE3-4D7C-4B3A-B023-71CD85AECCCB}"/>
+              </a:ext>
+            </a:extLst>
+          </p:cNvPr>
+          <p:cNvSpPr>
+            <a:spLocks noGrp="1"/>
+          </p:cNvSpPr>
+          <p:nvPr>
+            <p:ph type="subTitle" idx="1"/>
+          </p:nvPr>
+        </p:nvSpPr>
+        <p:spPr/>
+        <p:txBody>
+          <a:bodyPr>
+            <a:normAutofit/>
+          </a:bodyPr>
+          <a:lstStyle/>
+          <a:p>
+            <a:endParaRPr lang="en-US" sz="4400" dirty="0"/>
+          </a:p>
+        </p:txBody>
+      </p:sp>
+    </p:spTree>
+    <p:extLst>
+      <p:ext uri="{BB962C8B-B14F-4D97-AF65-F5344CB8AC3E}">
+        <p14:creationId xmlns:p14="http://schemas.microsoft.com/office/powerpoint/2010/main" val="1441369958"/>
+      </p:ext>
+    </p:extLst>
+  </p:cSld>
+  <p:clrMapOvr>
+    <a:masterClrMapping/>
+  </p:clrMapOvr>
+</p:sld>
+</file>
+
+<file path=ppt/slides/slide60.xml><?xml version="1.0" encoding="utf-8"?>
 <p:sld xmlns:a="http://schemas.openxmlformats.org/drawingml/2006/main" xmlns:r="http://schemas.openxmlformats.org/officeDocument/2006/relationships" xmlns:p="http://schemas.openxmlformats.org/presentationml/2006/main">
   <p:cSld>
     <p:spTree>
@@ -26469,97 +26772,7 @@
 </p:sld>
 </file>
 
-<file path=ppt/slides/slide6.xml><?xml version="1.0" encoding="utf-8"?>
-<p:sld xmlns:a="http://schemas.openxmlformats.org/drawingml/2006/main" xmlns:r="http://schemas.openxmlformats.org/officeDocument/2006/relationships" xmlns:p="http://schemas.openxmlformats.org/presentationml/2006/main">
-  <p:cSld>
-    <p:spTree>
-      <p:nvGrpSpPr>
-        <p:cNvPr id="1" name=""/>
-        <p:cNvGrpSpPr/>
-        <p:nvPr/>
-      </p:nvGrpSpPr>
-      <p:grpSpPr>
-        <a:xfrm>
-          <a:off x="0" y="0"/>
-          <a:ext cx="0" cy="0"/>
-          <a:chOff x="0" y="0"/>
-          <a:chExt cx="0" cy="0"/>
-        </a:xfrm>
-      </p:grpSpPr>
-      <p:sp>
-        <p:nvSpPr>
-          <p:cNvPr id="2" name="Title 1">
-            <a:extLst>
-              <a:ext uri="{FF2B5EF4-FFF2-40B4-BE49-F238E27FC236}">
-                <a16:creationId xmlns:a16="http://schemas.microsoft.com/office/drawing/2014/main" id="{F6693EDF-660D-4391-A114-A6C54268E445}"/>
-              </a:ext>
-            </a:extLst>
-          </p:cNvPr>
-          <p:cNvSpPr>
-            <a:spLocks noGrp="1"/>
-          </p:cNvSpPr>
-          <p:nvPr>
-            <p:ph type="ctrTitle"/>
-          </p:nvPr>
-        </p:nvSpPr>
-        <p:spPr>
-          <a:xfrm>
-            <a:off x="1261872" y="758952"/>
-            <a:ext cx="10549128" cy="4041648"/>
-          </a:xfrm>
-        </p:spPr>
-        <p:txBody>
-          <a:bodyPr/>
-          <a:lstStyle/>
-          <a:p>
-            <a:r>
-              <a:rPr lang="en-US" dirty="0"/>
-              <a:t>Descriptive Statistics</a:t>
-            </a:r>
-          </a:p>
-        </p:txBody>
-      </p:sp>
-      <p:sp>
-        <p:nvSpPr>
-          <p:cNvPr id="3" name="Subtitle 2">
-            <a:extLst>
-              <a:ext uri="{FF2B5EF4-FFF2-40B4-BE49-F238E27FC236}">
-                <a16:creationId xmlns:a16="http://schemas.microsoft.com/office/drawing/2014/main" id="{9A7FADE3-4D7C-4B3A-B023-71CD85AECCCB}"/>
-              </a:ext>
-            </a:extLst>
-          </p:cNvPr>
-          <p:cNvSpPr>
-            <a:spLocks noGrp="1"/>
-          </p:cNvSpPr>
-          <p:nvPr>
-            <p:ph type="subTitle" idx="1"/>
-          </p:nvPr>
-        </p:nvSpPr>
-        <p:spPr/>
-        <p:txBody>
-          <a:bodyPr>
-            <a:normAutofit/>
-          </a:bodyPr>
-          <a:lstStyle/>
-          <a:p>
-            <a:endParaRPr lang="en-US" sz="4400" dirty="0"/>
-          </a:p>
-        </p:txBody>
-      </p:sp>
-    </p:spTree>
-    <p:extLst>
-      <p:ext uri="{BB962C8B-B14F-4D97-AF65-F5344CB8AC3E}">
-        <p14:creationId xmlns:p14="http://schemas.microsoft.com/office/powerpoint/2010/main" val="1441369958"/>
-      </p:ext>
-    </p:extLst>
-  </p:cSld>
-  <p:clrMapOvr>
-    <a:masterClrMapping/>
-  </p:clrMapOvr>
-</p:sld>
-</file>
-
-<file path=ppt/slides/slide60.xml><?xml version="1.0" encoding="utf-8"?>
+<file path=ppt/slides/slide61.xml><?xml version="1.0" encoding="utf-8"?>
 <p:sld xmlns:a="http://schemas.openxmlformats.org/drawingml/2006/main" xmlns:r="http://schemas.openxmlformats.org/officeDocument/2006/relationships" xmlns:p="http://schemas.openxmlformats.org/presentationml/2006/main">
   <p:cSld>
     <p:spTree>
@@ -26744,7 +26957,7 @@
 </p:sld>
 </file>
 
-<file path=ppt/slides/slide61.xml><?xml version="1.0" encoding="utf-8"?>
+<file path=ppt/slides/slide62.xml><?xml version="1.0" encoding="utf-8"?>
 <p:sld xmlns:a="http://schemas.openxmlformats.org/drawingml/2006/main" xmlns:r="http://schemas.openxmlformats.org/officeDocument/2006/relationships" xmlns:p="http://schemas.openxmlformats.org/presentationml/2006/main">
   <p:cSld>
     <p:spTree>
@@ -26843,7 +27056,7 @@
 </p:sld>
 </file>
 
-<file path=ppt/slides/slide62.xml><?xml version="1.0" encoding="utf-8"?>
+<file path=ppt/slides/slide63.xml><?xml version="1.0" encoding="utf-8"?>
 <p:sld xmlns:a="http://schemas.openxmlformats.org/drawingml/2006/main" xmlns:r="http://schemas.openxmlformats.org/officeDocument/2006/relationships" xmlns:p="http://schemas.openxmlformats.org/presentationml/2006/main">
   <p:cSld>
     <p:spTree>
@@ -27288,7 +27501,7 @@
 </p:sld>
 </file>
 
-<file path=ppt/slides/slide63.xml><?xml version="1.0" encoding="utf-8"?>
+<file path=ppt/slides/slide64.xml><?xml version="1.0" encoding="utf-8"?>
 <p:sld xmlns:a="http://schemas.openxmlformats.org/drawingml/2006/main" xmlns:r="http://schemas.openxmlformats.org/officeDocument/2006/relationships" xmlns:p="http://schemas.openxmlformats.org/presentationml/2006/main">
   <p:cSld>
     <p:spTree>
@@ -27799,7 +28012,7 @@
 </p:sld>
 </file>
 
-<file path=ppt/slides/slide64.xml><?xml version="1.0" encoding="utf-8"?>
+<file path=ppt/slides/slide65.xml><?xml version="1.0" encoding="utf-8"?>
 <p:sld xmlns:a="http://schemas.openxmlformats.org/drawingml/2006/main" xmlns:r="http://schemas.openxmlformats.org/officeDocument/2006/relationships" xmlns:p="http://schemas.openxmlformats.org/presentationml/2006/main">
   <p:cSld>
     <p:spTree>
@@ -28320,7 +28533,7 @@
 </p:sld>
 </file>
 
-<file path=ppt/slides/slide65.xml><?xml version="1.0" encoding="utf-8"?>
+<file path=ppt/slides/slide66.xml><?xml version="1.0" encoding="utf-8"?>
 <p:sld xmlns:a="http://schemas.openxmlformats.org/drawingml/2006/main" xmlns:r="http://schemas.openxmlformats.org/officeDocument/2006/relationships" xmlns:p="http://schemas.openxmlformats.org/presentationml/2006/main">
   <p:cSld>
     <p:spTree>
@@ -28853,7 +29066,7 @@
 </p:sld>
 </file>
 
-<file path=ppt/slides/slide66.xml><?xml version="1.0" encoding="utf-8"?>
+<file path=ppt/slides/slide67.xml><?xml version="1.0" encoding="utf-8"?>
 <p:sld xmlns:a="http://schemas.openxmlformats.org/drawingml/2006/main" xmlns:r="http://schemas.openxmlformats.org/officeDocument/2006/relationships" xmlns:p="http://schemas.openxmlformats.org/presentationml/2006/main">
   <p:cSld>
     <p:spTree>
@@ -28995,7 +29208,7 @@
 </p:sld>
 </file>
 
-<file path=ppt/slides/slide67.xml><?xml version="1.0" encoding="utf-8"?>
+<file path=ppt/slides/slide68.xml><?xml version="1.0" encoding="utf-8"?>
 <p:sld xmlns:a="http://schemas.openxmlformats.org/drawingml/2006/main" xmlns:r="http://schemas.openxmlformats.org/officeDocument/2006/relationships" xmlns:p="http://schemas.openxmlformats.org/presentationml/2006/main">
   <p:cSld>
     <p:spTree>
@@ -29139,7 +29352,7 @@
 </p:sld>
 </file>
 
-<file path=ppt/slides/slide68.xml><?xml version="1.0" encoding="utf-8"?>
+<file path=ppt/slides/slide69.xml><?xml version="1.0" encoding="utf-8"?>
 <p:sld xmlns:a="http://schemas.openxmlformats.org/drawingml/2006/main" xmlns:r="http://schemas.openxmlformats.org/officeDocument/2006/relationships" xmlns:p="http://schemas.openxmlformats.org/presentationml/2006/main">
   <p:cSld>
     <p:spTree>
@@ -29283,7 +29496,163 @@
 </p:sld>
 </file>
 
-<file path=ppt/slides/slide69.xml><?xml version="1.0" encoding="utf-8"?>
+<file path=ppt/slides/slide7.xml><?xml version="1.0" encoding="utf-8"?>
+<p:sld xmlns:a="http://schemas.openxmlformats.org/drawingml/2006/main" xmlns:r="http://schemas.openxmlformats.org/officeDocument/2006/relationships" xmlns:p="http://schemas.openxmlformats.org/presentationml/2006/main">
+  <p:cSld>
+    <p:spTree>
+      <p:nvGrpSpPr>
+        <p:cNvPr id="1" name="">
+          <a:extLst>
+            <a:ext uri="{FF2B5EF4-FFF2-40B4-BE49-F238E27FC236}">
+              <a16:creationId xmlns:a16="http://schemas.microsoft.com/office/drawing/2014/main" id="{2BCE2279-22FE-A4F2-7AEA-E62C6B0FC446}"/>
+            </a:ext>
+          </a:extLst>
+        </p:cNvPr>
+        <p:cNvGrpSpPr/>
+        <p:nvPr/>
+      </p:nvGrpSpPr>
+      <p:grpSpPr>
+        <a:xfrm>
+          <a:off x="0" y="0"/>
+          <a:ext cx="0" cy="0"/>
+          <a:chOff x="0" y="0"/>
+          <a:chExt cx="0" cy="0"/>
+        </a:xfrm>
+      </p:grpSpPr>
+      <p:sp>
+        <p:nvSpPr>
+          <p:cNvPr id="2" name="Title 1">
+            <a:extLst>
+              <a:ext uri="{FF2B5EF4-FFF2-40B4-BE49-F238E27FC236}">
+                <a16:creationId xmlns:a16="http://schemas.microsoft.com/office/drawing/2014/main" id="{8A4665BC-A9B8-1967-75D9-8E508D417189}"/>
+              </a:ext>
+            </a:extLst>
+          </p:cNvPr>
+          <p:cNvSpPr>
+            <a:spLocks noGrp="1"/>
+          </p:cNvSpPr>
+          <p:nvPr>
+            <p:ph type="title"/>
+          </p:nvPr>
+        </p:nvSpPr>
+        <p:spPr>
+          <a:xfrm>
+            <a:off x="609600" y="337392"/>
+            <a:ext cx="9601200" cy="624840"/>
+          </a:xfrm>
+        </p:spPr>
+        <p:txBody>
+          <a:bodyPr>
+            <a:normAutofit fontScale="90000"/>
+          </a:bodyPr>
+          <a:lstStyle/>
+          <a:p>
+            <a:r>
+              <a:rPr lang="en-US" dirty="0">
+                <a:latin typeface="Times New Roman" panose="02020603050405020304" pitchFamily="18" charset="0"/>
+                <a:cs typeface="Times New Roman" panose="02020603050405020304" pitchFamily="18" charset="0"/>
+              </a:rPr>
+              <a:t>Why describe your data?</a:t>
+            </a:r>
+          </a:p>
+        </p:txBody>
+      </p:sp>
+      <p:sp>
+        <p:nvSpPr>
+          <p:cNvPr id="3" name="Content Placeholder 2">
+            <a:extLst>
+              <a:ext uri="{FF2B5EF4-FFF2-40B4-BE49-F238E27FC236}">
+                <a16:creationId xmlns:a16="http://schemas.microsoft.com/office/drawing/2014/main" id="{553BF719-B92D-6503-B7C4-9D7CDC19F3E0}"/>
+              </a:ext>
+            </a:extLst>
+          </p:cNvPr>
+          <p:cNvSpPr>
+            <a:spLocks noGrp="1"/>
+          </p:cNvSpPr>
+          <p:nvPr>
+            <p:ph idx="1"/>
+          </p:nvPr>
+        </p:nvSpPr>
+        <p:spPr>
+          <a:xfrm>
+            <a:off x="609600" y="1066801"/>
+            <a:ext cx="10210800" cy="5141388"/>
+          </a:xfrm>
+        </p:spPr>
+        <p:txBody>
+          <a:bodyPr>
+            <a:noAutofit/>
+          </a:bodyPr>
+          <a:lstStyle/>
+          <a:p>
+            <a:pPr marL="0" indent="0">
+              <a:buNone/>
+            </a:pPr>
+            <a:r>
+              <a:rPr lang="en-US" sz="2200" b="1" dirty="0">
+                <a:latin typeface="Times New Roman" panose="02020603050405020304" pitchFamily="18" charset="0"/>
+                <a:cs typeface="Times New Roman" panose="02020603050405020304" pitchFamily="18" charset="0"/>
+              </a:rPr>
+              <a:t>Descriptive statistics, summaries, and visualizations are the backbone of quantitative research! </a:t>
+            </a:r>
+          </a:p>
+          <a:p>
+            <a:pPr marL="457200" indent="-457200">
+              <a:buAutoNum type="arabicPeriod"/>
+            </a:pPr>
+            <a:r>
+              <a:rPr lang="en-US" sz="2200" dirty="0">
+                <a:cs typeface="Times New Roman" panose="02020603050405020304" pitchFamily="18" charset="0"/>
+              </a:rPr>
+              <a:t>Validate that the data is telling you what you think it is telling you</a:t>
+            </a:r>
+          </a:p>
+          <a:p>
+            <a:pPr marL="457200" indent="-457200">
+              <a:buAutoNum type="arabicPeriod"/>
+            </a:pPr>
+            <a:r>
+              <a:rPr lang="en-US" sz="2200" dirty="0">
+                <a:latin typeface="Times New Roman" panose="02020603050405020304" pitchFamily="18" charset="0"/>
+                <a:cs typeface="Times New Roman" panose="02020603050405020304" pitchFamily="18" charset="0"/>
+              </a:rPr>
+              <a:t>Sell your readers </a:t>
+            </a:r>
+            <a:r>
+              <a:rPr lang="en-US" sz="2200" dirty="0">
+                <a:cs typeface="Times New Roman" panose="02020603050405020304" pitchFamily="18" charset="0"/>
+              </a:rPr>
+              <a:t>that the story you’re peddling is plausible</a:t>
+            </a:r>
+          </a:p>
+          <a:p>
+            <a:pPr marL="457200" indent="-457200">
+              <a:buAutoNum type="arabicPeriod"/>
+            </a:pPr>
+            <a:r>
+              <a:rPr lang="en-US" sz="2200" dirty="0">
+                <a:latin typeface="Times New Roman" panose="02020603050405020304" pitchFamily="18" charset="0"/>
+                <a:cs typeface="Times New Roman" panose="02020603050405020304" pitchFamily="18" charset="0"/>
+              </a:rPr>
+              <a:t>At the end of the day, all empirical research comes down to accurately describing the (conditional, marginal, etc.) distributions of quantitative variables (and how they change)</a:t>
+            </a:r>
+          </a:p>
+        </p:txBody>
+      </p:sp>
+    </p:spTree>
+    <p:extLst>
+      <p:ext uri="{BB962C8B-B14F-4D97-AF65-F5344CB8AC3E}">
+        <p14:creationId xmlns:p14="http://schemas.microsoft.com/office/powerpoint/2010/main" val="508541231"/>
+      </p:ext>
+    </p:extLst>
+  </p:cSld>
+  <p:clrMapOvr>
+    <a:masterClrMapping/>
+  </p:clrMapOvr>
+</p:sld>
+</file>
+
+<file path=ppt/slides/slide70.xml><?xml version="1.0" encoding="utf-8"?>
 <p:sld xmlns:a="http://schemas.openxmlformats.org/drawingml/2006/main" xmlns:r="http://schemas.openxmlformats.org/officeDocument/2006/relationships" xmlns:p="http://schemas.openxmlformats.org/presentationml/2006/main">
   <p:cSld>
     <p:spTree>
@@ -29457,163 +29826,7 @@
 </p:sld>
 </file>
 
-<file path=ppt/slides/slide7.xml><?xml version="1.0" encoding="utf-8"?>
-<p:sld xmlns:a="http://schemas.openxmlformats.org/drawingml/2006/main" xmlns:r="http://schemas.openxmlformats.org/officeDocument/2006/relationships" xmlns:p="http://schemas.openxmlformats.org/presentationml/2006/main">
-  <p:cSld>
-    <p:spTree>
-      <p:nvGrpSpPr>
-        <p:cNvPr id="1" name="">
-          <a:extLst>
-            <a:ext uri="{FF2B5EF4-FFF2-40B4-BE49-F238E27FC236}">
-              <a16:creationId xmlns:a16="http://schemas.microsoft.com/office/drawing/2014/main" id="{2BCE2279-22FE-A4F2-7AEA-E62C6B0FC446}"/>
-            </a:ext>
-          </a:extLst>
-        </p:cNvPr>
-        <p:cNvGrpSpPr/>
-        <p:nvPr/>
-      </p:nvGrpSpPr>
-      <p:grpSpPr>
-        <a:xfrm>
-          <a:off x="0" y="0"/>
-          <a:ext cx="0" cy="0"/>
-          <a:chOff x="0" y="0"/>
-          <a:chExt cx="0" cy="0"/>
-        </a:xfrm>
-      </p:grpSpPr>
-      <p:sp>
-        <p:nvSpPr>
-          <p:cNvPr id="2" name="Title 1">
-            <a:extLst>
-              <a:ext uri="{FF2B5EF4-FFF2-40B4-BE49-F238E27FC236}">
-                <a16:creationId xmlns:a16="http://schemas.microsoft.com/office/drawing/2014/main" id="{8A4665BC-A9B8-1967-75D9-8E508D417189}"/>
-              </a:ext>
-            </a:extLst>
-          </p:cNvPr>
-          <p:cNvSpPr>
-            <a:spLocks noGrp="1"/>
-          </p:cNvSpPr>
-          <p:nvPr>
-            <p:ph type="title"/>
-          </p:nvPr>
-        </p:nvSpPr>
-        <p:spPr>
-          <a:xfrm>
-            <a:off x="609600" y="337392"/>
-            <a:ext cx="9601200" cy="624840"/>
-          </a:xfrm>
-        </p:spPr>
-        <p:txBody>
-          <a:bodyPr>
-            <a:normAutofit fontScale="90000"/>
-          </a:bodyPr>
-          <a:lstStyle/>
-          <a:p>
-            <a:r>
-              <a:rPr lang="en-US" dirty="0">
-                <a:latin typeface="Times New Roman" panose="02020603050405020304" pitchFamily="18" charset="0"/>
-                <a:cs typeface="Times New Roman" panose="02020603050405020304" pitchFamily="18" charset="0"/>
-              </a:rPr>
-              <a:t>Why describe your data?</a:t>
-            </a:r>
-          </a:p>
-        </p:txBody>
-      </p:sp>
-      <p:sp>
-        <p:nvSpPr>
-          <p:cNvPr id="3" name="Content Placeholder 2">
-            <a:extLst>
-              <a:ext uri="{FF2B5EF4-FFF2-40B4-BE49-F238E27FC236}">
-                <a16:creationId xmlns:a16="http://schemas.microsoft.com/office/drawing/2014/main" id="{553BF719-B92D-6503-B7C4-9D7CDC19F3E0}"/>
-              </a:ext>
-            </a:extLst>
-          </p:cNvPr>
-          <p:cNvSpPr>
-            <a:spLocks noGrp="1"/>
-          </p:cNvSpPr>
-          <p:nvPr>
-            <p:ph idx="1"/>
-          </p:nvPr>
-        </p:nvSpPr>
-        <p:spPr>
-          <a:xfrm>
-            <a:off x="609600" y="1066801"/>
-            <a:ext cx="10210800" cy="5141388"/>
-          </a:xfrm>
-        </p:spPr>
-        <p:txBody>
-          <a:bodyPr>
-            <a:noAutofit/>
-          </a:bodyPr>
-          <a:lstStyle/>
-          <a:p>
-            <a:pPr marL="0" indent="0">
-              <a:buNone/>
-            </a:pPr>
-            <a:r>
-              <a:rPr lang="en-US" sz="2200" b="1" dirty="0">
-                <a:latin typeface="Times New Roman" panose="02020603050405020304" pitchFamily="18" charset="0"/>
-                <a:cs typeface="Times New Roman" panose="02020603050405020304" pitchFamily="18" charset="0"/>
-              </a:rPr>
-              <a:t>Descriptive statistics, summaries, and visualizations are the backbone of quantitative research! </a:t>
-            </a:r>
-          </a:p>
-          <a:p>
-            <a:pPr marL="457200" indent="-457200">
-              <a:buAutoNum type="arabicPeriod"/>
-            </a:pPr>
-            <a:r>
-              <a:rPr lang="en-US" sz="2200" dirty="0">
-                <a:cs typeface="Times New Roman" panose="02020603050405020304" pitchFamily="18" charset="0"/>
-              </a:rPr>
-              <a:t>Validate that the data is telling you what you think it is telling you</a:t>
-            </a:r>
-          </a:p>
-          <a:p>
-            <a:pPr marL="457200" indent="-457200">
-              <a:buAutoNum type="arabicPeriod"/>
-            </a:pPr>
-            <a:r>
-              <a:rPr lang="en-US" sz="2200" dirty="0">
-                <a:latin typeface="Times New Roman" panose="02020603050405020304" pitchFamily="18" charset="0"/>
-                <a:cs typeface="Times New Roman" panose="02020603050405020304" pitchFamily="18" charset="0"/>
-              </a:rPr>
-              <a:t>Sell your readers </a:t>
-            </a:r>
-            <a:r>
-              <a:rPr lang="en-US" sz="2200" dirty="0">
-                <a:cs typeface="Times New Roman" panose="02020603050405020304" pitchFamily="18" charset="0"/>
-              </a:rPr>
-              <a:t>that the story you’re peddling is plausible</a:t>
-            </a:r>
-          </a:p>
-          <a:p>
-            <a:pPr marL="457200" indent="-457200">
-              <a:buAutoNum type="arabicPeriod"/>
-            </a:pPr>
-            <a:r>
-              <a:rPr lang="en-US" sz="2200" dirty="0">
-                <a:latin typeface="Times New Roman" panose="02020603050405020304" pitchFamily="18" charset="0"/>
-                <a:cs typeface="Times New Roman" panose="02020603050405020304" pitchFamily="18" charset="0"/>
-              </a:rPr>
-              <a:t>At the end of the day, all empirical research comes down to accurately describing the (conditional, marginal, etc.) distributions of quantitative variables (and how they change)</a:t>
-            </a:r>
-          </a:p>
-        </p:txBody>
-      </p:sp>
-    </p:spTree>
-    <p:extLst>
-      <p:ext uri="{BB962C8B-B14F-4D97-AF65-F5344CB8AC3E}">
-        <p14:creationId xmlns:p14="http://schemas.microsoft.com/office/powerpoint/2010/main" val="508541231"/>
-      </p:ext>
-    </p:extLst>
-  </p:cSld>
-  <p:clrMapOvr>
-    <a:masterClrMapping/>
-  </p:clrMapOvr>
-</p:sld>
-</file>
-
-<file path=ppt/slides/slide70.xml><?xml version="1.0" encoding="utf-8"?>
+<file path=ppt/slides/slide71.xml><?xml version="1.0" encoding="utf-8"?>
 <p:sld xmlns:a="http://schemas.openxmlformats.org/drawingml/2006/main" xmlns:r="http://schemas.openxmlformats.org/officeDocument/2006/relationships" xmlns:p="http://schemas.openxmlformats.org/presentationml/2006/main">
   <p:cSld>
     <p:spTree>
@@ -29817,7 +30030,7 @@
 </p:sld>
 </file>
 
-<file path=ppt/slides/slide71.xml><?xml version="1.0" encoding="utf-8"?>
+<file path=ppt/slides/slide72.xml><?xml version="1.0" encoding="utf-8"?>
 <p:sld xmlns:a="http://schemas.openxmlformats.org/drawingml/2006/main" xmlns:r="http://schemas.openxmlformats.org/officeDocument/2006/relationships" xmlns:p="http://schemas.openxmlformats.org/presentationml/2006/main">
   <p:cSld>
     <p:spTree>
@@ -29961,7 +30174,7 @@
 </p:sld>
 </file>
 
-<file path=ppt/slides/slide72.xml><?xml version="1.0" encoding="utf-8"?>
+<file path=ppt/slides/slide73.xml><?xml version="1.0" encoding="utf-8"?>
 <p:sld xmlns:a="http://schemas.openxmlformats.org/drawingml/2006/main" xmlns:r="http://schemas.openxmlformats.org/officeDocument/2006/relationships" xmlns:p="http://schemas.openxmlformats.org/presentationml/2006/main">
   <p:cSld>
     <p:spTree>
@@ -30270,7 +30483,7 @@
 </p:sld>
 </file>
 
-<file path=ppt/slides/slide73.xml><?xml version="1.0" encoding="utf-8"?>
+<file path=ppt/slides/slide74.xml><?xml version="1.0" encoding="utf-8"?>
 <p:sld xmlns:a="http://schemas.openxmlformats.org/drawingml/2006/main" xmlns:r="http://schemas.openxmlformats.org/officeDocument/2006/relationships" xmlns:p="http://schemas.openxmlformats.org/presentationml/2006/main">
   <p:cSld>
     <p:spTree>
@@ -30414,7 +30627,7 @@
 </p:sld>
 </file>
 
-<file path=ppt/slides/slide74.xml><?xml version="1.0" encoding="utf-8"?>
+<file path=ppt/slides/slide75.xml><?xml version="1.0" encoding="utf-8"?>
 <p:sld xmlns:a="http://schemas.openxmlformats.org/drawingml/2006/main" xmlns:r="http://schemas.openxmlformats.org/officeDocument/2006/relationships" xmlns:p="http://schemas.openxmlformats.org/presentationml/2006/main">
   <p:cSld>
     <p:spTree>
@@ -30599,7 +30812,7 @@
 </p:sld>
 </file>
 
-<file path=ppt/slides/slide75.xml><?xml version="1.0" encoding="utf-8"?>
+<file path=ppt/slides/slide76.xml><?xml version="1.0" encoding="utf-8"?>
 <p:sld xmlns:a="http://schemas.openxmlformats.org/drawingml/2006/main" xmlns:r="http://schemas.openxmlformats.org/officeDocument/2006/relationships" xmlns:p="http://schemas.openxmlformats.org/presentationml/2006/main">
   <p:cSld>
     <p:spTree>
@@ -31239,7 +31452,7 @@
 </p:sld>
 </file>
 
-<file path=ppt/slides/slide76.xml><?xml version="1.0" encoding="utf-8"?>
+<file path=ppt/slides/slide77.xml><?xml version="1.0" encoding="utf-8"?>
 <p:sld xmlns:a="http://schemas.openxmlformats.org/drawingml/2006/main" xmlns:r="http://schemas.openxmlformats.org/officeDocument/2006/relationships" xmlns:p="http://schemas.openxmlformats.org/presentationml/2006/main">
   <p:cSld>
     <p:spTree>
@@ -31879,7 +32092,7 @@
 </p:sld>
 </file>
 
-<file path=ppt/slides/slide77.xml><?xml version="1.0" encoding="utf-8"?>
+<file path=ppt/slides/slide78.xml><?xml version="1.0" encoding="utf-8"?>
 <p:sld xmlns:a="http://schemas.openxmlformats.org/drawingml/2006/main" xmlns:r="http://schemas.openxmlformats.org/officeDocument/2006/relationships" xmlns:p="http://schemas.openxmlformats.org/presentationml/2006/main">
   <p:cSld>
     <p:spTree>
@@ -32468,7 +32681,7 @@
 </p:sld>
 </file>
 
-<file path=ppt/slides/slide78.xml><?xml version="1.0" encoding="utf-8"?>
+<file path=ppt/slides/slide79.xml><?xml version="1.0" encoding="utf-8"?>
 <p:sld xmlns:a="http://schemas.openxmlformats.org/drawingml/2006/main" xmlns:r="http://schemas.openxmlformats.org/officeDocument/2006/relationships" xmlns:p="http://schemas.openxmlformats.org/presentationml/2006/main">
   <p:cSld>
     <p:spTree>
@@ -33057,7 +33270,193 @@
 </p:sld>
 </file>
 
-<file path=ppt/slides/slide79.xml><?xml version="1.0" encoding="utf-8"?>
+<file path=ppt/slides/slide8.xml><?xml version="1.0" encoding="utf-8"?>
+<p:sld xmlns:a="http://schemas.openxmlformats.org/drawingml/2006/main" xmlns:r="http://schemas.openxmlformats.org/officeDocument/2006/relationships" xmlns:p="http://schemas.openxmlformats.org/presentationml/2006/main">
+  <p:cSld>
+    <p:spTree>
+      <p:nvGrpSpPr>
+        <p:cNvPr id="1" name=""/>
+        <p:cNvGrpSpPr/>
+        <p:nvPr/>
+      </p:nvGrpSpPr>
+      <p:grpSpPr>
+        <a:xfrm>
+          <a:off x="0" y="0"/>
+          <a:ext cx="0" cy="0"/>
+          <a:chOff x="0" y="0"/>
+          <a:chExt cx="0" cy="0"/>
+        </a:xfrm>
+      </p:grpSpPr>
+      <p:sp>
+        <p:nvSpPr>
+          <p:cNvPr id="2" name="Title 1"/>
+          <p:cNvSpPr>
+            <a:spLocks noGrp="1"/>
+          </p:cNvSpPr>
+          <p:nvPr>
+            <p:ph type="title"/>
+          </p:nvPr>
+        </p:nvSpPr>
+        <p:spPr>
+          <a:xfrm>
+            <a:off x="609600" y="337392"/>
+            <a:ext cx="10439400" cy="624840"/>
+          </a:xfrm>
+        </p:spPr>
+        <p:txBody>
+          <a:bodyPr>
+            <a:noAutofit/>
+          </a:bodyPr>
+          <a:lstStyle/>
+          <a:p>
+            <a:r>
+              <a:rPr lang="en-US" sz="3600" dirty="0">
+                <a:cs typeface="Times New Roman" panose="02020603050405020304" pitchFamily="18" charset="0"/>
+              </a:rPr>
+              <a:t>Descriptive Statistics are Your Friend!</a:t>
+            </a:r>
+            <a:endParaRPr lang="en-US" sz="3600" dirty="0">
+              <a:latin typeface="Times New Roman" panose="02020603050405020304" pitchFamily="18" charset="0"/>
+              <a:cs typeface="Times New Roman" panose="02020603050405020304" pitchFamily="18" charset="0"/>
+            </a:endParaRPr>
+          </a:p>
+        </p:txBody>
+      </p:sp>
+      <p:sp>
+        <p:nvSpPr>
+          <p:cNvPr id="3" name="Content Placeholder 2"/>
+          <p:cNvSpPr>
+            <a:spLocks noGrp="1"/>
+          </p:cNvSpPr>
+          <p:nvPr>
+            <p:ph idx="1"/>
+          </p:nvPr>
+        </p:nvSpPr>
+        <p:spPr>
+          <a:xfrm>
+            <a:off x="1219199" y="1066801"/>
+            <a:ext cx="9405791" cy="5141388"/>
+          </a:xfrm>
+        </p:spPr>
+        <p:txBody>
+          <a:bodyPr>
+            <a:noAutofit/>
+          </a:bodyPr>
+          <a:lstStyle/>
+          <a:p>
+            <a:pPr marL="0" indent="0">
+              <a:buNone/>
+            </a:pPr>
+            <a:r>
+              <a:rPr lang="en-US" sz="2400" dirty="0">
+                <a:cs typeface="Times New Roman" panose="02020603050405020304" pitchFamily="18" charset="0"/>
+              </a:rPr>
+              <a:t>1. Tell us something about the “story” you have in mind</a:t>
+            </a:r>
+          </a:p>
+          <a:p>
+            <a:endParaRPr lang="en-US" sz="2400" dirty="0">
+              <a:cs typeface="Times New Roman" panose="02020603050405020304" pitchFamily="18" charset="0"/>
+            </a:endParaRPr>
+          </a:p>
+        </p:txBody>
+      </p:sp>
+      <p:pic>
+        <p:nvPicPr>
+          <p:cNvPr id="5" name="Picture 4">
+            <a:extLst>
+              <a:ext uri="{FF2B5EF4-FFF2-40B4-BE49-F238E27FC236}">
+                <a16:creationId xmlns:a16="http://schemas.microsoft.com/office/drawing/2014/main" id="{2BD937EB-396E-EA62-7AB0-D0E7EFC1114E}"/>
+              </a:ext>
+            </a:extLst>
+          </p:cNvPr>
+          <p:cNvPicPr>
+            <a:picLocks noChangeAspect="1"/>
+          </p:cNvPicPr>
+          <p:nvPr/>
+        </p:nvPicPr>
+        <p:blipFill>
+          <a:blip r:embed="rId3"/>
+          <a:stretch>
+            <a:fillRect/>
+          </a:stretch>
+        </p:blipFill>
+        <p:spPr>
+          <a:xfrm>
+            <a:off x="2286000" y="1752600"/>
+            <a:ext cx="6773220" cy="4858428"/>
+          </a:xfrm>
+          <a:prstGeom prst="rect">
+            <a:avLst/>
+          </a:prstGeom>
+        </p:spPr>
+      </p:pic>
+      <p:sp>
+        <p:nvSpPr>
+          <p:cNvPr id="4" name="Oval 3">
+            <a:extLst>
+              <a:ext uri="{FF2B5EF4-FFF2-40B4-BE49-F238E27FC236}">
+                <a16:creationId xmlns:a16="http://schemas.microsoft.com/office/drawing/2014/main" id="{CDA96F80-5C04-6B05-1AA1-6EC88DF74266}"/>
+              </a:ext>
+            </a:extLst>
+          </p:cNvPr>
+          <p:cNvSpPr/>
+          <p:nvPr/>
+        </p:nvSpPr>
+        <p:spPr>
+          <a:xfrm>
+            <a:off x="4876800" y="4876800"/>
+            <a:ext cx="990600" cy="620520"/>
+          </a:xfrm>
+          <a:prstGeom prst="ellipse">
+            <a:avLst/>
+          </a:prstGeom>
+          <a:noFill/>
+          <a:ln w="38100">
+            <a:solidFill>
+              <a:srgbClr val="FFC000"/>
+            </a:solidFill>
+          </a:ln>
+        </p:spPr>
+        <p:style>
+          <a:lnRef idx="2">
+            <a:schemeClr val="accent1">
+              <a:shade val="15000"/>
+            </a:schemeClr>
+          </a:lnRef>
+          <a:fillRef idx="1">
+            <a:schemeClr val="accent1"/>
+          </a:fillRef>
+          <a:effectRef idx="0">
+            <a:schemeClr val="accent1"/>
+          </a:effectRef>
+          <a:fontRef idx="minor">
+            <a:schemeClr val="lt1"/>
+          </a:fontRef>
+        </p:style>
+        <p:txBody>
+          <a:bodyPr rtlCol="0" anchor="ctr"/>
+          <a:lstStyle/>
+          <a:p>
+            <a:pPr algn="ctr"/>
+            <a:endParaRPr lang="en-CA"/>
+          </a:p>
+        </p:txBody>
+      </p:sp>
+    </p:spTree>
+    <p:extLst>
+      <p:ext uri="{BB962C8B-B14F-4D97-AF65-F5344CB8AC3E}">
+        <p14:creationId xmlns:p14="http://schemas.microsoft.com/office/powerpoint/2010/main" val="1496632064"/>
+      </p:ext>
+    </p:extLst>
+  </p:cSld>
+  <p:clrMapOvr>
+    <a:masterClrMapping/>
+  </p:clrMapOvr>
+</p:sld>
+</file>
+
+<file path=ppt/slides/slide80.xml><?xml version="1.0" encoding="utf-8"?>
 <p:sld xmlns:a="http://schemas.openxmlformats.org/drawingml/2006/main" xmlns:r="http://schemas.openxmlformats.org/officeDocument/2006/relationships" xmlns:p="http://schemas.openxmlformats.org/presentationml/2006/main">
   <p:cSld>
     <p:spTree>
@@ -33646,141 +34045,7 @@
 </p:sld>
 </file>
 
-<file path=ppt/slides/slide8.xml><?xml version="1.0" encoding="utf-8"?>
-<p:sld xmlns:a="http://schemas.openxmlformats.org/drawingml/2006/main" xmlns:r="http://schemas.openxmlformats.org/officeDocument/2006/relationships" xmlns:p="http://schemas.openxmlformats.org/presentationml/2006/main">
-  <p:cSld>
-    <p:spTree>
-      <p:nvGrpSpPr>
-        <p:cNvPr id="1" name=""/>
-        <p:cNvGrpSpPr/>
-        <p:nvPr/>
-      </p:nvGrpSpPr>
-      <p:grpSpPr>
-        <a:xfrm>
-          <a:off x="0" y="0"/>
-          <a:ext cx="0" cy="0"/>
-          <a:chOff x="0" y="0"/>
-          <a:chExt cx="0" cy="0"/>
-        </a:xfrm>
-      </p:grpSpPr>
-      <p:sp>
-        <p:nvSpPr>
-          <p:cNvPr id="2" name="Title 1"/>
-          <p:cNvSpPr>
-            <a:spLocks noGrp="1"/>
-          </p:cNvSpPr>
-          <p:nvPr>
-            <p:ph type="title"/>
-          </p:nvPr>
-        </p:nvSpPr>
-        <p:spPr>
-          <a:xfrm>
-            <a:off x="609600" y="337392"/>
-            <a:ext cx="10439400" cy="624840"/>
-          </a:xfrm>
-        </p:spPr>
-        <p:txBody>
-          <a:bodyPr>
-            <a:noAutofit/>
-          </a:bodyPr>
-          <a:lstStyle/>
-          <a:p>
-            <a:r>
-              <a:rPr lang="en-US" sz="3600" dirty="0">
-                <a:cs typeface="Times New Roman" panose="02020603050405020304" pitchFamily="18" charset="0"/>
-              </a:rPr>
-              <a:t>Descriptive Statistics are Your Friend!</a:t>
-            </a:r>
-            <a:endParaRPr lang="en-US" sz="3600" dirty="0">
-              <a:latin typeface="Times New Roman" panose="02020603050405020304" pitchFamily="18" charset="0"/>
-              <a:cs typeface="Times New Roman" panose="02020603050405020304" pitchFamily="18" charset="0"/>
-            </a:endParaRPr>
-          </a:p>
-        </p:txBody>
-      </p:sp>
-      <p:sp>
-        <p:nvSpPr>
-          <p:cNvPr id="3" name="Content Placeholder 2"/>
-          <p:cNvSpPr>
-            <a:spLocks noGrp="1"/>
-          </p:cNvSpPr>
-          <p:nvPr>
-            <p:ph idx="1"/>
-          </p:nvPr>
-        </p:nvSpPr>
-        <p:spPr>
-          <a:xfrm>
-            <a:off x="1219199" y="1066801"/>
-            <a:ext cx="9405791" cy="5141388"/>
-          </a:xfrm>
-        </p:spPr>
-        <p:txBody>
-          <a:bodyPr>
-            <a:noAutofit/>
-          </a:bodyPr>
-          <a:lstStyle/>
-          <a:p>
-            <a:pPr marL="0" indent="0">
-              <a:buNone/>
-            </a:pPr>
-            <a:r>
-              <a:rPr lang="en-US" sz="2400" dirty="0">
-                <a:cs typeface="Times New Roman" panose="02020603050405020304" pitchFamily="18" charset="0"/>
-              </a:rPr>
-              <a:t>1. Tell us something about the “story” you have in mind</a:t>
-            </a:r>
-          </a:p>
-          <a:p>
-            <a:endParaRPr lang="en-US" sz="2400" dirty="0">
-              <a:cs typeface="Times New Roman" panose="02020603050405020304" pitchFamily="18" charset="0"/>
-            </a:endParaRPr>
-          </a:p>
-        </p:txBody>
-      </p:sp>
-      <p:pic>
-        <p:nvPicPr>
-          <p:cNvPr id="5" name="Picture 4">
-            <a:extLst>
-              <a:ext uri="{FF2B5EF4-FFF2-40B4-BE49-F238E27FC236}">
-                <a16:creationId xmlns:a16="http://schemas.microsoft.com/office/drawing/2014/main" id="{2BD937EB-396E-EA62-7AB0-D0E7EFC1114E}"/>
-              </a:ext>
-            </a:extLst>
-          </p:cNvPr>
-          <p:cNvPicPr>
-            <a:picLocks noChangeAspect="1"/>
-          </p:cNvPicPr>
-          <p:nvPr/>
-        </p:nvPicPr>
-        <p:blipFill>
-          <a:blip r:embed="rId3"/>
-          <a:stretch>
-            <a:fillRect/>
-          </a:stretch>
-        </p:blipFill>
-        <p:spPr>
-          <a:xfrm>
-            <a:off x="2286000" y="1752600"/>
-            <a:ext cx="6773220" cy="4858428"/>
-          </a:xfrm>
-          <a:prstGeom prst="rect">
-            <a:avLst/>
-          </a:prstGeom>
-        </p:spPr>
-      </p:pic>
-    </p:spTree>
-    <p:extLst>
-      <p:ext uri="{BB962C8B-B14F-4D97-AF65-F5344CB8AC3E}">
-        <p14:creationId xmlns:p14="http://schemas.microsoft.com/office/powerpoint/2010/main" val="1496632064"/>
-      </p:ext>
-    </p:extLst>
-  </p:cSld>
-  <p:clrMapOvr>
-    <a:masterClrMapping/>
-  </p:clrMapOvr>
-</p:sld>
-</file>
-
-<file path=ppt/slides/slide80.xml><?xml version="1.0" encoding="utf-8"?>
+<file path=ppt/slides/slide81.xml><?xml version="1.0" encoding="utf-8"?>
 <p:sld xmlns:a="http://schemas.openxmlformats.org/drawingml/2006/main" xmlns:r="http://schemas.openxmlformats.org/officeDocument/2006/relationships" xmlns:p="http://schemas.openxmlformats.org/presentationml/2006/main" showMasterSp="0">
   <p:cSld>
     <p:spTree>
@@ -34823,7 +35088,7 @@
 </p:sld>
 </file>
 
-<file path=ppt/slides/slide81.xml><?xml version="1.0" encoding="utf-8"?>
+<file path=ppt/slides/slide82.xml><?xml version="1.0" encoding="utf-8"?>
 <p:sld xmlns:a="http://schemas.openxmlformats.org/drawingml/2006/main" xmlns:r="http://schemas.openxmlformats.org/officeDocument/2006/relationships" xmlns:p="http://schemas.openxmlformats.org/presentationml/2006/main">
   <p:cSld>
     <p:spTree>
@@ -34993,7 +35258,7 @@
 </p:sld>
 </file>
 
-<file path=ppt/slides/slide82.xml><?xml version="1.0" encoding="utf-8"?>
+<file path=ppt/slides/slide83.xml><?xml version="1.0" encoding="utf-8"?>
 <p:sld xmlns:a="http://schemas.openxmlformats.org/drawingml/2006/main" xmlns:r="http://schemas.openxmlformats.org/officeDocument/2006/relationships" xmlns:p="http://schemas.openxmlformats.org/presentationml/2006/main">
   <p:cSld>
     <p:spTree>
@@ -35901,6 +36166,58 @@
           </a:prstGeom>
         </p:spPr>
       </p:pic>
+      <p:sp>
+        <p:nvSpPr>
+          <p:cNvPr id="4" name="Oval 3">
+            <a:extLst>
+              <a:ext uri="{FF2B5EF4-FFF2-40B4-BE49-F238E27FC236}">
+                <a16:creationId xmlns:a16="http://schemas.microsoft.com/office/drawing/2014/main" id="{574E9236-7C96-DDCA-BAF3-D5E16CE44D4D}"/>
+              </a:ext>
+            </a:extLst>
+          </p:cNvPr>
+          <p:cNvSpPr/>
+          <p:nvPr/>
+        </p:nvSpPr>
+        <p:spPr>
+          <a:xfrm>
+            <a:off x="5334000" y="6312758"/>
+            <a:ext cx="685800" cy="310260"/>
+          </a:xfrm>
+          <a:prstGeom prst="ellipse">
+            <a:avLst/>
+          </a:prstGeom>
+          <a:noFill/>
+          <a:ln w="38100">
+            <a:solidFill>
+              <a:srgbClr val="FFC000"/>
+            </a:solidFill>
+          </a:ln>
+        </p:spPr>
+        <p:style>
+          <a:lnRef idx="2">
+            <a:schemeClr val="accent1">
+              <a:shade val="15000"/>
+            </a:schemeClr>
+          </a:lnRef>
+          <a:fillRef idx="1">
+            <a:schemeClr val="accent1"/>
+          </a:fillRef>
+          <a:effectRef idx="0">
+            <a:schemeClr val="accent1"/>
+          </a:effectRef>
+          <a:fontRef idx="minor">
+            <a:schemeClr val="lt1"/>
+          </a:fontRef>
+        </p:style>
+        <p:txBody>
+          <a:bodyPr rtlCol="0" anchor="ctr"/>
+          <a:lstStyle/>
+          <a:p>
+            <a:pPr algn="ctr"/>
+            <a:endParaRPr lang="en-CA"/>
+          </a:p>
+        </p:txBody>
+      </p:sp>
     </p:spTree>
     <p:extLst>
       <p:ext uri="{BB962C8B-B14F-4D97-AF65-F5344CB8AC3E}">

--- a/Lectures/Lecture03_Correlations/Lecture3_Correlations.pptx
+++ b/Lectures/Lecture03_Correlations/Lecture3_Correlations.pptx
@@ -6,7 +6,7 @@
     <p:sldMasterId id="2147483750" r:id="rId2"/>
   </p:sldMasterIdLst>
   <p:notesMasterIdLst>
-    <p:notesMasterId r:id="rId86"/>
+    <p:notesMasterId r:id="rId78"/>
   </p:notesMasterIdLst>
   <p:sldIdLst>
     <p:sldId id="256" r:id="rId3"/>
@@ -62,36 +62,28 @@
     <p:sldId id="743" r:id="rId53"/>
     <p:sldId id="744" r:id="rId54"/>
     <p:sldId id="448" r:id="rId55"/>
-    <p:sldId id="418" r:id="rId56"/>
-    <p:sldId id="442" r:id="rId57"/>
-    <p:sldId id="463" r:id="rId58"/>
-    <p:sldId id="745" r:id="rId59"/>
-    <p:sldId id="450" r:id="rId60"/>
-    <p:sldId id="451" r:id="rId61"/>
-    <p:sldId id="452" r:id="rId62"/>
-    <p:sldId id="453" r:id="rId63"/>
-    <p:sldId id="459" r:id="rId64"/>
-    <p:sldId id="464" r:id="rId65"/>
-    <p:sldId id="465" r:id="rId66"/>
-    <p:sldId id="466" r:id="rId67"/>
-    <p:sldId id="467" r:id="rId68"/>
-    <p:sldId id="437" r:id="rId69"/>
-    <p:sldId id="468" r:id="rId70"/>
-    <p:sldId id="469" r:id="rId71"/>
-    <p:sldId id="738" r:id="rId72"/>
-    <p:sldId id="739" r:id="rId73"/>
-    <p:sldId id="470" r:id="rId74"/>
-    <p:sldId id="471" r:id="rId75"/>
-    <p:sldId id="472" r:id="rId76"/>
-    <p:sldId id="473" r:id="rId77"/>
-    <p:sldId id="262" r:id="rId78"/>
-    <p:sldId id="263" r:id="rId79"/>
-    <p:sldId id="265" r:id="rId80"/>
-    <p:sldId id="266" r:id="rId81"/>
-    <p:sldId id="267" r:id="rId82"/>
-    <p:sldId id="271" r:id="rId83"/>
-    <p:sldId id="474" r:id="rId84"/>
-    <p:sldId id="444" r:id="rId85"/>
+    <p:sldId id="459" r:id="rId56"/>
+    <p:sldId id="464" r:id="rId57"/>
+    <p:sldId id="465" r:id="rId58"/>
+    <p:sldId id="466" r:id="rId59"/>
+    <p:sldId id="467" r:id="rId60"/>
+    <p:sldId id="437" r:id="rId61"/>
+    <p:sldId id="468" r:id="rId62"/>
+    <p:sldId id="469" r:id="rId63"/>
+    <p:sldId id="738" r:id="rId64"/>
+    <p:sldId id="739" r:id="rId65"/>
+    <p:sldId id="470" r:id="rId66"/>
+    <p:sldId id="471" r:id="rId67"/>
+    <p:sldId id="472" r:id="rId68"/>
+    <p:sldId id="473" r:id="rId69"/>
+    <p:sldId id="262" r:id="rId70"/>
+    <p:sldId id="263" r:id="rId71"/>
+    <p:sldId id="265" r:id="rId72"/>
+    <p:sldId id="266" r:id="rId73"/>
+    <p:sldId id="267" r:id="rId74"/>
+    <p:sldId id="271" r:id="rId75"/>
+    <p:sldId id="474" r:id="rId76"/>
+    <p:sldId id="444" r:id="rId77"/>
   </p:sldIdLst>
   <p:sldSz cx="12192000" cy="6858000"/>
   <p:notesSz cx="7010400" cy="9296400"/>
@@ -613,8 +605,13 @@
             </a:pPr>
             <a:r>
               <a:rPr lang="en-US" dirty="0"/>
-              <a:t>Note that Assignment 1 is due today and Assignment 2 is updated slightly on GitHub (shortened again)</a:t>
-            </a:r>
+              <a:t>Note that Assignment 1 is due today and Assignment 2 is updated slightly on GitHub (shortened again). Talk about </a:t>
+            </a:r>
+            <a:r>
+              <a:rPr lang="en-US"/>
+              <a:t>final projects and data. </a:t>
+            </a:r>
+            <a:endParaRPr lang="en-US" dirty="0"/>
           </a:p>
         </p:txBody>
       </p:sp>
@@ -5761,7 +5758,13 @@
   <p:cSld>
     <p:spTree>
       <p:nvGrpSpPr>
-        <p:cNvPr id="1" name=""/>
+        <p:cNvPr id="1" name="">
+          <a:extLst>
+            <a:ext uri="{FF2B5EF4-FFF2-40B4-BE49-F238E27FC236}">
+              <a16:creationId xmlns:a16="http://schemas.microsoft.com/office/drawing/2014/main" id="{42DAE62A-AB3A-BA68-1AE2-64EE20555F5F}"/>
+            </a:ext>
+          </a:extLst>
+        </p:cNvPr>
         <p:cNvGrpSpPr/>
         <p:nvPr/>
       </p:nvGrpSpPr>
@@ -5775,7 +5778,13 @@
       </p:grpSpPr>
       <p:sp>
         <p:nvSpPr>
-          <p:cNvPr id="2" name="Slide Image Placeholder 1"/>
+          <p:cNvPr id="2" name="Slide Image Placeholder 1">
+            <a:extLst>
+              <a:ext uri="{FF2B5EF4-FFF2-40B4-BE49-F238E27FC236}">
+                <a16:creationId xmlns:a16="http://schemas.microsoft.com/office/drawing/2014/main" id="{2E6E8BC1-9633-2E8A-BB71-4C9EDE5159A1}"/>
+              </a:ext>
+            </a:extLst>
+          </p:cNvPr>
           <p:cNvSpPr>
             <a:spLocks noGrp="1" noRot="1" noChangeAspect="1"/>
           </p:cNvSpPr>
@@ -5787,7 +5796,13 @@
       </p:sp>
       <p:sp>
         <p:nvSpPr>
-          <p:cNvPr id="3" name="Notes Placeholder 2"/>
+          <p:cNvPr id="3" name="Notes Placeholder 2">
+            <a:extLst>
+              <a:ext uri="{FF2B5EF4-FFF2-40B4-BE49-F238E27FC236}">
+                <a16:creationId xmlns:a16="http://schemas.microsoft.com/office/drawing/2014/main" id="{4E191EC0-19D4-883E-1308-E643FD365D9B}"/>
+              </a:ext>
+            </a:extLst>
+          </p:cNvPr>
           <p:cNvSpPr>
             <a:spLocks noGrp="1"/>
           </p:cNvSpPr>
@@ -5800,13 +5815,22 @@
           <a:bodyPr/>
           <a:lstStyle/>
           <a:p>
-            <a:endParaRPr lang="en-US" dirty="0"/>
-          </a:p>
-        </p:txBody>
-      </p:sp>
-      <p:sp>
-        <p:nvSpPr>
-          <p:cNvPr id="4" name="Slide Number Placeholder 3"/>
+            <a:r>
+              <a:rPr lang="en-US" dirty="0"/>
+              <a:t>Main thing: people will mainly focus on visualizations and maybe 5-10% of your text. So make the visualizations sing!</a:t>
+            </a:r>
+          </a:p>
+        </p:txBody>
+      </p:sp>
+      <p:sp>
+        <p:nvSpPr>
+          <p:cNvPr id="4" name="Slide Number Placeholder 3">
+            <a:extLst>
+              <a:ext uri="{FF2B5EF4-FFF2-40B4-BE49-F238E27FC236}">
+                <a16:creationId xmlns:a16="http://schemas.microsoft.com/office/drawing/2014/main" id="{02940448-5560-4007-6B24-423BAE74DFF7}"/>
+              </a:ext>
+            </a:extLst>
+          </p:cNvPr>
           <p:cNvSpPr>
             <a:spLocks noGrp="1"/>
           </p:cNvSpPr>
@@ -5830,7 +5854,7 @@
     </p:spTree>
     <p:extLst>
       <p:ext uri="{BB962C8B-B14F-4D97-AF65-F5344CB8AC3E}">
-        <p14:creationId xmlns:p14="http://schemas.microsoft.com/office/powerpoint/2010/main" val="4129922979"/>
+        <p14:creationId xmlns:p14="http://schemas.microsoft.com/office/powerpoint/2010/main" val="670950025"/>
       </p:ext>
     </p:extLst>
   </p:cSld>
@@ -5845,7 +5869,13 @@
   <p:cSld>
     <p:spTree>
       <p:nvGrpSpPr>
-        <p:cNvPr id="1" name=""/>
+        <p:cNvPr id="1" name="">
+          <a:extLst>
+            <a:ext uri="{FF2B5EF4-FFF2-40B4-BE49-F238E27FC236}">
+              <a16:creationId xmlns:a16="http://schemas.microsoft.com/office/drawing/2014/main" id="{0D9BC585-6F95-AABD-6D84-13346D435F6F}"/>
+            </a:ext>
+          </a:extLst>
+        </p:cNvPr>
         <p:cNvGrpSpPr/>
         <p:nvPr/>
       </p:nvGrpSpPr>
@@ -5859,7 +5889,13 @@
       </p:grpSpPr>
       <p:sp>
         <p:nvSpPr>
-          <p:cNvPr id="2" name="Slide Image Placeholder 1"/>
+          <p:cNvPr id="2" name="Slide Image Placeholder 1">
+            <a:extLst>
+              <a:ext uri="{FF2B5EF4-FFF2-40B4-BE49-F238E27FC236}">
+                <a16:creationId xmlns:a16="http://schemas.microsoft.com/office/drawing/2014/main" id="{C41BA6B0-670E-96BD-D246-3E6D57475C09}"/>
+              </a:ext>
+            </a:extLst>
+          </p:cNvPr>
           <p:cNvSpPr>
             <a:spLocks noGrp="1" noRot="1" noChangeAspect="1"/>
           </p:cNvSpPr>
@@ -5871,7 +5907,13 @@
       </p:sp>
       <p:sp>
         <p:nvSpPr>
-          <p:cNvPr id="3" name="Notes Placeholder 2"/>
+          <p:cNvPr id="3" name="Notes Placeholder 2">
+            <a:extLst>
+              <a:ext uri="{FF2B5EF4-FFF2-40B4-BE49-F238E27FC236}">
+                <a16:creationId xmlns:a16="http://schemas.microsoft.com/office/drawing/2014/main" id="{9153D2C0-1762-C487-9D9A-9DFBB2650412}"/>
+              </a:ext>
+            </a:extLst>
+          </p:cNvPr>
           <p:cNvSpPr>
             <a:spLocks noGrp="1"/>
           </p:cNvSpPr>
@@ -5885,23 +5927,28 @@
           <a:lstStyle/>
           <a:p>
             <a:r>
-              <a:rPr lang="en-US" dirty="0"/>
-              <a:t>We’ll cover regression more in future lectures, but the idea behind regression is a visual use of covariance. We want to measure strength of relationship between X and Y , or the direction of the linear relationship • If X and Y have a strong positive relationship (high X ⇔ high Y ), then x &gt; µX ⇔ y &gt; µY —hence, </a:t>
-            </a:r>
-            <a:r>
-              <a:rPr lang="en-US" dirty="0" err="1"/>
-              <a:t>Cov</a:t>
-            </a:r>
-            <a:r>
-              <a:rPr lang="en-US" dirty="0"/>
-              <a:t>(X, Y ) will be strongly positive </a:t>
-            </a:r>
-          </a:p>
-        </p:txBody>
-      </p:sp>
-      <p:sp>
-        <p:nvSpPr>
-          <p:cNvPr id="4" name="Slide Number Placeholder 3"/>
+              <a:rPr lang="en-US" b="0" i="0" dirty="0">
+                <a:solidFill>
+                  <a:srgbClr val="E8EAED"/>
+                </a:solidFill>
+                <a:effectLst/>
+                <a:latin typeface="Google Sans"/>
+              </a:rPr>
+              <a:t>A lot of this comes from https://experimentology.io/015-viz.html. The important thing is, *you don’t have to know much about the question or the design here to get the gist*. That’s good descriptive work. </a:t>
+            </a:r>
+            <a:endParaRPr lang="en-US" dirty="0"/>
+          </a:p>
+        </p:txBody>
+      </p:sp>
+      <p:sp>
+        <p:nvSpPr>
+          <p:cNvPr id="4" name="Slide Number Placeholder 3">
+            <a:extLst>
+              <a:ext uri="{FF2B5EF4-FFF2-40B4-BE49-F238E27FC236}">
+                <a16:creationId xmlns:a16="http://schemas.microsoft.com/office/drawing/2014/main" id="{546BA361-8CEC-AF06-2F3C-CB108B80543B}"/>
+              </a:ext>
+            </a:extLst>
+          </p:cNvPr>
           <p:cNvSpPr>
             <a:spLocks noGrp="1"/>
           </p:cNvSpPr>
@@ -5925,7 +5972,7 @@
     </p:spTree>
     <p:extLst>
       <p:ext uri="{BB962C8B-B14F-4D97-AF65-F5344CB8AC3E}">
-        <p14:creationId xmlns:p14="http://schemas.microsoft.com/office/powerpoint/2010/main" val="1428725218"/>
+        <p14:creationId xmlns:p14="http://schemas.microsoft.com/office/powerpoint/2010/main" val="2109674793"/>
       </p:ext>
     </p:extLst>
   </p:cSld>
@@ -5943,7 +5990,7 @@
         <p:cNvPr id="1" name="">
           <a:extLst>
             <a:ext uri="{FF2B5EF4-FFF2-40B4-BE49-F238E27FC236}">
-              <a16:creationId xmlns:a16="http://schemas.microsoft.com/office/drawing/2014/main" id="{E524B7FB-7148-E26F-0EAF-CC6FC20DB72A}"/>
+              <a16:creationId xmlns:a16="http://schemas.microsoft.com/office/drawing/2014/main" id="{40E1A61A-ADB6-6327-5648-125708F6FAE8}"/>
             </a:ext>
           </a:extLst>
         </p:cNvPr>
@@ -5963,7 +6010,7 @@
           <p:cNvPr id="2" name="Slide Image Placeholder 1">
             <a:extLst>
               <a:ext uri="{FF2B5EF4-FFF2-40B4-BE49-F238E27FC236}">
-                <a16:creationId xmlns:a16="http://schemas.microsoft.com/office/drawing/2014/main" id="{D9AA3324-FE5A-744F-769C-1D8A6959761F}"/>
+                <a16:creationId xmlns:a16="http://schemas.microsoft.com/office/drawing/2014/main" id="{619EF9BC-93E1-15C0-6FCB-F3A00F3AC090}"/>
               </a:ext>
             </a:extLst>
           </p:cNvPr>
@@ -5981,7 +6028,7 @@
           <p:cNvPr id="3" name="Notes Placeholder 2">
             <a:extLst>
               <a:ext uri="{FF2B5EF4-FFF2-40B4-BE49-F238E27FC236}">
-                <a16:creationId xmlns:a16="http://schemas.microsoft.com/office/drawing/2014/main" id="{3E958882-EC41-D5E0-99F9-5A684FDBEC4D}"/>
+                <a16:creationId xmlns:a16="http://schemas.microsoft.com/office/drawing/2014/main" id="{EDBE38C0-06D5-CF32-8906-5FA6F57ED651}"/>
               </a:ext>
             </a:extLst>
           </p:cNvPr>
@@ -5997,16 +6044,9 @@
           <a:bodyPr/>
           <a:lstStyle/>
           <a:p>
-            <a:pPr algn="l" fontAlgn="base"/>
-            <a:r>
-              <a:rPr lang="en-US" b="0" i="0" dirty="0">
-                <a:solidFill>
-                  <a:srgbClr val="222222"/>
-                </a:solidFill>
-                <a:effectLst/>
-                <a:latin typeface="Source Sans Pro" panose="020B0503030403020204" pitchFamily="34" charset="0"/>
-              </a:rPr>
-              <a:t>We did independence in the first lecture – what if things aren’t independent? How “dependent” can they be? </a:t>
+            <a:r>
+              <a:rPr lang="en-US" dirty="0"/>
+              <a:t>So this is shown on the x-axis. In other designs, this could be time, or what else?</a:t>
             </a:r>
           </a:p>
         </p:txBody>
@@ -6016,7 +6056,7 @@
           <p:cNvPr id="4" name="Slide Number Placeholder 3">
             <a:extLst>
               <a:ext uri="{FF2B5EF4-FFF2-40B4-BE49-F238E27FC236}">
-                <a16:creationId xmlns:a16="http://schemas.microsoft.com/office/drawing/2014/main" id="{98C594C9-D00F-DA5F-E9D2-3BAFA8A30543}"/>
+                <a16:creationId xmlns:a16="http://schemas.microsoft.com/office/drawing/2014/main" id="{6938608F-56AD-68B6-5195-1726134D251E}"/>
               </a:ext>
             </a:extLst>
           </p:cNvPr>
@@ -6043,7 +6083,7 @@
     </p:spTree>
     <p:extLst>
       <p:ext uri="{BB962C8B-B14F-4D97-AF65-F5344CB8AC3E}">
-        <p14:creationId xmlns:p14="http://schemas.microsoft.com/office/powerpoint/2010/main" val="3807963203"/>
+        <p14:creationId xmlns:p14="http://schemas.microsoft.com/office/powerpoint/2010/main" val="720427980"/>
       </p:ext>
     </p:extLst>
   </p:cSld>
@@ -6061,7 +6101,7 @@
         <p:cNvPr id="1" name="">
           <a:extLst>
             <a:ext uri="{FF2B5EF4-FFF2-40B4-BE49-F238E27FC236}">
-              <a16:creationId xmlns:a16="http://schemas.microsoft.com/office/drawing/2014/main" id="{DD6F27A5-C116-A4D1-8814-F84AFE27226B}"/>
+              <a16:creationId xmlns:a16="http://schemas.microsoft.com/office/drawing/2014/main" id="{60D9BFD9-E714-FF74-81E4-B1C22597111A}"/>
             </a:ext>
           </a:extLst>
         </p:cNvPr>
@@ -6081,7 +6121,7 @@
           <p:cNvPr id="2" name="Slide Image Placeholder 1">
             <a:extLst>
               <a:ext uri="{FF2B5EF4-FFF2-40B4-BE49-F238E27FC236}">
-                <a16:creationId xmlns:a16="http://schemas.microsoft.com/office/drawing/2014/main" id="{A9B30581-D57B-4489-03E4-554A5FBBA5CA}"/>
+                <a16:creationId xmlns:a16="http://schemas.microsoft.com/office/drawing/2014/main" id="{7DAC37B5-7DA5-6C5F-6281-317E58D6E63E}"/>
               </a:ext>
             </a:extLst>
           </p:cNvPr>
@@ -6099,7 +6139,7 @@
           <p:cNvPr id="3" name="Notes Placeholder 2">
             <a:extLst>
               <a:ext uri="{FF2B5EF4-FFF2-40B4-BE49-F238E27FC236}">
-                <a16:creationId xmlns:a16="http://schemas.microsoft.com/office/drawing/2014/main" id="{81886587-6077-5F46-12FF-BC688ACD1EAF}"/>
+                <a16:creationId xmlns:a16="http://schemas.microsoft.com/office/drawing/2014/main" id="{E50DC6E9-1F9F-4676-ECB3-15F0E20B01B5}"/>
               </a:ext>
             </a:extLst>
           </p:cNvPr>
@@ -6115,59 +6155,9 @@
           <a:bodyPr/>
           <a:lstStyle/>
           <a:p>
-            <a:pPr algn="l" fontAlgn="base"/>
-            <a:r>
-              <a:rPr lang="en-US" b="0" i="0" dirty="0">
-                <a:solidFill>
-                  <a:srgbClr val="222222"/>
-                </a:solidFill>
-                <a:effectLst/>
-                <a:latin typeface="Source Sans Pro" panose="020B0503030403020204" pitchFamily="34" charset="0"/>
-              </a:rPr>
-              <a:t>To calculate the variance of X, we: (a) subtracted the mean of X from X, (b) squared the result, (c) added up the result across all the observations, and (d) divided by the sample size minus one. The resulting variance shows how much a variable actually varies.</a:t>
-            </a:r>
-          </a:p>
-          <a:p>
-            <a:pPr algn="l" fontAlgn="base"/>
-            <a:endParaRPr lang="en-US" b="0" i="0" dirty="0">
-              <a:solidFill>
-                <a:srgbClr val="222222"/>
-              </a:solidFill>
-              <a:effectLst/>
-              <a:latin typeface="Source Sans Pro" panose="020B0503030403020204" pitchFamily="34" charset="0"/>
-            </a:endParaRPr>
-          </a:p>
-          <a:p>
-            <a:pPr algn="l" fontAlgn="base"/>
-            <a:r>
-              <a:rPr lang="en-US" b="0" i="0" dirty="0">
-                <a:solidFill>
-                  <a:srgbClr val="222222"/>
-                </a:solidFill>
-                <a:effectLst/>
-                <a:latin typeface="Source Sans Pro" panose="020B0503030403020204" pitchFamily="34" charset="0"/>
-              </a:rPr>
-              <a:t>The covariance is the exact same thing, except that in step (a) you subtract the mean from </a:t>
-            </a:r>
-            <a:r>
-              <a:rPr lang="en-US" b="0" i="1" dirty="0">
-                <a:solidFill>
-                  <a:srgbClr val="222222"/>
-                </a:solidFill>
-                <a:effectLst/>
-                <a:latin typeface="Source Sans Pro" panose="020B0503030403020204" pitchFamily="34" charset="0"/>
-              </a:rPr>
-              <a:t>two</a:t>
-            </a:r>
-            <a:r>
-              <a:rPr lang="en-US" b="0" i="0" dirty="0">
-                <a:solidFill>
-                  <a:srgbClr val="222222"/>
-                </a:solidFill>
-                <a:effectLst/>
-                <a:latin typeface="Source Sans Pro" panose="020B0503030403020204" pitchFamily="34" charset="0"/>
-              </a:rPr>
-              <a:t> separate variables, and in step (b) you multiply the result from one variable by the result from the other. The resulting covariance shows how much two variables move together or apart. If they tend to be above average at the same time or below average at the same time, then multiplying one by the other will produce a positive result for most observations, increasing the covariance. If they have nothing to do with each other, then multiplying one by the other will give a positive result about half the time and a negative result the other half, canceling out in step (c) and give you a covariance of 0.</a:t>
+            <a:r>
+              <a:rPr lang="en-US" dirty="0"/>
+              <a:t>So this is shown on the y-axis. In other designs, this could be practically anything (and you may have several in your paper, so what’s the *most important one*?)</a:t>
             </a:r>
           </a:p>
         </p:txBody>
@@ -6177,7 +6167,7 @@
           <p:cNvPr id="4" name="Slide Number Placeholder 3">
             <a:extLst>
               <a:ext uri="{FF2B5EF4-FFF2-40B4-BE49-F238E27FC236}">
-                <a16:creationId xmlns:a16="http://schemas.microsoft.com/office/drawing/2014/main" id="{34E8557B-C60F-75FF-934C-891D75E52653}"/>
+                <a16:creationId xmlns:a16="http://schemas.microsoft.com/office/drawing/2014/main" id="{F307526E-17CD-42D5-154C-ED838F8A88EC}"/>
               </a:ext>
             </a:extLst>
           </p:cNvPr>
@@ -6204,7 +6194,7 @@
     </p:spTree>
     <p:extLst>
       <p:ext uri="{BB962C8B-B14F-4D97-AF65-F5344CB8AC3E}">
-        <p14:creationId xmlns:p14="http://schemas.microsoft.com/office/powerpoint/2010/main" val="2720817004"/>
+        <p14:creationId xmlns:p14="http://schemas.microsoft.com/office/powerpoint/2010/main" val="2738129435"/>
       </p:ext>
     </p:extLst>
   </p:cSld>
@@ -6219,7 +6209,13 @@
   <p:cSld>
     <p:spTree>
       <p:nvGrpSpPr>
-        <p:cNvPr id="1" name=""/>
+        <p:cNvPr id="1" name="">
+          <a:extLst>
+            <a:ext uri="{FF2B5EF4-FFF2-40B4-BE49-F238E27FC236}">
+              <a16:creationId xmlns:a16="http://schemas.microsoft.com/office/drawing/2014/main" id="{6057992B-7545-39FB-9B5E-6F038179E1B9}"/>
+            </a:ext>
+          </a:extLst>
+        </p:cNvPr>
         <p:cNvGrpSpPr/>
         <p:nvPr/>
       </p:nvGrpSpPr>
@@ -6233,7 +6229,13 @@
       </p:grpSpPr>
       <p:sp>
         <p:nvSpPr>
-          <p:cNvPr id="2" name="Slide Image Placeholder 1"/>
+          <p:cNvPr id="2" name="Slide Image Placeholder 1">
+            <a:extLst>
+              <a:ext uri="{FF2B5EF4-FFF2-40B4-BE49-F238E27FC236}">
+                <a16:creationId xmlns:a16="http://schemas.microsoft.com/office/drawing/2014/main" id="{B25DFB3E-3E51-84F3-1090-3650E2E07753}"/>
+              </a:ext>
+            </a:extLst>
+          </p:cNvPr>
           <p:cNvSpPr>
             <a:spLocks noGrp="1" noRot="1" noChangeAspect="1"/>
           </p:cNvSpPr>
@@ -6245,7 +6247,13 @@
       </p:sp>
       <p:sp>
         <p:nvSpPr>
-          <p:cNvPr id="3" name="Notes Placeholder 2"/>
+          <p:cNvPr id="3" name="Notes Placeholder 2">
+            <a:extLst>
+              <a:ext uri="{FF2B5EF4-FFF2-40B4-BE49-F238E27FC236}">
+                <a16:creationId xmlns:a16="http://schemas.microsoft.com/office/drawing/2014/main" id="{18B4EFFE-EFEE-E432-65FB-54C19BE8C6EE}"/>
+              </a:ext>
+            </a:extLst>
+          </p:cNvPr>
           <p:cNvSpPr>
             <a:spLocks noGrp="1"/>
           </p:cNvSpPr>
@@ -6260,14 +6268,20 @@
           <a:p>
             <a:r>
               <a:rPr lang="en-US" dirty="0"/>
-              <a:t>Intuition – how would we calculate this in R? </a:t>
-            </a:r>
-          </a:p>
-        </p:txBody>
-      </p:sp>
-      <p:sp>
-        <p:nvSpPr>
-          <p:cNvPr id="4" name="Slide Number Placeholder 3"/>
+              <a:t>How else could this be visualized? What other variations on this could you imagine? What does the shading tell you here? What story are the authors conveying?</a:t>
+            </a:r>
+          </a:p>
+        </p:txBody>
+      </p:sp>
+      <p:sp>
+        <p:nvSpPr>
+          <p:cNvPr id="4" name="Slide Number Placeholder 3">
+            <a:extLst>
+              <a:ext uri="{FF2B5EF4-FFF2-40B4-BE49-F238E27FC236}">
+                <a16:creationId xmlns:a16="http://schemas.microsoft.com/office/drawing/2014/main" id="{FF1FE15F-3A18-5838-4733-6E5CAEE77EA8}"/>
+              </a:ext>
+            </a:extLst>
+          </p:cNvPr>
           <p:cNvSpPr>
             <a:spLocks noGrp="1"/>
           </p:cNvSpPr>
@@ -6291,7 +6305,7 @@
     </p:spTree>
     <p:extLst>
       <p:ext uri="{BB962C8B-B14F-4D97-AF65-F5344CB8AC3E}">
-        <p14:creationId xmlns:p14="http://schemas.microsoft.com/office/powerpoint/2010/main" val="1441752433"/>
+        <p14:creationId xmlns:p14="http://schemas.microsoft.com/office/powerpoint/2010/main" val="3050907593"/>
       </p:ext>
     </p:extLst>
   </p:cSld>
@@ -6346,9 +6360,16 @@
           <a:lstStyle/>
           <a:p>
             <a:r>
-              <a:rPr lang="en-US" dirty="0"/>
-              <a:t>Some useful properties about covariance – it’s a straightforward generalization from variance. Show unit sensitivity in R. </a:t>
-            </a:r>
+              <a:rPr lang="en-US" b="0" i="0" dirty="0">
+                <a:solidFill>
+                  <a:srgbClr val="E8EAED"/>
+                </a:solidFill>
+                <a:effectLst/>
+                <a:latin typeface="Google Sans"/>
+              </a:rPr>
+              <a:t>Color, text, etc. *how do we want to facilitate comparison*?</a:t>
+            </a:r>
+            <a:endParaRPr lang="en-US" dirty="0"/>
           </a:p>
         </p:txBody>
       </p:sp>
@@ -6378,7 +6399,7 @@
     </p:spTree>
     <p:extLst>
       <p:ext uri="{BB962C8B-B14F-4D97-AF65-F5344CB8AC3E}">
-        <p14:creationId xmlns:p14="http://schemas.microsoft.com/office/powerpoint/2010/main" val="3094098428"/>
+        <p14:creationId xmlns:p14="http://schemas.microsoft.com/office/powerpoint/2010/main" val="1397668562"/>
       </p:ext>
     </p:extLst>
   </p:cSld>
@@ -6480,833 +6501,6 @@
   <p:cSld>
     <p:spTree>
       <p:nvGrpSpPr>
-        <p:cNvPr id="1" name=""/>
-        <p:cNvGrpSpPr/>
-        <p:nvPr/>
-      </p:nvGrpSpPr>
-      <p:grpSpPr>
-        <a:xfrm>
-          <a:off x="0" y="0"/>
-          <a:ext cx="0" cy="0"/>
-          <a:chOff x="0" y="0"/>
-          <a:chExt cx="0" cy="0"/>
-        </a:xfrm>
-      </p:grpSpPr>
-      <p:sp>
-        <p:nvSpPr>
-          <p:cNvPr id="2" name="Slide Image Placeholder 1"/>
-          <p:cNvSpPr>
-            <a:spLocks noGrp="1" noRot="1" noChangeAspect="1"/>
-          </p:cNvSpPr>
-          <p:nvPr>
-            <p:ph type="sldImg"/>
-          </p:nvPr>
-        </p:nvSpPr>
-        <p:spPr/>
-      </p:sp>
-      <p:sp>
-        <p:nvSpPr>
-          <p:cNvPr id="3" name="Notes Placeholder 2"/>
-          <p:cNvSpPr>
-            <a:spLocks noGrp="1"/>
-          </p:cNvSpPr>
-          <p:nvPr>
-            <p:ph type="body" idx="1"/>
-          </p:nvPr>
-        </p:nvSpPr>
-        <p:spPr/>
-        <p:txBody>
-          <a:bodyPr/>
-          <a:lstStyle/>
-          <a:p>
-            <a:endParaRPr lang="en-US" dirty="0"/>
-          </a:p>
-        </p:txBody>
-      </p:sp>
-      <p:sp>
-        <p:nvSpPr>
-          <p:cNvPr id="4" name="Slide Number Placeholder 3"/>
-          <p:cNvSpPr>
-            <a:spLocks noGrp="1"/>
-          </p:cNvSpPr>
-          <p:nvPr>
-            <p:ph type="sldNum" sz="quarter" idx="5"/>
-          </p:nvPr>
-        </p:nvSpPr>
-        <p:spPr/>
-        <p:txBody>
-          <a:bodyPr/>
-          <a:lstStyle/>
-          <a:p>
-            <a:fld id="{4AF79E1B-2C51-4B9B-8EA4-26DE9E345AFF}" type="slidenum">
-              <a:rPr lang="en-US" smtClean="0"/>
-              <a:t>60</a:t>
-            </a:fld>
-            <a:endParaRPr lang="en-US"/>
-          </a:p>
-        </p:txBody>
-      </p:sp>
-    </p:spTree>
-    <p:extLst>
-      <p:ext uri="{BB962C8B-B14F-4D97-AF65-F5344CB8AC3E}">
-        <p14:creationId xmlns:p14="http://schemas.microsoft.com/office/powerpoint/2010/main" val="1625499298"/>
-      </p:ext>
-    </p:extLst>
-  </p:cSld>
-  <p:clrMapOvr>
-    <a:masterClrMapping/>
-  </p:clrMapOvr>
-</p:notes>
-</file>
-
-<file path=ppt/notesSlides/notesSlide61.xml><?xml version="1.0" encoding="utf-8"?>
-<p:notes xmlns:a="http://schemas.openxmlformats.org/drawingml/2006/main" xmlns:r="http://schemas.openxmlformats.org/officeDocument/2006/relationships" xmlns:p="http://schemas.openxmlformats.org/presentationml/2006/main">
-  <p:cSld>
-    <p:spTree>
-      <p:nvGrpSpPr>
-        <p:cNvPr id="1" name=""/>
-        <p:cNvGrpSpPr/>
-        <p:nvPr/>
-      </p:nvGrpSpPr>
-      <p:grpSpPr>
-        <a:xfrm>
-          <a:off x="0" y="0"/>
-          <a:ext cx="0" cy="0"/>
-          <a:chOff x="0" y="0"/>
-          <a:chExt cx="0" cy="0"/>
-        </a:xfrm>
-      </p:grpSpPr>
-      <p:sp>
-        <p:nvSpPr>
-          <p:cNvPr id="2" name="Slide Image Placeholder 1"/>
-          <p:cNvSpPr>
-            <a:spLocks noGrp="1" noRot="1" noChangeAspect="1"/>
-          </p:cNvSpPr>
-          <p:nvPr>
-            <p:ph type="sldImg"/>
-          </p:nvPr>
-        </p:nvSpPr>
-        <p:spPr/>
-      </p:sp>
-      <p:sp>
-        <p:nvSpPr>
-          <p:cNvPr id="3" name="Notes Placeholder 2"/>
-          <p:cNvSpPr>
-            <a:spLocks noGrp="1"/>
-          </p:cNvSpPr>
-          <p:nvPr>
-            <p:ph type="body" idx="1"/>
-          </p:nvPr>
-        </p:nvSpPr>
-        <p:spPr/>
-        <p:txBody>
-          <a:bodyPr/>
-          <a:lstStyle/>
-          <a:p>
-            <a:r>
-              <a:rPr lang="en-US" dirty="0"/>
-              <a:t>Note that when two variables are independent, rho = 0. Is the reverse true? </a:t>
-            </a:r>
-          </a:p>
-        </p:txBody>
-      </p:sp>
-      <p:sp>
-        <p:nvSpPr>
-          <p:cNvPr id="4" name="Slide Number Placeholder 3"/>
-          <p:cNvSpPr>
-            <a:spLocks noGrp="1"/>
-          </p:cNvSpPr>
-          <p:nvPr>
-            <p:ph type="sldNum" sz="quarter" idx="5"/>
-          </p:nvPr>
-        </p:nvSpPr>
-        <p:spPr/>
-        <p:txBody>
-          <a:bodyPr/>
-          <a:lstStyle/>
-          <a:p>
-            <a:fld id="{4AF79E1B-2C51-4B9B-8EA4-26DE9E345AFF}" type="slidenum">
-              <a:rPr lang="en-US" smtClean="0"/>
-              <a:t>61</a:t>
-            </a:fld>
-            <a:endParaRPr lang="en-US"/>
-          </a:p>
-        </p:txBody>
-      </p:sp>
-    </p:spTree>
-    <p:extLst>
-      <p:ext uri="{BB962C8B-B14F-4D97-AF65-F5344CB8AC3E}">
-        <p14:creationId xmlns:p14="http://schemas.microsoft.com/office/powerpoint/2010/main" val="2297654534"/>
-      </p:ext>
-    </p:extLst>
-  </p:cSld>
-  <p:clrMapOvr>
-    <a:masterClrMapping/>
-  </p:clrMapOvr>
-</p:notes>
-</file>
-
-<file path=ppt/notesSlides/notesSlide62.xml><?xml version="1.0" encoding="utf-8"?>
-<p:notes xmlns:a="http://schemas.openxmlformats.org/drawingml/2006/main" xmlns:r="http://schemas.openxmlformats.org/officeDocument/2006/relationships" xmlns:p="http://schemas.openxmlformats.org/presentationml/2006/main">
-  <p:cSld>
-    <p:spTree>
-      <p:nvGrpSpPr>
-        <p:cNvPr id="1" name="">
-          <a:extLst>
-            <a:ext uri="{FF2B5EF4-FFF2-40B4-BE49-F238E27FC236}">
-              <a16:creationId xmlns:a16="http://schemas.microsoft.com/office/drawing/2014/main" id="{42DAE62A-AB3A-BA68-1AE2-64EE20555F5F}"/>
-            </a:ext>
-          </a:extLst>
-        </p:cNvPr>
-        <p:cNvGrpSpPr/>
-        <p:nvPr/>
-      </p:nvGrpSpPr>
-      <p:grpSpPr>
-        <a:xfrm>
-          <a:off x="0" y="0"/>
-          <a:ext cx="0" cy="0"/>
-          <a:chOff x="0" y="0"/>
-          <a:chExt cx="0" cy="0"/>
-        </a:xfrm>
-      </p:grpSpPr>
-      <p:sp>
-        <p:nvSpPr>
-          <p:cNvPr id="2" name="Slide Image Placeholder 1">
-            <a:extLst>
-              <a:ext uri="{FF2B5EF4-FFF2-40B4-BE49-F238E27FC236}">
-                <a16:creationId xmlns:a16="http://schemas.microsoft.com/office/drawing/2014/main" id="{2E6E8BC1-9633-2E8A-BB71-4C9EDE5159A1}"/>
-              </a:ext>
-            </a:extLst>
-          </p:cNvPr>
-          <p:cNvSpPr>
-            <a:spLocks noGrp="1" noRot="1" noChangeAspect="1"/>
-          </p:cNvSpPr>
-          <p:nvPr>
-            <p:ph type="sldImg"/>
-          </p:nvPr>
-        </p:nvSpPr>
-        <p:spPr/>
-      </p:sp>
-      <p:sp>
-        <p:nvSpPr>
-          <p:cNvPr id="3" name="Notes Placeholder 2">
-            <a:extLst>
-              <a:ext uri="{FF2B5EF4-FFF2-40B4-BE49-F238E27FC236}">
-                <a16:creationId xmlns:a16="http://schemas.microsoft.com/office/drawing/2014/main" id="{4E191EC0-19D4-883E-1308-E643FD365D9B}"/>
-              </a:ext>
-            </a:extLst>
-          </p:cNvPr>
-          <p:cNvSpPr>
-            <a:spLocks noGrp="1"/>
-          </p:cNvSpPr>
-          <p:nvPr>
-            <p:ph type="body" idx="1"/>
-          </p:nvPr>
-        </p:nvSpPr>
-        <p:spPr/>
-        <p:txBody>
-          <a:bodyPr/>
-          <a:lstStyle/>
-          <a:p>
-            <a:r>
-              <a:rPr lang="en-US" dirty="0"/>
-              <a:t>Main thing: people will mainly focus on visualizations and maybe 5-10% of your text. So make the visualizations sing!</a:t>
-            </a:r>
-          </a:p>
-        </p:txBody>
-      </p:sp>
-      <p:sp>
-        <p:nvSpPr>
-          <p:cNvPr id="4" name="Slide Number Placeholder 3">
-            <a:extLst>
-              <a:ext uri="{FF2B5EF4-FFF2-40B4-BE49-F238E27FC236}">
-                <a16:creationId xmlns:a16="http://schemas.microsoft.com/office/drawing/2014/main" id="{02940448-5560-4007-6B24-423BAE74DFF7}"/>
-              </a:ext>
-            </a:extLst>
-          </p:cNvPr>
-          <p:cNvSpPr>
-            <a:spLocks noGrp="1"/>
-          </p:cNvSpPr>
-          <p:nvPr>
-            <p:ph type="sldNum" sz="quarter" idx="5"/>
-          </p:nvPr>
-        </p:nvSpPr>
-        <p:spPr/>
-        <p:txBody>
-          <a:bodyPr/>
-          <a:lstStyle/>
-          <a:p>
-            <a:fld id="{4AF79E1B-2C51-4B9B-8EA4-26DE9E345AFF}" type="slidenum">
-              <a:rPr lang="en-US" smtClean="0"/>
-              <a:t>62</a:t>
-            </a:fld>
-            <a:endParaRPr lang="en-US"/>
-          </a:p>
-        </p:txBody>
-      </p:sp>
-    </p:spTree>
-    <p:extLst>
-      <p:ext uri="{BB962C8B-B14F-4D97-AF65-F5344CB8AC3E}">
-        <p14:creationId xmlns:p14="http://schemas.microsoft.com/office/powerpoint/2010/main" val="670950025"/>
-      </p:ext>
-    </p:extLst>
-  </p:cSld>
-  <p:clrMapOvr>
-    <a:masterClrMapping/>
-  </p:clrMapOvr>
-</p:notes>
-</file>
-
-<file path=ppt/notesSlides/notesSlide63.xml><?xml version="1.0" encoding="utf-8"?>
-<p:notes xmlns:a="http://schemas.openxmlformats.org/drawingml/2006/main" xmlns:r="http://schemas.openxmlformats.org/officeDocument/2006/relationships" xmlns:p="http://schemas.openxmlformats.org/presentationml/2006/main">
-  <p:cSld>
-    <p:spTree>
-      <p:nvGrpSpPr>
-        <p:cNvPr id="1" name="">
-          <a:extLst>
-            <a:ext uri="{FF2B5EF4-FFF2-40B4-BE49-F238E27FC236}">
-              <a16:creationId xmlns:a16="http://schemas.microsoft.com/office/drawing/2014/main" id="{0D9BC585-6F95-AABD-6D84-13346D435F6F}"/>
-            </a:ext>
-          </a:extLst>
-        </p:cNvPr>
-        <p:cNvGrpSpPr/>
-        <p:nvPr/>
-      </p:nvGrpSpPr>
-      <p:grpSpPr>
-        <a:xfrm>
-          <a:off x="0" y="0"/>
-          <a:ext cx="0" cy="0"/>
-          <a:chOff x="0" y="0"/>
-          <a:chExt cx="0" cy="0"/>
-        </a:xfrm>
-      </p:grpSpPr>
-      <p:sp>
-        <p:nvSpPr>
-          <p:cNvPr id="2" name="Slide Image Placeholder 1">
-            <a:extLst>
-              <a:ext uri="{FF2B5EF4-FFF2-40B4-BE49-F238E27FC236}">
-                <a16:creationId xmlns:a16="http://schemas.microsoft.com/office/drawing/2014/main" id="{C41BA6B0-670E-96BD-D246-3E6D57475C09}"/>
-              </a:ext>
-            </a:extLst>
-          </p:cNvPr>
-          <p:cNvSpPr>
-            <a:spLocks noGrp="1" noRot="1" noChangeAspect="1"/>
-          </p:cNvSpPr>
-          <p:nvPr>
-            <p:ph type="sldImg"/>
-          </p:nvPr>
-        </p:nvSpPr>
-        <p:spPr/>
-      </p:sp>
-      <p:sp>
-        <p:nvSpPr>
-          <p:cNvPr id="3" name="Notes Placeholder 2">
-            <a:extLst>
-              <a:ext uri="{FF2B5EF4-FFF2-40B4-BE49-F238E27FC236}">
-                <a16:creationId xmlns:a16="http://schemas.microsoft.com/office/drawing/2014/main" id="{9153D2C0-1762-C487-9D9A-9DFBB2650412}"/>
-              </a:ext>
-            </a:extLst>
-          </p:cNvPr>
-          <p:cNvSpPr>
-            <a:spLocks noGrp="1"/>
-          </p:cNvSpPr>
-          <p:nvPr>
-            <p:ph type="body" idx="1"/>
-          </p:nvPr>
-        </p:nvSpPr>
-        <p:spPr/>
-        <p:txBody>
-          <a:bodyPr/>
-          <a:lstStyle/>
-          <a:p>
-            <a:r>
-              <a:rPr lang="en-US" b="0" i="0" dirty="0">
-                <a:solidFill>
-                  <a:srgbClr val="E8EAED"/>
-                </a:solidFill>
-                <a:effectLst/>
-                <a:latin typeface="Google Sans"/>
-              </a:rPr>
-              <a:t>A lot of this comes from https://experimentology.io/015-viz.html. The important thing is, *you don’t have to know much about the question or the design here to get the gist*. That’s good descriptive work. </a:t>
-            </a:r>
-            <a:endParaRPr lang="en-US" dirty="0"/>
-          </a:p>
-        </p:txBody>
-      </p:sp>
-      <p:sp>
-        <p:nvSpPr>
-          <p:cNvPr id="4" name="Slide Number Placeholder 3">
-            <a:extLst>
-              <a:ext uri="{FF2B5EF4-FFF2-40B4-BE49-F238E27FC236}">
-                <a16:creationId xmlns:a16="http://schemas.microsoft.com/office/drawing/2014/main" id="{546BA361-8CEC-AF06-2F3C-CB108B80543B}"/>
-              </a:ext>
-            </a:extLst>
-          </p:cNvPr>
-          <p:cNvSpPr>
-            <a:spLocks noGrp="1"/>
-          </p:cNvSpPr>
-          <p:nvPr>
-            <p:ph type="sldNum" sz="quarter" idx="5"/>
-          </p:nvPr>
-        </p:nvSpPr>
-        <p:spPr/>
-        <p:txBody>
-          <a:bodyPr/>
-          <a:lstStyle/>
-          <a:p>
-            <a:fld id="{4AF79E1B-2C51-4B9B-8EA4-26DE9E345AFF}" type="slidenum">
-              <a:rPr lang="en-US" smtClean="0"/>
-              <a:t>63</a:t>
-            </a:fld>
-            <a:endParaRPr lang="en-US"/>
-          </a:p>
-        </p:txBody>
-      </p:sp>
-    </p:spTree>
-    <p:extLst>
-      <p:ext uri="{BB962C8B-B14F-4D97-AF65-F5344CB8AC3E}">
-        <p14:creationId xmlns:p14="http://schemas.microsoft.com/office/powerpoint/2010/main" val="2109674793"/>
-      </p:ext>
-    </p:extLst>
-  </p:cSld>
-  <p:clrMapOvr>
-    <a:masterClrMapping/>
-  </p:clrMapOvr>
-</p:notes>
-</file>
-
-<file path=ppt/notesSlides/notesSlide64.xml><?xml version="1.0" encoding="utf-8"?>
-<p:notes xmlns:a="http://schemas.openxmlformats.org/drawingml/2006/main" xmlns:r="http://schemas.openxmlformats.org/officeDocument/2006/relationships" xmlns:p="http://schemas.openxmlformats.org/presentationml/2006/main">
-  <p:cSld>
-    <p:spTree>
-      <p:nvGrpSpPr>
-        <p:cNvPr id="1" name="">
-          <a:extLst>
-            <a:ext uri="{FF2B5EF4-FFF2-40B4-BE49-F238E27FC236}">
-              <a16:creationId xmlns:a16="http://schemas.microsoft.com/office/drawing/2014/main" id="{40E1A61A-ADB6-6327-5648-125708F6FAE8}"/>
-            </a:ext>
-          </a:extLst>
-        </p:cNvPr>
-        <p:cNvGrpSpPr/>
-        <p:nvPr/>
-      </p:nvGrpSpPr>
-      <p:grpSpPr>
-        <a:xfrm>
-          <a:off x="0" y="0"/>
-          <a:ext cx="0" cy="0"/>
-          <a:chOff x="0" y="0"/>
-          <a:chExt cx="0" cy="0"/>
-        </a:xfrm>
-      </p:grpSpPr>
-      <p:sp>
-        <p:nvSpPr>
-          <p:cNvPr id="2" name="Slide Image Placeholder 1">
-            <a:extLst>
-              <a:ext uri="{FF2B5EF4-FFF2-40B4-BE49-F238E27FC236}">
-                <a16:creationId xmlns:a16="http://schemas.microsoft.com/office/drawing/2014/main" id="{619EF9BC-93E1-15C0-6FCB-F3A00F3AC090}"/>
-              </a:ext>
-            </a:extLst>
-          </p:cNvPr>
-          <p:cNvSpPr>
-            <a:spLocks noGrp="1" noRot="1" noChangeAspect="1"/>
-          </p:cNvSpPr>
-          <p:nvPr>
-            <p:ph type="sldImg"/>
-          </p:nvPr>
-        </p:nvSpPr>
-        <p:spPr/>
-      </p:sp>
-      <p:sp>
-        <p:nvSpPr>
-          <p:cNvPr id="3" name="Notes Placeholder 2">
-            <a:extLst>
-              <a:ext uri="{FF2B5EF4-FFF2-40B4-BE49-F238E27FC236}">
-                <a16:creationId xmlns:a16="http://schemas.microsoft.com/office/drawing/2014/main" id="{EDBE38C0-06D5-CF32-8906-5FA6F57ED651}"/>
-              </a:ext>
-            </a:extLst>
-          </p:cNvPr>
-          <p:cNvSpPr>
-            <a:spLocks noGrp="1"/>
-          </p:cNvSpPr>
-          <p:nvPr>
-            <p:ph type="body" idx="1"/>
-          </p:nvPr>
-        </p:nvSpPr>
-        <p:spPr/>
-        <p:txBody>
-          <a:bodyPr/>
-          <a:lstStyle/>
-          <a:p>
-            <a:r>
-              <a:rPr lang="en-US" dirty="0"/>
-              <a:t>So this is shown on the x-axis. In other designs, this could be time, or what else?</a:t>
-            </a:r>
-          </a:p>
-        </p:txBody>
-      </p:sp>
-      <p:sp>
-        <p:nvSpPr>
-          <p:cNvPr id="4" name="Slide Number Placeholder 3">
-            <a:extLst>
-              <a:ext uri="{FF2B5EF4-FFF2-40B4-BE49-F238E27FC236}">
-                <a16:creationId xmlns:a16="http://schemas.microsoft.com/office/drawing/2014/main" id="{6938608F-56AD-68B6-5195-1726134D251E}"/>
-              </a:ext>
-            </a:extLst>
-          </p:cNvPr>
-          <p:cNvSpPr>
-            <a:spLocks noGrp="1"/>
-          </p:cNvSpPr>
-          <p:nvPr>
-            <p:ph type="sldNum" sz="quarter" idx="5"/>
-          </p:nvPr>
-        </p:nvSpPr>
-        <p:spPr/>
-        <p:txBody>
-          <a:bodyPr/>
-          <a:lstStyle/>
-          <a:p>
-            <a:fld id="{4AF79E1B-2C51-4B9B-8EA4-26DE9E345AFF}" type="slidenum">
-              <a:rPr lang="en-US" smtClean="0"/>
-              <a:t>64</a:t>
-            </a:fld>
-            <a:endParaRPr lang="en-US"/>
-          </a:p>
-        </p:txBody>
-      </p:sp>
-    </p:spTree>
-    <p:extLst>
-      <p:ext uri="{BB962C8B-B14F-4D97-AF65-F5344CB8AC3E}">
-        <p14:creationId xmlns:p14="http://schemas.microsoft.com/office/powerpoint/2010/main" val="720427980"/>
-      </p:ext>
-    </p:extLst>
-  </p:cSld>
-  <p:clrMapOvr>
-    <a:masterClrMapping/>
-  </p:clrMapOvr>
-</p:notes>
-</file>
-
-<file path=ppt/notesSlides/notesSlide65.xml><?xml version="1.0" encoding="utf-8"?>
-<p:notes xmlns:a="http://schemas.openxmlformats.org/drawingml/2006/main" xmlns:r="http://schemas.openxmlformats.org/officeDocument/2006/relationships" xmlns:p="http://schemas.openxmlformats.org/presentationml/2006/main">
-  <p:cSld>
-    <p:spTree>
-      <p:nvGrpSpPr>
-        <p:cNvPr id="1" name="">
-          <a:extLst>
-            <a:ext uri="{FF2B5EF4-FFF2-40B4-BE49-F238E27FC236}">
-              <a16:creationId xmlns:a16="http://schemas.microsoft.com/office/drawing/2014/main" id="{60D9BFD9-E714-FF74-81E4-B1C22597111A}"/>
-            </a:ext>
-          </a:extLst>
-        </p:cNvPr>
-        <p:cNvGrpSpPr/>
-        <p:nvPr/>
-      </p:nvGrpSpPr>
-      <p:grpSpPr>
-        <a:xfrm>
-          <a:off x="0" y="0"/>
-          <a:ext cx="0" cy="0"/>
-          <a:chOff x="0" y="0"/>
-          <a:chExt cx="0" cy="0"/>
-        </a:xfrm>
-      </p:grpSpPr>
-      <p:sp>
-        <p:nvSpPr>
-          <p:cNvPr id="2" name="Slide Image Placeholder 1">
-            <a:extLst>
-              <a:ext uri="{FF2B5EF4-FFF2-40B4-BE49-F238E27FC236}">
-                <a16:creationId xmlns:a16="http://schemas.microsoft.com/office/drawing/2014/main" id="{7DAC37B5-7DA5-6C5F-6281-317E58D6E63E}"/>
-              </a:ext>
-            </a:extLst>
-          </p:cNvPr>
-          <p:cNvSpPr>
-            <a:spLocks noGrp="1" noRot="1" noChangeAspect="1"/>
-          </p:cNvSpPr>
-          <p:nvPr>
-            <p:ph type="sldImg"/>
-          </p:nvPr>
-        </p:nvSpPr>
-        <p:spPr/>
-      </p:sp>
-      <p:sp>
-        <p:nvSpPr>
-          <p:cNvPr id="3" name="Notes Placeholder 2">
-            <a:extLst>
-              <a:ext uri="{FF2B5EF4-FFF2-40B4-BE49-F238E27FC236}">
-                <a16:creationId xmlns:a16="http://schemas.microsoft.com/office/drawing/2014/main" id="{E50DC6E9-1F9F-4676-ECB3-15F0E20B01B5}"/>
-              </a:ext>
-            </a:extLst>
-          </p:cNvPr>
-          <p:cNvSpPr>
-            <a:spLocks noGrp="1"/>
-          </p:cNvSpPr>
-          <p:nvPr>
-            <p:ph type="body" idx="1"/>
-          </p:nvPr>
-        </p:nvSpPr>
-        <p:spPr/>
-        <p:txBody>
-          <a:bodyPr/>
-          <a:lstStyle/>
-          <a:p>
-            <a:r>
-              <a:rPr lang="en-US" dirty="0"/>
-              <a:t>So this is shown on the y-axis. In other designs, this could be practically anything (and you may have several in your paper, so what’s the *most important one*?)</a:t>
-            </a:r>
-          </a:p>
-        </p:txBody>
-      </p:sp>
-      <p:sp>
-        <p:nvSpPr>
-          <p:cNvPr id="4" name="Slide Number Placeholder 3">
-            <a:extLst>
-              <a:ext uri="{FF2B5EF4-FFF2-40B4-BE49-F238E27FC236}">
-                <a16:creationId xmlns:a16="http://schemas.microsoft.com/office/drawing/2014/main" id="{F307526E-17CD-42D5-154C-ED838F8A88EC}"/>
-              </a:ext>
-            </a:extLst>
-          </p:cNvPr>
-          <p:cNvSpPr>
-            <a:spLocks noGrp="1"/>
-          </p:cNvSpPr>
-          <p:nvPr>
-            <p:ph type="sldNum" sz="quarter" idx="5"/>
-          </p:nvPr>
-        </p:nvSpPr>
-        <p:spPr/>
-        <p:txBody>
-          <a:bodyPr/>
-          <a:lstStyle/>
-          <a:p>
-            <a:fld id="{4AF79E1B-2C51-4B9B-8EA4-26DE9E345AFF}" type="slidenum">
-              <a:rPr lang="en-US" smtClean="0"/>
-              <a:t>65</a:t>
-            </a:fld>
-            <a:endParaRPr lang="en-US"/>
-          </a:p>
-        </p:txBody>
-      </p:sp>
-    </p:spTree>
-    <p:extLst>
-      <p:ext uri="{BB962C8B-B14F-4D97-AF65-F5344CB8AC3E}">
-        <p14:creationId xmlns:p14="http://schemas.microsoft.com/office/powerpoint/2010/main" val="2738129435"/>
-      </p:ext>
-    </p:extLst>
-  </p:cSld>
-  <p:clrMapOvr>
-    <a:masterClrMapping/>
-  </p:clrMapOvr>
-</p:notes>
-</file>
-
-<file path=ppt/notesSlides/notesSlide66.xml><?xml version="1.0" encoding="utf-8"?>
-<p:notes xmlns:a="http://schemas.openxmlformats.org/drawingml/2006/main" xmlns:r="http://schemas.openxmlformats.org/officeDocument/2006/relationships" xmlns:p="http://schemas.openxmlformats.org/presentationml/2006/main">
-  <p:cSld>
-    <p:spTree>
-      <p:nvGrpSpPr>
-        <p:cNvPr id="1" name="">
-          <a:extLst>
-            <a:ext uri="{FF2B5EF4-FFF2-40B4-BE49-F238E27FC236}">
-              <a16:creationId xmlns:a16="http://schemas.microsoft.com/office/drawing/2014/main" id="{6057992B-7545-39FB-9B5E-6F038179E1B9}"/>
-            </a:ext>
-          </a:extLst>
-        </p:cNvPr>
-        <p:cNvGrpSpPr/>
-        <p:nvPr/>
-      </p:nvGrpSpPr>
-      <p:grpSpPr>
-        <a:xfrm>
-          <a:off x="0" y="0"/>
-          <a:ext cx="0" cy="0"/>
-          <a:chOff x="0" y="0"/>
-          <a:chExt cx="0" cy="0"/>
-        </a:xfrm>
-      </p:grpSpPr>
-      <p:sp>
-        <p:nvSpPr>
-          <p:cNvPr id="2" name="Slide Image Placeholder 1">
-            <a:extLst>
-              <a:ext uri="{FF2B5EF4-FFF2-40B4-BE49-F238E27FC236}">
-                <a16:creationId xmlns:a16="http://schemas.microsoft.com/office/drawing/2014/main" id="{B25DFB3E-3E51-84F3-1090-3650E2E07753}"/>
-              </a:ext>
-            </a:extLst>
-          </p:cNvPr>
-          <p:cNvSpPr>
-            <a:spLocks noGrp="1" noRot="1" noChangeAspect="1"/>
-          </p:cNvSpPr>
-          <p:nvPr>
-            <p:ph type="sldImg"/>
-          </p:nvPr>
-        </p:nvSpPr>
-        <p:spPr/>
-      </p:sp>
-      <p:sp>
-        <p:nvSpPr>
-          <p:cNvPr id="3" name="Notes Placeholder 2">
-            <a:extLst>
-              <a:ext uri="{FF2B5EF4-FFF2-40B4-BE49-F238E27FC236}">
-                <a16:creationId xmlns:a16="http://schemas.microsoft.com/office/drawing/2014/main" id="{18B4EFFE-EFEE-E432-65FB-54C19BE8C6EE}"/>
-              </a:ext>
-            </a:extLst>
-          </p:cNvPr>
-          <p:cNvSpPr>
-            <a:spLocks noGrp="1"/>
-          </p:cNvSpPr>
-          <p:nvPr>
-            <p:ph type="body" idx="1"/>
-          </p:nvPr>
-        </p:nvSpPr>
-        <p:spPr/>
-        <p:txBody>
-          <a:bodyPr/>
-          <a:lstStyle/>
-          <a:p>
-            <a:r>
-              <a:rPr lang="en-US" dirty="0"/>
-              <a:t>How else could this be visualized? What other variations on this could you imagine? What does the shading tell you here? What story are the authors conveying?</a:t>
-            </a:r>
-          </a:p>
-        </p:txBody>
-      </p:sp>
-      <p:sp>
-        <p:nvSpPr>
-          <p:cNvPr id="4" name="Slide Number Placeholder 3">
-            <a:extLst>
-              <a:ext uri="{FF2B5EF4-FFF2-40B4-BE49-F238E27FC236}">
-                <a16:creationId xmlns:a16="http://schemas.microsoft.com/office/drawing/2014/main" id="{FF1FE15F-3A18-5838-4733-6E5CAEE77EA8}"/>
-              </a:ext>
-            </a:extLst>
-          </p:cNvPr>
-          <p:cNvSpPr>
-            <a:spLocks noGrp="1"/>
-          </p:cNvSpPr>
-          <p:nvPr>
-            <p:ph type="sldNum" sz="quarter" idx="5"/>
-          </p:nvPr>
-        </p:nvSpPr>
-        <p:spPr/>
-        <p:txBody>
-          <a:bodyPr/>
-          <a:lstStyle/>
-          <a:p>
-            <a:fld id="{4AF79E1B-2C51-4B9B-8EA4-26DE9E345AFF}" type="slidenum">
-              <a:rPr lang="en-US" smtClean="0"/>
-              <a:t>66</a:t>
-            </a:fld>
-            <a:endParaRPr lang="en-US"/>
-          </a:p>
-        </p:txBody>
-      </p:sp>
-    </p:spTree>
-    <p:extLst>
-      <p:ext uri="{BB962C8B-B14F-4D97-AF65-F5344CB8AC3E}">
-        <p14:creationId xmlns:p14="http://schemas.microsoft.com/office/powerpoint/2010/main" val="3050907593"/>
-      </p:ext>
-    </p:extLst>
-  </p:cSld>
-  <p:clrMapOvr>
-    <a:masterClrMapping/>
-  </p:clrMapOvr>
-</p:notes>
-</file>
-
-<file path=ppt/notesSlides/notesSlide67.xml><?xml version="1.0" encoding="utf-8"?>
-<p:notes xmlns:a="http://schemas.openxmlformats.org/drawingml/2006/main" xmlns:r="http://schemas.openxmlformats.org/officeDocument/2006/relationships" xmlns:p="http://schemas.openxmlformats.org/presentationml/2006/main">
-  <p:cSld>
-    <p:spTree>
-      <p:nvGrpSpPr>
-        <p:cNvPr id="1" name=""/>
-        <p:cNvGrpSpPr/>
-        <p:nvPr/>
-      </p:nvGrpSpPr>
-      <p:grpSpPr>
-        <a:xfrm>
-          <a:off x="0" y="0"/>
-          <a:ext cx="0" cy="0"/>
-          <a:chOff x="0" y="0"/>
-          <a:chExt cx="0" cy="0"/>
-        </a:xfrm>
-      </p:grpSpPr>
-      <p:sp>
-        <p:nvSpPr>
-          <p:cNvPr id="2" name="Slide Image Placeholder 1"/>
-          <p:cNvSpPr>
-            <a:spLocks noGrp="1" noRot="1" noChangeAspect="1"/>
-          </p:cNvSpPr>
-          <p:nvPr>
-            <p:ph type="sldImg"/>
-          </p:nvPr>
-        </p:nvSpPr>
-        <p:spPr/>
-      </p:sp>
-      <p:sp>
-        <p:nvSpPr>
-          <p:cNvPr id="3" name="Notes Placeholder 2"/>
-          <p:cNvSpPr>
-            <a:spLocks noGrp="1"/>
-          </p:cNvSpPr>
-          <p:nvPr>
-            <p:ph type="body" idx="1"/>
-          </p:nvPr>
-        </p:nvSpPr>
-        <p:spPr/>
-        <p:txBody>
-          <a:bodyPr/>
-          <a:lstStyle/>
-          <a:p>
-            <a:r>
-              <a:rPr lang="en-US" b="0" i="0" dirty="0">
-                <a:solidFill>
-                  <a:srgbClr val="E8EAED"/>
-                </a:solidFill>
-                <a:effectLst/>
-                <a:latin typeface="Google Sans"/>
-              </a:rPr>
-              <a:t>Color, text, etc. *how do we want to facilitate comparison*?</a:t>
-            </a:r>
-            <a:endParaRPr lang="en-US" dirty="0"/>
-          </a:p>
-        </p:txBody>
-      </p:sp>
-      <p:sp>
-        <p:nvSpPr>
-          <p:cNvPr id="4" name="Slide Number Placeholder 3"/>
-          <p:cNvSpPr>
-            <a:spLocks noGrp="1"/>
-          </p:cNvSpPr>
-          <p:nvPr>
-            <p:ph type="sldNum" sz="quarter" idx="5"/>
-          </p:nvPr>
-        </p:nvSpPr>
-        <p:spPr/>
-        <p:txBody>
-          <a:bodyPr/>
-          <a:lstStyle/>
-          <a:p>
-            <a:fld id="{4AF79E1B-2C51-4B9B-8EA4-26DE9E345AFF}" type="slidenum">
-              <a:rPr lang="en-US" smtClean="0"/>
-              <a:t>67</a:t>
-            </a:fld>
-            <a:endParaRPr lang="en-US"/>
-          </a:p>
-        </p:txBody>
-      </p:sp>
-    </p:spTree>
-    <p:extLst>
-      <p:ext uri="{BB962C8B-B14F-4D97-AF65-F5344CB8AC3E}">
-        <p14:creationId xmlns:p14="http://schemas.microsoft.com/office/powerpoint/2010/main" val="1397668562"/>
-      </p:ext>
-    </p:extLst>
-  </p:cSld>
-  <p:clrMapOvr>
-    <a:masterClrMapping/>
-  </p:clrMapOvr>
-</p:notes>
-</file>
-
-<file path=ppt/notesSlides/notesSlide68.xml><?xml version="1.0" encoding="utf-8"?>
-<p:notes xmlns:a="http://schemas.openxmlformats.org/drawingml/2006/main" xmlns:r="http://schemas.openxmlformats.org/officeDocument/2006/relationships" xmlns:p="http://schemas.openxmlformats.org/presentationml/2006/main">
-  <p:cSld>
-    <p:spTree>
-      <p:nvGrpSpPr>
         <p:cNvPr id="1" name="">
           <a:extLst>
             <a:ext uri="{FF2B5EF4-FFF2-40B4-BE49-F238E27FC236}">
@@ -7394,7 +6588,7 @@
           <a:p>
             <a:fld id="{4AF79E1B-2C51-4B9B-8EA4-26DE9E345AFF}" type="slidenum">
               <a:rPr lang="en-US" smtClean="0"/>
-              <a:t>68</a:t>
+              <a:t>60</a:t>
             </a:fld>
             <a:endParaRPr lang="en-US"/>
           </a:p>
@@ -7413,7 +6607,7 @@
 </p:notes>
 </file>
 
-<file path=ppt/notesSlides/notesSlide69.xml><?xml version="1.0" encoding="utf-8"?>
+<file path=ppt/notesSlides/notesSlide61.xml><?xml version="1.0" encoding="utf-8"?>
 <p:notes xmlns:a="http://schemas.openxmlformats.org/drawingml/2006/main" xmlns:r="http://schemas.openxmlformats.org/officeDocument/2006/relationships" xmlns:p="http://schemas.openxmlformats.org/presentationml/2006/main">
   <p:cSld>
     <p:spTree>
@@ -7505,7 +6699,7 @@
           <a:p>
             <a:fld id="{4AF79E1B-2C51-4B9B-8EA4-26DE9E345AFF}" type="slidenum">
               <a:rPr lang="en-US" smtClean="0"/>
-              <a:t>69</a:t>
+              <a:t>61</a:t>
             </a:fld>
             <a:endParaRPr lang="en-US"/>
           </a:p>
@@ -7515,6 +6709,1065 @@
     <p:extLst>
       <p:ext uri="{BB962C8B-B14F-4D97-AF65-F5344CB8AC3E}">
         <p14:creationId xmlns:p14="http://schemas.microsoft.com/office/powerpoint/2010/main" val="274775026"/>
+      </p:ext>
+    </p:extLst>
+  </p:cSld>
+  <p:clrMapOvr>
+    <a:masterClrMapping/>
+  </p:clrMapOvr>
+</p:notes>
+</file>
+
+<file path=ppt/notesSlides/notesSlide62.xml><?xml version="1.0" encoding="utf-8"?>
+<p:notes xmlns:a="http://schemas.openxmlformats.org/drawingml/2006/main" xmlns:r="http://schemas.openxmlformats.org/officeDocument/2006/relationships" xmlns:p="http://schemas.openxmlformats.org/presentationml/2006/main">
+  <p:cSld>
+    <p:spTree>
+      <p:nvGrpSpPr>
+        <p:cNvPr id="1" name="">
+          <a:extLst>
+            <a:ext uri="{FF2B5EF4-FFF2-40B4-BE49-F238E27FC236}">
+              <a16:creationId xmlns:a16="http://schemas.microsoft.com/office/drawing/2014/main" id="{3351A192-3A49-13DC-6B5B-266843D59EEB}"/>
+            </a:ext>
+          </a:extLst>
+        </p:cNvPr>
+        <p:cNvGrpSpPr/>
+        <p:nvPr/>
+      </p:nvGrpSpPr>
+      <p:grpSpPr>
+        <a:xfrm>
+          <a:off x="0" y="0"/>
+          <a:ext cx="0" cy="0"/>
+          <a:chOff x="0" y="0"/>
+          <a:chExt cx="0" cy="0"/>
+        </a:xfrm>
+      </p:grpSpPr>
+      <p:sp>
+        <p:nvSpPr>
+          <p:cNvPr id="2" name="Slide Image Placeholder 1">
+            <a:extLst>
+              <a:ext uri="{FF2B5EF4-FFF2-40B4-BE49-F238E27FC236}">
+                <a16:creationId xmlns:a16="http://schemas.microsoft.com/office/drawing/2014/main" id="{3BC525DB-CBBD-5774-25E3-733B1203FD52}"/>
+              </a:ext>
+            </a:extLst>
+          </p:cNvPr>
+          <p:cNvSpPr>
+            <a:spLocks noGrp="1" noRot="1" noChangeAspect="1"/>
+          </p:cNvSpPr>
+          <p:nvPr>
+            <p:ph type="sldImg"/>
+          </p:nvPr>
+        </p:nvSpPr>
+        <p:spPr/>
+      </p:sp>
+      <p:sp>
+        <p:nvSpPr>
+          <p:cNvPr id="3" name="Notes Placeholder 2">
+            <a:extLst>
+              <a:ext uri="{FF2B5EF4-FFF2-40B4-BE49-F238E27FC236}">
+                <a16:creationId xmlns:a16="http://schemas.microsoft.com/office/drawing/2014/main" id="{BA1F8952-D401-82F4-930C-FEC5B8C97FB4}"/>
+              </a:ext>
+            </a:extLst>
+          </p:cNvPr>
+          <p:cNvSpPr>
+            <a:spLocks noGrp="1"/>
+          </p:cNvSpPr>
+          <p:nvPr>
+            <p:ph type="body" idx="1"/>
+          </p:nvPr>
+        </p:nvSpPr>
+        <p:spPr/>
+        <p:txBody>
+          <a:bodyPr/>
+          <a:lstStyle/>
+          <a:p>
+            <a:r>
+              <a:rPr lang="en-US" dirty="0"/>
+              <a:t>Each of these is the same data. Which one works? What does it highlight? *Note: a good figure usually does more than one thing*.</a:t>
+            </a:r>
+          </a:p>
+        </p:txBody>
+      </p:sp>
+      <p:sp>
+        <p:nvSpPr>
+          <p:cNvPr id="4" name="Slide Number Placeholder 3">
+            <a:extLst>
+              <a:ext uri="{FF2B5EF4-FFF2-40B4-BE49-F238E27FC236}">
+                <a16:creationId xmlns:a16="http://schemas.microsoft.com/office/drawing/2014/main" id="{5FCDE322-DAB9-8EC6-A5F8-C16C10304EF0}"/>
+              </a:ext>
+            </a:extLst>
+          </p:cNvPr>
+          <p:cNvSpPr>
+            <a:spLocks noGrp="1"/>
+          </p:cNvSpPr>
+          <p:nvPr>
+            <p:ph type="sldNum" sz="quarter" idx="5"/>
+          </p:nvPr>
+        </p:nvSpPr>
+        <p:spPr/>
+        <p:txBody>
+          <a:bodyPr/>
+          <a:lstStyle/>
+          <a:p>
+            <a:fld id="{4AF79E1B-2C51-4B9B-8EA4-26DE9E345AFF}" type="slidenum">
+              <a:rPr lang="en-US" smtClean="0"/>
+              <a:t>62</a:t>
+            </a:fld>
+            <a:endParaRPr lang="en-US"/>
+          </a:p>
+        </p:txBody>
+      </p:sp>
+    </p:spTree>
+    <p:extLst>
+      <p:ext uri="{BB962C8B-B14F-4D97-AF65-F5344CB8AC3E}">
+        <p14:creationId xmlns:p14="http://schemas.microsoft.com/office/powerpoint/2010/main" val="427769072"/>
+      </p:ext>
+    </p:extLst>
+  </p:cSld>
+  <p:clrMapOvr>
+    <a:masterClrMapping/>
+  </p:clrMapOvr>
+</p:notes>
+</file>
+
+<file path=ppt/notesSlides/notesSlide63.xml><?xml version="1.0" encoding="utf-8"?>
+<p:notes xmlns:a="http://schemas.openxmlformats.org/drawingml/2006/main" xmlns:r="http://schemas.openxmlformats.org/officeDocument/2006/relationships" xmlns:p="http://schemas.openxmlformats.org/presentationml/2006/main">
+  <p:cSld>
+    <p:spTree>
+      <p:nvGrpSpPr>
+        <p:cNvPr id="1" name="">
+          <a:extLst>
+            <a:ext uri="{FF2B5EF4-FFF2-40B4-BE49-F238E27FC236}">
+              <a16:creationId xmlns:a16="http://schemas.microsoft.com/office/drawing/2014/main" id="{5B32B981-02A2-1755-9074-C76CB8835BD9}"/>
+            </a:ext>
+          </a:extLst>
+        </p:cNvPr>
+        <p:cNvGrpSpPr/>
+        <p:nvPr/>
+      </p:nvGrpSpPr>
+      <p:grpSpPr>
+        <a:xfrm>
+          <a:off x="0" y="0"/>
+          <a:ext cx="0" cy="0"/>
+          <a:chOff x="0" y="0"/>
+          <a:chExt cx="0" cy="0"/>
+        </a:xfrm>
+      </p:grpSpPr>
+      <p:sp>
+        <p:nvSpPr>
+          <p:cNvPr id="2" name="Slide Image Placeholder 1">
+            <a:extLst>
+              <a:ext uri="{FF2B5EF4-FFF2-40B4-BE49-F238E27FC236}">
+                <a16:creationId xmlns:a16="http://schemas.microsoft.com/office/drawing/2014/main" id="{20137646-B335-7433-7C4F-8D99B74C28E9}"/>
+              </a:ext>
+            </a:extLst>
+          </p:cNvPr>
+          <p:cNvSpPr>
+            <a:spLocks noGrp="1" noRot="1" noChangeAspect="1"/>
+          </p:cNvSpPr>
+          <p:nvPr>
+            <p:ph type="sldImg"/>
+          </p:nvPr>
+        </p:nvSpPr>
+        <p:spPr/>
+      </p:sp>
+      <p:sp>
+        <p:nvSpPr>
+          <p:cNvPr id="3" name="Notes Placeholder 2">
+            <a:extLst>
+              <a:ext uri="{FF2B5EF4-FFF2-40B4-BE49-F238E27FC236}">
+                <a16:creationId xmlns:a16="http://schemas.microsoft.com/office/drawing/2014/main" id="{321F1A1F-ACDD-D151-BE94-C7B689ED0153}"/>
+              </a:ext>
+            </a:extLst>
+          </p:cNvPr>
+          <p:cNvSpPr>
+            <a:spLocks noGrp="1"/>
+          </p:cNvSpPr>
+          <p:nvPr>
+            <p:ph type="body" idx="1"/>
+          </p:nvPr>
+        </p:nvSpPr>
+        <p:spPr/>
+        <p:txBody>
+          <a:bodyPr/>
+          <a:lstStyle/>
+          <a:p>
+            <a:r>
+              <a:rPr lang="en-US" dirty="0"/>
+              <a:t>Each of these is the same data. Which one works? What does it highlight? *Note: a good figure usually does more than one thing*.</a:t>
+            </a:r>
+          </a:p>
+        </p:txBody>
+      </p:sp>
+      <p:sp>
+        <p:nvSpPr>
+          <p:cNvPr id="4" name="Slide Number Placeholder 3">
+            <a:extLst>
+              <a:ext uri="{FF2B5EF4-FFF2-40B4-BE49-F238E27FC236}">
+                <a16:creationId xmlns:a16="http://schemas.microsoft.com/office/drawing/2014/main" id="{B46BC595-527C-1024-40E3-2F65559141C2}"/>
+              </a:ext>
+            </a:extLst>
+          </p:cNvPr>
+          <p:cNvSpPr>
+            <a:spLocks noGrp="1"/>
+          </p:cNvSpPr>
+          <p:nvPr>
+            <p:ph type="sldNum" sz="quarter" idx="5"/>
+          </p:nvPr>
+        </p:nvSpPr>
+        <p:spPr/>
+        <p:txBody>
+          <a:bodyPr/>
+          <a:lstStyle/>
+          <a:p>
+            <a:fld id="{4AF79E1B-2C51-4B9B-8EA4-26DE9E345AFF}" type="slidenum">
+              <a:rPr lang="en-US" smtClean="0"/>
+              <a:t>63</a:t>
+            </a:fld>
+            <a:endParaRPr lang="en-US"/>
+          </a:p>
+        </p:txBody>
+      </p:sp>
+    </p:spTree>
+    <p:extLst>
+      <p:ext uri="{BB962C8B-B14F-4D97-AF65-F5344CB8AC3E}">
+        <p14:creationId xmlns:p14="http://schemas.microsoft.com/office/powerpoint/2010/main" val="4059389489"/>
+      </p:ext>
+    </p:extLst>
+  </p:cSld>
+  <p:clrMapOvr>
+    <a:masterClrMapping/>
+  </p:clrMapOvr>
+</p:notes>
+</file>
+
+<file path=ppt/notesSlides/notesSlide64.xml><?xml version="1.0" encoding="utf-8"?>
+<p:notes xmlns:a="http://schemas.openxmlformats.org/drawingml/2006/main" xmlns:r="http://schemas.openxmlformats.org/officeDocument/2006/relationships" xmlns:p="http://schemas.openxmlformats.org/presentationml/2006/main">
+  <p:cSld>
+    <p:spTree>
+      <p:nvGrpSpPr>
+        <p:cNvPr id="1" name="">
+          <a:extLst>
+            <a:ext uri="{FF2B5EF4-FFF2-40B4-BE49-F238E27FC236}">
+              <a16:creationId xmlns:a16="http://schemas.microsoft.com/office/drawing/2014/main" id="{52AB6C87-FC05-BDA7-FA28-6C5A69FDE6FF}"/>
+            </a:ext>
+          </a:extLst>
+        </p:cNvPr>
+        <p:cNvGrpSpPr/>
+        <p:nvPr/>
+      </p:nvGrpSpPr>
+      <p:grpSpPr>
+        <a:xfrm>
+          <a:off x="0" y="0"/>
+          <a:ext cx="0" cy="0"/>
+          <a:chOff x="0" y="0"/>
+          <a:chExt cx="0" cy="0"/>
+        </a:xfrm>
+      </p:grpSpPr>
+      <p:sp>
+        <p:nvSpPr>
+          <p:cNvPr id="2" name="Slide Image Placeholder 1">
+            <a:extLst>
+              <a:ext uri="{FF2B5EF4-FFF2-40B4-BE49-F238E27FC236}">
+                <a16:creationId xmlns:a16="http://schemas.microsoft.com/office/drawing/2014/main" id="{EB007D94-4F8B-975D-FD2A-1164D2EB10FE}"/>
+              </a:ext>
+            </a:extLst>
+          </p:cNvPr>
+          <p:cNvSpPr>
+            <a:spLocks noGrp="1" noRot="1" noChangeAspect="1"/>
+          </p:cNvSpPr>
+          <p:nvPr>
+            <p:ph type="sldImg"/>
+          </p:nvPr>
+        </p:nvSpPr>
+        <p:spPr/>
+      </p:sp>
+      <p:sp>
+        <p:nvSpPr>
+          <p:cNvPr id="3" name="Notes Placeholder 2">
+            <a:extLst>
+              <a:ext uri="{FF2B5EF4-FFF2-40B4-BE49-F238E27FC236}">
+                <a16:creationId xmlns:a16="http://schemas.microsoft.com/office/drawing/2014/main" id="{1CEA1CEC-9DF3-A458-860F-155F1EF07388}"/>
+              </a:ext>
+            </a:extLst>
+          </p:cNvPr>
+          <p:cNvSpPr>
+            <a:spLocks noGrp="1"/>
+          </p:cNvSpPr>
+          <p:nvPr>
+            <p:ph type="body" idx="1"/>
+          </p:nvPr>
+        </p:nvSpPr>
+        <p:spPr/>
+        <p:txBody>
+          <a:bodyPr/>
+          <a:lstStyle/>
+          <a:p>
+            <a:r>
+              <a:rPr lang="en-US" dirty="0"/>
+              <a:t>Once you’ve got a winner, try to simplify it</a:t>
+            </a:r>
+          </a:p>
+        </p:txBody>
+      </p:sp>
+      <p:sp>
+        <p:nvSpPr>
+          <p:cNvPr id="4" name="Slide Number Placeholder 3">
+            <a:extLst>
+              <a:ext uri="{FF2B5EF4-FFF2-40B4-BE49-F238E27FC236}">
+                <a16:creationId xmlns:a16="http://schemas.microsoft.com/office/drawing/2014/main" id="{890958ED-60FF-FF5D-DFE8-ACF4BA510D5A}"/>
+              </a:ext>
+            </a:extLst>
+          </p:cNvPr>
+          <p:cNvSpPr>
+            <a:spLocks noGrp="1"/>
+          </p:cNvSpPr>
+          <p:nvPr>
+            <p:ph type="sldNum" sz="quarter" idx="5"/>
+          </p:nvPr>
+        </p:nvSpPr>
+        <p:spPr/>
+        <p:txBody>
+          <a:bodyPr/>
+          <a:lstStyle/>
+          <a:p>
+            <a:fld id="{4AF79E1B-2C51-4B9B-8EA4-26DE9E345AFF}" type="slidenum">
+              <a:rPr lang="en-US" smtClean="0"/>
+              <a:t>64</a:t>
+            </a:fld>
+            <a:endParaRPr lang="en-US"/>
+          </a:p>
+        </p:txBody>
+      </p:sp>
+    </p:spTree>
+    <p:extLst>
+      <p:ext uri="{BB962C8B-B14F-4D97-AF65-F5344CB8AC3E}">
+        <p14:creationId xmlns:p14="http://schemas.microsoft.com/office/powerpoint/2010/main" val="75849571"/>
+      </p:ext>
+    </p:extLst>
+  </p:cSld>
+  <p:clrMapOvr>
+    <a:masterClrMapping/>
+  </p:clrMapOvr>
+</p:notes>
+</file>
+
+<file path=ppt/notesSlides/notesSlide65.xml><?xml version="1.0" encoding="utf-8"?>
+<p:notes xmlns:a="http://schemas.openxmlformats.org/drawingml/2006/main" xmlns:r="http://schemas.openxmlformats.org/officeDocument/2006/relationships" xmlns:p="http://schemas.openxmlformats.org/presentationml/2006/main">
+  <p:cSld>
+    <p:spTree>
+      <p:nvGrpSpPr>
+        <p:cNvPr id="1" name="">
+          <a:extLst>
+            <a:ext uri="{FF2B5EF4-FFF2-40B4-BE49-F238E27FC236}">
+              <a16:creationId xmlns:a16="http://schemas.microsoft.com/office/drawing/2014/main" id="{90619F46-F1CC-5F3A-27E9-2774F1D10AE7}"/>
+            </a:ext>
+          </a:extLst>
+        </p:cNvPr>
+        <p:cNvGrpSpPr/>
+        <p:nvPr/>
+      </p:nvGrpSpPr>
+      <p:grpSpPr>
+        <a:xfrm>
+          <a:off x="0" y="0"/>
+          <a:ext cx="0" cy="0"/>
+          <a:chOff x="0" y="0"/>
+          <a:chExt cx="0" cy="0"/>
+        </a:xfrm>
+      </p:grpSpPr>
+      <p:sp>
+        <p:nvSpPr>
+          <p:cNvPr id="2" name="Slide Image Placeholder 1">
+            <a:extLst>
+              <a:ext uri="{FF2B5EF4-FFF2-40B4-BE49-F238E27FC236}">
+                <a16:creationId xmlns:a16="http://schemas.microsoft.com/office/drawing/2014/main" id="{BF1A1FC6-B138-6EAC-AE18-F9D0621AD7FB}"/>
+              </a:ext>
+            </a:extLst>
+          </p:cNvPr>
+          <p:cNvSpPr>
+            <a:spLocks noGrp="1" noRot="1" noChangeAspect="1"/>
+          </p:cNvSpPr>
+          <p:nvPr>
+            <p:ph type="sldImg"/>
+          </p:nvPr>
+        </p:nvSpPr>
+        <p:spPr/>
+      </p:sp>
+      <p:sp>
+        <p:nvSpPr>
+          <p:cNvPr id="3" name="Notes Placeholder 2">
+            <a:extLst>
+              <a:ext uri="{FF2B5EF4-FFF2-40B4-BE49-F238E27FC236}">
+                <a16:creationId xmlns:a16="http://schemas.microsoft.com/office/drawing/2014/main" id="{D7A0AB74-71E8-6BA3-9706-B0AD76B16FE8}"/>
+              </a:ext>
+            </a:extLst>
+          </p:cNvPr>
+          <p:cNvSpPr>
+            <a:spLocks noGrp="1"/>
+          </p:cNvSpPr>
+          <p:nvPr>
+            <p:ph type="body" idx="1"/>
+          </p:nvPr>
+        </p:nvSpPr>
+        <p:spPr/>
+        <p:txBody>
+          <a:bodyPr/>
+          <a:lstStyle/>
+          <a:p>
+            <a:pPr marL="0" marR="0" lvl="0" indent="0" algn="l" defTabSz="914400" rtl="0" eaLnBrk="1" fontAlgn="auto" latinLnBrk="0" hangingPunct="1">
+              <a:lnSpc>
+                <a:spcPct val="100000"/>
+              </a:lnSpc>
+              <a:spcBef>
+                <a:spcPts val="0"/>
+              </a:spcBef>
+              <a:spcAft>
+                <a:spcPts val="0"/>
+              </a:spcAft>
+              <a:buClrTx/>
+              <a:buSzTx/>
+              <a:buFontTx/>
+              <a:buNone/>
+              <a:tabLst/>
+              <a:defRPr/>
+            </a:pPr>
+            <a:r>
+              <a:rPr lang="en-US" dirty="0"/>
+              <a:t>* Don’t sort things alphabetically (default for software)</a:t>
+            </a:r>
+          </a:p>
+          <a:p>
+            <a:pPr marL="171450" marR="0" lvl="0" indent="-171450" algn="l" defTabSz="914400" rtl="0" eaLnBrk="1" fontAlgn="auto" latinLnBrk="0" hangingPunct="1">
+              <a:lnSpc>
+                <a:spcPct val="100000"/>
+              </a:lnSpc>
+              <a:spcBef>
+                <a:spcPts val="0"/>
+              </a:spcBef>
+              <a:spcAft>
+                <a:spcPts val="0"/>
+              </a:spcAft>
+              <a:buClrTx/>
+              <a:buSzTx/>
+              <a:buFont typeface="Arial" panose="020B0604020202020204" pitchFamily="34" charset="0"/>
+              <a:buChar char="•"/>
+              <a:tabLst/>
+              <a:defRPr/>
+            </a:pPr>
+            <a:r>
+              <a:rPr lang="en-US" sz="1200" b="0" i="0" dirty="0">
+                <a:solidFill>
+                  <a:srgbClr val="212529"/>
+                </a:solidFill>
+                <a:effectLst/>
+                <a:cs typeface="Times New Roman" panose="02020603050405020304" pitchFamily="18" charset="0"/>
+              </a:rPr>
+              <a:t>Legends force readers to glance back and forth to remember what different colors or lines mean.</a:t>
+            </a:r>
+          </a:p>
+          <a:p>
+            <a:pPr marL="171450" marR="0" lvl="0" indent="-171450" algn="l" defTabSz="914400" rtl="0" eaLnBrk="1" fontAlgn="auto" latinLnBrk="0" hangingPunct="1">
+              <a:lnSpc>
+                <a:spcPct val="100000"/>
+              </a:lnSpc>
+              <a:spcBef>
+                <a:spcPts val="0"/>
+              </a:spcBef>
+              <a:spcAft>
+                <a:spcPts val="0"/>
+              </a:spcAft>
+              <a:buClrTx/>
+              <a:buSzTx/>
+              <a:buFont typeface="Arial" panose="020B0604020202020204" pitchFamily="34" charset="0"/>
+              <a:buChar char="•"/>
+              <a:tabLst/>
+              <a:defRPr/>
+            </a:pPr>
+            <a:r>
+              <a:rPr lang="en-US" sz="1200" b="0" i="0" dirty="0">
+                <a:solidFill>
+                  <a:srgbClr val="212529"/>
+                </a:solidFill>
+                <a:effectLst/>
+                <a:cs typeface="Times New Roman" panose="02020603050405020304" pitchFamily="18" charset="0"/>
+              </a:rPr>
+              <a:t>This is misleading because people interpret bar plots in terms of the relative </a:t>
+            </a:r>
+            <a:r>
+              <a:rPr lang="en-US" sz="1200" b="0" i="1" dirty="0">
+                <a:solidFill>
+                  <a:srgbClr val="212529"/>
+                </a:solidFill>
+                <a:effectLst/>
+                <a:cs typeface="Times New Roman" panose="02020603050405020304" pitchFamily="18" charset="0"/>
+              </a:rPr>
+              <a:t>area</a:t>
+            </a:r>
+            <a:r>
+              <a:rPr lang="en-US" sz="1200" b="0" i="0" dirty="0">
+                <a:solidFill>
+                  <a:srgbClr val="212529"/>
+                </a:solidFill>
+                <a:effectLst/>
+                <a:cs typeface="Times New Roman" panose="02020603050405020304" pitchFamily="18" charset="0"/>
+              </a:rPr>
+              <a:t> of the bars (i.e., the amount of ink taken up by the bar), not just their absolute y-values.</a:t>
+            </a:r>
+          </a:p>
+          <a:p>
+            <a:pPr marL="171450" marR="0" lvl="0" indent="-171450" algn="l" defTabSz="914400" rtl="0" eaLnBrk="1" fontAlgn="auto" latinLnBrk="0" hangingPunct="1">
+              <a:lnSpc>
+                <a:spcPct val="100000"/>
+              </a:lnSpc>
+              <a:spcBef>
+                <a:spcPts val="0"/>
+              </a:spcBef>
+              <a:spcAft>
+                <a:spcPts val="0"/>
+              </a:spcAft>
+              <a:buClrTx/>
+              <a:buSzTx/>
+              <a:buFont typeface="Arial" panose="020B0604020202020204" pitchFamily="34" charset="0"/>
+              <a:buChar char="•"/>
+              <a:tabLst/>
+              <a:defRPr/>
+            </a:pPr>
+            <a:r>
+              <a:rPr lang="en-US" sz="1200" b="0" i="0" dirty="0">
+                <a:solidFill>
+                  <a:srgbClr val="212529"/>
+                </a:solidFill>
+                <a:effectLst/>
+                <a:cs typeface="Times New Roman" panose="02020603050405020304" pitchFamily="18" charset="0"/>
+              </a:rPr>
+              <a:t>For example, if the variable is binary or categorical, choose visually distinct colors to maximize contrast (e.g., black, blue, and orange). If the variable is ordinal or continuous, use a color gradient. If there is a natural midpoint (e.g., if some values are negative and some are positive), consider using a diverging scale (e.g., different colors at each extreme). Remember also that a portion of your audience may be colorblind.</a:t>
+            </a:r>
+            <a:r>
+              <a:rPr lang="en-US" sz="1200" b="0" i="0" u="none" strike="noStrike" baseline="30000" dirty="0">
+                <a:solidFill>
+                  <a:srgbClr val="212529"/>
+                </a:solidFill>
+                <a:effectLst/>
+                <a:cs typeface="Times New Roman" panose="02020603050405020304" pitchFamily="18" charset="0"/>
+                <a:hlinkClick r:id="rId3"/>
+              </a:rPr>
+              <a:t>2</a:t>
+            </a:r>
+            <a:endParaRPr lang="en-US" sz="1200" b="0" i="0" dirty="0">
+              <a:solidFill>
+                <a:srgbClr val="212529"/>
+              </a:solidFill>
+              <a:effectLst/>
+              <a:cs typeface="Times New Roman" panose="02020603050405020304" pitchFamily="18" charset="0"/>
+            </a:endParaRPr>
+          </a:p>
+          <a:p>
+            <a:pPr marL="171450" marR="0" lvl="0" indent="-171450" algn="l" defTabSz="914400" rtl="0" eaLnBrk="1" fontAlgn="auto" latinLnBrk="0" hangingPunct="1">
+              <a:lnSpc>
+                <a:spcPct val="100000"/>
+              </a:lnSpc>
+              <a:spcBef>
+                <a:spcPts val="0"/>
+              </a:spcBef>
+              <a:spcAft>
+                <a:spcPts val="0"/>
+              </a:spcAft>
+              <a:buClrTx/>
+              <a:buSzTx/>
+              <a:buFont typeface="Arial" panose="020B0604020202020204" pitchFamily="34" charset="0"/>
+              <a:buChar char="•"/>
+              <a:tabLst/>
+              <a:defRPr/>
+            </a:pPr>
+            <a:endParaRPr lang="en-US" sz="1200" b="0" i="0" dirty="0">
+              <a:solidFill>
+                <a:srgbClr val="212529"/>
+              </a:solidFill>
+              <a:effectLst/>
+              <a:cs typeface="Times New Roman" panose="02020603050405020304" pitchFamily="18" charset="0"/>
+            </a:endParaRPr>
+          </a:p>
+          <a:p>
+            <a:pPr marL="171450" marR="0" lvl="0" indent="-171450" algn="l" defTabSz="914400" rtl="0" eaLnBrk="1" fontAlgn="auto" latinLnBrk="0" hangingPunct="1">
+              <a:lnSpc>
+                <a:spcPct val="100000"/>
+              </a:lnSpc>
+              <a:spcBef>
+                <a:spcPts val="0"/>
+              </a:spcBef>
+              <a:spcAft>
+                <a:spcPts val="0"/>
+              </a:spcAft>
+              <a:buClrTx/>
+              <a:buSzTx/>
+              <a:buFont typeface="Arial" panose="020B0604020202020204" pitchFamily="34" charset="0"/>
+              <a:buChar char="•"/>
+              <a:tabLst/>
+              <a:defRPr/>
+            </a:pPr>
+            <a:endParaRPr lang="en-US" sz="1200" b="0" i="0" dirty="0">
+              <a:solidFill>
+                <a:srgbClr val="212529"/>
+              </a:solidFill>
+              <a:effectLst/>
+              <a:cs typeface="Times New Roman" panose="02020603050405020304" pitchFamily="18" charset="0"/>
+            </a:endParaRPr>
+          </a:p>
+          <a:p>
+            <a:endParaRPr lang="en-US" dirty="0"/>
+          </a:p>
+        </p:txBody>
+      </p:sp>
+      <p:sp>
+        <p:nvSpPr>
+          <p:cNvPr id="4" name="Slide Number Placeholder 3">
+            <a:extLst>
+              <a:ext uri="{FF2B5EF4-FFF2-40B4-BE49-F238E27FC236}">
+                <a16:creationId xmlns:a16="http://schemas.microsoft.com/office/drawing/2014/main" id="{534E6846-36F5-2B1B-0686-C4D99A10E2F2}"/>
+              </a:ext>
+            </a:extLst>
+          </p:cNvPr>
+          <p:cNvSpPr>
+            <a:spLocks noGrp="1"/>
+          </p:cNvSpPr>
+          <p:nvPr>
+            <p:ph type="sldNum" sz="quarter" idx="5"/>
+          </p:nvPr>
+        </p:nvSpPr>
+        <p:spPr/>
+        <p:txBody>
+          <a:bodyPr/>
+          <a:lstStyle/>
+          <a:p>
+            <a:fld id="{4AF79E1B-2C51-4B9B-8EA4-26DE9E345AFF}" type="slidenum">
+              <a:rPr lang="en-US" smtClean="0"/>
+              <a:t>65</a:t>
+            </a:fld>
+            <a:endParaRPr lang="en-US"/>
+          </a:p>
+        </p:txBody>
+      </p:sp>
+    </p:spTree>
+    <p:extLst>
+      <p:ext uri="{BB962C8B-B14F-4D97-AF65-F5344CB8AC3E}">
+        <p14:creationId xmlns:p14="http://schemas.microsoft.com/office/powerpoint/2010/main" val="2872914568"/>
+      </p:ext>
+    </p:extLst>
+  </p:cSld>
+  <p:clrMapOvr>
+    <a:masterClrMapping/>
+  </p:clrMapOvr>
+</p:notes>
+</file>
+
+<file path=ppt/notesSlides/notesSlide66.xml><?xml version="1.0" encoding="utf-8"?>
+<p:notes xmlns:a="http://schemas.openxmlformats.org/drawingml/2006/main" xmlns:r="http://schemas.openxmlformats.org/officeDocument/2006/relationships" xmlns:p="http://schemas.openxmlformats.org/presentationml/2006/main">
+  <p:cSld>
+    <p:spTree>
+      <p:nvGrpSpPr>
+        <p:cNvPr id="1" name="">
+          <a:extLst>
+            <a:ext uri="{FF2B5EF4-FFF2-40B4-BE49-F238E27FC236}">
+              <a16:creationId xmlns:a16="http://schemas.microsoft.com/office/drawing/2014/main" id="{BC234E7F-BCE8-8979-A0A4-6823CF6C88FB}"/>
+            </a:ext>
+          </a:extLst>
+        </p:cNvPr>
+        <p:cNvGrpSpPr/>
+        <p:nvPr/>
+      </p:nvGrpSpPr>
+      <p:grpSpPr>
+        <a:xfrm>
+          <a:off x="0" y="0"/>
+          <a:ext cx="0" cy="0"/>
+          <a:chOff x="0" y="0"/>
+          <a:chExt cx="0" cy="0"/>
+        </a:xfrm>
+      </p:grpSpPr>
+      <p:sp>
+        <p:nvSpPr>
+          <p:cNvPr id="2" name="Slide Image Placeholder 1">
+            <a:extLst>
+              <a:ext uri="{FF2B5EF4-FFF2-40B4-BE49-F238E27FC236}">
+                <a16:creationId xmlns:a16="http://schemas.microsoft.com/office/drawing/2014/main" id="{E874874E-4C86-2C51-6F9C-570B0754173D}"/>
+              </a:ext>
+            </a:extLst>
+          </p:cNvPr>
+          <p:cNvSpPr>
+            <a:spLocks noGrp="1" noRot="1" noChangeAspect="1"/>
+          </p:cNvSpPr>
+          <p:nvPr>
+            <p:ph type="sldImg"/>
+          </p:nvPr>
+        </p:nvSpPr>
+        <p:spPr/>
+      </p:sp>
+      <p:sp>
+        <p:nvSpPr>
+          <p:cNvPr id="3" name="Notes Placeholder 2">
+            <a:extLst>
+              <a:ext uri="{FF2B5EF4-FFF2-40B4-BE49-F238E27FC236}">
+                <a16:creationId xmlns:a16="http://schemas.microsoft.com/office/drawing/2014/main" id="{82EFAFB3-CF4E-7185-A797-407E18CE56D3}"/>
+              </a:ext>
+            </a:extLst>
+          </p:cNvPr>
+          <p:cNvSpPr>
+            <a:spLocks noGrp="1"/>
+          </p:cNvSpPr>
+          <p:nvPr>
+            <p:ph type="body" idx="1"/>
+          </p:nvPr>
+        </p:nvSpPr>
+        <p:spPr/>
+        <p:txBody>
+          <a:bodyPr/>
+          <a:lstStyle/>
+          <a:p>
+            <a:r>
+              <a:rPr lang="en-US" dirty="0"/>
+              <a:t>We’ll start talking more about testing next time. </a:t>
+            </a:r>
+          </a:p>
+        </p:txBody>
+      </p:sp>
+      <p:sp>
+        <p:nvSpPr>
+          <p:cNvPr id="4" name="Slide Number Placeholder 3">
+            <a:extLst>
+              <a:ext uri="{FF2B5EF4-FFF2-40B4-BE49-F238E27FC236}">
+                <a16:creationId xmlns:a16="http://schemas.microsoft.com/office/drawing/2014/main" id="{78239B1F-E2F7-DED4-346F-DC3DB39AC0DF}"/>
+              </a:ext>
+            </a:extLst>
+          </p:cNvPr>
+          <p:cNvSpPr>
+            <a:spLocks noGrp="1"/>
+          </p:cNvSpPr>
+          <p:nvPr>
+            <p:ph type="sldNum" sz="quarter" idx="5"/>
+          </p:nvPr>
+        </p:nvSpPr>
+        <p:spPr/>
+        <p:txBody>
+          <a:bodyPr/>
+          <a:lstStyle/>
+          <a:p>
+            <a:fld id="{4AF79E1B-2C51-4B9B-8EA4-26DE9E345AFF}" type="slidenum">
+              <a:rPr lang="en-US" smtClean="0"/>
+              <a:t>66</a:t>
+            </a:fld>
+            <a:endParaRPr lang="en-US"/>
+          </a:p>
+        </p:txBody>
+      </p:sp>
+    </p:spTree>
+    <p:extLst>
+      <p:ext uri="{BB962C8B-B14F-4D97-AF65-F5344CB8AC3E}">
+        <p14:creationId xmlns:p14="http://schemas.microsoft.com/office/powerpoint/2010/main" val="535761932"/>
+      </p:ext>
+    </p:extLst>
+  </p:cSld>
+  <p:clrMapOvr>
+    <a:masterClrMapping/>
+  </p:clrMapOvr>
+</p:notes>
+</file>
+
+<file path=ppt/notesSlides/notesSlide67.xml><?xml version="1.0" encoding="utf-8"?>
+<p:notes xmlns:a="http://schemas.openxmlformats.org/drawingml/2006/main" xmlns:r="http://schemas.openxmlformats.org/officeDocument/2006/relationships" xmlns:p="http://schemas.openxmlformats.org/presentationml/2006/main">
+  <p:cSld>
+    <p:spTree>
+      <p:nvGrpSpPr>
+        <p:cNvPr id="1" name="">
+          <a:extLst>
+            <a:ext uri="{FF2B5EF4-FFF2-40B4-BE49-F238E27FC236}">
+              <a16:creationId xmlns:a16="http://schemas.microsoft.com/office/drawing/2014/main" id="{D84C8EE8-5584-3445-91AE-61BAA836201C}"/>
+            </a:ext>
+          </a:extLst>
+        </p:cNvPr>
+        <p:cNvGrpSpPr/>
+        <p:nvPr/>
+      </p:nvGrpSpPr>
+      <p:grpSpPr>
+        <a:xfrm>
+          <a:off x="0" y="0"/>
+          <a:ext cx="0" cy="0"/>
+          <a:chOff x="0" y="0"/>
+          <a:chExt cx="0" cy="0"/>
+        </a:xfrm>
+      </p:grpSpPr>
+      <p:sp>
+        <p:nvSpPr>
+          <p:cNvPr id="2" name="Slide Image Placeholder 1">
+            <a:extLst>
+              <a:ext uri="{FF2B5EF4-FFF2-40B4-BE49-F238E27FC236}">
+                <a16:creationId xmlns:a16="http://schemas.microsoft.com/office/drawing/2014/main" id="{3DBBE9E9-5D9A-22EC-650A-34A23CB714FA}"/>
+              </a:ext>
+            </a:extLst>
+          </p:cNvPr>
+          <p:cNvSpPr>
+            <a:spLocks noGrp="1" noRot="1" noChangeAspect="1"/>
+          </p:cNvSpPr>
+          <p:nvPr>
+            <p:ph type="sldImg"/>
+          </p:nvPr>
+        </p:nvSpPr>
+        <p:spPr/>
+      </p:sp>
+      <p:sp>
+        <p:nvSpPr>
+          <p:cNvPr id="3" name="Notes Placeholder 2">
+            <a:extLst>
+              <a:ext uri="{FF2B5EF4-FFF2-40B4-BE49-F238E27FC236}">
+                <a16:creationId xmlns:a16="http://schemas.microsoft.com/office/drawing/2014/main" id="{85E94E44-F2E2-C5E4-CF45-102051009750}"/>
+              </a:ext>
+            </a:extLst>
+          </p:cNvPr>
+          <p:cNvSpPr>
+            <a:spLocks noGrp="1"/>
+          </p:cNvSpPr>
+          <p:nvPr>
+            <p:ph type="body" idx="1"/>
+          </p:nvPr>
+        </p:nvSpPr>
+        <p:spPr/>
+        <p:txBody>
+          <a:bodyPr/>
+          <a:lstStyle/>
+          <a:p>
+            <a:r>
+              <a:rPr lang="en-US" dirty="0"/>
+              <a:t>Let’s play “spot the differences”. Why are they important?</a:t>
+            </a:r>
+          </a:p>
+        </p:txBody>
+      </p:sp>
+      <p:sp>
+        <p:nvSpPr>
+          <p:cNvPr id="4" name="Slide Number Placeholder 3">
+            <a:extLst>
+              <a:ext uri="{FF2B5EF4-FFF2-40B4-BE49-F238E27FC236}">
+                <a16:creationId xmlns:a16="http://schemas.microsoft.com/office/drawing/2014/main" id="{DED57040-E90B-663B-8D03-816419751B65}"/>
+              </a:ext>
+            </a:extLst>
+          </p:cNvPr>
+          <p:cNvSpPr>
+            <a:spLocks noGrp="1"/>
+          </p:cNvSpPr>
+          <p:nvPr>
+            <p:ph type="sldNum" sz="quarter" idx="5"/>
+          </p:nvPr>
+        </p:nvSpPr>
+        <p:spPr/>
+        <p:txBody>
+          <a:bodyPr/>
+          <a:lstStyle/>
+          <a:p>
+            <a:fld id="{4AF79E1B-2C51-4B9B-8EA4-26DE9E345AFF}" type="slidenum">
+              <a:rPr lang="en-US" smtClean="0"/>
+              <a:t>67</a:t>
+            </a:fld>
+            <a:endParaRPr lang="en-US"/>
+          </a:p>
+        </p:txBody>
+      </p:sp>
+    </p:spTree>
+    <p:extLst>
+      <p:ext uri="{BB962C8B-B14F-4D97-AF65-F5344CB8AC3E}">
+        <p14:creationId xmlns:p14="http://schemas.microsoft.com/office/powerpoint/2010/main" val="3820292365"/>
+      </p:ext>
+    </p:extLst>
+  </p:cSld>
+  <p:clrMapOvr>
+    <a:masterClrMapping/>
+  </p:clrMapOvr>
+</p:notes>
+</file>
+
+<file path=ppt/notesSlides/notesSlide68.xml><?xml version="1.0" encoding="utf-8"?>
+<p:notes xmlns:a="http://schemas.openxmlformats.org/drawingml/2006/main" xmlns:r="http://schemas.openxmlformats.org/officeDocument/2006/relationships" xmlns:p="http://schemas.openxmlformats.org/presentationml/2006/main">
+  <p:cSld>
+    <p:spTree>
+      <p:nvGrpSpPr>
+        <p:cNvPr id="1" name="">
+          <a:extLst>
+            <a:ext uri="{FF2B5EF4-FFF2-40B4-BE49-F238E27FC236}">
+              <a16:creationId xmlns:a16="http://schemas.microsoft.com/office/drawing/2014/main" id="{B2928222-684C-F716-1438-256E1A3A57A4}"/>
+            </a:ext>
+          </a:extLst>
+        </p:cNvPr>
+        <p:cNvGrpSpPr/>
+        <p:nvPr/>
+      </p:nvGrpSpPr>
+      <p:grpSpPr>
+        <a:xfrm>
+          <a:off x="0" y="0"/>
+          <a:ext cx="0" cy="0"/>
+          <a:chOff x="0" y="0"/>
+          <a:chExt cx="0" cy="0"/>
+        </a:xfrm>
+      </p:grpSpPr>
+      <p:sp>
+        <p:nvSpPr>
+          <p:cNvPr id="2" name="Slide Image Placeholder 1">
+            <a:extLst>
+              <a:ext uri="{FF2B5EF4-FFF2-40B4-BE49-F238E27FC236}">
+                <a16:creationId xmlns:a16="http://schemas.microsoft.com/office/drawing/2014/main" id="{C2429B9C-384F-B209-6A3E-A92E6FC5ABD4}"/>
+              </a:ext>
+            </a:extLst>
+          </p:cNvPr>
+          <p:cNvSpPr>
+            <a:spLocks noGrp="1" noRot="1" noChangeAspect="1"/>
+          </p:cNvSpPr>
+          <p:nvPr>
+            <p:ph type="sldImg"/>
+          </p:nvPr>
+        </p:nvSpPr>
+        <p:spPr/>
+      </p:sp>
+      <p:sp>
+        <p:nvSpPr>
+          <p:cNvPr id="3" name="Notes Placeholder 2">
+            <a:extLst>
+              <a:ext uri="{FF2B5EF4-FFF2-40B4-BE49-F238E27FC236}">
+                <a16:creationId xmlns:a16="http://schemas.microsoft.com/office/drawing/2014/main" id="{572BCD03-1DE0-BC65-5F40-C9F0D81D7D68}"/>
+              </a:ext>
+            </a:extLst>
+          </p:cNvPr>
+          <p:cNvSpPr>
+            <a:spLocks noGrp="1"/>
+          </p:cNvSpPr>
+          <p:nvPr>
+            <p:ph type="body" idx="1"/>
+          </p:nvPr>
+        </p:nvSpPr>
+        <p:spPr/>
+        <p:txBody>
+          <a:bodyPr/>
+          <a:lstStyle/>
+          <a:p>
+            <a:endParaRPr lang="en-US" dirty="0"/>
+          </a:p>
+        </p:txBody>
+      </p:sp>
+      <p:sp>
+        <p:nvSpPr>
+          <p:cNvPr id="4" name="Slide Number Placeholder 3">
+            <a:extLst>
+              <a:ext uri="{FF2B5EF4-FFF2-40B4-BE49-F238E27FC236}">
+                <a16:creationId xmlns:a16="http://schemas.microsoft.com/office/drawing/2014/main" id="{83060462-587A-5003-95FF-4435C67EAF53}"/>
+              </a:ext>
+            </a:extLst>
+          </p:cNvPr>
+          <p:cNvSpPr>
+            <a:spLocks noGrp="1"/>
+          </p:cNvSpPr>
+          <p:nvPr>
+            <p:ph type="sldNum" sz="quarter" idx="5"/>
+          </p:nvPr>
+        </p:nvSpPr>
+        <p:spPr/>
+        <p:txBody>
+          <a:bodyPr/>
+          <a:lstStyle/>
+          <a:p>
+            <a:fld id="{4AF79E1B-2C51-4B9B-8EA4-26DE9E345AFF}" type="slidenum">
+              <a:rPr lang="en-US" smtClean="0"/>
+              <a:t>74</a:t>
+            </a:fld>
+            <a:endParaRPr lang="en-US"/>
+          </a:p>
+        </p:txBody>
+      </p:sp>
+    </p:spTree>
+    <p:extLst>
+      <p:ext uri="{BB962C8B-B14F-4D97-AF65-F5344CB8AC3E}">
+        <p14:creationId xmlns:p14="http://schemas.microsoft.com/office/powerpoint/2010/main" val="726465519"/>
+      </p:ext>
+    </p:extLst>
+  </p:cSld>
+  <p:clrMapOvr>
+    <a:masterClrMapping/>
+  </p:clrMapOvr>
+</p:notes>
+</file>
+
+<file path=ppt/notesSlides/notesSlide69.xml><?xml version="1.0" encoding="utf-8"?>
+<p:notes xmlns:a="http://schemas.openxmlformats.org/drawingml/2006/main" xmlns:r="http://schemas.openxmlformats.org/officeDocument/2006/relationships" xmlns:p="http://schemas.openxmlformats.org/presentationml/2006/main">
+  <p:cSld>
+    <p:spTree>
+      <p:nvGrpSpPr>
+        <p:cNvPr id="1" name=""/>
+        <p:cNvGrpSpPr/>
+        <p:nvPr/>
+      </p:nvGrpSpPr>
+      <p:grpSpPr>
+        <a:xfrm>
+          <a:off x="0" y="0"/>
+          <a:ext cx="0" cy="0"/>
+          <a:chOff x="0" y="0"/>
+          <a:chExt cx="0" cy="0"/>
+        </a:xfrm>
+      </p:grpSpPr>
+      <p:sp>
+        <p:nvSpPr>
+          <p:cNvPr id="2" name="Slide Image Placeholder 1"/>
+          <p:cNvSpPr>
+            <a:spLocks noGrp="1" noRot="1" noChangeAspect="1"/>
+          </p:cNvSpPr>
+          <p:nvPr>
+            <p:ph type="sldImg"/>
+          </p:nvPr>
+        </p:nvSpPr>
+        <p:spPr/>
+      </p:sp>
+      <p:sp>
+        <p:nvSpPr>
+          <p:cNvPr id="3" name="Notes Placeholder 2"/>
+          <p:cNvSpPr>
+            <a:spLocks noGrp="1"/>
+          </p:cNvSpPr>
+          <p:nvPr>
+            <p:ph type="body" idx="1"/>
+          </p:nvPr>
+        </p:nvSpPr>
+        <p:spPr/>
+        <p:txBody>
+          <a:bodyPr/>
+          <a:lstStyle/>
+          <a:p>
+            <a:pPr marL="0" indent="0">
+              <a:buFont typeface="Arial" panose="020B0604020202020204" pitchFamily="34" charset="0"/>
+              <a:buNone/>
+            </a:pPr>
+            <a:endParaRPr lang="en-CA" dirty="0"/>
+          </a:p>
+        </p:txBody>
+      </p:sp>
+      <p:sp>
+        <p:nvSpPr>
+          <p:cNvPr id="4" name="Slide Number Placeholder 3"/>
+          <p:cNvSpPr>
+            <a:spLocks noGrp="1"/>
+          </p:cNvSpPr>
+          <p:nvPr>
+            <p:ph type="sldNum" sz="quarter" idx="5"/>
+          </p:nvPr>
+        </p:nvSpPr>
+        <p:spPr/>
+        <p:txBody>
+          <a:bodyPr/>
+          <a:lstStyle/>
+          <a:p>
+            <a:fld id="{4AF79E1B-2C51-4B9B-8EA4-26DE9E345AFF}" type="slidenum">
+              <a:rPr lang="en-US" smtClean="0"/>
+              <a:t>75</a:t>
+            </a:fld>
+            <a:endParaRPr lang="en-US"/>
+          </a:p>
+        </p:txBody>
+      </p:sp>
+    </p:spTree>
+    <p:extLst>
+      <p:ext uri="{BB962C8B-B14F-4D97-AF65-F5344CB8AC3E}">
+        <p14:creationId xmlns:p14="http://schemas.microsoft.com/office/powerpoint/2010/main" val="2068749097"/>
       </p:ext>
     </p:extLst>
   </p:cSld>
@@ -7646,1065 +7899,6 @@
     <p:extLst>
       <p:ext uri="{BB962C8B-B14F-4D97-AF65-F5344CB8AC3E}">
         <p14:creationId xmlns:p14="http://schemas.microsoft.com/office/powerpoint/2010/main" val="4146625612"/>
-      </p:ext>
-    </p:extLst>
-  </p:cSld>
-  <p:clrMapOvr>
-    <a:masterClrMapping/>
-  </p:clrMapOvr>
-</p:notes>
-</file>
-
-<file path=ppt/notesSlides/notesSlide70.xml><?xml version="1.0" encoding="utf-8"?>
-<p:notes xmlns:a="http://schemas.openxmlformats.org/drawingml/2006/main" xmlns:r="http://schemas.openxmlformats.org/officeDocument/2006/relationships" xmlns:p="http://schemas.openxmlformats.org/presentationml/2006/main">
-  <p:cSld>
-    <p:spTree>
-      <p:nvGrpSpPr>
-        <p:cNvPr id="1" name="">
-          <a:extLst>
-            <a:ext uri="{FF2B5EF4-FFF2-40B4-BE49-F238E27FC236}">
-              <a16:creationId xmlns:a16="http://schemas.microsoft.com/office/drawing/2014/main" id="{3351A192-3A49-13DC-6B5B-266843D59EEB}"/>
-            </a:ext>
-          </a:extLst>
-        </p:cNvPr>
-        <p:cNvGrpSpPr/>
-        <p:nvPr/>
-      </p:nvGrpSpPr>
-      <p:grpSpPr>
-        <a:xfrm>
-          <a:off x="0" y="0"/>
-          <a:ext cx="0" cy="0"/>
-          <a:chOff x="0" y="0"/>
-          <a:chExt cx="0" cy="0"/>
-        </a:xfrm>
-      </p:grpSpPr>
-      <p:sp>
-        <p:nvSpPr>
-          <p:cNvPr id="2" name="Slide Image Placeholder 1">
-            <a:extLst>
-              <a:ext uri="{FF2B5EF4-FFF2-40B4-BE49-F238E27FC236}">
-                <a16:creationId xmlns:a16="http://schemas.microsoft.com/office/drawing/2014/main" id="{3BC525DB-CBBD-5774-25E3-733B1203FD52}"/>
-              </a:ext>
-            </a:extLst>
-          </p:cNvPr>
-          <p:cNvSpPr>
-            <a:spLocks noGrp="1" noRot="1" noChangeAspect="1"/>
-          </p:cNvSpPr>
-          <p:nvPr>
-            <p:ph type="sldImg"/>
-          </p:nvPr>
-        </p:nvSpPr>
-        <p:spPr/>
-      </p:sp>
-      <p:sp>
-        <p:nvSpPr>
-          <p:cNvPr id="3" name="Notes Placeholder 2">
-            <a:extLst>
-              <a:ext uri="{FF2B5EF4-FFF2-40B4-BE49-F238E27FC236}">
-                <a16:creationId xmlns:a16="http://schemas.microsoft.com/office/drawing/2014/main" id="{BA1F8952-D401-82F4-930C-FEC5B8C97FB4}"/>
-              </a:ext>
-            </a:extLst>
-          </p:cNvPr>
-          <p:cNvSpPr>
-            <a:spLocks noGrp="1"/>
-          </p:cNvSpPr>
-          <p:nvPr>
-            <p:ph type="body" idx="1"/>
-          </p:nvPr>
-        </p:nvSpPr>
-        <p:spPr/>
-        <p:txBody>
-          <a:bodyPr/>
-          <a:lstStyle/>
-          <a:p>
-            <a:r>
-              <a:rPr lang="en-US" dirty="0"/>
-              <a:t>Each of these is the same data. Which one works? What does it highlight? *Note: a good figure usually does more than one thing*.</a:t>
-            </a:r>
-          </a:p>
-        </p:txBody>
-      </p:sp>
-      <p:sp>
-        <p:nvSpPr>
-          <p:cNvPr id="4" name="Slide Number Placeholder 3">
-            <a:extLst>
-              <a:ext uri="{FF2B5EF4-FFF2-40B4-BE49-F238E27FC236}">
-                <a16:creationId xmlns:a16="http://schemas.microsoft.com/office/drawing/2014/main" id="{5FCDE322-DAB9-8EC6-A5F8-C16C10304EF0}"/>
-              </a:ext>
-            </a:extLst>
-          </p:cNvPr>
-          <p:cNvSpPr>
-            <a:spLocks noGrp="1"/>
-          </p:cNvSpPr>
-          <p:nvPr>
-            <p:ph type="sldNum" sz="quarter" idx="5"/>
-          </p:nvPr>
-        </p:nvSpPr>
-        <p:spPr/>
-        <p:txBody>
-          <a:bodyPr/>
-          <a:lstStyle/>
-          <a:p>
-            <a:fld id="{4AF79E1B-2C51-4B9B-8EA4-26DE9E345AFF}" type="slidenum">
-              <a:rPr lang="en-US" smtClean="0"/>
-              <a:t>70</a:t>
-            </a:fld>
-            <a:endParaRPr lang="en-US"/>
-          </a:p>
-        </p:txBody>
-      </p:sp>
-    </p:spTree>
-    <p:extLst>
-      <p:ext uri="{BB962C8B-B14F-4D97-AF65-F5344CB8AC3E}">
-        <p14:creationId xmlns:p14="http://schemas.microsoft.com/office/powerpoint/2010/main" val="427769072"/>
-      </p:ext>
-    </p:extLst>
-  </p:cSld>
-  <p:clrMapOvr>
-    <a:masterClrMapping/>
-  </p:clrMapOvr>
-</p:notes>
-</file>
-
-<file path=ppt/notesSlides/notesSlide71.xml><?xml version="1.0" encoding="utf-8"?>
-<p:notes xmlns:a="http://schemas.openxmlformats.org/drawingml/2006/main" xmlns:r="http://schemas.openxmlformats.org/officeDocument/2006/relationships" xmlns:p="http://schemas.openxmlformats.org/presentationml/2006/main">
-  <p:cSld>
-    <p:spTree>
-      <p:nvGrpSpPr>
-        <p:cNvPr id="1" name="">
-          <a:extLst>
-            <a:ext uri="{FF2B5EF4-FFF2-40B4-BE49-F238E27FC236}">
-              <a16:creationId xmlns:a16="http://schemas.microsoft.com/office/drawing/2014/main" id="{5B32B981-02A2-1755-9074-C76CB8835BD9}"/>
-            </a:ext>
-          </a:extLst>
-        </p:cNvPr>
-        <p:cNvGrpSpPr/>
-        <p:nvPr/>
-      </p:nvGrpSpPr>
-      <p:grpSpPr>
-        <a:xfrm>
-          <a:off x="0" y="0"/>
-          <a:ext cx="0" cy="0"/>
-          <a:chOff x="0" y="0"/>
-          <a:chExt cx="0" cy="0"/>
-        </a:xfrm>
-      </p:grpSpPr>
-      <p:sp>
-        <p:nvSpPr>
-          <p:cNvPr id="2" name="Slide Image Placeholder 1">
-            <a:extLst>
-              <a:ext uri="{FF2B5EF4-FFF2-40B4-BE49-F238E27FC236}">
-                <a16:creationId xmlns:a16="http://schemas.microsoft.com/office/drawing/2014/main" id="{20137646-B335-7433-7C4F-8D99B74C28E9}"/>
-              </a:ext>
-            </a:extLst>
-          </p:cNvPr>
-          <p:cNvSpPr>
-            <a:spLocks noGrp="1" noRot="1" noChangeAspect="1"/>
-          </p:cNvSpPr>
-          <p:nvPr>
-            <p:ph type="sldImg"/>
-          </p:nvPr>
-        </p:nvSpPr>
-        <p:spPr/>
-      </p:sp>
-      <p:sp>
-        <p:nvSpPr>
-          <p:cNvPr id="3" name="Notes Placeholder 2">
-            <a:extLst>
-              <a:ext uri="{FF2B5EF4-FFF2-40B4-BE49-F238E27FC236}">
-                <a16:creationId xmlns:a16="http://schemas.microsoft.com/office/drawing/2014/main" id="{321F1A1F-ACDD-D151-BE94-C7B689ED0153}"/>
-              </a:ext>
-            </a:extLst>
-          </p:cNvPr>
-          <p:cNvSpPr>
-            <a:spLocks noGrp="1"/>
-          </p:cNvSpPr>
-          <p:nvPr>
-            <p:ph type="body" idx="1"/>
-          </p:nvPr>
-        </p:nvSpPr>
-        <p:spPr/>
-        <p:txBody>
-          <a:bodyPr/>
-          <a:lstStyle/>
-          <a:p>
-            <a:r>
-              <a:rPr lang="en-US" dirty="0"/>
-              <a:t>Each of these is the same data. Which one works? What does it highlight? *Note: a good figure usually does more than one thing*.</a:t>
-            </a:r>
-          </a:p>
-        </p:txBody>
-      </p:sp>
-      <p:sp>
-        <p:nvSpPr>
-          <p:cNvPr id="4" name="Slide Number Placeholder 3">
-            <a:extLst>
-              <a:ext uri="{FF2B5EF4-FFF2-40B4-BE49-F238E27FC236}">
-                <a16:creationId xmlns:a16="http://schemas.microsoft.com/office/drawing/2014/main" id="{B46BC595-527C-1024-40E3-2F65559141C2}"/>
-              </a:ext>
-            </a:extLst>
-          </p:cNvPr>
-          <p:cNvSpPr>
-            <a:spLocks noGrp="1"/>
-          </p:cNvSpPr>
-          <p:nvPr>
-            <p:ph type="sldNum" sz="quarter" idx="5"/>
-          </p:nvPr>
-        </p:nvSpPr>
-        <p:spPr/>
-        <p:txBody>
-          <a:bodyPr/>
-          <a:lstStyle/>
-          <a:p>
-            <a:fld id="{4AF79E1B-2C51-4B9B-8EA4-26DE9E345AFF}" type="slidenum">
-              <a:rPr lang="en-US" smtClean="0"/>
-              <a:t>71</a:t>
-            </a:fld>
-            <a:endParaRPr lang="en-US"/>
-          </a:p>
-        </p:txBody>
-      </p:sp>
-    </p:spTree>
-    <p:extLst>
-      <p:ext uri="{BB962C8B-B14F-4D97-AF65-F5344CB8AC3E}">
-        <p14:creationId xmlns:p14="http://schemas.microsoft.com/office/powerpoint/2010/main" val="4059389489"/>
-      </p:ext>
-    </p:extLst>
-  </p:cSld>
-  <p:clrMapOvr>
-    <a:masterClrMapping/>
-  </p:clrMapOvr>
-</p:notes>
-</file>
-
-<file path=ppt/notesSlides/notesSlide72.xml><?xml version="1.0" encoding="utf-8"?>
-<p:notes xmlns:a="http://schemas.openxmlformats.org/drawingml/2006/main" xmlns:r="http://schemas.openxmlformats.org/officeDocument/2006/relationships" xmlns:p="http://schemas.openxmlformats.org/presentationml/2006/main">
-  <p:cSld>
-    <p:spTree>
-      <p:nvGrpSpPr>
-        <p:cNvPr id="1" name="">
-          <a:extLst>
-            <a:ext uri="{FF2B5EF4-FFF2-40B4-BE49-F238E27FC236}">
-              <a16:creationId xmlns:a16="http://schemas.microsoft.com/office/drawing/2014/main" id="{52AB6C87-FC05-BDA7-FA28-6C5A69FDE6FF}"/>
-            </a:ext>
-          </a:extLst>
-        </p:cNvPr>
-        <p:cNvGrpSpPr/>
-        <p:nvPr/>
-      </p:nvGrpSpPr>
-      <p:grpSpPr>
-        <a:xfrm>
-          <a:off x="0" y="0"/>
-          <a:ext cx="0" cy="0"/>
-          <a:chOff x="0" y="0"/>
-          <a:chExt cx="0" cy="0"/>
-        </a:xfrm>
-      </p:grpSpPr>
-      <p:sp>
-        <p:nvSpPr>
-          <p:cNvPr id="2" name="Slide Image Placeholder 1">
-            <a:extLst>
-              <a:ext uri="{FF2B5EF4-FFF2-40B4-BE49-F238E27FC236}">
-                <a16:creationId xmlns:a16="http://schemas.microsoft.com/office/drawing/2014/main" id="{EB007D94-4F8B-975D-FD2A-1164D2EB10FE}"/>
-              </a:ext>
-            </a:extLst>
-          </p:cNvPr>
-          <p:cNvSpPr>
-            <a:spLocks noGrp="1" noRot="1" noChangeAspect="1"/>
-          </p:cNvSpPr>
-          <p:nvPr>
-            <p:ph type="sldImg"/>
-          </p:nvPr>
-        </p:nvSpPr>
-        <p:spPr/>
-      </p:sp>
-      <p:sp>
-        <p:nvSpPr>
-          <p:cNvPr id="3" name="Notes Placeholder 2">
-            <a:extLst>
-              <a:ext uri="{FF2B5EF4-FFF2-40B4-BE49-F238E27FC236}">
-                <a16:creationId xmlns:a16="http://schemas.microsoft.com/office/drawing/2014/main" id="{1CEA1CEC-9DF3-A458-860F-155F1EF07388}"/>
-              </a:ext>
-            </a:extLst>
-          </p:cNvPr>
-          <p:cNvSpPr>
-            <a:spLocks noGrp="1"/>
-          </p:cNvSpPr>
-          <p:nvPr>
-            <p:ph type="body" idx="1"/>
-          </p:nvPr>
-        </p:nvSpPr>
-        <p:spPr/>
-        <p:txBody>
-          <a:bodyPr/>
-          <a:lstStyle/>
-          <a:p>
-            <a:r>
-              <a:rPr lang="en-US" dirty="0"/>
-              <a:t>Once you’ve got a winner, try to simplify it</a:t>
-            </a:r>
-          </a:p>
-        </p:txBody>
-      </p:sp>
-      <p:sp>
-        <p:nvSpPr>
-          <p:cNvPr id="4" name="Slide Number Placeholder 3">
-            <a:extLst>
-              <a:ext uri="{FF2B5EF4-FFF2-40B4-BE49-F238E27FC236}">
-                <a16:creationId xmlns:a16="http://schemas.microsoft.com/office/drawing/2014/main" id="{890958ED-60FF-FF5D-DFE8-ACF4BA510D5A}"/>
-              </a:ext>
-            </a:extLst>
-          </p:cNvPr>
-          <p:cNvSpPr>
-            <a:spLocks noGrp="1"/>
-          </p:cNvSpPr>
-          <p:nvPr>
-            <p:ph type="sldNum" sz="quarter" idx="5"/>
-          </p:nvPr>
-        </p:nvSpPr>
-        <p:spPr/>
-        <p:txBody>
-          <a:bodyPr/>
-          <a:lstStyle/>
-          <a:p>
-            <a:fld id="{4AF79E1B-2C51-4B9B-8EA4-26DE9E345AFF}" type="slidenum">
-              <a:rPr lang="en-US" smtClean="0"/>
-              <a:t>72</a:t>
-            </a:fld>
-            <a:endParaRPr lang="en-US"/>
-          </a:p>
-        </p:txBody>
-      </p:sp>
-    </p:spTree>
-    <p:extLst>
-      <p:ext uri="{BB962C8B-B14F-4D97-AF65-F5344CB8AC3E}">
-        <p14:creationId xmlns:p14="http://schemas.microsoft.com/office/powerpoint/2010/main" val="75849571"/>
-      </p:ext>
-    </p:extLst>
-  </p:cSld>
-  <p:clrMapOvr>
-    <a:masterClrMapping/>
-  </p:clrMapOvr>
-</p:notes>
-</file>
-
-<file path=ppt/notesSlides/notesSlide73.xml><?xml version="1.0" encoding="utf-8"?>
-<p:notes xmlns:a="http://schemas.openxmlformats.org/drawingml/2006/main" xmlns:r="http://schemas.openxmlformats.org/officeDocument/2006/relationships" xmlns:p="http://schemas.openxmlformats.org/presentationml/2006/main">
-  <p:cSld>
-    <p:spTree>
-      <p:nvGrpSpPr>
-        <p:cNvPr id="1" name="">
-          <a:extLst>
-            <a:ext uri="{FF2B5EF4-FFF2-40B4-BE49-F238E27FC236}">
-              <a16:creationId xmlns:a16="http://schemas.microsoft.com/office/drawing/2014/main" id="{90619F46-F1CC-5F3A-27E9-2774F1D10AE7}"/>
-            </a:ext>
-          </a:extLst>
-        </p:cNvPr>
-        <p:cNvGrpSpPr/>
-        <p:nvPr/>
-      </p:nvGrpSpPr>
-      <p:grpSpPr>
-        <a:xfrm>
-          <a:off x="0" y="0"/>
-          <a:ext cx="0" cy="0"/>
-          <a:chOff x="0" y="0"/>
-          <a:chExt cx="0" cy="0"/>
-        </a:xfrm>
-      </p:grpSpPr>
-      <p:sp>
-        <p:nvSpPr>
-          <p:cNvPr id="2" name="Slide Image Placeholder 1">
-            <a:extLst>
-              <a:ext uri="{FF2B5EF4-FFF2-40B4-BE49-F238E27FC236}">
-                <a16:creationId xmlns:a16="http://schemas.microsoft.com/office/drawing/2014/main" id="{BF1A1FC6-B138-6EAC-AE18-F9D0621AD7FB}"/>
-              </a:ext>
-            </a:extLst>
-          </p:cNvPr>
-          <p:cNvSpPr>
-            <a:spLocks noGrp="1" noRot="1" noChangeAspect="1"/>
-          </p:cNvSpPr>
-          <p:nvPr>
-            <p:ph type="sldImg"/>
-          </p:nvPr>
-        </p:nvSpPr>
-        <p:spPr/>
-      </p:sp>
-      <p:sp>
-        <p:nvSpPr>
-          <p:cNvPr id="3" name="Notes Placeholder 2">
-            <a:extLst>
-              <a:ext uri="{FF2B5EF4-FFF2-40B4-BE49-F238E27FC236}">
-                <a16:creationId xmlns:a16="http://schemas.microsoft.com/office/drawing/2014/main" id="{D7A0AB74-71E8-6BA3-9706-B0AD76B16FE8}"/>
-              </a:ext>
-            </a:extLst>
-          </p:cNvPr>
-          <p:cNvSpPr>
-            <a:spLocks noGrp="1"/>
-          </p:cNvSpPr>
-          <p:nvPr>
-            <p:ph type="body" idx="1"/>
-          </p:nvPr>
-        </p:nvSpPr>
-        <p:spPr/>
-        <p:txBody>
-          <a:bodyPr/>
-          <a:lstStyle/>
-          <a:p>
-            <a:pPr marL="0" marR="0" lvl="0" indent="0" algn="l" defTabSz="914400" rtl="0" eaLnBrk="1" fontAlgn="auto" latinLnBrk="0" hangingPunct="1">
-              <a:lnSpc>
-                <a:spcPct val="100000"/>
-              </a:lnSpc>
-              <a:spcBef>
-                <a:spcPts val="0"/>
-              </a:spcBef>
-              <a:spcAft>
-                <a:spcPts val="0"/>
-              </a:spcAft>
-              <a:buClrTx/>
-              <a:buSzTx/>
-              <a:buFontTx/>
-              <a:buNone/>
-              <a:tabLst/>
-              <a:defRPr/>
-            </a:pPr>
-            <a:r>
-              <a:rPr lang="en-US" dirty="0"/>
-              <a:t>* Don’t sort things alphabetically (default for software)</a:t>
-            </a:r>
-          </a:p>
-          <a:p>
-            <a:pPr marL="171450" marR="0" lvl="0" indent="-171450" algn="l" defTabSz="914400" rtl="0" eaLnBrk="1" fontAlgn="auto" latinLnBrk="0" hangingPunct="1">
-              <a:lnSpc>
-                <a:spcPct val="100000"/>
-              </a:lnSpc>
-              <a:spcBef>
-                <a:spcPts val="0"/>
-              </a:spcBef>
-              <a:spcAft>
-                <a:spcPts val="0"/>
-              </a:spcAft>
-              <a:buClrTx/>
-              <a:buSzTx/>
-              <a:buFont typeface="Arial" panose="020B0604020202020204" pitchFamily="34" charset="0"/>
-              <a:buChar char="•"/>
-              <a:tabLst/>
-              <a:defRPr/>
-            </a:pPr>
-            <a:r>
-              <a:rPr lang="en-US" sz="1200" b="0" i="0" dirty="0">
-                <a:solidFill>
-                  <a:srgbClr val="212529"/>
-                </a:solidFill>
-                <a:effectLst/>
-                <a:cs typeface="Times New Roman" panose="02020603050405020304" pitchFamily="18" charset="0"/>
-              </a:rPr>
-              <a:t>Legends force readers to glance back and forth to remember what different colors or lines mean.</a:t>
-            </a:r>
-          </a:p>
-          <a:p>
-            <a:pPr marL="171450" marR="0" lvl="0" indent="-171450" algn="l" defTabSz="914400" rtl="0" eaLnBrk="1" fontAlgn="auto" latinLnBrk="0" hangingPunct="1">
-              <a:lnSpc>
-                <a:spcPct val="100000"/>
-              </a:lnSpc>
-              <a:spcBef>
-                <a:spcPts val="0"/>
-              </a:spcBef>
-              <a:spcAft>
-                <a:spcPts val="0"/>
-              </a:spcAft>
-              <a:buClrTx/>
-              <a:buSzTx/>
-              <a:buFont typeface="Arial" panose="020B0604020202020204" pitchFamily="34" charset="0"/>
-              <a:buChar char="•"/>
-              <a:tabLst/>
-              <a:defRPr/>
-            </a:pPr>
-            <a:r>
-              <a:rPr lang="en-US" sz="1200" b="0" i="0" dirty="0">
-                <a:solidFill>
-                  <a:srgbClr val="212529"/>
-                </a:solidFill>
-                <a:effectLst/>
-                <a:cs typeface="Times New Roman" panose="02020603050405020304" pitchFamily="18" charset="0"/>
-              </a:rPr>
-              <a:t>This is misleading because people interpret bar plots in terms of the relative </a:t>
-            </a:r>
-            <a:r>
-              <a:rPr lang="en-US" sz="1200" b="0" i="1" dirty="0">
-                <a:solidFill>
-                  <a:srgbClr val="212529"/>
-                </a:solidFill>
-                <a:effectLst/>
-                <a:cs typeface="Times New Roman" panose="02020603050405020304" pitchFamily="18" charset="0"/>
-              </a:rPr>
-              <a:t>area</a:t>
-            </a:r>
-            <a:r>
-              <a:rPr lang="en-US" sz="1200" b="0" i="0" dirty="0">
-                <a:solidFill>
-                  <a:srgbClr val="212529"/>
-                </a:solidFill>
-                <a:effectLst/>
-                <a:cs typeface="Times New Roman" panose="02020603050405020304" pitchFamily="18" charset="0"/>
-              </a:rPr>
-              <a:t> of the bars (i.e., the amount of ink taken up by the bar), not just their absolute y-values.</a:t>
-            </a:r>
-          </a:p>
-          <a:p>
-            <a:pPr marL="171450" marR="0" lvl="0" indent="-171450" algn="l" defTabSz="914400" rtl="0" eaLnBrk="1" fontAlgn="auto" latinLnBrk="0" hangingPunct="1">
-              <a:lnSpc>
-                <a:spcPct val="100000"/>
-              </a:lnSpc>
-              <a:spcBef>
-                <a:spcPts val="0"/>
-              </a:spcBef>
-              <a:spcAft>
-                <a:spcPts val="0"/>
-              </a:spcAft>
-              <a:buClrTx/>
-              <a:buSzTx/>
-              <a:buFont typeface="Arial" panose="020B0604020202020204" pitchFamily="34" charset="0"/>
-              <a:buChar char="•"/>
-              <a:tabLst/>
-              <a:defRPr/>
-            </a:pPr>
-            <a:r>
-              <a:rPr lang="en-US" sz="1200" b="0" i="0" dirty="0">
-                <a:solidFill>
-                  <a:srgbClr val="212529"/>
-                </a:solidFill>
-                <a:effectLst/>
-                <a:cs typeface="Times New Roman" panose="02020603050405020304" pitchFamily="18" charset="0"/>
-              </a:rPr>
-              <a:t>For example, if the variable is binary or categorical, choose visually distinct colors to maximize contrast (e.g., black, blue, and orange). If the variable is ordinal or continuous, use a color gradient. If there is a natural midpoint (e.g., if some values are negative and some are positive), consider using a diverging scale (e.g., different colors at each extreme). Remember also that a portion of your audience may be colorblind.</a:t>
-            </a:r>
-            <a:r>
-              <a:rPr lang="en-US" sz="1200" b="0" i="0" u="none" strike="noStrike" baseline="30000" dirty="0">
-                <a:solidFill>
-                  <a:srgbClr val="212529"/>
-                </a:solidFill>
-                <a:effectLst/>
-                <a:cs typeface="Times New Roman" panose="02020603050405020304" pitchFamily="18" charset="0"/>
-                <a:hlinkClick r:id="rId3"/>
-              </a:rPr>
-              <a:t>2</a:t>
-            </a:r>
-            <a:endParaRPr lang="en-US" sz="1200" b="0" i="0" dirty="0">
-              <a:solidFill>
-                <a:srgbClr val="212529"/>
-              </a:solidFill>
-              <a:effectLst/>
-              <a:cs typeface="Times New Roman" panose="02020603050405020304" pitchFamily="18" charset="0"/>
-            </a:endParaRPr>
-          </a:p>
-          <a:p>
-            <a:pPr marL="171450" marR="0" lvl="0" indent="-171450" algn="l" defTabSz="914400" rtl="0" eaLnBrk="1" fontAlgn="auto" latinLnBrk="0" hangingPunct="1">
-              <a:lnSpc>
-                <a:spcPct val="100000"/>
-              </a:lnSpc>
-              <a:spcBef>
-                <a:spcPts val="0"/>
-              </a:spcBef>
-              <a:spcAft>
-                <a:spcPts val="0"/>
-              </a:spcAft>
-              <a:buClrTx/>
-              <a:buSzTx/>
-              <a:buFont typeface="Arial" panose="020B0604020202020204" pitchFamily="34" charset="0"/>
-              <a:buChar char="•"/>
-              <a:tabLst/>
-              <a:defRPr/>
-            </a:pPr>
-            <a:endParaRPr lang="en-US" sz="1200" b="0" i="0" dirty="0">
-              <a:solidFill>
-                <a:srgbClr val="212529"/>
-              </a:solidFill>
-              <a:effectLst/>
-              <a:cs typeface="Times New Roman" panose="02020603050405020304" pitchFamily="18" charset="0"/>
-            </a:endParaRPr>
-          </a:p>
-          <a:p>
-            <a:pPr marL="171450" marR="0" lvl="0" indent="-171450" algn="l" defTabSz="914400" rtl="0" eaLnBrk="1" fontAlgn="auto" latinLnBrk="0" hangingPunct="1">
-              <a:lnSpc>
-                <a:spcPct val="100000"/>
-              </a:lnSpc>
-              <a:spcBef>
-                <a:spcPts val="0"/>
-              </a:spcBef>
-              <a:spcAft>
-                <a:spcPts val="0"/>
-              </a:spcAft>
-              <a:buClrTx/>
-              <a:buSzTx/>
-              <a:buFont typeface="Arial" panose="020B0604020202020204" pitchFamily="34" charset="0"/>
-              <a:buChar char="•"/>
-              <a:tabLst/>
-              <a:defRPr/>
-            </a:pPr>
-            <a:endParaRPr lang="en-US" sz="1200" b="0" i="0" dirty="0">
-              <a:solidFill>
-                <a:srgbClr val="212529"/>
-              </a:solidFill>
-              <a:effectLst/>
-              <a:cs typeface="Times New Roman" panose="02020603050405020304" pitchFamily="18" charset="0"/>
-            </a:endParaRPr>
-          </a:p>
-          <a:p>
-            <a:endParaRPr lang="en-US" dirty="0"/>
-          </a:p>
-        </p:txBody>
-      </p:sp>
-      <p:sp>
-        <p:nvSpPr>
-          <p:cNvPr id="4" name="Slide Number Placeholder 3">
-            <a:extLst>
-              <a:ext uri="{FF2B5EF4-FFF2-40B4-BE49-F238E27FC236}">
-                <a16:creationId xmlns:a16="http://schemas.microsoft.com/office/drawing/2014/main" id="{534E6846-36F5-2B1B-0686-C4D99A10E2F2}"/>
-              </a:ext>
-            </a:extLst>
-          </p:cNvPr>
-          <p:cNvSpPr>
-            <a:spLocks noGrp="1"/>
-          </p:cNvSpPr>
-          <p:nvPr>
-            <p:ph type="sldNum" sz="quarter" idx="5"/>
-          </p:nvPr>
-        </p:nvSpPr>
-        <p:spPr/>
-        <p:txBody>
-          <a:bodyPr/>
-          <a:lstStyle/>
-          <a:p>
-            <a:fld id="{4AF79E1B-2C51-4B9B-8EA4-26DE9E345AFF}" type="slidenum">
-              <a:rPr lang="en-US" smtClean="0"/>
-              <a:t>73</a:t>
-            </a:fld>
-            <a:endParaRPr lang="en-US"/>
-          </a:p>
-        </p:txBody>
-      </p:sp>
-    </p:spTree>
-    <p:extLst>
-      <p:ext uri="{BB962C8B-B14F-4D97-AF65-F5344CB8AC3E}">
-        <p14:creationId xmlns:p14="http://schemas.microsoft.com/office/powerpoint/2010/main" val="2872914568"/>
-      </p:ext>
-    </p:extLst>
-  </p:cSld>
-  <p:clrMapOvr>
-    <a:masterClrMapping/>
-  </p:clrMapOvr>
-</p:notes>
-</file>
-
-<file path=ppt/notesSlides/notesSlide74.xml><?xml version="1.0" encoding="utf-8"?>
-<p:notes xmlns:a="http://schemas.openxmlformats.org/drawingml/2006/main" xmlns:r="http://schemas.openxmlformats.org/officeDocument/2006/relationships" xmlns:p="http://schemas.openxmlformats.org/presentationml/2006/main">
-  <p:cSld>
-    <p:spTree>
-      <p:nvGrpSpPr>
-        <p:cNvPr id="1" name="">
-          <a:extLst>
-            <a:ext uri="{FF2B5EF4-FFF2-40B4-BE49-F238E27FC236}">
-              <a16:creationId xmlns:a16="http://schemas.microsoft.com/office/drawing/2014/main" id="{BC234E7F-BCE8-8979-A0A4-6823CF6C88FB}"/>
-            </a:ext>
-          </a:extLst>
-        </p:cNvPr>
-        <p:cNvGrpSpPr/>
-        <p:nvPr/>
-      </p:nvGrpSpPr>
-      <p:grpSpPr>
-        <a:xfrm>
-          <a:off x="0" y="0"/>
-          <a:ext cx="0" cy="0"/>
-          <a:chOff x="0" y="0"/>
-          <a:chExt cx="0" cy="0"/>
-        </a:xfrm>
-      </p:grpSpPr>
-      <p:sp>
-        <p:nvSpPr>
-          <p:cNvPr id="2" name="Slide Image Placeholder 1">
-            <a:extLst>
-              <a:ext uri="{FF2B5EF4-FFF2-40B4-BE49-F238E27FC236}">
-                <a16:creationId xmlns:a16="http://schemas.microsoft.com/office/drawing/2014/main" id="{E874874E-4C86-2C51-6F9C-570B0754173D}"/>
-              </a:ext>
-            </a:extLst>
-          </p:cNvPr>
-          <p:cNvSpPr>
-            <a:spLocks noGrp="1" noRot="1" noChangeAspect="1"/>
-          </p:cNvSpPr>
-          <p:nvPr>
-            <p:ph type="sldImg"/>
-          </p:nvPr>
-        </p:nvSpPr>
-        <p:spPr/>
-      </p:sp>
-      <p:sp>
-        <p:nvSpPr>
-          <p:cNvPr id="3" name="Notes Placeholder 2">
-            <a:extLst>
-              <a:ext uri="{FF2B5EF4-FFF2-40B4-BE49-F238E27FC236}">
-                <a16:creationId xmlns:a16="http://schemas.microsoft.com/office/drawing/2014/main" id="{82EFAFB3-CF4E-7185-A797-407E18CE56D3}"/>
-              </a:ext>
-            </a:extLst>
-          </p:cNvPr>
-          <p:cNvSpPr>
-            <a:spLocks noGrp="1"/>
-          </p:cNvSpPr>
-          <p:nvPr>
-            <p:ph type="body" idx="1"/>
-          </p:nvPr>
-        </p:nvSpPr>
-        <p:spPr/>
-        <p:txBody>
-          <a:bodyPr/>
-          <a:lstStyle/>
-          <a:p>
-            <a:r>
-              <a:rPr lang="en-US" dirty="0"/>
-              <a:t>We’ll start talking more about testing next time. </a:t>
-            </a:r>
-          </a:p>
-        </p:txBody>
-      </p:sp>
-      <p:sp>
-        <p:nvSpPr>
-          <p:cNvPr id="4" name="Slide Number Placeholder 3">
-            <a:extLst>
-              <a:ext uri="{FF2B5EF4-FFF2-40B4-BE49-F238E27FC236}">
-                <a16:creationId xmlns:a16="http://schemas.microsoft.com/office/drawing/2014/main" id="{78239B1F-E2F7-DED4-346F-DC3DB39AC0DF}"/>
-              </a:ext>
-            </a:extLst>
-          </p:cNvPr>
-          <p:cNvSpPr>
-            <a:spLocks noGrp="1"/>
-          </p:cNvSpPr>
-          <p:nvPr>
-            <p:ph type="sldNum" sz="quarter" idx="5"/>
-          </p:nvPr>
-        </p:nvSpPr>
-        <p:spPr/>
-        <p:txBody>
-          <a:bodyPr/>
-          <a:lstStyle/>
-          <a:p>
-            <a:fld id="{4AF79E1B-2C51-4B9B-8EA4-26DE9E345AFF}" type="slidenum">
-              <a:rPr lang="en-US" smtClean="0"/>
-              <a:t>74</a:t>
-            </a:fld>
-            <a:endParaRPr lang="en-US"/>
-          </a:p>
-        </p:txBody>
-      </p:sp>
-    </p:spTree>
-    <p:extLst>
-      <p:ext uri="{BB962C8B-B14F-4D97-AF65-F5344CB8AC3E}">
-        <p14:creationId xmlns:p14="http://schemas.microsoft.com/office/powerpoint/2010/main" val="535761932"/>
-      </p:ext>
-    </p:extLst>
-  </p:cSld>
-  <p:clrMapOvr>
-    <a:masterClrMapping/>
-  </p:clrMapOvr>
-</p:notes>
-</file>
-
-<file path=ppt/notesSlides/notesSlide75.xml><?xml version="1.0" encoding="utf-8"?>
-<p:notes xmlns:a="http://schemas.openxmlformats.org/drawingml/2006/main" xmlns:r="http://schemas.openxmlformats.org/officeDocument/2006/relationships" xmlns:p="http://schemas.openxmlformats.org/presentationml/2006/main">
-  <p:cSld>
-    <p:spTree>
-      <p:nvGrpSpPr>
-        <p:cNvPr id="1" name="">
-          <a:extLst>
-            <a:ext uri="{FF2B5EF4-FFF2-40B4-BE49-F238E27FC236}">
-              <a16:creationId xmlns:a16="http://schemas.microsoft.com/office/drawing/2014/main" id="{D84C8EE8-5584-3445-91AE-61BAA836201C}"/>
-            </a:ext>
-          </a:extLst>
-        </p:cNvPr>
-        <p:cNvGrpSpPr/>
-        <p:nvPr/>
-      </p:nvGrpSpPr>
-      <p:grpSpPr>
-        <a:xfrm>
-          <a:off x="0" y="0"/>
-          <a:ext cx="0" cy="0"/>
-          <a:chOff x="0" y="0"/>
-          <a:chExt cx="0" cy="0"/>
-        </a:xfrm>
-      </p:grpSpPr>
-      <p:sp>
-        <p:nvSpPr>
-          <p:cNvPr id="2" name="Slide Image Placeholder 1">
-            <a:extLst>
-              <a:ext uri="{FF2B5EF4-FFF2-40B4-BE49-F238E27FC236}">
-                <a16:creationId xmlns:a16="http://schemas.microsoft.com/office/drawing/2014/main" id="{3DBBE9E9-5D9A-22EC-650A-34A23CB714FA}"/>
-              </a:ext>
-            </a:extLst>
-          </p:cNvPr>
-          <p:cNvSpPr>
-            <a:spLocks noGrp="1" noRot="1" noChangeAspect="1"/>
-          </p:cNvSpPr>
-          <p:nvPr>
-            <p:ph type="sldImg"/>
-          </p:nvPr>
-        </p:nvSpPr>
-        <p:spPr/>
-      </p:sp>
-      <p:sp>
-        <p:nvSpPr>
-          <p:cNvPr id="3" name="Notes Placeholder 2">
-            <a:extLst>
-              <a:ext uri="{FF2B5EF4-FFF2-40B4-BE49-F238E27FC236}">
-                <a16:creationId xmlns:a16="http://schemas.microsoft.com/office/drawing/2014/main" id="{85E94E44-F2E2-C5E4-CF45-102051009750}"/>
-              </a:ext>
-            </a:extLst>
-          </p:cNvPr>
-          <p:cNvSpPr>
-            <a:spLocks noGrp="1"/>
-          </p:cNvSpPr>
-          <p:nvPr>
-            <p:ph type="body" idx="1"/>
-          </p:nvPr>
-        </p:nvSpPr>
-        <p:spPr/>
-        <p:txBody>
-          <a:bodyPr/>
-          <a:lstStyle/>
-          <a:p>
-            <a:r>
-              <a:rPr lang="en-US" dirty="0"/>
-              <a:t>Let’s play “spot the differences”. Why are they important?</a:t>
-            </a:r>
-          </a:p>
-        </p:txBody>
-      </p:sp>
-      <p:sp>
-        <p:nvSpPr>
-          <p:cNvPr id="4" name="Slide Number Placeholder 3">
-            <a:extLst>
-              <a:ext uri="{FF2B5EF4-FFF2-40B4-BE49-F238E27FC236}">
-                <a16:creationId xmlns:a16="http://schemas.microsoft.com/office/drawing/2014/main" id="{DED57040-E90B-663B-8D03-816419751B65}"/>
-              </a:ext>
-            </a:extLst>
-          </p:cNvPr>
-          <p:cNvSpPr>
-            <a:spLocks noGrp="1"/>
-          </p:cNvSpPr>
-          <p:nvPr>
-            <p:ph type="sldNum" sz="quarter" idx="5"/>
-          </p:nvPr>
-        </p:nvSpPr>
-        <p:spPr/>
-        <p:txBody>
-          <a:bodyPr/>
-          <a:lstStyle/>
-          <a:p>
-            <a:fld id="{4AF79E1B-2C51-4B9B-8EA4-26DE9E345AFF}" type="slidenum">
-              <a:rPr lang="en-US" smtClean="0"/>
-              <a:t>75</a:t>
-            </a:fld>
-            <a:endParaRPr lang="en-US"/>
-          </a:p>
-        </p:txBody>
-      </p:sp>
-    </p:spTree>
-    <p:extLst>
-      <p:ext uri="{BB962C8B-B14F-4D97-AF65-F5344CB8AC3E}">
-        <p14:creationId xmlns:p14="http://schemas.microsoft.com/office/powerpoint/2010/main" val="3820292365"/>
-      </p:ext>
-    </p:extLst>
-  </p:cSld>
-  <p:clrMapOvr>
-    <a:masterClrMapping/>
-  </p:clrMapOvr>
-</p:notes>
-</file>
-
-<file path=ppt/notesSlides/notesSlide76.xml><?xml version="1.0" encoding="utf-8"?>
-<p:notes xmlns:a="http://schemas.openxmlformats.org/drawingml/2006/main" xmlns:r="http://schemas.openxmlformats.org/officeDocument/2006/relationships" xmlns:p="http://schemas.openxmlformats.org/presentationml/2006/main">
-  <p:cSld>
-    <p:spTree>
-      <p:nvGrpSpPr>
-        <p:cNvPr id="1" name="">
-          <a:extLst>
-            <a:ext uri="{FF2B5EF4-FFF2-40B4-BE49-F238E27FC236}">
-              <a16:creationId xmlns:a16="http://schemas.microsoft.com/office/drawing/2014/main" id="{B2928222-684C-F716-1438-256E1A3A57A4}"/>
-            </a:ext>
-          </a:extLst>
-        </p:cNvPr>
-        <p:cNvGrpSpPr/>
-        <p:nvPr/>
-      </p:nvGrpSpPr>
-      <p:grpSpPr>
-        <a:xfrm>
-          <a:off x="0" y="0"/>
-          <a:ext cx="0" cy="0"/>
-          <a:chOff x="0" y="0"/>
-          <a:chExt cx="0" cy="0"/>
-        </a:xfrm>
-      </p:grpSpPr>
-      <p:sp>
-        <p:nvSpPr>
-          <p:cNvPr id="2" name="Slide Image Placeholder 1">
-            <a:extLst>
-              <a:ext uri="{FF2B5EF4-FFF2-40B4-BE49-F238E27FC236}">
-                <a16:creationId xmlns:a16="http://schemas.microsoft.com/office/drawing/2014/main" id="{C2429B9C-384F-B209-6A3E-A92E6FC5ABD4}"/>
-              </a:ext>
-            </a:extLst>
-          </p:cNvPr>
-          <p:cNvSpPr>
-            <a:spLocks noGrp="1" noRot="1" noChangeAspect="1"/>
-          </p:cNvSpPr>
-          <p:nvPr>
-            <p:ph type="sldImg"/>
-          </p:nvPr>
-        </p:nvSpPr>
-        <p:spPr/>
-      </p:sp>
-      <p:sp>
-        <p:nvSpPr>
-          <p:cNvPr id="3" name="Notes Placeholder 2">
-            <a:extLst>
-              <a:ext uri="{FF2B5EF4-FFF2-40B4-BE49-F238E27FC236}">
-                <a16:creationId xmlns:a16="http://schemas.microsoft.com/office/drawing/2014/main" id="{572BCD03-1DE0-BC65-5F40-C9F0D81D7D68}"/>
-              </a:ext>
-            </a:extLst>
-          </p:cNvPr>
-          <p:cNvSpPr>
-            <a:spLocks noGrp="1"/>
-          </p:cNvSpPr>
-          <p:nvPr>
-            <p:ph type="body" idx="1"/>
-          </p:nvPr>
-        </p:nvSpPr>
-        <p:spPr/>
-        <p:txBody>
-          <a:bodyPr/>
-          <a:lstStyle/>
-          <a:p>
-            <a:endParaRPr lang="en-US" dirty="0"/>
-          </a:p>
-        </p:txBody>
-      </p:sp>
-      <p:sp>
-        <p:nvSpPr>
-          <p:cNvPr id="4" name="Slide Number Placeholder 3">
-            <a:extLst>
-              <a:ext uri="{FF2B5EF4-FFF2-40B4-BE49-F238E27FC236}">
-                <a16:creationId xmlns:a16="http://schemas.microsoft.com/office/drawing/2014/main" id="{83060462-587A-5003-95FF-4435C67EAF53}"/>
-              </a:ext>
-            </a:extLst>
-          </p:cNvPr>
-          <p:cNvSpPr>
-            <a:spLocks noGrp="1"/>
-          </p:cNvSpPr>
-          <p:nvPr>
-            <p:ph type="sldNum" sz="quarter" idx="5"/>
-          </p:nvPr>
-        </p:nvSpPr>
-        <p:spPr/>
-        <p:txBody>
-          <a:bodyPr/>
-          <a:lstStyle/>
-          <a:p>
-            <a:fld id="{4AF79E1B-2C51-4B9B-8EA4-26DE9E345AFF}" type="slidenum">
-              <a:rPr lang="en-US" smtClean="0"/>
-              <a:t>82</a:t>
-            </a:fld>
-            <a:endParaRPr lang="en-US"/>
-          </a:p>
-        </p:txBody>
-      </p:sp>
-    </p:spTree>
-    <p:extLst>
-      <p:ext uri="{BB962C8B-B14F-4D97-AF65-F5344CB8AC3E}">
-        <p14:creationId xmlns:p14="http://schemas.microsoft.com/office/powerpoint/2010/main" val="726465519"/>
-      </p:ext>
-    </p:extLst>
-  </p:cSld>
-  <p:clrMapOvr>
-    <a:masterClrMapping/>
-  </p:clrMapOvr>
-</p:notes>
-</file>
-
-<file path=ppt/notesSlides/notesSlide77.xml><?xml version="1.0" encoding="utf-8"?>
-<p:notes xmlns:a="http://schemas.openxmlformats.org/drawingml/2006/main" xmlns:r="http://schemas.openxmlformats.org/officeDocument/2006/relationships" xmlns:p="http://schemas.openxmlformats.org/presentationml/2006/main">
-  <p:cSld>
-    <p:spTree>
-      <p:nvGrpSpPr>
-        <p:cNvPr id="1" name=""/>
-        <p:cNvGrpSpPr/>
-        <p:nvPr/>
-      </p:nvGrpSpPr>
-      <p:grpSpPr>
-        <a:xfrm>
-          <a:off x="0" y="0"/>
-          <a:ext cx="0" cy="0"/>
-          <a:chOff x="0" y="0"/>
-          <a:chExt cx="0" cy="0"/>
-        </a:xfrm>
-      </p:grpSpPr>
-      <p:sp>
-        <p:nvSpPr>
-          <p:cNvPr id="2" name="Slide Image Placeholder 1"/>
-          <p:cNvSpPr>
-            <a:spLocks noGrp="1" noRot="1" noChangeAspect="1"/>
-          </p:cNvSpPr>
-          <p:nvPr>
-            <p:ph type="sldImg"/>
-          </p:nvPr>
-        </p:nvSpPr>
-        <p:spPr/>
-      </p:sp>
-      <p:sp>
-        <p:nvSpPr>
-          <p:cNvPr id="3" name="Notes Placeholder 2"/>
-          <p:cNvSpPr>
-            <a:spLocks noGrp="1"/>
-          </p:cNvSpPr>
-          <p:nvPr>
-            <p:ph type="body" idx="1"/>
-          </p:nvPr>
-        </p:nvSpPr>
-        <p:spPr/>
-        <p:txBody>
-          <a:bodyPr/>
-          <a:lstStyle/>
-          <a:p>
-            <a:pPr marL="0" indent="0">
-              <a:buFont typeface="Arial" panose="020B0604020202020204" pitchFamily="34" charset="0"/>
-              <a:buNone/>
-            </a:pPr>
-            <a:endParaRPr lang="en-CA" dirty="0"/>
-          </a:p>
-        </p:txBody>
-      </p:sp>
-      <p:sp>
-        <p:nvSpPr>
-          <p:cNvPr id="4" name="Slide Number Placeholder 3"/>
-          <p:cNvSpPr>
-            <a:spLocks noGrp="1"/>
-          </p:cNvSpPr>
-          <p:nvPr>
-            <p:ph type="sldNum" sz="quarter" idx="5"/>
-          </p:nvPr>
-        </p:nvSpPr>
-        <p:spPr/>
-        <p:txBody>
-          <a:bodyPr/>
-          <a:lstStyle/>
-          <a:p>
-            <a:fld id="{4AF79E1B-2C51-4B9B-8EA4-26DE9E345AFF}" type="slidenum">
-              <a:rPr lang="en-US" smtClean="0"/>
-              <a:t>83</a:t>
-            </a:fld>
-            <a:endParaRPr lang="en-US"/>
-          </a:p>
-        </p:txBody>
-      </p:sp>
-    </p:spTree>
-    <p:extLst>
-      <p:ext uri="{BB962C8B-B14F-4D97-AF65-F5344CB8AC3E}">
-        <p14:creationId xmlns:p14="http://schemas.microsoft.com/office/powerpoint/2010/main" val="2068749097"/>
       </p:ext>
     </p:extLst>
   </p:cSld>
@@ -24754,2214 +23948,6 @@
   <p:cSld>
     <p:spTree>
       <p:nvGrpSpPr>
-        <p:cNvPr id="1" name=""/>
-        <p:cNvGrpSpPr/>
-        <p:nvPr/>
-      </p:nvGrpSpPr>
-      <p:grpSpPr>
-        <a:xfrm>
-          <a:off x="0" y="0"/>
-          <a:ext cx="0" cy="0"/>
-          <a:chOff x="0" y="0"/>
-          <a:chExt cx="0" cy="0"/>
-        </a:xfrm>
-      </p:grpSpPr>
-      <p:sp>
-        <p:nvSpPr>
-          <p:cNvPr id="2" name="Title 1">
-            <a:extLst>
-              <a:ext uri="{FF2B5EF4-FFF2-40B4-BE49-F238E27FC236}">
-                <a16:creationId xmlns:a16="http://schemas.microsoft.com/office/drawing/2014/main" id="{F6693EDF-660D-4391-A114-A6C54268E445}"/>
-              </a:ext>
-            </a:extLst>
-          </p:cNvPr>
-          <p:cNvSpPr>
-            <a:spLocks noGrp="1"/>
-          </p:cNvSpPr>
-          <p:nvPr>
-            <p:ph type="ctrTitle"/>
-          </p:nvPr>
-        </p:nvSpPr>
-        <p:spPr>
-          <a:xfrm>
-            <a:off x="1261872" y="758952"/>
-            <a:ext cx="10549128" cy="4041648"/>
-          </a:xfrm>
-        </p:spPr>
-        <p:txBody>
-          <a:bodyPr/>
-          <a:lstStyle/>
-          <a:p>
-            <a:r>
-              <a:rPr lang="en-US" dirty="0"/>
-              <a:t>Correlations, Covariances,</a:t>
-            </a:r>
-            <a:br>
-              <a:rPr lang="en-US" dirty="0"/>
-            </a:br>
-            <a:r>
-              <a:rPr lang="en-US" dirty="0"/>
-              <a:t>&amp; Causation </a:t>
-            </a:r>
-            <a:r>
-              <a:rPr lang="en-US" sz="4000" dirty="0"/>
-              <a:t>(oh my!)</a:t>
-            </a:r>
-            <a:endParaRPr lang="en-US" dirty="0"/>
-          </a:p>
-        </p:txBody>
-      </p:sp>
-      <p:sp>
-        <p:nvSpPr>
-          <p:cNvPr id="3" name="Subtitle 2">
-            <a:extLst>
-              <a:ext uri="{FF2B5EF4-FFF2-40B4-BE49-F238E27FC236}">
-                <a16:creationId xmlns:a16="http://schemas.microsoft.com/office/drawing/2014/main" id="{9A7FADE3-4D7C-4B3A-B023-71CD85AECCCB}"/>
-              </a:ext>
-            </a:extLst>
-          </p:cNvPr>
-          <p:cNvSpPr>
-            <a:spLocks noGrp="1"/>
-          </p:cNvSpPr>
-          <p:nvPr>
-            <p:ph type="subTitle" idx="1"/>
-          </p:nvPr>
-        </p:nvSpPr>
-        <p:spPr/>
-        <p:txBody>
-          <a:bodyPr>
-            <a:normAutofit/>
-          </a:bodyPr>
-          <a:lstStyle/>
-          <a:p>
-            <a:endParaRPr lang="en-US" sz="4400" dirty="0"/>
-          </a:p>
-        </p:txBody>
-      </p:sp>
-    </p:spTree>
-    <p:extLst>
-      <p:ext uri="{BB962C8B-B14F-4D97-AF65-F5344CB8AC3E}">
-        <p14:creationId xmlns:p14="http://schemas.microsoft.com/office/powerpoint/2010/main" val="3539596624"/>
-      </p:ext>
-    </p:extLst>
-  </p:cSld>
-  <p:clrMapOvr>
-    <a:masterClrMapping/>
-  </p:clrMapOvr>
-</p:sld>
-</file>
-
-<file path=ppt/slides/slide55.xml><?xml version="1.0" encoding="utf-8"?>
-<p:sld xmlns:a="http://schemas.openxmlformats.org/drawingml/2006/main" xmlns:r="http://schemas.openxmlformats.org/officeDocument/2006/relationships" xmlns:p="http://schemas.openxmlformats.org/presentationml/2006/main">
-  <p:cSld>
-    <p:spTree>
-      <p:nvGrpSpPr>
-        <p:cNvPr id="1" name=""/>
-        <p:cNvGrpSpPr/>
-        <p:nvPr/>
-      </p:nvGrpSpPr>
-      <p:grpSpPr>
-        <a:xfrm>
-          <a:off x="0" y="0"/>
-          <a:ext cx="0" cy="0"/>
-          <a:chOff x="0" y="0"/>
-          <a:chExt cx="0" cy="0"/>
-        </a:xfrm>
-      </p:grpSpPr>
-      <p:pic>
-        <p:nvPicPr>
-          <p:cNvPr id="6" name="Picture 5">
-            <a:extLst>
-              <a:ext uri="{FF2B5EF4-FFF2-40B4-BE49-F238E27FC236}">
-                <a16:creationId xmlns:a16="http://schemas.microsoft.com/office/drawing/2014/main" id="{D52EF462-FB17-A276-ABD8-8BF211380803}"/>
-              </a:ext>
-            </a:extLst>
-          </p:cNvPr>
-          <p:cNvPicPr>
-            <a:picLocks noChangeAspect="1"/>
-          </p:cNvPicPr>
-          <p:nvPr/>
-        </p:nvPicPr>
-        <p:blipFill>
-          <a:blip r:embed="rId3"/>
-          <a:stretch>
-            <a:fillRect/>
-          </a:stretch>
-        </p:blipFill>
-        <p:spPr>
-          <a:xfrm>
-            <a:off x="457200" y="5667420"/>
-            <a:ext cx="7010400" cy="1439220"/>
-          </a:xfrm>
-          <a:prstGeom prst="rect">
-            <a:avLst/>
-          </a:prstGeom>
-        </p:spPr>
-      </p:pic>
-      <p:sp>
-        <p:nvSpPr>
-          <p:cNvPr id="2" name="Title 1"/>
-          <p:cNvSpPr>
-            <a:spLocks noGrp="1"/>
-          </p:cNvSpPr>
-          <p:nvPr>
-            <p:ph type="title"/>
-          </p:nvPr>
-        </p:nvSpPr>
-        <p:spPr>
-          <a:xfrm>
-            <a:off x="609600" y="337392"/>
-            <a:ext cx="9601200" cy="624840"/>
-          </a:xfrm>
-        </p:spPr>
-        <p:txBody>
-          <a:bodyPr>
-            <a:normAutofit fontScale="90000"/>
-          </a:bodyPr>
-          <a:lstStyle/>
-          <a:p>
-            <a:r>
-              <a:rPr lang="en-US" dirty="0">
-                <a:latin typeface="Times New Roman" panose="02020603050405020304" pitchFamily="18" charset="0"/>
-                <a:cs typeface="Times New Roman" panose="02020603050405020304" pitchFamily="18" charset="0"/>
-              </a:rPr>
-              <a:t>How much do your variables move together?</a:t>
-            </a:r>
-          </a:p>
-        </p:txBody>
-      </p:sp>
-      <p:sp>
-        <p:nvSpPr>
-          <p:cNvPr id="3" name="Content Placeholder 2"/>
-          <p:cNvSpPr>
-            <a:spLocks noGrp="1"/>
-          </p:cNvSpPr>
-          <p:nvPr>
-            <p:ph idx="1"/>
-          </p:nvPr>
-        </p:nvSpPr>
-        <p:spPr>
-          <a:xfrm>
-            <a:off x="609600" y="1066801"/>
-            <a:ext cx="10515600" cy="5141388"/>
-          </a:xfrm>
-        </p:spPr>
-        <p:txBody>
-          <a:bodyPr>
-            <a:noAutofit/>
-          </a:bodyPr>
-          <a:lstStyle/>
-          <a:p>
-            <a:pPr marL="0" indent="0">
-              <a:buNone/>
-            </a:pPr>
-            <a:r>
-              <a:rPr lang="en-US" sz="2400" dirty="0">
-                <a:cs typeface="Times New Roman" panose="02020603050405020304" pitchFamily="18" charset="0"/>
-              </a:rPr>
-              <a:t>Just as we calculate variance, we can also measure the way two variables </a:t>
-            </a:r>
-            <a:r>
-              <a:rPr lang="en-US" sz="2400" b="1" dirty="0">
-                <a:cs typeface="Times New Roman" panose="02020603050405020304" pitchFamily="18" charset="0"/>
-              </a:rPr>
-              <a:t>co-move</a:t>
-            </a:r>
-            <a:endParaRPr lang="en-US" sz="2400" dirty="0">
-              <a:cs typeface="Times New Roman" panose="02020603050405020304" pitchFamily="18" charset="0"/>
-            </a:endParaRPr>
-          </a:p>
-        </p:txBody>
-      </p:sp>
-      <p:pic>
-        <p:nvPicPr>
-          <p:cNvPr id="5" name="Picture 4">
-            <a:extLst>
-              <a:ext uri="{FF2B5EF4-FFF2-40B4-BE49-F238E27FC236}">
-                <a16:creationId xmlns:a16="http://schemas.microsoft.com/office/drawing/2014/main" id="{B7B3CB10-A79E-020B-810F-8F7B008D9E0A}"/>
-              </a:ext>
-            </a:extLst>
-          </p:cNvPr>
-          <p:cNvPicPr>
-            <a:picLocks noChangeAspect="1"/>
-          </p:cNvPicPr>
-          <p:nvPr/>
-        </p:nvPicPr>
-        <p:blipFill>
-          <a:blip r:embed="rId4"/>
-          <a:stretch>
-            <a:fillRect/>
-          </a:stretch>
-        </p:blipFill>
-        <p:spPr>
-          <a:xfrm>
-            <a:off x="609600" y="1919825"/>
-            <a:ext cx="4800600" cy="3614181"/>
-          </a:xfrm>
-          <a:prstGeom prst="rect">
-            <a:avLst/>
-          </a:prstGeom>
-        </p:spPr>
-      </p:pic>
-    </p:spTree>
-    <p:extLst>
-      <p:ext uri="{BB962C8B-B14F-4D97-AF65-F5344CB8AC3E}">
-        <p14:creationId xmlns:p14="http://schemas.microsoft.com/office/powerpoint/2010/main" val="272068547"/>
-      </p:ext>
-    </p:extLst>
-  </p:cSld>
-  <p:clrMapOvr>
-    <a:masterClrMapping/>
-  </p:clrMapOvr>
-</p:sld>
-</file>
-
-<file path=ppt/slides/slide56.xml><?xml version="1.0" encoding="utf-8"?>
-<p:sld xmlns:a="http://schemas.openxmlformats.org/drawingml/2006/main" xmlns:r="http://schemas.openxmlformats.org/officeDocument/2006/relationships" xmlns:p="http://schemas.openxmlformats.org/presentationml/2006/main">
-  <p:cSld>
-    <p:spTree>
-      <p:nvGrpSpPr>
-        <p:cNvPr id="1" name="">
-          <a:extLst>
-            <a:ext uri="{FF2B5EF4-FFF2-40B4-BE49-F238E27FC236}">
-              <a16:creationId xmlns:a16="http://schemas.microsoft.com/office/drawing/2014/main" id="{F3E28546-9A5E-8665-826B-55CC5CFCA92E}"/>
-            </a:ext>
-          </a:extLst>
-        </p:cNvPr>
-        <p:cNvGrpSpPr/>
-        <p:nvPr/>
-      </p:nvGrpSpPr>
-      <p:grpSpPr>
-        <a:xfrm>
-          <a:off x="0" y="0"/>
-          <a:ext cx="0" cy="0"/>
-          <a:chOff x="0" y="0"/>
-          <a:chExt cx="0" cy="0"/>
-        </a:xfrm>
-      </p:grpSpPr>
-      <p:sp>
-        <p:nvSpPr>
-          <p:cNvPr id="2" name="Title 1">
-            <a:extLst>
-              <a:ext uri="{FF2B5EF4-FFF2-40B4-BE49-F238E27FC236}">
-                <a16:creationId xmlns:a16="http://schemas.microsoft.com/office/drawing/2014/main" id="{959A2FED-9B96-2D58-0224-8C0987B422E6}"/>
-              </a:ext>
-            </a:extLst>
-          </p:cNvPr>
-          <p:cNvSpPr>
-            <a:spLocks noGrp="1"/>
-          </p:cNvSpPr>
-          <p:nvPr>
-            <p:ph type="title"/>
-          </p:nvPr>
-        </p:nvSpPr>
-        <p:spPr>
-          <a:xfrm>
-            <a:off x="609600" y="337392"/>
-            <a:ext cx="9601200" cy="624840"/>
-          </a:xfrm>
-        </p:spPr>
-        <p:txBody>
-          <a:bodyPr>
-            <a:normAutofit fontScale="90000"/>
-          </a:bodyPr>
-          <a:lstStyle/>
-          <a:p>
-            <a:r>
-              <a:rPr lang="en-US" dirty="0">
-                <a:latin typeface="Times New Roman" panose="02020603050405020304" pitchFamily="18" charset="0"/>
-                <a:cs typeface="Times New Roman" panose="02020603050405020304" pitchFamily="18" charset="0"/>
-              </a:rPr>
-              <a:t>Covariances &amp; Correlations</a:t>
-            </a:r>
-          </a:p>
-        </p:txBody>
-      </p:sp>
-      <mc:AlternateContent xmlns:mc="http://schemas.openxmlformats.org/markup-compatibility/2006" xmlns:a14="http://schemas.microsoft.com/office/drawing/2010/main">
-        <mc:Choice Requires="a14">
-          <p:sp>
-            <p:nvSpPr>
-              <p:cNvPr id="3" name="Content Placeholder 2">
-                <a:extLst>
-                  <a:ext uri="{FF2B5EF4-FFF2-40B4-BE49-F238E27FC236}">
-                    <a16:creationId xmlns:a16="http://schemas.microsoft.com/office/drawing/2014/main" id="{FED1DCDC-F961-AD87-3C68-AA9B05BBF2F3}"/>
-                  </a:ext>
-                </a:extLst>
-              </p:cNvPr>
-              <p:cNvSpPr>
-                <a:spLocks noGrp="1"/>
-              </p:cNvSpPr>
-              <p:nvPr>
-                <p:ph idx="1"/>
-              </p:nvPr>
-            </p:nvSpPr>
-            <p:spPr>
-              <a:xfrm>
-                <a:off x="609600" y="1066801"/>
-                <a:ext cx="10210800" cy="5141388"/>
-              </a:xfrm>
-            </p:spPr>
-            <p:txBody>
-              <a:bodyPr>
-                <a:noAutofit/>
-              </a:bodyPr>
-              <a:lstStyle/>
-              <a:p>
-                <a:pPr marL="0" indent="0">
-                  <a:buNone/>
-                </a:pPr>
-                <a:r>
-                  <a:rPr lang="en-US" sz="2400" dirty="0">
-                    <a:cs typeface="Times New Roman" panose="02020603050405020304" pitchFamily="18" charset="0"/>
-                  </a:rPr>
-                  <a:t>How do we make sense of the relationships between variables? </a:t>
-                </a:r>
-              </a:p>
-              <a:p>
-                <a:pPr marL="0" indent="0">
-                  <a:buNone/>
-                </a:pPr>
-                <a:r>
-                  <a:rPr lang="en-US" sz="2400" dirty="0">
-                    <a:cs typeface="Times New Roman" panose="02020603050405020304" pitchFamily="18" charset="0"/>
-                  </a:rPr>
-                  <a:t>Variables can be </a:t>
-                </a:r>
-                <a:r>
-                  <a:rPr lang="en-US" sz="2400" b="1" dirty="0">
-                    <a:cs typeface="Times New Roman" panose="02020603050405020304" pitchFamily="18" charset="0"/>
-                  </a:rPr>
-                  <a:t>independent </a:t>
-                </a:r>
-                <a:r>
-                  <a:rPr lang="en-US" sz="2400" dirty="0">
-                    <a:cs typeface="Times New Roman" panose="02020603050405020304" pitchFamily="18" charset="0"/>
-                  </a:rPr>
-                  <a:t>(uncorrelated) if one contains no information of the other. Formally: </a:t>
-                </a:r>
-              </a:p>
-              <a:p>
-                <a:pPr marL="0" indent="0">
-                  <a:buNone/>
-                </a:pPr>
-                <a14:m>
-                  <m:oMathPara xmlns:m="http://schemas.openxmlformats.org/officeDocument/2006/math">
-                    <m:oMathParaPr>
-                      <m:jc m:val="centerGroup"/>
-                    </m:oMathParaPr>
-                    <m:oMath xmlns:m="http://schemas.openxmlformats.org/officeDocument/2006/math">
-                      <m:func>
-                        <m:funcPr>
-                          <m:ctrlPr>
-                            <a:rPr lang="en-US" sz="2400" b="0" i="1" smtClean="0">
-                              <a:latin typeface="Cambria Math" panose="02040503050406030204" pitchFamily="18" charset="0"/>
-                              <a:cs typeface="Times New Roman" panose="02020603050405020304" pitchFamily="18" charset="0"/>
-                            </a:rPr>
-                          </m:ctrlPr>
-                        </m:funcPr>
-                        <m:fName>
-                          <m:r>
-                            <a:rPr lang="en-US" sz="2400" b="0" i="1" smtClean="0">
-                              <a:latin typeface="Cambria Math" panose="02040503050406030204" pitchFamily="18" charset="0"/>
-                              <a:cs typeface="Times New Roman" panose="02020603050405020304" pitchFamily="18" charset="0"/>
-                            </a:rPr>
-                            <m:t>𝔼</m:t>
-                          </m:r>
-                          <m:d>
-                            <m:dPr>
-                              <m:begChr m:val="["/>
-                              <m:endChr m:val="]"/>
-                              <m:ctrlPr>
-                                <a:rPr lang="en-US" sz="2400" b="0" i="1" smtClean="0">
-                                  <a:latin typeface="Cambria Math" panose="02040503050406030204" pitchFamily="18" charset="0"/>
-                                  <a:cs typeface="Times New Roman" panose="02020603050405020304" pitchFamily="18" charset="0"/>
-                                </a:rPr>
-                              </m:ctrlPr>
-                            </m:dPr>
-                            <m:e>
-                              <m:r>
-                                <a:rPr lang="en-US" sz="2400" b="0" i="1" smtClean="0">
-                                  <a:latin typeface="Cambria Math" panose="02040503050406030204" pitchFamily="18" charset="0"/>
-                                  <a:cs typeface="Times New Roman" panose="02020603050405020304" pitchFamily="18" charset="0"/>
-                                </a:rPr>
-                                <m:t>𝑋</m:t>
-                              </m:r>
-                              <m:r>
-                                <a:rPr lang="en-US" sz="2400" b="0" i="1" smtClean="0">
-                                  <a:latin typeface="Cambria Math" panose="02040503050406030204" pitchFamily="18" charset="0"/>
-                                  <a:cs typeface="Times New Roman" panose="02020603050405020304" pitchFamily="18" charset="0"/>
-                                </a:rPr>
-                                <m:t>⋅</m:t>
-                              </m:r>
-                              <m:r>
-                                <a:rPr lang="en-US" sz="2400" b="0" i="1" smtClean="0">
-                                  <a:latin typeface="Cambria Math" panose="02040503050406030204" pitchFamily="18" charset="0"/>
-                                  <a:cs typeface="Times New Roman" panose="02020603050405020304" pitchFamily="18" charset="0"/>
-                                </a:rPr>
-                                <m:t>𝑌</m:t>
-                              </m:r>
-                            </m:e>
-                          </m:d>
-                          <m:r>
-                            <a:rPr lang="en-US" sz="2400" b="0" i="1" smtClean="0">
-                              <a:latin typeface="Cambria Math" panose="02040503050406030204" pitchFamily="18" charset="0"/>
-                              <a:cs typeface="Times New Roman" panose="02020603050405020304" pitchFamily="18" charset="0"/>
-                            </a:rPr>
-                            <m:t>=</m:t>
-                          </m:r>
-                          <m:r>
-                            <m:rPr>
-                              <m:sty m:val="p"/>
-                            </m:rPr>
-                            <a:rPr lang="en-US" sz="2400" b="0" i="0" smtClean="0">
-                              <a:latin typeface="Cambria Math" panose="02040503050406030204" pitchFamily="18" charset="0"/>
-                              <a:cs typeface="Times New Roman" panose="02020603050405020304" pitchFamily="18" charset="0"/>
-                            </a:rPr>
-                            <m:t>Pr</m:t>
-                          </m:r>
-                        </m:fName>
-                        <m:e>
-                          <m:d>
-                            <m:dPr>
-                              <m:ctrlPr>
-                                <a:rPr lang="en-US" sz="2400" b="0" i="1" smtClean="0">
-                                  <a:latin typeface="Cambria Math" panose="02040503050406030204" pitchFamily="18" charset="0"/>
-                                  <a:cs typeface="Times New Roman" panose="02020603050405020304" pitchFamily="18" charset="0"/>
-                                </a:rPr>
-                              </m:ctrlPr>
-                            </m:dPr>
-                            <m:e>
-                              <m:r>
-                                <a:rPr lang="en-US" sz="2400" b="0" i="1" smtClean="0">
-                                  <a:latin typeface="Cambria Math" panose="02040503050406030204" pitchFamily="18" charset="0"/>
-                                  <a:cs typeface="Times New Roman" panose="02020603050405020304" pitchFamily="18" charset="0"/>
-                                </a:rPr>
-                                <m:t>𝑋</m:t>
-                              </m:r>
-                              <m:r>
-                                <a:rPr lang="en-US" sz="2400" b="0" i="1" smtClean="0">
-                                  <a:latin typeface="Cambria Math" panose="02040503050406030204" pitchFamily="18" charset="0"/>
-                                  <a:cs typeface="Times New Roman" panose="02020603050405020304" pitchFamily="18" charset="0"/>
-                                </a:rPr>
-                                <m:t> </m:t>
-                              </m:r>
-                              <m:r>
-                                <a:rPr lang="en-US" sz="2400" b="0" i="1" smtClean="0">
-                                  <a:latin typeface="Cambria Math" panose="02040503050406030204" pitchFamily="18" charset="0"/>
-                                  <a:cs typeface="Times New Roman" panose="02020603050405020304" pitchFamily="18" charset="0"/>
-                                </a:rPr>
-                                <m:t>𝑎𝑛𝑑</m:t>
-                              </m:r>
-                              <m:r>
-                                <a:rPr lang="en-US" sz="2400" b="0" i="1" smtClean="0">
-                                  <a:latin typeface="Cambria Math" panose="02040503050406030204" pitchFamily="18" charset="0"/>
-                                  <a:cs typeface="Times New Roman" panose="02020603050405020304" pitchFamily="18" charset="0"/>
-                                </a:rPr>
-                                <m:t> </m:t>
-                              </m:r>
-                              <m:r>
-                                <a:rPr lang="en-US" sz="2400" b="0" i="1" smtClean="0">
-                                  <a:latin typeface="Cambria Math" panose="02040503050406030204" pitchFamily="18" charset="0"/>
-                                  <a:cs typeface="Times New Roman" panose="02020603050405020304" pitchFamily="18" charset="0"/>
-                                </a:rPr>
-                                <m:t>𝑌</m:t>
-                              </m:r>
-                            </m:e>
-                          </m:d>
-                        </m:e>
-                      </m:func>
-                      <m:r>
-                        <a:rPr lang="en-US" sz="2400" b="0" i="1" smtClean="0">
-                          <a:latin typeface="Cambria Math" panose="02040503050406030204" pitchFamily="18" charset="0"/>
-                          <a:cs typeface="Times New Roman" panose="02020603050405020304" pitchFamily="18" charset="0"/>
-                        </a:rPr>
-                        <m:t>=</m:t>
-                      </m:r>
-                      <m:func>
-                        <m:funcPr>
-                          <m:ctrlPr>
-                            <a:rPr lang="en-US" sz="2400" b="0" i="1" smtClean="0">
-                              <a:latin typeface="Cambria Math" panose="02040503050406030204" pitchFamily="18" charset="0"/>
-                              <a:cs typeface="Times New Roman" panose="02020603050405020304" pitchFamily="18" charset="0"/>
-                            </a:rPr>
-                          </m:ctrlPr>
-                        </m:funcPr>
-                        <m:fName>
-                          <m:r>
-                            <m:rPr>
-                              <m:sty m:val="p"/>
-                            </m:rPr>
-                            <a:rPr lang="en-US" sz="2400" b="0" i="0" smtClean="0">
-                              <a:latin typeface="Cambria Math" panose="02040503050406030204" pitchFamily="18" charset="0"/>
-                              <a:cs typeface="Times New Roman" panose="02020603050405020304" pitchFamily="18" charset="0"/>
-                            </a:rPr>
-                            <m:t>Pr</m:t>
-                          </m:r>
-                        </m:fName>
-                        <m:e>
-                          <m:d>
-                            <m:dPr>
-                              <m:ctrlPr>
-                                <a:rPr lang="en-US" sz="2400" b="0" i="1" smtClean="0">
-                                  <a:latin typeface="Cambria Math" panose="02040503050406030204" pitchFamily="18" charset="0"/>
-                                  <a:cs typeface="Times New Roman" panose="02020603050405020304" pitchFamily="18" charset="0"/>
-                                </a:rPr>
-                              </m:ctrlPr>
-                            </m:dPr>
-                            <m:e>
-                              <m:r>
-                                <a:rPr lang="en-US" sz="2400" b="0" i="1" smtClean="0">
-                                  <a:latin typeface="Cambria Math" panose="02040503050406030204" pitchFamily="18" charset="0"/>
-                                  <a:cs typeface="Times New Roman" panose="02020603050405020304" pitchFamily="18" charset="0"/>
-                                </a:rPr>
-                                <m:t>𝑋</m:t>
-                              </m:r>
-                            </m:e>
-                          </m:d>
-                        </m:e>
-                      </m:func>
-                      <m:r>
-                        <m:rPr>
-                          <m:sty m:val="p"/>
-                        </m:rPr>
-                        <a:rPr lang="en-US" sz="2400" b="0" i="0" smtClean="0">
-                          <a:latin typeface="Cambria Math" panose="02040503050406030204" pitchFamily="18" charset="0"/>
-                          <a:cs typeface="Times New Roman" panose="02020603050405020304" pitchFamily="18" charset="0"/>
-                        </a:rPr>
-                        <m:t>Pr</m:t>
-                      </m:r>
-                      <m:r>
-                        <a:rPr lang="en-US" sz="2400" b="0" i="1" smtClean="0">
-                          <a:latin typeface="Cambria Math" panose="02040503050406030204" pitchFamily="18" charset="0"/>
-                          <a:cs typeface="Times New Roman" panose="02020603050405020304" pitchFamily="18" charset="0"/>
-                        </a:rPr>
-                        <m:t>⁡(</m:t>
-                      </m:r>
-                      <m:r>
-                        <a:rPr lang="en-US" sz="2400" b="0" i="1" smtClean="0">
-                          <a:latin typeface="Cambria Math" panose="02040503050406030204" pitchFamily="18" charset="0"/>
-                          <a:cs typeface="Times New Roman" panose="02020603050405020304" pitchFamily="18" charset="0"/>
-                        </a:rPr>
-                        <m:t>𝑌</m:t>
-                      </m:r>
-                      <m:r>
-                        <a:rPr lang="en-US" sz="2400" b="0" i="1" smtClean="0">
-                          <a:latin typeface="Cambria Math" panose="02040503050406030204" pitchFamily="18" charset="0"/>
-                          <a:cs typeface="Times New Roman" panose="02020603050405020304" pitchFamily="18" charset="0"/>
-                        </a:rPr>
-                        <m:t>)</m:t>
-                      </m:r>
-                    </m:oMath>
-                  </m:oMathPara>
-                </a14:m>
-                <a:endParaRPr lang="en-US" sz="2400" dirty="0">
-                  <a:cs typeface="Times New Roman" panose="02020603050405020304" pitchFamily="18" charset="0"/>
-                </a:endParaRPr>
-              </a:p>
-            </p:txBody>
-          </p:sp>
-        </mc:Choice>
-        <mc:Fallback xmlns="">
-          <p:sp>
-            <p:nvSpPr>
-              <p:cNvPr id="3" name="Content Placeholder 2">
-                <a:extLst>
-                  <a:ext uri="{FF2B5EF4-FFF2-40B4-BE49-F238E27FC236}">
-                    <a16:creationId xmlns:a16="http://schemas.microsoft.com/office/drawing/2014/main" id="{FED1DCDC-F961-AD87-3C68-AA9B05BBF2F3}"/>
-                  </a:ext>
-                </a:extLst>
-              </p:cNvPr>
-              <p:cNvSpPr>
-                <a:spLocks noGrp="1" noRot="1" noChangeAspect="1" noMove="1" noResize="1" noEditPoints="1" noAdjustHandles="1" noChangeArrowheads="1" noChangeShapeType="1" noTextEdit="1"/>
-              </p:cNvSpPr>
-              <p:nvPr>
-                <p:ph idx="1"/>
-              </p:nvPr>
-            </p:nvSpPr>
-            <p:spPr>
-              <a:xfrm>
-                <a:off x="609600" y="1066801"/>
-                <a:ext cx="10210800" cy="5141388"/>
-              </a:xfrm>
-              <a:blipFill>
-                <a:blip r:embed="rId3"/>
-                <a:stretch>
-                  <a:fillRect l="-896" t="-1305"/>
-                </a:stretch>
-              </a:blipFill>
-            </p:spPr>
-            <p:txBody>
-              <a:bodyPr/>
-              <a:lstStyle/>
-              <a:p>
-                <a:r>
-                  <a:rPr lang="en-US">
-                    <a:noFill/>
-                  </a:rPr>
-                  <a:t> </a:t>
-                </a:r>
-              </a:p>
-            </p:txBody>
-          </p:sp>
-        </mc:Fallback>
-      </mc:AlternateContent>
-    </p:spTree>
-    <p:extLst>
-      <p:ext uri="{BB962C8B-B14F-4D97-AF65-F5344CB8AC3E}">
-        <p14:creationId xmlns:p14="http://schemas.microsoft.com/office/powerpoint/2010/main" val="1416653449"/>
-      </p:ext>
-    </p:extLst>
-  </p:cSld>
-  <p:clrMapOvr>
-    <a:masterClrMapping/>
-  </p:clrMapOvr>
-</p:sld>
-</file>
-
-<file path=ppt/slides/slide57.xml><?xml version="1.0" encoding="utf-8"?>
-<p:sld xmlns:a="http://schemas.openxmlformats.org/drawingml/2006/main" xmlns:r="http://schemas.openxmlformats.org/officeDocument/2006/relationships" xmlns:p="http://schemas.openxmlformats.org/presentationml/2006/main">
-  <p:cSld>
-    <p:spTree>
-      <p:nvGrpSpPr>
-        <p:cNvPr id="1" name="">
-          <a:extLst>
-            <a:ext uri="{FF2B5EF4-FFF2-40B4-BE49-F238E27FC236}">
-              <a16:creationId xmlns:a16="http://schemas.microsoft.com/office/drawing/2014/main" id="{1CCF1217-9DCB-9A5E-D9DD-75FCA232AF7C}"/>
-            </a:ext>
-          </a:extLst>
-        </p:cNvPr>
-        <p:cNvGrpSpPr/>
-        <p:nvPr/>
-      </p:nvGrpSpPr>
-      <p:grpSpPr>
-        <a:xfrm>
-          <a:off x="0" y="0"/>
-          <a:ext cx="0" cy="0"/>
-          <a:chOff x="0" y="0"/>
-          <a:chExt cx="0" cy="0"/>
-        </a:xfrm>
-      </p:grpSpPr>
-      <p:sp>
-        <p:nvSpPr>
-          <p:cNvPr id="2" name="Title 1">
-            <a:extLst>
-              <a:ext uri="{FF2B5EF4-FFF2-40B4-BE49-F238E27FC236}">
-                <a16:creationId xmlns:a16="http://schemas.microsoft.com/office/drawing/2014/main" id="{421B3C0B-E045-CCFA-8B0B-7296383CBF03}"/>
-              </a:ext>
-            </a:extLst>
-          </p:cNvPr>
-          <p:cNvSpPr>
-            <a:spLocks noGrp="1"/>
-          </p:cNvSpPr>
-          <p:nvPr>
-            <p:ph type="title"/>
-          </p:nvPr>
-        </p:nvSpPr>
-        <p:spPr>
-          <a:xfrm>
-            <a:off x="609600" y="337392"/>
-            <a:ext cx="9601200" cy="624840"/>
-          </a:xfrm>
-        </p:spPr>
-        <p:txBody>
-          <a:bodyPr>
-            <a:normAutofit fontScale="90000"/>
-          </a:bodyPr>
-          <a:lstStyle/>
-          <a:p>
-            <a:r>
-              <a:rPr lang="en-US" dirty="0">
-                <a:latin typeface="Times New Roman" panose="02020603050405020304" pitchFamily="18" charset="0"/>
-                <a:cs typeface="Times New Roman" panose="02020603050405020304" pitchFamily="18" charset="0"/>
-              </a:rPr>
-              <a:t>Covariances &amp; Correlations</a:t>
-            </a:r>
-          </a:p>
-        </p:txBody>
-      </p:sp>
-      <mc:AlternateContent xmlns:mc="http://schemas.openxmlformats.org/markup-compatibility/2006" xmlns:a14="http://schemas.microsoft.com/office/drawing/2010/main">
-        <mc:Choice Requires="a14">
-          <p:sp>
-            <p:nvSpPr>
-              <p:cNvPr id="3" name="Content Placeholder 2">
-                <a:extLst>
-                  <a:ext uri="{FF2B5EF4-FFF2-40B4-BE49-F238E27FC236}">
-                    <a16:creationId xmlns:a16="http://schemas.microsoft.com/office/drawing/2014/main" id="{FB126BEB-6AB1-DBDA-E869-F98E35A177C9}"/>
-                  </a:ext>
-                </a:extLst>
-              </p:cNvPr>
-              <p:cNvSpPr>
-                <a:spLocks noGrp="1"/>
-              </p:cNvSpPr>
-              <p:nvPr>
-                <p:ph idx="1"/>
-              </p:nvPr>
-            </p:nvSpPr>
-            <p:spPr>
-              <a:xfrm>
-                <a:off x="609600" y="1066801"/>
-                <a:ext cx="10210800" cy="5141388"/>
-              </a:xfrm>
-            </p:spPr>
-            <p:txBody>
-              <a:bodyPr>
-                <a:noAutofit/>
-              </a:bodyPr>
-              <a:lstStyle/>
-              <a:p>
-                <a:pPr marL="0" indent="0">
-                  <a:buNone/>
-                </a:pPr>
-                <a:r>
-                  <a:rPr lang="en-US" sz="2400" dirty="0">
-                    <a:cs typeface="Times New Roman" panose="02020603050405020304" pitchFamily="18" charset="0"/>
-                  </a:rPr>
-                  <a:t>How do we make sense of the relationships between variables? </a:t>
-                </a:r>
-              </a:p>
-              <a:p>
-                <a:pPr marL="0" indent="0">
-                  <a:buNone/>
-                </a:pPr>
-                <a:r>
-                  <a:rPr lang="en-US" sz="2400" dirty="0">
-                    <a:cs typeface="Times New Roman" panose="02020603050405020304" pitchFamily="18" charset="0"/>
-                  </a:rPr>
-                  <a:t>Variables can be </a:t>
-                </a:r>
-                <a:r>
-                  <a:rPr lang="en-US" sz="2400" b="1" dirty="0">
-                    <a:cs typeface="Times New Roman" panose="02020603050405020304" pitchFamily="18" charset="0"/>
-                  </a:rPr>
-                  <a:t>independent </a:t>
-                </a:r>
-                <a:r>
-                  <a:rPr lang="en-US" sz="2400" dirty="0">
-                    <a:cs typeface="Times New Roman" panose="02020603050405020304" pitchFamily="18" charset="0"/>
-                  </a:rPr>
-                  <a:t>(uncorrelated) if one contains no information of the other. Formally: </a:t>
-                </a:r>
-              </a:p>
-              <a:p>
-                <a:pPr marL="0" indent="0">
-                  <a:buNone/>
-                </a:pPr>
-                <a14:m>
-                  <m:oMathPara xmlns:m="http://schemas.openxmlformats.org/officeDocument/2006/math">
-                    <m:oMathParaPr>
-                      <m:jc m:val="centerGroup"/>
-                    </m:oMathParaPr>
-                    <m:oMath xmlns:m="http://schemas.openxmlformats.org/officeDocument/2006/math">
-                      <m:func>
-                        <m:funcPr>
-                          <m:ctrlPr>
-                            <a:rPr lang="en-US" sz="2400" b="0" i="1" smtClean="0">
-                              <a:latin typeface="Cambria Math" panose="02040503050406030204" pitchFamily="18" charset="0"/>
-                              <a:cs typeface="Times New Roman" panose="02020603050405020304" pitchFamily="18" charset="0"/>
-                            </a:rPr>
-                          </m:ctrlPr>
-                        </m:funcPr>
-                        <m:fName>
-                          <m:r>
-                            <a:rPr lang="en-US" sz="2400" b="0" i="1" smtClean="0">
-                              <a:latin typeface="Cambria Math" panose="02040503050406030204" pitchFamily="18" charset="0"/>
-                              <a:cs typeface="Times New Roman" panose="02020603050405020304" pitchFamily="18" charset="0"/>
-                            </a:rPr>
-                            <m:t>𝔼</m:t>
-                          </m:r>
-                          <m:d>
-                            <m:dPr>
-                              <m:begChr m:val="["/>
-                              <m:endChr m:val="]"/>
-                              <m:ctrlPr>
-                                <a:rPr lang="en-US" sz="2400" b="0" i="1" smtClean="0">
-                                  <a:latin typeface="Cambria Math" panose="02040503050406030204" pitchFamily="18" charset="0"/>
-                                  <a:cs typeface="Times New Roman" panose="02020603050405020304" pitchFamily="18" charset="0"/>
-                                </a:rPr>
-                              </m:ctrlPr>
-                            </m:dPr>
-                            <m:e>
-                              <m:r>
-                                <a:rPr lang="en-US" sz="2400" b="0" i="1" smtClean="0">
-                                  <a:latin typeface="Cambria Math" panose="02040503050406030204" pitchFamily="18" charset="0"/>
-                                  <a:cs typeface="Times New Roman" panose="02020603050405020304" pitchFamily="18" charset="0"/>
-                                </a:rPr>
-                                <m:t>𝑋</m:t>
-                              </m:r>
-                              <m:r>
-                                <a:rPr lang="en-US" sz="2400" b="0" i="1" smtClean="0">
-                                  <a:latin typeface="Cambria Math" panose="02040503050406030204" pitchFamily="18" charset="0"/>
-                                  <a:cs typeface="Times New Roman" panose="02020603050405020304" pitchFamily="18" charset="0"/>
-                                </a:rPr>
-                                <m:t>⋅</m:t>
-                              </m:r>
-                              <m:r>
-                                <a:rPr lang="en-US" sz="2400" b="0" i="1" smtClean="0">
-                                  <a:latin typeface="Cambria Math" panose="02040503050406030204" pitchFamily="18" charset="0"/>
-                                  <a:cs typeface="Times New Roman" panose="02020603050405020304" pitchFamily="18" charset="0"/>
-                                </a:rPr>
-                                <m:t>𝑌</m:t>
-                              </m:r>
-                            </m:e>
-                          </m:d>
-                          <m:r>
-                            <a:rPr lang="en-US" sz="2400" b="0" i="1" smtClean="0">
-                              <a:latin typeface="Cambria Math" panose="02040503050406030204" pitchFamily="18" charset="0"/>
-                              <a:cs typeface="Times New Roman" panose="02020603050405020304" pitchFamily="18" charset="0"/>
-                            </a:rPr>
-                            <m:t>=</m:t>
-                          </m:r>
-                          <m:r>
-                            <m:rPr>
-                              <m:sty m:val="p"/>
-                            </m:rPr>
-                            <a:rPr lang="en-US" sz="2400" b="0" i="0" smtClean="0">
-                              <a:latin typeface="Cambria Math" panose="02040503050406030204" pitchFamily="18" charset="0"/>
-                              <a:cs typeface="Times New Roman" panose="02020603050405020304" pitchFamily="18" charset="0"/>
-                            </a:rPr>
-                            <m:t>Pr</m:t>
-                          </m:r>
-                        </m:fName>
-                        <m:e>
-                          <m:d>
-                            <m:dPr>
-                              <m:ctrlPr>
-                                <a:rPr lang="en-US" sz="2400" b="0" i="1" smtClean="0">
-                                  <a:latin typeface="Cambria Math" panose="02040503050406030204" pitchFamily="18" charset="0"/>
-                                  <a:cs typeface="Times New Roman" panose="02020603050405020304" pitchFamily="18" charset="0"/>
-                                </a:rPr>
-                              </m:ctrlPr>
-                            </m:dPr>
-                            <m:e>
-                              <m:r>
-                                <a:rPr lang="en-US" sz="2400" b="0" i="1" smtClean="0">
-                                  <a:latin typeface="Cambria Math" panose="02040503050406030204" pitchFamily="18" charset="0"/>
-                                  <a:cs typeface="Times New Roman" panose="02020603050405020304" pitchFamily="18" charset="0"/>
-                                </a:rPr>
-                                <m:t>𝑋</m:t>
-                              </m:r>
-                              <m:r>
-                                <a:rPr lang="en-US" sz="2400" b="0" i="1" smtClean="0">
-                                  <a:latin typeface="Cambria Math" panose="02040503050406030204" pitchFamily="18" charset="0"/>
-                                  <a:cs typeface="Times New Roman" panose="02020603050405020304" pitchFamily="18" charset="0"/>
-                                </a:rPr>
-                                <m:t> </m:t>
-                              </m:r>
-                              <m:r>
-                                <a:rPr lang="en-US" sz="2400" b="0" i="1" smtClean="0">
-                                  <a:latin typeface="Cambria Math" panose="02040503050406030204" pitchFamily="18" charset="0"/>
-                                  <a:cs typeface="Times New Roman" panose="02020603050405020304" pitchFamily="18" charset="0"/>
-                                </a:rPr>
-                                <m:t>𝑎𝑛𝑑</m:t>
-                              </m:r>
-                              <m:r>
-                                <a:rPr lang="en-US" sz="2400" b="0" i="1" smtClean="0">
-                                  <a:latin typeface="Cambria Math" panose="02040503050406030204" pitchFamily="18" charset="0"/>
-                                  <a:cs typeface="Times New Roman" panose="02020603050405020304" pitchFamily="18" charset="0"/>
-                                </a:rPr>
-                                <m:t> </m:t>
-                              </m:r>
-                              <m:r>
-                                <a:rPr lang="en-US" sz="2400" b="0" i="1" smtClean="0">
-                                  <a:latin typeface="Cambria Math" panose="02040503050406030204" pitchFamily="18" charset="0"/>
-                                  <a:cs typeface="Times New Roman" panose="02020603050405020304" pitchFamily="18" charset="0"/>
-                                </a:rPr>
-                                <m:t>𝑌</m:t>
-                              </m:r>
-                            </m:e>
-                          </m:d>
-                        </m:e>
-                      </m:func>
-                      <m:r>
-                        <a:rPr lang="en-US" sz="2400" b="0" i="1" smtClean="0">
-                          <a:latin typeface="Cambria Math" panose="02040503050406030204" pitchFamily="18" charset="0"/>
-                          <a:cs typeface="Times New Roman" panose="02020603050405020304" pitchFamily="18" charset="0"/>
-                        </a:rPr>
-                        <m:t>=</m:t>
-                      </m:r>
-                      <m:func>
-                        <m:funcPr>
-                          <m:ctrlPr>
-                            <a:rPr lang="en-US" sz="2400" b="0" i="1" smtClean="0">
-                              <a:latin typeface="Cambria Math" panose="02040503050406030204" pitchFamily="18" charset="0"/>
-                              <a:cs typeface="Times New Roman" panose="02020603050405020304" pitchFamily="18" charset="0"/>
-                            </a:rPr>
-                          </m:ctrlPr>
-                        </m:funcPr>
-                        <m:fName>
-                          <m:r>
-                            <m:rPr>
-                              <m:sty m:val="p"/>
-                            </m:rPr>
-                            <a:rPr lang="en-US" sz="2400" b="0" i="0" smtClean="0">
-                              <a:latin typeface="Cambria Math" panose="02040503050406030204" pitchFamily="18" charset="0"/>
-                              <a:cs typeface="Times New Roman" panose="02020603050405020304" pitchFamily="18" charset="0"/>
-                            </a:rPr>
-                            <m:t>Pr</m:t>
-                          </m:r>
-                        </m:fName>
-                        <m:e>
-                          <m:d>
-                            <m:dPr>
-                              <m:ctrlPr>
-                                <a:rPr lang="en-US" sz="2400" b="0" i="1" smtClean="0">
-                                  <a:latin typeface="Cambria Math" panose="02040503050406030204" pitchFamily="18" charset="0"/>
-                                  <a:cs typeface="Times New Roman" panose="02020603050405020304" pitchFamily="18" charset="0"/>
-                                </a:rPr>
-                              </m:ctrlPr>
-                            </m:dPr>
-                            <m:e>
-                              <m:r>
-                                <a:rPr lang="en-US" sz="2400" b="0" i="1" smtClean="0">
-                                  <a:latin typeface="Cambria Math" panose="02040503050406030204" pitchFamily="18" charset="0"/>
-                                  <a:cs typeface="Times New Roman" panose="02020603050405020304" pitchFamily="18" charset="0"/>
-                                </a:rPr>
-                                <m:t>𝑋</m:t>
-                              </m:r>
-                            </m:e>
-                          </m:d>
-                        </m:e>
-                      </m:func>
-                      <m:r>
-                        <m:rPr>
-                          <m:sty m:val="p"/>
-                        </m:rPr>
-                        <a:rPr lang="en-US" sz="2400" b="0" i="0" smtClean="0">
-                          <a:latin typeface="Cambria Math" panose="02040503050406030204" pitchFamily="18" charset="0"/>
-                          <a:cs typeface="Times New Roman" panose="02020603050405020304" pitchFamily="18" charset="0"/>
-                        </a:rPr>
-                        <m:t>Pr</m:t>
-                      </m:r>
-                      <m:r>
-                        <a:rPr lang="en-US" sz="2400" b="0" i="1" smtClean="0">
-                          <a:latin typeface="Cambria Math" panose="02040503050406030204" pitchFamily="18" charset="0"/>
-                          <a:cs typeface="Times New Roman" panose="02020603050405020304" pitchFamily="18" charset="0"/>
-                        </a:rPr>
-                        <m:t>⁡(</m:t>
-                      </m:r>
-                      <m:r>
-                        <a:rPr lang="en-US" sz="2400" b="0" i="1" smtClean="0">
-                          <a:latin typeface="Cambria Math" panose="02040503050406030204" pitchFamily="18" charset="0"/>
-                          <a:cs typeface="Times New Roman" panose="02020603050405020304" pitchFamily="18" charset="0"/>
-                        </a:rPr>
-                        <m:t>𝑌</m:t>
-                      </m:r>
-                      <m:r>
-                        <a:rPr lang="en-US" sz="2400" b="0" i="1" smtClean="0">
-                          <a:latin typeface="Cambria Math" panose="02040503050406030204" pitchFamily="18" charset="0"/>
-                          <a:cs typeface="Times New Roman" panose="02020603050405020304" pitchFamily="18" charset="0"/>
-                        </a:rPr>
-                        <m:t>)</m:t>
-                      </m:r>
-                    </m:oMath>
-                  </m:oMathPara>
-                </a14:m>
-                <a:endParaRPr lang="en-US" sz="2400" dirty="0">
-                  <a:cs typeface="Times New Roman" panose="02020603050405020304" pitchFamily="18" charset="0"/>
-                </a:endParaRPr>
-              </a:p>
-              <a:p>
-                <a:pPr marL="0" indent="0">
-                  <a:buNone/>
-                </a:pPr>
-                <a:r>
-                  <a:rPr lang="en-US" sz="2400" dirty="0">
-                    <a:cs typeface="Times New Roman" panose="02020603050405020304" pitchFamily="18" charset="0"/>
-                  </a:rPr>
-                  <a:t>Otherwise we measure </a:t>
-                </a:r>
-                <a:r>
-                  <a:rPr lang="en-US" sz="2400" b="1" u="sng" dirty="0">
-                    <a:cs typeface="Times New Roman" panose="02020603050405020304" pitchFamily="18" charset="0"/>
-                  </a:rPr>
-                  <a:t>covariance</a:t>
-                </a:r>
-                <a:r>
-                  <a:rPr lang="en-US" sz="2400" dirty="0">
-                    <a:cs typeface="Times New Roman" panose="02020603050405020304" pitchFamily="18" charset="0"/>
-                  </a:rPr>
-                  <a:t>:</a:t>
-                </a:r>
-              </a:p>
-            </p:txBody>
-          </p:sp>
-        </mc:Choice>
-        <mc:Fallback xmlns="">
-          <p:sp>
-            <p:nvSpPr>
-              <p:cNvPr id="3" name="Content Placeholder 2"/>
-              <p:cNvSpPr>
-                <a:spLocks noGrp="1" noRot="1" noChangeAspect="1" noMove="1" noResize="1" noEditPoints="1" noAdjustHandles="1" noChangeArrowheads="1" noChangeShapeType="1" noTextEdit="1"/>
-              </p:cNvSpPr>
-              <p:nvPr>
-                <p:ph idx="1"/>
-              </p:nvPr>
-            </p:nvSpPr>
-            <p:spPr>
-              <a:xfrm>
-                <a:off x="609600" y="1066801"/>
-                <a:ext cx="10210800" cy="5141388"/>
-              </a:xfrm>
-              <a:blipFill>
-                <a:blip r:embed="rId3"/>
-                <a:stretch>
-                  <a:fillRect l="-896" t="-1305"/>
-                </a:stretch>
-              </a:blipFill>
-            </p:spPr>
-            <p:txBody>
-              <a:bodyPr/>
-              <a:lstStyle/>
-              <a:p>
-                <a:r>
-                  <a:rPr lang="en-US">
-                    <a:noFill/>
-                  </a:rPr>
-                  <a:t> </a:t>
-                </a:r>
-              </a:p>
-            </p:txBody>
-          </p:sp>
-        </mc:Fallback>
-      </mc:AlternateContent>
-      <p:pic>
-        <p:nvPicPr>
-          <p:cNvPr id="6" name="Picture 5">
-            <a:extLst>
-              <a:ext uri="{FF2B5EF4-FFF2-40B4-BE49-F238E27FC236}">
-                <a16:creationId xmlns:a16="http://schemas.microsoft.com/office/drawing/2014/main" id="{73B4DE60-5FE8-055A-0AA7-F76E28665C71}"/>
-              </a:ext>
-            </a:extLst>
-          </p:cNvPr>
-          <p:cNvPicPr>
-            <a:picLocks noChangeAspect="1"/>
-          </p:cNvPicPr>
-          <p:nvPr/>
-        </p:nvPicPr>
-        <p:blipFill>
-          <a:blip r:embed="rId4"/>
-          <a:stretch>
-            <a:fillRect/>
-          </a:stretch>
-        </p:blipFill>
-        <p:spPr>
-          <a:xfrm>
-            <a:off x="914400" y="3594090"/>
-            <a:ext cx="8475050" cy="1739910"/>
-          </a:xfrm>
-          <a:prstGeom prst="rect">
-            <a:avLst/>
-          </a:prstGeom>
-        </p:spPr>
-      </p:pic>
-    </p:spTree>
-    <p:extLst>
-      <p:ext uri="{BB962C8B-B14F-4D97-AF65-F5344CB8AC3E}">
-        <p14:creationId xmlns:p14="http://schemas.microsoft.com/office/powerpoint/2010/main" val="582021153"/>
-      </p:ext>
-    </p:extLst>
-  </p:cSld>
-  <p:clrMapOvr>
-    <a:masterClrMapping/>
-  </p:clrMapOvr>
-</p:sld>
-</file>
-
-<file path=ppt/slides/slide58.xml><?xml version="1.0" encoding="utf-8"?>
-<p:sld xmlns:a="http://schemas.openxmlformats.org/drawingml/2006/main" xmlns:r="http://schemas.openxmlformats.org/officeDocument/2006/relationships" xmlns:p="http://schemas.openxmlformats.org/presentationml/2006/main">
-  <p:cSld>
-    <p:spTree>
-      <p:nvGrpSpPr>
-        <p:cNvPr id="1" name=""/>
-        <p:cNvGrpSpPr/>
-        <p:nvPr/>
-      </p:nvGrpSpPr>
-      <p:grpSpPr>
-        <a:xfrm>
-          <a:off x="0" y="0"/>
-          <a:ext cx="0" cy="0"/>
-          <a:chOff x="0" y="0"/>
-          <a:chExt cx="0" cy="0"/>
-        </a:xfrm>
-      </p:grpSpPr>
-      <p:sp>
-        <p:nvSpPr>
-          <p:cNvPr id="2" name="Title 1"/>
-          <p:cNvSpPr>
-            <a:spLocks noGrp="1"/>
-          </p:cNvSpPr>
-          <p:nvPr>
-            <p:ph type="title"/>
-          </p:nvPr>
-        </p:nvSpPr>
-        <p:spPr>
-          <a:xfrm>
-            <a:off x="609600" y="337392"/>
-            <a:ext cx="9601200" cy="624840"/>
-          </a:xfrm>
-        </p:spPr>
-        <p:txBody>
-          <a:bodyPr>
-            <a:normAutofit fontScale="90000"/>
-          </a:bodyPr>
-          <a:lstStyle/>
-          <a:p>
-            <a:r>
-              <a:rPr lang="en-US" dirty="0">
-                <a:latin typeface="Times New Roman" panose="02020603050405020304" pitchFamily="18" charset="0"/>
-                <a:cs typeface="Times New Roman" panose="02020603050405020304" pitchFamily="18" charset="0"/>
-              </a:rPr>
-              <a:t>Covariances &amp; Correlations</a:t>
-            </a:r>
-          </a:p>
-        </p:txBody>
-      </p:sp>
-      <mc:AlternateContent xmlns:mc="http://schemas.openxmlformats.org/markup-compatibility/2006" xmlns:a14="http://schemas.microsoft.com/office/drawing/2010/main">
-        <mc:Choice Requires="a14">
-          <p:sp>
-            <p:nvSpPr>
-              <p:cNvPr id="3" name="Content Placeholder 2"/>
-              <p:cNvSpPr>
-                <a:spLocks noGrp="1"/>
-              </p:cNvSpPr>
-              <p:nvPr>
-                <p:ph idx="1"/>
-              </p:nvPr>
-            </p:nvSpPr>
-            <p:spPr>
-              <a:xfrm>
-                <a:off x="609600" y="1066801"/>
-                <a:ext cx="10210800" cy="5141388"/>
-              </a:xfrm>
-            </p:spPr>
-            <p:txBody>
-              <a:bodyPr>
-                <a:noAutofit/>
-              </a:bodyPr>
-              <a:lstStyle/>
-              <a:p>
-                <a:pPr marL="0" indent="0">
-                  <a:buNone/>
-                </a:pPr>
-                <a:r>
-                  <a:rPr lang="en-US" sz="2400" dirty="0">
-                    <a:cs typeface="Times New Roman" panose="02020603050405020304" pitchFamily="18" charset="0"/>
-                  </a:rPr>
-                  <a:t>How do we make sense of the relationships between variables? </a:t>
-                </a:r>
-              </a:p>
-              <a:p>
-                <a:pPr marL="0" indent="0">
-                  <a:buNone/>
-                </a:pPr>
-                <a:r>
-                  <a:rPr lang="en-US" sz="2400" dirty="0">
-                    <a:cs typeface="Times New Roman" panose="02020603050405020304" pitchFamily="18" charset="0"/>
-                  </a:rPr>
-                  <a:t>Variables can be </a:t>
-                </a:r>
-                <a:r>
-                  <a:rPr lang="en-US" sz="2400" b="1" dirty="0">
-                    <a:cs typeface="Times New Roman" panose="02020603050405020304" pitchFamily="18" charset="0"/>
-                  </a:rPr>
-                  <a:t>independent </a:t>
-                </a:r>
-                <a:r>
-                  <a:rPr lang="en-US" sz="2400" dirty="0">
-                    <a:cs typeface="Times New Roman" panose="02020603050405020304" pitchFamily="18" charset="0"/>
-                  </a:rPr>
-                  <a:t>(uncorrelated) if one contains no information of the other. Formally: </a:t>
-                </a:r>
-              </a:p>
-              <a:p>
-                <a:pPr marL="0" indent="0">
-                  <a:buNone/>
-                </a:pPr>
-                <a14:m>
-                  <m:oMathPara xmlns:m="http://schemas.openxmlformats.org/officeDocument/2006/math">
-                    <m:oMathParaPr>
-                      <m:jc m:val="centerGroup"/>
-                    </m:oMathParaPr>
-                    <m:oMath xmlns:m="http://schemas.openxmlformats.org/officeDocument/2006/math">
-                      <m:func>
-                        <m:funcPr>
-                          <m:ctrlPr>
-                            <a:rPr lang="en-US" sz="2400" b="0" i="1" smtClean="0">
-                              <a:latin typeface="Cambria Math" panose="02040503050406030204" pitchFamily="18" charset="0"/>
-                              <a:cs typeface="Times New Roman" panose="02020603050405020304" pitchFamily="18" charset="0"/>
-                            </a:rPr>
-                          </m:ctrlPr>
-                        </m:funcPr>
-                        <m:fName>
-                          <m:r>
-                            <a:rPr lang="en-US" sz="2400" b="0" i="1" smtClean="0">
-                              <a:latin typeface="Cambria Math" panose="02040503050406030204" pitchFamily="18" charset="0"/>
-                              <a:cs typeface="Times New Roman" panose="02020603050405020304" pitchFamily="18" charset="0"/>
-                            </a:rPr>
-                            <m:t>𝔼</m:t>
-                          </m:r>
-                          <m:d>
-                            <m:dPr>
-                              <m:begChr m:val="["/>
-                              <m:endChr m:val="]"/>
-                              <m:ctrlPr>
-                                <a:rPr lang="en-US" sz="2400" b="0" i="1" smtClean="0">
-                                  <a:latin typeface="Cambria Math" panose="02040503050406030204" pitchFamily="18" charset="0"/>
-                                  <a:cs typeface="Times New Roman" panose="02020603050405020304" pitchFamily="18" charset="0"/>
-                                </a:rPr>
-                              </m:ctrlPr>
-                            </m:dPr>
-                            <m:e>
-                              <m:r>
-                                <a:rPr lang="en-US" sz="2400" b="0" i="1" smtClean="0">
-                                  <a:latin typeface="Cambria Math" panose="02040503050406030204" pitchFamily="18" charset="0"/>
-                                  <a:cs typeface="Times New Roman" panose="02020603050405020304" pitchFamily="18" charset="0"/>
-                                </a:rPr>
-                                <m:t>𝑋</m:t>
-                              </m:r>
-                              <m:r>
-                                <a:rPr lang="en-US" sz="2400" b="0" i="1" smtClean="0">
-                                  <a:latin typeface="Cambria Math" panose="02040503050406030204" pitchFamily="18" charset="0"/>
-                                  <a:cs typeface="Times New Roman" panose="02020603050405020304" pitchFamily="18" charset="0"/>
-                                </a:rPr>
-                                <m:t>⋅</m:t>
-                              </m:r>
-                              <m:r>
-                                <a:rPr lang="en-US" sz="2400" b="0" i="1" smtClean="0">
-                                  <a:latin typeface="Cambria Math" panose="02040503050406030204" pitchFamily="18" charset="0"/>
-                                  <a:cs typeface="Times New Roman" panose="02020603050405020304" pitchFamily="18" charset="0"/>
-                                </a:rPr>
-                                <m:t>𝑌</m:t>
-                              </m:r>
-                            </m:e>
-                          </m:d>
-                          <m:r>
-                            <a:rPr lang="en-US" sz="2400" b="0" i="1" smtClean="0">
-                              <a:latin typeface="Cambria Math" panose="02040503050406030204" pitchFamily="18" charset="0"/>
-                              <a:cs typeface="Times New Roman" panose="02020603050405020304" pitchFamily="18" charset="0"/>
-                            </a:rPr>
-                            <m:t>=</m:t>
-                          </m:r>
-                          <m:r>
-                            <m:rPr>
-                              <m:sty m:val="p"/>
-                            </m:rPr>
-                            <a:rPr lang="en-US" sz="2400" b="0" i="0" smtClean="0">
-                              <a:latin typeface="Cambria Math" panose="02040503050406030204" pitchFamily="18" charset="0"/>
-                              <a:cs typeface="Times New Roman" panose="02020603050405020304" pitchFamily="18" charset="0"/>
-                            </a:rPr>
-                            <m:t>Pr</m:t>
-                          </m:r>
-                        </m:fName>
-                        <m:e>
-                          <m:d>
-                            <m:dPr>
-                              <m:ctrlPr>
-                                <a:rPr lang="en-US" sz="2400" b="0" i="1" smtClean="0">
-                                  <a:latin typeface="Cambria Math" panose="02040503050406030204" pitchFamily="18" charset="0"/>
-                                  <a:cs typeface="Times New Roman" panose="02020603050405020304" pitchFamily="18" charset="0"/>
-                                </a:rPr>
-                              </m:ctrlPr>
-                            </m:dPr>
-                            <m:e>
-                              <m:r>
-                                <a:rPr lang="en-US" sz="2400" b="0" i="1" smtClean="0">
-                                  <a:latin typeface="Cambria Math" panose="02040503050406030204" pitchFamily="18" charset="0"/>
-                                  <a:cs typeface="Times New Roman" panose="02020603050405020304" pitchFamily="18" charset="0"/>
-                                </a:rPr>
-                                <m:t>𝑋</m:t>
-                              </m:r>
-                              <m:r>
-                                <a:rPr lang="en-US" sz="2400" b="0" i="1" smtClean="0">
-                                  <a:latin typeface="Cambria Math" panose="02040503050406030204" pitchFamily="18" charset="0"/>
-                                  <a:cs typeface="Times New Roman" panose="02020603050405020304" pitchFamily="18" charset="0"/>
-                                </a:rPr>
-                                <m:t> </m:t>
-                              </m:r>
-                              <m:r>
-                                <a:rPr lang="en-US" sz="2400" b="0" i="1" smtClean="0">
-                                  <a:latin typeface="Cambria Math" panose="02040503050406030204" pitchFamily="18" charset="0"/>
-                                  <a:cs typeface="Times New Roman" panose="02020603050405020304" pitchFamily="18" charset="0"/>
-                                </a:rPr>
-                                <m:t>𝑎𝑛𝑑</m:t>
-                              </m:r>
-                              <m:r>
-                                <a:rPr lang="en-US" sz="2400" b="0" i="1" smtClean="0">
-                                  <a:latin typeface="Cambria Math" panose="02040503050406030204" pitchFamily="18" charset="0"/>
-                                  <a:cs typeface="Times New Roman" panose="02020603050405020304" pitchFamily="18" charset="0"/>
-                                </a:rPr>
-                                <m:t> </m:t>
-                              </m:r>
-                              <m:r>
-                                <a:rPr lang="en-US" sz="2400" b="0" i="1" smtClean="0">
-                                  <a:latin typeface="Cambria Math" panose="02040503050406030204" pitchFamily="18" charset="0"/>
-                                  <a:cs typeface="Times New Roman" panose="02020603050405020304" pitchFamily="18" charset="0"/>
-                                </a:rPr>
-                                <m:t>𝑌</m:t>
-                              </m:r>
-                            </m:e>
-                          </m:d>
-                        </m:e>
-                      </m:func>
-                      <m:r>
-                        <a:rPr lang="en-US" sz="2400" b="0" i="1" smtClean="0">
-                          <a:latin typeface="Cambria Math" panose="02040503050406030204" pitchFamily="18" charset="0"/>
-                          <a:cs typeface="Times New Roman" panose="02020603050405020304" pitchFamily="18" charset="0"/>
-                        </a:rPr>
-                        <m:t>=</m:t>
-                      </m:r>
-                      <m:func>
-                        <m:funcPr>
-                          <m:ctrlPr>
-                            <a:rPr lang="en-US" sz="2400" b="0" i="1" smtClean="0">
-                              <a:latin typeface="Cambria Math" panose="02040503050406030204" pitchFamily="18" charset="0"/>
-                              <a:cs typeface="Times New Roman" panose="02020603050405020304" pitchFamily="18" charset="0"/>
-                            </a:rPr>
-                          </m:ctrlPr>
-                        </m:funcPr>
-                        <m:fName>
-                          <m:r>
-                            <m:rPr>
-                              <m:sty m:val="p"/>
-                            </m:rPr>
-                            <a:rPr lang="en-US" sz="2400" b="0" i="0" smtClean="0">
-                              <a:latin typeface="Cambria Math" panose="02040503050406030204" pitchFamily="18" charset="0"/>
-                              <a:cs typeface="Times New Roman" panose="02020603050405020304" pitchFamily="18" charset="0"/>
-                            </a:rPr>
-                            <m:t>Pr</m:t>
-                          </m:r>
-                        </m:fName>
-                        <m:e>
-                          <m:d>
-                            <m:dPr>
-                              <m:ctrlPr>
-                                <a:rPr lang="en-US" sz="2400" b="0" i="1" smtClean="0">
-                                  <a:latin typeface="Cambria Math" panose="02040503050406030204" pitchFamily="18" charset="0"/>
-                                  <a:cs typeface="Times New Roman" panose="02020603050405020304" pitchFamily="18" charset="0"/>
-                                </a:rPr>
-                              </m:ctrlPr>
-                            </m:dPr>
-                            <m:e>
-                              <m:r>
-                                <a:rPr lang="en-US" sz="2400" b="0" i="1" smtClean="0">
-                                  <a:latin typeface="Cambria Math" panose="02040503050406030204" pitchFamily="18" charset="0"/>
-                                  <a:cs typeface="Times New Roman" panose="02020603050405020304" pitchFamily="18" charset="0"/>
-                                </a:rPr>
-                                <m:t>𝑋</m:t>
-                              </m:r>
-                            </m:e>
-                          </m:d>
-                        </m:e>
-                      </m:func>
-                      <m:r>
-                        <m:rPr>
-                          <m:sty m:val="p"/>
-                        </m:rPr>
-                        <a:rPr lang="en-US" sz="2400" b="0" i="0" smtClean="0">
-                          <a:latin typeface="Cambria Math" panose="02040503050406030204" pitchFamily="18" charset="0"/>
-                          <a:cs typeface="Times New Roman" panose="02020603050405020304" pitchFamily="18" charset="0"/>
-                        </a:rPr>
-                        <m:t>Pr</m:t>
-                      </m:r>
-                      <m:r>
-                        <a:rPr lang="en-US" sz="2400" b="0" i="1" smtClean="0">
-                          <a:latin typeface="Cambria Math" panose="02040503050406030204" pitchFamily="18" charset="0"/>
-                          <a:cs typeface="Times New Roman" panose="02020603050405020304" pitchFamily="18" charset="0"/>
-                        </a:rPr>
-                        <m:t>⁡(</m:t>
-                      </m:r>
-                      <m:r>
-                        <a:rPr lang="en-US" sz="2400" b="0" i="1" smtClean="0">
-                          <a:latin typeface="Cambria Math" panose="02040503050406030204" pitchFamily="18" charset="0"/>
-                          <a:cs typeface="Times New Roman" panose="02020603050405020304" pitchFamily="18" charset="0"/>
-                        </a:rPr>
-                        <m:t>𝑌</m:t>
-                      </m:r>
-                      <m:r>
-                        <a:rPr lang="en-US" sz="2400" b="0" i="1" smtClean="0">
-                          <a:latin typeface="Cambria Math" panose="02040503050406030204" pitchFamily="18" charset="0"/>
-                          <a:cs typeface="Times New Roman" panose="02020603050405020304" pitchFamily="18" charset="0"/>
-                        </a:rPr>
-                        <m:t>)</m:t>
-                      </m:r>
-                    </m:oMath>
-                  </m:oMathPara>
-                </a14:m>
-                <a:endParaRPr lang="en-US" sz="2400" dirty="0">
-                  <a:cs typeface="Times New Roman" panose="02020603050405020304" pitchFamily="18" charset="0"/>
-                </a:endParaRPr>
-              </a:p>
-              <a:p>
-                <a:pPr marL="0" indent="0">
-                  <a:buNone/>
-                </a:pPr>
-                <a:r>
-                  <a:rPr lang="en-US" sz="2400" dirty="0">
-                    <a:cs typeface="Times New Roman" panose="02020603050405020304" pitchFamily="18" charset="0"/>
-                  </a:rPr>
-                  <a:t>Otherwise we measure </a:t>
-                </a:r>
-                <a:r>
-                  <a:rPr lang="en-US" sz="2400" b="1" u="sng" dirty="0">
-                    <a:cs typeface="Times New Roman" panose="02020603050405020304" pitchFamily="18" charset="0"/>
-                  </a:rPr>
-                  <a:t>covariance</a:t>
-                </a:r>
-                <a:r>
-                  <a:rPr lang="en-US" sz="2400" dirty="0">
-                    <a:cs typeface="Times New Roman" panose="02020603050405020304" pitchFamily="18" charset="0"/>
-                  </a:rPr>
-                  <a:t>:</a:t>
-                </a:r>
-              </a:p>
-            </p:txBody>
-          </p:sp>
-        </mc:Choice>
-        <mc:Fallback xmlns="">
-          <p:sp>
-            <p:nvSpPr>
-              <p:cNvPr id="3" name="Content Placeholder 2"/>
-              <p:cNvSpPr>
-                <a:spLocks noGrp="1" noRot="1" noChangeAspect="1" noMove="1" noResize="1" noEditPoints="1" noAdjustHandles="1" noChangeArrowheads="1" noChangeShapeType="1" noTextEdit="1"/>
-              </p:cNvSpPr>
-              <p:nvPr>
-                <p:ph idx="1"/>
-              </p:nvPr>
-            </p:nvSpPr>
-            <p:spPr>
-              <a:xfrm>
-                <a:off x="609600" y="1066801"/>
-                <a:ext cx="10210800" cy="5141388"/>
-              </a:xfrm>
-              <a:blipFill>
-                <a:blip r:embed="rId3"/>
-                <a:stretch>
-                  <a:fillRect l="-896" t="-1305"/>
-                </a:stretch>
-              </a:blipFill>
-            </p:spPr>
-            <p:txBody>
-              <a:bodyPr/>
-              <a:lstStyle/>
-              <a:p>
-                <a:r>
-                  <a:rPr lang="en-US">
-                    <a:noFill/>
-                  </a:rPr>
-                  <a:t> </a:t>
-                </a:r>
-              </a:p>
-            </p:txBody>
-          </p:sp>
-        </mc:Fallback>
-      </mc:AlternateContent>
-      <p:pic>
-        <p:nvPicPr>
-          <p:cNvPr id="8" name="Picture 7">
-            <a:extLst>
-              <a:ext uri="{FF2B5EF4-FFF2-40B4-BE49-F238E27FC236}">
-                <a16:creationId xmlns:a16="http://schemas.microsoft.com/office/drawing/2014/main" id="{B88BD88C-A264-35A7-339E-CB35663B265C}"/>
-              </a:ext>
-            </a:extLst>
-          </p:cNvPr>
-          <p:cNvPicPr>
-            <a:picLocks noChangeAspect="1"/>
-          </p:cNvPicPr>
-          <p:nvPr/>
-        </p:nvPicPr>
-        <p:blipFill>
-          <a:blip r:embed="rId4"/>
-          <a:stretch>
-            <a:fillRect/>
-          </a:stretch>
-        </p:blipFill>
-        <p:spPr>
-          <a:xfrm>
-            <a:off x="457199" y="1038294"/>
-            <a:ext cx="10268589" cy="3609905"/>
-          </a:xfrm>
-          <a:prstGeom prst="rect">
-            <a:avLst/>
-          </a:prstGeom>
-        </p:spPr>
-      </p:pic>
-    </p:spTree>
-    <p:extLst>
-      <p:ext uri="{BB962C8B-B14F-4D97-AF65-F5344CB8AC3E}">
-        <p14:creationId xmlns:p14="http://schemas.microsoft.com/office/powerpoint/2010/main" val="3330996080"/>
-      </p:ext>
-    </p:extLst>
-  </p:cSld>
-  <p:clrMapOvr>
-    <a:masterClrMapping/>
-  </p:clrMapOvr>
-</p:sld>
-</file>
-
-<file path=ppt/slides/slide59.xml><?xml version="1.0" encoding="utf-8"?>
-<p:sld xmlns:a="http://schemas.openxmlformats.org/drawingml/2006/main" xmlns:r="http://schemas.openxmlformats.org/officeDocument/2006/relationships" xmlns:p="http://schemas.openxmlformats.org/presentationml/2006/main">
-  <p:cSld>
-    <p:spTree>
-      <p:nvGrpSpPr>
-        <p:cNvPr id="1" name=""/>
-        <p:cNvGrpSpPr/>
-        <p:nvPr/>
-      </p:nvGrpSpPr>
-      <p:grpSpPr>
-        <a:xfrm>
-          <a:off x="0" y="0"/>
-          <a:ext cx="0" cy="0"/>
-          <a:chOff x="0" y="0"/>
-          <a:chExt cx="0" cy="0"/>
-        </a:xfrm>
-      </p:grpSpPr>
-      <p:sp>
-        <p:nvSpPr>
-          <p:cNvPr id="2" name="Title 1"/>
-          <p:cNvSpPr>
-            <a:spLocks noGrp="1"/>
-          </p:cNvSpPr>
-          <p:nvPr>
-            <p:ph type="title"/>
-          </p:nvPr>
-        </p:nvSpPr>
-        <p:spPr>
-          <a:xfrm>
-            <a:off x="609600" y="337392"/>
-            <a:ext cx="9601200" cy="624840"/>
-          </a:xfrm>
-        </p:spPr>
-        <p:txBody>
-          <a:bodyPr>
-            <a:normAutofit fontScale="90000"/>
-          </a:bodyPr>
-          <a:lstStyle/>
-          <a:p>
-            <a:r>
-              <a:rPr lang="en-US" dirty="0">
-                <a:latin typeface="Times New Roman" panose="02020603050405020304" pitchFamily="18" charset="0"/>
-                <a:cs typeface="Times New Roman" panose="02020603050405020304" pitchFamily="18" charset="0"/>
-              </a:rPr>
-              <a:t>Covariances &amp; Correlations</a:t>
-            </a:r>
-          </a:p>
-        </p:txBody>
-      </p:sp>
-      <p:sp>
-        <p:nvSpPr>
-          <p:cNvPr id="3" name="Content Placeholder 2"/>
-          <p:cNvSpPr>
-            <a:spLocks noGrp="1"/>
-          </p:cNvSpPr>
-          <p:nvPr>
-            <p:ph idx="1"/>
-          </p:nvPr>
-        </p:nvSpPr>
-        <p:spPr>
-          <a:xfrm>
-            <a:off x="609600" y="1066801"/>
-            <a:ext cx="10210800" cy="5141388"/>
-          </a:xfrm>
-        </p:spPr>
-        <p:txBody>
-          <a:bodyPr>
-            <a:noAutofit/>
-          </a:bodyPr>
-          <a:lstStyle/>
-          <a:p>
-            <a:pPr marL="0" indent="0">
-              <a:buNone/>
-            </a:pPr>
-            <a:endParaRPr lang="en-US" sz="2400" dirty="0">
-              <a:cs typeface="Times New Roman" panose="02020603050405020304" pitchFamily="18" charset="0"/>
-            </a:endParaRPr>
-          </a:p>
-          <a:p>
-            <a:pPr marL="0" indent="0">
-              <a:buNone/>
-            </a:pPr>
-            <a:endParaRPr lang="en-US" sz="2400" dirty="0">
-              <a:cs typeface="Times New Roman" panose="02020603050405020304" pitchFamily="18" charset="0"/>
-            </a:endParaRPr>
-          </a:p>
-          <a:p>
-            <a:pPr marL="0" indent="0">
-              <a:buNone/>
-            </a:pPr>
-            <a:endParaRPr lang="en-US" sz="2400" dirty="0">
-              <a:cs typeface="Times New Roman" panose="02020603050405020304" pitchFamily="18" charset="0"/>
-            </a:endParaRPr>
-          </a:p>
-          <a:p>
-            <a:pPr marL="0" indent="0">
-              <a:buNone/>
-            </a:pPr>
-            <a:endParaRPr lang="en-US" sz="2400" dirty="0">
-              <a:cs typeface="Times New Roman" panose="02020603050405020304" pitchFamily="18" charset="0"/>
-            </a:endParaRPr>
-          </a:p>
-          <a:p>
-            <a:pPr marL="0" indent="0">
-              <a:buNone/>
-            </a:pPr>
-            <a:endParaRPr lang="en-US" sz="2400" dirty="0">
-              <a:cs typeface="Times New Roman" panose="02020603050405020304" pitchFamily="18" charset="0"/>
-            </a:endParaRPr>
-          </a:p>
-          <a:p>
-            <a:pPr marL="0" indent="0">
-              <a:buNone/>
-            </a:pPr>
-            <a:endParaRPr lang="en-US" sz="2400" dirty="0">
-              <a:cs typeface="Times New Roman" panose="02020603050405020304" pitchFamily="18" charset="0"/>
-            </a:endParaRPr>
-          </a:p>
-          <a:p>
-            <a:pPr marL="0" indent="0">
-              <a:buNone/>
-            </a:pPr>
-            <a:endParaRPr lang="en-US" sz="2400" dirty="0">
-              <a:cs typeface="Times New Roman" panose="02020603050405020304" pitchFamily="18" charset="0"/>
-            </a:endParaRPr>
-          </a:p>
-          <a:p>
-            <a:pPr marL="0" indent="0">
-              <a:buNone/>
-            </a:pPr>
-            <a:endParaRPr lang="en-US" sz="2400" dirty="0">
-              <a:cs typeface="Times New Roman" panose="02020603050405020304" pitchFamily="18" charset="0"/>
-            </a:endParaRPr>
-          </a:p>
-          <a:p>
-            <a:pPr marL="0" indent="0">
-              <a:buNone/>
-            </a:pPr>
-            <a:r>
-              <a:rPr lang="en-US" sz="2400" dirty="0">
-                <a:cs typeface="Times New Roman" panose="02020603050405020304" pitchFamily="18" charset="0"/>
-              </a:rPr>
-              <a:t>But this makes covariance </a:t>
-            </a:r>
-            <a:r>
-              <a:rPr lang="en-US" sz="2400" b="1" dirty="0">
-                <a:cs typeface="Times New Roman" panose="02020603050405020304" pitchFamily="18" charset="0"/>
-              </a:rPr>
-              <a:t>unit sensitive! </a:t>
-            </a:r>
-            <a:endParaRPr lang="en-US" sz="2400" dirty="0">
-              <a:cs typeface="Times New Roman" panose="02020603050405020304" pitchFamily="18" charset="0"/>
-            </a:endParaRPr>
-          </a:p>
-        </p:txBody>
-      </p:sp>
-      <p:pic>
-        <p:nvPicPr>
-          <p:cNvPr id="5" name="Picture 4">
-            <a:extLst>
-              <a:ext uri="{FF2B5EF4-FFF2-40B4-BE49-F238E27FC236}">
-                <a16:creationId xmlns:a16="http://schemas.microsoft.com/office/drawing/2014/main" id="{FDB6B80C-8B62-C340-95D4-25F70B60A95B}"/>
-              </a:ext>
-            </a:extLst>
-          </p:cNvPr>
-          <p:cNvPicPr>
-            <a:picLocks noChangeAspect="1"/>
-          </p:cNvPicPr>
-          <p:nvPr/>
-        </p:nvPicPr>
-        <p:blipFill>
-          <a:blip r:embed="rId3"/>
-          <a:stretch>
-            <a:fillRect/>
-          </a:stretch>
-        </p:blipFill>
-        <p:spPr>
-          <a:xfrm>
-            <a:off x="381000" y="962232"/>
-            <a:ext cx="10238907" cy="4524168"/>
-          </a:xfrm>
-          <a:prstGeom prst="rect">
-            <a:avLst/>
-          </a:prstGeom>
-        </p:spPr>
-      </p:pic>
-      <p:pic>
-        <p:nvPicPr>
-          <p:cNvPr id="4" name="Picture 2" descr="RStudio - RStudio">
-            <a:extLst>
-              <a:ext uri="{FF2B5EF4-FFF2-40B4-BE49-F238E27FC236}">
-                <a16:creationId xmlns:a16="http://schemas.microsoft.com/office/drawing/2014/main" id="{80D578CE-4EEB-65E0-6EFC-2354F241D674}"/>
-              </a:ext>
-            </a:extLst>
-          </p:cNvPr>
-          <p:cNvPicPr>
-            <a:picLocks noChangeAspect="1" noChangeArrowheads="1"/>
-          </p:cNvPicPr>
-          <p:nvPr/>
-        </p:nvPicPr>
-        <p:blipFill>
-          <a:blip r:embed="rId4">
-            <a:extLst>
-              <a:ext uri="{28A0092B-C50C-407E-A947-70E740481C1C}">
-                <a14:useLocalDpi xmlns:a14="http://schemas.microsoft.com/office/drawing/2010/main" val="0"/>
-              </a:ext>
-            </a:extLst>
-          </a:blip>
-          <a:srcRect/>
-          <a:stretch>
-            <a:fillRect/>
-          </a:stretch>
-        </p:blipFill>
-        <p:spPr bwMode="auto">
-          <a:xfrm>
-            <a:off x="9525000" y="5105400"/>
-            <a:ext cx="1371600" cy="1371600"/>
-          </a:xfrm>
-          <a:prstGeom prst="rect">
-            <a:avLst/>
-          </a:prstGeom>
-          <a:noFill/>
-          <a:extLst>
-            <a:ext uri="{909E8E84-426E-40DD-AFC4-6F175D3DCCD1}">
-              <a14:hiddenFill xmlns:a14="http://schemas.microsoft.com/office/drawing/2010/main">
-                <a:solidFill>
-                  <a:srgbClr val="FFFFFF"/>
-                </a:solidFill>
-              </a14:hiddenFill>
-            </a:ext>
-          </a:extLst>
-        </p:spPr>
-      </p:pic>
-    </p:spTree>
-    <p:extLst>
-      <p:ext uri="{BB962C8B-B14F-4D97-AF65-F5344CB8AC3E}">
-        <p14:creationId xmlns:p14="http://schemas.microsoft.com/office/powerpoint/2010/main" val="3307136794"/>
-      </p:ext>
-    </p:extLst>
-  </p:cSld>
-  <p:clrMapOvr>
-    <a:masterClrMapping/>
-  </p:clrMapOvr>
-</p:sld>
-</file>
-
-<file path=ppt/slides/slide6.xml><?xml version="1.0" encoding="utf-8"?>
-<p:sld xmlns:a="http://schemas.openxmlformats.org/drawingml/2006/main" xmlns:r="http://schemas.openxmlformats.org/officeDocument/2006/relationships" xmlns:p="http://schemas.openxmlformats.org/presentationml/2006/main">
-  <p:cSld>
-    <p:spTree>
-      <p:nvGrpSpPr>
-        <p:cNvPr id="1" name=""/>
-        <p:cNvGrpSpPr/>
-        <p:nvPr/>
-      </p:nvGrpSpPr>
-      <p:grpSpPr>
-        <a:xfrm>
-          <a:off x="0" y="0"/>
-          <a:ext cx="0" cy="0"/>
-          <a:chOff x="0" y="0"/>
-          <a:chExt cx="0" cy="0"/>
-        </a:xfrm>
-      </p:grpSpPr>
-      <p:sp>
-        <p:nvSpPr>
-          <p:cNvPr id="2" name="Title 1">
-            <a:extLst>
-              <a:ext uri="{FF2B5EF4-FFF2-40B4-BE49-F238E27FC236}">
-                <a16:creationId xmlns:a16="http://schemas.microsoft.com/office/drawing/2014/main" id="{F6693EDF-660D-4391-A114-A6C54268E445}"/>
-              </a:ext>
-            </a:extLst>
-          </p:cNvPr>
-          <p:cNvSpPr>
-            <a:spLocks noGrp="1"/>
-          </p:cNvSpPr>
-          <p:nvPr>
-            <p:ph type="ctrTitle"/>
-          </p:nvPr>
-        </p:nvSpPr>
-        <p:spPr>
-          <a:xfrm>
-            <a:off x="1261872" y="758952"/>
-            <a:ext cx="10549128" cy="4041648"/>
-          </a:xfrm>
-        </p:spPr>
-        <p:txBody>
-          <a:bodyPr/>
-          <a:lstStyle/>
-          <a:p>
-            <a:r>
-              <a:rPr lang="en-US" dirty="0"/>
-              <a:t>Descriptive Statistics</a:t>
-            </a:r>
-          </a:p>
-        </p:txBody>
-      </p:sp>
-      <p:sp>
-        <p:nvSpPr>
-          <p:cNvPr id="3" name="Subtitle 2">
-            <a:extLst>
-              <a:ext uri="{FF2B5EF4-FFF2-40B4-BE49-F238E27FC236}">
-                <a16:creationId xmlns:a16="http://schemas.microsoft.com/office/drawing/2014/main" id="{9A7FADE3-4D7C-4B3A-B023-71CD85AECCCB}"/>
-              </a:ext>
-            </a:extLst>
-          </p:cNvPr>
-          <p:cNvSpPr>
-            <a:spLocks noGrp="1"/>
-          </p:cNvSpPr>
-          <p:nvPr>
-            <p:ph type="subTitle" idx="1"/>
-          </p:nvPr>
-        </p:nvSpPr>
-        <p:spPr/>
-        <p:txBody>
-          <a:bodyPr>
-            <a:normAutofit/>
-          </a:bodyPr>
-          <a:lstStyle/>
-          <a:p>
-            <a:endParaRPr lang="en-US" sz="4400" dirty="0"/>
-          </a:p>
-        </p:txBody>
-      </p:sp>
-    </p:spTree>
-    <p:extLst>
-      <p:ext uri="{BB962C8B-B14F-4D97-AF65-F5344CB8AC3E}">
-        <p14:creationId xmlns:p14="http://schemas.microsoft.com/office/powerpoint/2010/main" val="1441369958"/>
-      </p:ext>
-    </p:extLst>
-  </p:cSld>
-  <p:clrMapOvr>
-    <a:masterClrMapping/>
-  </p:clrMapOvr>
-</p:sld>
-</file>
-
-<file path=ppt/slides/slide60.xml><?xml version="1.0" encoding="utf-8"?>
-<p:sld xmlns:a="http://schemas.openxmlformats.org/drawingml/2006/main" xmlns:r="http://schemas.openxmlformats.org/officeDocument/2006/relationships" xmlns:p="http://schemas.openxmlformats.org/presentationml/2006/main">
-  <p:cSld>
-    <p:spTree>
-      <p:nvGrpSpPr>
-        <p:cNvPr id="1" name=""/>
-        <p:cNvGrpSpPr/>
-        <p:nvPr/>
-      </p:nvGrpSpPr>
-      <p:grpSpPr>
-        <a:xfrm>
-          <a:off x="0" y="0"/>
-          <a:ext cx="0" cy="0"/>
-          <a:chOff x="0" y="0"/>
-          <a:chExt cx="0" cy="0"/>
-        </a:xfrm>
-      </p:grpSpPr>
-      <p:sp>
-        <p:nvSpPr>
-          <p:cNvPr id="2" name="Title 1"/>
-          <p:cNvSpPr>
-            <a:spLocks noGrp="1"/>
-          </p:cNvSpPr>
-          <p:nvPr>
-            <p:ph type="title"/>
-          </p:nvPr>
-        </p:nvSpPr>
-        <p:spPr>
-          <a:xfrm>
-            <a:off x="609600" y="337392"/>
-            <a:ext cx="9601200" cy="624840"/>
-          </a:xfrm>
-        </p:spPr>
-        <p:txBody>
-          <a:bodyPr>
-            <a:normAutofit fontScale="90000"/>
-          </a:bodyPr>
-          <a:lstStyle/>
-          <a:p>
-            <a:r>
-              <a:rPr lang="en-US" dirty="0">
-                <a:latin typeface="Times New Roman" panose="02020603050405020304" pitchFamily="18" charset="0"/>
-                <a:cs typeface="Times New Roman" panose="02020603050405020304" pitchFamily="18" charset="0"/>
-              </a:rPr>
-              <a:t>Covariances &amp; Correlations</a:t>
-            </a:r>
-          </a:p>
-        </p:txBody>
-      </p:sp>
-      <p:sp>
-        <p:nvSpPr>
-          <p:cNvPr id="3" name="Content Placeholder 2"/>
-          <p:cNvSpPr>
-            <a:spLocks noGrp="1"/>
-          </p:cNvSpPr>
-          <p:nvPr>
-            <p:ph idx="1"/>
-          </p:nvPr>
-        </p:nvSpPr>
-        <p:spPr>
-          <a:xfrm>
-            <a:off x="609600" y="1066801"/>
-            <a:ext cx="10210800" cy="5141388"/>
-          </a:xfrm>
-        </p:spPr>
-        <p:txBody>
-          <a:bodyPr>
-            <a:noAutofit/>
-          </a:bodyPr>
-          <a:lstStyle/>
-          <a:p>
-            <a:pPr marL="0" indent="0">
-              <a:buNone/>
-            </a:pPr>
-            <a:r>
-              <a:rPr lang="en-US" sz="2400" dirty="0">
-                <a:cs typeface="Times New Roman" panose="02020603050405020304" pitchFamily="18" charset="0"/>
-              </a:rPr>
-              <a:t>We use </a:t>
-            </a:r>
-            <a:r>
-              <a:rPr lang="en-US" sz="2400" b="1" dirty="0">
-                <a:cs typeface="Times New Roman" panose="02020603050405020304" pitchFamily="18" charset="0"/>
-              </a:rPr>
-              <a:t>correlations </a:t>
-            </a:r>
-            <a:r>
-              <a:rPr lang="en-US" sz="2400" dirty="0">
-                <a:cs typeface="Times New Roman" panose="02020603050405020304" pitchFamily="18" charset="0"/>
-              </a:rPr>
-              <a:t>as a unitless measure of covariance!</a:t>
-            </a:r>
-          </a:p>
-        </p:txBody>
-      </p:sp>
-      <p:pic>
-        <p:nvPicPr>
-          <p:cNvPr id="6" name="Picture 5">
-            <a:extLst>
-              <a:ext uri="{FF2B5EF4-FFF2-40B4-BE49-F238E27FC236}">
-                <a16:creationId xmlns:a16="http://schemas.microsoft.com/office/drawing/2014/main" id="{5EFFEFEB-E7AB-F68E-7A32-61725E9A9812}"/>
-              </a:ext>
-            </a:extLst>
-          </p:cNvPr>
-          <p:cNvPicPr>
-            <a:picLocks noChangeAspect="1"/>
-          </p:cNvPicPr>
-          <p:nvPr/>
-        </p:nvPicPr>
-        <p:blipFill>
-          <a:blip r:embed="rId3"/>
-          <a:stretch>
-            <a:fillRect/>
-          </a:stretch>
-        </p:blipFill>
-        <p:spPr>
-          <a:xfrm>
-            <a:off x="838200" y="1676399"/>
-            <a:ext cx="9144000" cy="4127801"/>
-          </a:xfrm>
-          <a:prstGeom prst="rect">
-            <a:avLst/>
-          </a:prstGeom>
-        </p:spPr>
-      </p:pic>
-    </p:spTree>
-    <p:extLst>
-      <p:ext uri="{BB962C8B-B14F-4D97-AF65-F5344CB8AC3E}">
-        <p14:creationId xmlns:p14="http://schemas.microsoft.com/office/powerpoint/2010/main" val="3495485563"/>
-      </p:ext>
-    </p:extLst>
-  </p:cSld>
-  <p:clrMapOvr>
-    <a:masterClrMapping/>
-  </p:clrMapOvr>
-</p:sld>
-</file>
-
-<file path=ppt/slides/slide61.xml><?xml version="1.0" encoding="utf-8"?>
-<p:sld xmlns:a="http://schemas.openxmlformats.org/drawingml/2006/main" xmlns:r="http://schemas.openxmlformats.org/officeDocument/2006/relationships" xmlns:p="http://schemas.openxmlformats.org/presentationml/2006/main">
-  <p:cSld>
-    <p:spTree>
-      <p:nvGrpSpPr>
-        <p:cNvPr id="1" name=""/>
-        <p:cNvGrpSpPr/>
-        <p:nvPr/>
-      </p:nvGrpSpPr>
-      <p:grpSpPr>
-        <a:xfrm>
-          <a:off x="0" y="0"/>
-          <a:ext cx="0" cy="0"/>
-          <a:chOff x="0" y="0"/>
-          <a:chExt cx="0" cy="0"/>
-        </a:xfrm>
-      </p:grpSpPr>
-      <p:sp>
-        <p:nvSpPr>
-          <p:cNvPr id="2" name="Title 1"/>
-          <p:cNvSpPr>
-            <a:spLocks noGrp="1"/>
-          </p:cNvSpPr>
-          <p:nvPr>
-            <p:ph type="title"/>
-          </p:nvPr>
-        </p:nvSpPr>
-        <p:spPr>
-          <a:xfrm>
-            <a:off x="609600" y="337392"/>
-            <a:ext cx="9601200" cy="624840"/>
-          </a:xfrm>
-        </p:spPr>
-        <p:txBody>
-          <a:bodyPr>
-            <a:normAutofit fontScale="90000"/>
-          </a:bodyPr>
-          <a:lstStyle/>
-          <a:p>
-            <a:r>
-              <a:rPr lang="en-US" dirty="0">
-                <a:latin typeface="Times New Roman" panose="02020603050405020304" pitchFamily="18" charset="0"/>
-                <a:cs typeface="Times New Roman" panose="02020603050405020304" pitchFamily="18" charset="0"/>
-              </a:rPr>
-              <a:t>Covariances &amp; Correlations</a:t>
-            </a:r>
-          </a:p>
-        </p:txBody>
-      </p:sp>
-      <p:sp>
-        <p:nvSpPr>
-          <p:cNvPr id="3" name="Content Placeholder 2"/>
-          <p:cNvSpPr>
-            <a:spLocks noGrp="1"/>
-          </p:cNvSpPr>
-          <p:nvPr>
-            <p:ph idx="1"/>
-          </p:nvPr>
-        </p:nvSpPr>
-        <p:spPr>
-          <a:xfrm>
-            <a:off x="609600" y="1066801"/>
-            <a:ext cx="10210800" cy="5141388"/>
-          </a:xfrm>
-        </p:spPr>
-        <p:txBody>
-          <a:bodyPr>
-            <a:noAutofit/>
-          </a:bodyPr>
-          <a:lstStyle/>
-          <a:p>
-            <a:pPr marL="0" indent="0">
-              <a:buNone/>
-            </a:pPr>
-            <a:r>
-              <a:rPr lang="en-US" sz="2400" dirty="0">
-                <a:cs typeface="Times New Roman" panose="02020603050405020304" pitchFamily="18" charset="0"/>
-              </a:rPr>
-              <a:t>We use </a:t>
-            </a:r>
-            <a:r>
-              <a:rPr lang="en-US" sz="2400" b="1" dirty="0">
-                <a:cs typeface="Times New Roman" panose="02020603050405020304" pitchFamily="18" charset="0"/>
-              </a:rPr>
-              <a:t>correlations </a:t>
-            </a:r>
-            <a:r>
-              <a:rPr lang="en-US" sz="2400" dirty="0">
-                <a:cs typeface="Times New Roman" panose="02020603050405020304" pitchFamily="18" charset="0"/>
-              </a:rPr>
-              <a:t>as a unitless measure of covariance!</a:t>
-            </a:r>
-          </a:p>
-        </p:txBody>
-      </p:sp>
-      <p:pic>
-        <p:nvPicPr>
-          <p:cNvPr id="5" name="Picture 4">
-            <a:extLst>
-              <a:ext uri="{FF2B5EF4-FFF2-40B4-BE49-F238E27FC236}">
-                <a16:creationId xmlns:a16="http://schemas.microsoft.com/office/drawing/2014/main" id="{960CAF61-A113-E3CB-06D9-2E5337FFBFE2}"/>
-              </a:ext>
-            </a:extLst>
-          </p:cNvPr>
-          <p:cNvPicPr>
-            <a:picLocks noChangeAspect="1"/>
-          </p:cNvPicPr>
-          <p:nvPr/>
-        </p:nvPicPr>
-        <p:blipFill>
-          <a:blip r:embed="rId3"/>
-          <a:stretch>
-            <a:fillRect/>
-          </a:stretch>
-        </p:blipFill>
-        <p:spPr>
-          <a:xfrm>
-            <a:off x="597061" y="1523999"/>
-            <a:ext cx="6337139" cy="4975683"/>
-          </a:xfrm>
-          <a:prstGeom prst="rect">
-            <a:avLst/>
-          </a:prstGeom>
-        </p:spPr>
-      </p:pic>
-      <p:pic>
-        <p:nvPicPr>
-          <p:cNvPr id="7" name="Picture 2" descr="RStudio - RStudio">
-            <a:extLst>
-              <a:ext uri="{FF2B5EF4-FFF2-40B4-BE49-F238E27FC236}">
-                <a16:creationId xmlns:a16="http://schemas.microsoft.com/office/drawing/2014/main" id="{A5118A5F-14DE-5C30-EC79-08C2E8E24B1B}"/>
-              </a:ext>
-            </a:extLst>
-          </p:cNvPr>
-          <p:cNvPicPr>
-            <a:picLocks noChangeAspect="1" noChangeArrowheads="1"/>
-          </p:cNvPicPr>
-          <p:nvPr/>
-        </p:nvPicPr>
-        <p:blipFill>
-          <a:blip r:embed="rId4">
-            <a:extLst>
-              <a:ext uri="{28A0092B-C50C-407E-A947-70E740481C1C}">
-                <a14:useLocalDpi xmlns:a14="http://schemas.microsoft.com/office/drawing/2010/main" val="0"/>
-              </a:ext>
-            </a:extLst>
-          </a:blip>
-          <a:srcRect/>
-          <a:stretch>
-            <a:fillRect/>
-          </a:stretch>
-        </p:blipFill>
-        <p:spPr bwMode="auto">
-          <a:xfrm>
-            <a:off x="9525000" y="5105400"/>
-            <a:ext cx="1371600" cy="1371600"/>
-          </a:xfrm>
-          <a:prstGeom prst="rect">
-            <a:avLst/>
-          </a:prstGeom>
-          <a:noFill/>
-          <a:extLst>
-            <a:ext uri="{909E8E84-426E-40DD-AFC4-6F175D3DCCD1}">
-              <a14:hiddenFill xmlns:a14="http://schemas.microsoft.com/office/drawing/2010/main">
-                <a:solidFill>
-                  <a:srgbClr val="FFFFFF"/>
-                </a:solidFill>
-              </a14:hiddenFill>
-            </a:ext>
-          </a:extLst>
-        </p:spPr>
-      </p:pic>
-    </p:spTree>
-    <p:extLst>
-      <p:ext uri="{BB962C8B-B14F-4D97-AF65-F5344CB8AC3E}">
-        <p14:creationId xmlns:p14="http://schemas.microsoft.com/office/powerpoint/2010/main" val="1799478596"/>
-      </p:ext>
-    </p:extLst>
-  </p:cSld>
-  <p:clrMapOvr>
-    <a:masterClrMapping/>
-  </p:clrMapOvr>
-</p:sld>
-</file>
-
-<file path=ppt/slides/slide62.xml><?xml version="1.0" encoding="utf-8"?>
-<p:sld xmlns:a="http://schemas.openxmlformats.org/drawingml/2006/main" xmlns:r="http://schemas.openxmlformats.org/officeDocument/2006/relationships" xmlns:p="http://schemas.openxmlformats.org/presentationml/2006/main">
-  <p:cSld>
-    <p:spTree>
-      <p:nvGrpSpPr>
         <p:cNvPr id="1" name="">
           <a:extLst>
             <a:ext uri="{FF2B5EF4-FFF2-40B4-BE49-F238E27FC236}">
@@ -27056,7 +24042,7 @@
 </p:sld>
 </file>
 
-<file path=ppt/slides/slide63.xml><?xml version="1.0" encoding="utf-8"?>
+<file path=ppt/slides/slide55.xml><?xml version="1.0" encoding="utf-8"?>
 <p:sld xmlns:a="http://schemas.openxmlformats.org/drawingml/2006/main" xmlns:r="http://schemas.openxmlformats.org/officeDocument/2006/relationships" xmlns:p="http://schemas.openxmlformats.org/presentationml/2006/main">
   <p:cSld>
     <p:spTree>
@@ -27501,7 +24487,7 @@
 </p:sld>
 </file>
 
-<file path=ppt/slides/slide64.xml><?xml version="1.0" encoding="utf-8"?>
+<file path=ppt/slides/slide56.xml><?xml version="1.0" encoding="utf-8"?>
 <p:sld xmlns:a="http://schemas.openxmlformats.org/drawingml/2006/main" xmlns:r="http://schemas.openxmlformats.org/officeDocument/2006/relationships" xmlns:p="http://schemas.openxmlformats.org/presentationml/2006/main">
   <p:cSld>
     <p:spTree>
@@ -28012,7 +24998,7 @@
 </p:sld>
 </file>
 
-<file path=ppt/slides/slide65.xml><?xml version="1.0" encoding="utf-8"?>
+<file path=ppt/slides/slide57.xml><?xml version="1.0" encoding="utf-8"?>
 <p:sld xmlns:a="http://schemas.openxmlformats.org/drawingml/2006/main" xmlns:r="http://schemas.openxmlformats.org/officeDocument/2006/relationships" xmlns:p="http://schemas.openxmlformats.org/presentationml/2006/main">
   <p:cSld>
     <p:spTree>
@@ -28533,7 +25519,7 @@
 </p:sld>
 </file>
 
-<file path=ppt/slides/slide66.xml><?xml version="1.0" encoding="utf-8"?>
+<file path=ppt/slides/slide58.xml><?xml version="1.0" encoding="utf-8"?>
 <p:sld xmlns:a="http://schemas.openxmlformats.org/drawingml/2006/main" xmlns:r="http://schemas.openxmlformats.org/officeDocument/2006/relationships" xmlns:p="http://schemas.openxmlformats.org/presentationml/2006/main">
   <p:cSld>
     <p:spTree>
@@ -29066,7 +26052,7 @@
 </p:sld>
 </file>
 
-<file path=ppt/slides/slide67.xml><?xml version="1.0" encoding="utf-8"?>
+<file path=ppt/slides/slide59.xml><?xml version="1.0" encoding="utf-8"?>
 <p:sld xmlns:a="http://schemas.openxmlformats.org/drawingml/2006/main" xmlns:r="http://schemas.openxmlformats.org/officeDocument/2006/relationships" xmlns:p="http://schemas.openxmlformats.org/presentationml/2006/main">
   <p:cSld>
     <p:spTree>
@@ -29208,7 +26194,97 @@
 </p:sld>
 </file>
 
-<file path=ppt/slides/slide68.xml><?xml version="1.0" encoding="utf-8"?>
+<file path=ppt/slides/slide6.xml><?xml version="1.0" encoding="utf-8"?>
+<p:sld xmlns:a="http://schemas.openxmlformats.org/drawingml/2006/main" xmlns:r="http://schemas.openxmlformats.org/officeDocument/2006/relationships" xmlns:p="http://schemas.openxmlformats.org/presentationml/2006/main">
+  <p:cSld>
+    <p:spTree>
+      <p:nvGrpSpPr>
+        <p:cNvPr id="1" name=""/>
+        <p:cNvGrpSpPr/>
+        <p:nvPr/>
+      </p:nvGrpSpPr>
+      <p:grpSpPr>
+        <a:xfrm>
+          <a:off x="0" y="0"/>
+          <a:ext cx="0" cy="0"/>
+          <a:chOff x="0" y="0"/>
+          <a:chExt cx="0" cy="0"/>
+        </a:xfrm>
+      </p:grpSpPr>
+      <p:sp>
+        <p:nvSpPr>
+          <p:cNvPr id="2" name="Title 1">
+            <a:extLst>
+              <a:ext uri="{FF2B5EF4-FFF2-40B4-BE49-F238E27FC236}">
+                <a16:creationId xmlns:a16="http://schemas.microsoft.com/office/drawing/2014/main" id="{F6693EDF-660D-4391-A114-A6C54268E445}"/>
+              </a:ext>
+            </a:extLst>
+          </p:cNvPr>
+          <p:cNvSpPr>
+            <a:spLocks noGrp="1"/>
+          </p:cNvSpPr>
+          <p:nvPr>
+            <p:ph type="ctrTitle"/>
+          </p:nvPr>
+        </p:nvSpPr>
+        <p:spPr>
+          <a:xfrm>
+            <a:off x="1261872" y="758952"/>
+            <a:ext cx="10549128" cy="4041648"/>
+          </a:xfrm>
+        </p:spPr>
+        <p:txBody>
+          <a:bodyPr/>
+          <a:lstStyle/>
+          <a:p>
+            <a:r>
+              <a:rPr lang="en-US" dirty="0"/>
+              <a:t>Descriptive Statistics</a:t>
+            </a:r>
+          </a:p>
+        </p:txBody>
+      </p:sp>
+      <p:sp>
+        <p:nvSpPr>
+          <p:cNvPr id="3" name="Subtitle 2">
+            <a:extLst>
+              <a:ext uri="{FF2B5EF4-FFF2-40B4-BE49-F238E27FC236}">
+                <a16:creationId xmlns:a16="http://schemas.microsoft.com/office/drawing/2014/main" id="{9A7FADE3-4D7C-4B3A-B023-71CD85AECCCB}"/>
+              </a:ext>
+            </a:extLst>
+          </p:cNvPr>
+          <p:cNvSpPr>
+            <a:spLocks noGrp="1"/>
+          </p:cNvSpPr>
+          <p:nvPr>
+            <p:ph type="subTitle" idx="1"/>
+          </p:nvPr>
+        </p:nvSpPr>
+        <p:spPr/>
+        <p:txBody>
+          <a:bodyPr>
+            <a:normAutofit/>
+          </a:bodyPr>
+          <a:lstStyle/>
+          <a:p>
+            <a:endParaRPr lang="en-US" sz="4400" dirty="0"/>
+          </a:p>
+        </p:txBody>
+      </p:sp>
+    </p:spTree>
+    <p:extLst>
+      <p:ext uri="{BB962C8B-B14F-4D97-AF65-F5344CB8AC3E}">
+        <p14:creationId xmlns:p14="http://schemas.microsoft.com/office/powerpoint/2010/main" val="1441369958"/>
+      </p:ext>
+    </p:extLst>
+  </p:cSld>
+  <p:clrMapOvr>
+    <a:masterClrMapping/>
+  </p:clrMapOvr>
+</p:sld>
+</file>
+
+<file path=ppt/slides/slide60.xml><?xml version="1.0" encoding="utf-8"?>
 <p:sld xmlns:a="http://schemas.openxmlformats.org/drawingml/2006/main" xmlns:r="http://schemas.openxmlformats.org/officeDocument/2006/relationships" xmlns:p="http://schemas.openxmlformats.org/presentationml/2006/main">
   <p:cSld>
     <p:spTree>
@@ -29352,7 +26428,7 @@
 </p:sld>
 </file>
 
-<file path=ppt/slides/slide69.xml><?xml version="1.0" encoding="utf-8"?>
+<file path=ppt/slides/slide61.xml><?xml version="1.0" encoding="utf-8"?>
 <p:sld xmlns:a="http://schemas.openxmlformats.org/drawingml/2006/main" xmlns:r="http://schemas.openxmlformats.org/officeDocument/2006/relationships" xmlns:p="http://schemas.openxmlformats.org/presentationml/2006/main">
   <p:cSld>
     <p:spTree>
@@ -29496,163 +26572,7 @@
 </p:sld>
 </file>
 
-<file path=ppt/slides/slide7.xml><?xml version="1.0" encoding="utf-8"?>
-<p:sld xmlns:a="http://schemas.openxmlformats.org/drawingml/2006/main" xmlns:r="http://schemas.openxmlformats.org/officeDocument/2006/relationships" xmlns:p="http://schemas.openxmlformats.org/presentationml/2006/main">
-  <p:cSld>
-    <p:spTree>
-      <p:nvGrpSpPr>
-        <p:cNvPr id="1" name="">
-          <a:extLst>
-            <a:ext uri="{FF2B5EF4-FFF2-40B4-BE49-F238E27FC236}">
-              <a16:creationId xmlns:a16="http://schemas.microsoft.com/office/drawing/2014/main" id="{2BCE2279-22FE-A4F2-7AEA-E62C6B0FC446}"/>
-            </a:ext>
-          </a:extLst>
-        </p:cNvPr>
-        <p:cNvGrpSpPr/>
-        <p:nvPr/>
-      </p:nvGrpSpPr>
-      <p:grpSpPr>
-        <a:xfrm>
-          <a:off x="0" y="0"/>
-          <a:ext cx="0" cy="0"/>
-          <a:chOff x="0" y="0"/>
-          <a:chExt cx="0" cy="0"/>
-        </a:xfrm>
-      </p:grpSpPr>
-      <p:sp>
-        <p:nvSpPr>
-          <p:cNvPr id="2" name="Title 1">
-            <a:extLst>
-              <a:ext uri="{FF2B5EF4-FFF2-40B4-BE49-F238E27FC236}">
-                <a16:creationId xmlns:a16="http://schemas.microsoft.com/office/drawing/2014/main" id="{8A4665BC-A9B8-1967-75D9-8E508D417189}"/>
-              </a:ext>
-            </a:extLst>
-          </p:cNvPr>
-          <p:cNvSpPr>
-            <a:spLocks noGrp="1"/>
-          </p:cNvSpPr>
-          <p:nvPr>
-            <p:ph type="title"/>
-          </p:nvPr>
-        </p:nvSpPr>
-        <p:spPr>
-          <a:xfrm>
-            <a:off x="609600" y="337392"/>
-            <a:ext cx="9601200" cy="624840"/>
-          </a:xfrm>
-        </p:spPr>
-        <p:txBody>
-          <a:bodyPr>
-            <a:normAutofit fontScale="90000"/>
-          </a:bodyPr>
-          <a:lstStyle/>
-          <a:p>
-            <a:r>
-              <a:rPr lang="en-US" dirty="0">
-                <a:latin typeface="Times New Roman" panose="02020603050405020304" pitchFamily="18" charset="0"/>
-                <a:cs typeface="Times New Roman" panose="02020603050405020304" pitchFamily="18" charset="0"/>
-              </a:rPr>
-              <a:t>Why describe your data?</a:t>
-            </a:r>
-          </a:p>
-        </p:txBody>
-      </p:sp>
-      <p:sp>
-        <p:nvSpPr>
-          <p:cNvPr id="3" name="Content Placeholder 2">
-            <a:extLst>
-              <a:ext uri="{FF2B5EF4-FFF2-40B4-BE49-F238E27FC236}">
-                <a16:creationId xmlns:a16="http://schemas.microsoft.com/office/drawing/2014/main" id="{553BF719-B92D-6503-B7C4-9D7CDC19F3E0}"/>
-              </a:ext>
-            </a:extLst>
-          </p:cNvPr>
-          <p:cNvSpPr>
-            <a:spLocks noGrp="1"/>
-          </p:cNvSpPr>
-          <p:nvPr>
-            <p:ph idx="1"/>
-          </p:nvPr>
-        </p:nvSpPr>
-        <p:spPr>
-          <a:xfrm>
-            <a:off x="609600" y="1066801"/>
-            <a:ext cx="10210800" cy="5141388"/>
-          </a:xfrm>
-        </p:spPr>
-        <p:txBody>
-          <a:bodyPr>
-            <a:noAutofit/>
-          </a:bodyPr>
-          <a:lstStyle/>
-          <a:p>
-            <a:pPr marL="0" indent="0">
-              <a:buNone/>
-            </a:pPr>
-            <a:r>
-              <a:rPr lang="en-US" sz="2200" b="1" dirty="0">
-                <a:latin typeface="Times New Roman" panose="02020603050405020304" pitchFamily="18" charset="0"/>
-                <a:cs typeface="Times New Roman" panose="02020603050405020304" pitchFamily="18" charset="0"/>
-              </a:rPr>
-              <a:t>Descriptive statistics, summaries, and visualizations are the backbone of quantitative research! </a:t>
-            </a:r>
-          </a:p>
-          <a:p>
-            <a:pPr marL="457200" indent="-457200">
-              <a:buAutoNum type="arabicPeriod"/>
-            </a:pPr>
-            <a:r>
-              <a:rPr lang="en-US" sz="2200" dirty="0">
-                <a:cs typeface="Times New Roman" panose="02020603050405020304" pitchFamily="18" charset="0"/>
-              </a:rPr>
-              <a:t>Validate that the data is telling you what you think it is telling you</a:t>
-            </a:r>
-          </a:p>
-          <a:p>
-            <a:pPr marL="457200" indent="-457200">
-              <a:buAutoNum type="arabicPeriod"/>
-            </a:pPr>
-            <a:r>
-              <a:rPr lang="en-US" sz="2200" dirty="0">
-                <a:latin typeface="Times New Roman" panose="02020603050405020304" pitchFamily="18" charset="0"/>
-                <a:cs typeface="Times New Roman" panose="02020603050405020304" pitchFamily="18" charset="0"/>
-              </a:rPr>
-              <a:t>Sell your readers </a:t>
-            </a:r>
-            <a:r>
-              <a:rPr lang="en-US" sz="2200" dirty="0">
-                <a:cs typeface="Times New Roman" panose="02020603050405020304" pitchFamily="18" charset="0"/>
-              </a:rPr>
-              <a:t>that the story you’re peddling is plausible</a:t>
-            </a:r>
-          </a:p>
-          <a:p>
-            <a:pPr marL="457200" indent="-457200">
-              <a:buAutoNum type="arabicPeriod"/>
-            </a:pPr>
-            <a:r>
-              <a:rPr lang="en-US" sz="2200" dirty="0">
-                <a:latin typeface="Times New Roman" panose="02020603050405020304" pitchFamily="18" charset="0"/>
-                <a:cs typeface="Times New Roman" panose="02020603050405020304" pitchFamily="18" charset="0"/>
-              </a:rPr>
-              <a:t>At the end of the day, all empirical research comes down to accurately describing the (conditional, marginal, etc.) distributions of quantitative variables (and how they change)</a:t>
-            </a:r>
-          </a:p>
-        </p:txBody>
-      </p:sp>
-    </p:spTree>
-    <p:extLst>
-      <p:ext uri="{BB962C8B-B14F-4D97-AF65-F5344CB8AC3E}">
-        <p14:creationId xmlns:p14="http://schemas.microsoft.com/office/powerpoint/2010/main" val="508541231"/>
-      </p:ext>
-    </p:extLst>
-  </p:cSld>
-  <p:clrMapOvr>
-    <a:masterClrMapping/>
-  </p:clrMapOvr>
-</p:sld>
-</file>
-
-<file path=ppt/slides/slide70.xml><?xml version="1.0" encoding="utf-8"?>
+<file path=ppt/slides/slide62.xml><?xml version="1.0" encoding="utf-8"?>
 <p:sld xmlns:a="http://schemas.openxmlformats.org/drawingml/2006/main" xmlns:r="http://schemas.openxmlformats.org/officeDocument/2006/relationships" xmlns:p="http://schemas.openxmlformats.org/presentationml/2006/main">
   <p:cSld>
     <p:spTree>
@@ -29826,7 +26746,7 @@
 </p:sld>
 </file>
 
-<file path=ppt/slides/slide71.xml><?xml version="1.0" encoding="utf-8"?>
+<file path=ppt/slides/slide63.xml><?xml version="1.0" encoding="utf-8"?>
 <p:sld xmlns:a="http://schemas.openxmlformats.org/drawingml/2006/main" xmlns:r="http://schemas.openxmlformats.org/officeDocument/2006/relationships" xmlns:p="http://schemas.openxmlformats.org/presentationml/2006/main">
   <p:cSld>
     <p:spTree>
@@ -30030,7 +26950,7 @@
 </p:sld>
 </file>
 
-<file path=ppt/slides/slide72.xml><?xml version="1.0" encoding="utf-8"?>
+<file path=ppt/slides/slide64.xml><?xml version="1.0" encoding="utf-8"?>
 <p:sld xmlns:a="http://schemas.openxmlformats.org/drawingml/2006/main" xmlns:r="http://schemas.openxmlformats.org/officeDocument/2006/relationships" xmlns:p="http://schemas.openxmlformats.org/presentationml/2006/main">
   <p:cSld>
     <p:spTree>
@@ -30174,7 +27094,7 @@
 </p:sld>
 </file>
 
-<file path=ppt/slides/slide73.xml><?xml version="1.0" encoding="utf-8"?>
+<file path=ppt/slides/slide65.xml><?xml version="1.0" encoding="utf-8"?>
 <p:sld xmlns:a="http://schemas.openxmlformats.org/drawingml/2006/main" xmlns:r="http://schemas.openxmlformats.org/officeDocument/2006/relationships" xmlns:p="http://schemas.openxmlformats.org/presentationml/2006/main">
   <p:cSld>
     <p:spTree>
@@ -30483,7 +27403,7 @@
 </p:sld>
 </file>
 
-<file path=ppt/slides/slide74.xml><?xml version="1.0" encoding="utf-8"?>
+<file path=ppt/slides/slide66.xml><?xml version="1.0" encoding="utf-8"?>
 <p:sld xmlns:a="http://schemas.openxmlformats.org/drawingml/2006/main" xmlns:r="http://schemas.openxmlformats.org/officeDocument/2006/relationships" xmlns:p="http://schemas.openxmlformats.org/presentationml/2006/main">
   <p:cSld>
     <p:spTree>
@@ -30627,7 +27547,7 @@
 </p:sld>
 </file>
 
-<file path=ppt/slides/slide75.xml><?xml version="1.0" encoding="utf-8"?>
+<file path=ppt/slides/slide67.xml><?xml version="1.0" encoding="utf-8"?>
 <p:sld xmlns:a="http://schemas.openxmlformats.org/drawingml/2006/main" xmlns:r="http://schemas.openxmlformats.org/officeDocument/2006/relationships" xmlns:p="http://schemas.openxmlformats.org/presentationml/2006/main">
   <p:cSld>
     <p:spTree>
@@ -30812,7 +27732,7 @@
 </p:sld>
 </file>
 
-<file path=ppt/slides/slide76.xml><?xml version="1.0" encoding="utf-8"?>
+<file path=ppt/slides/slide68.xml><?xml version="1.0" encoding="utf-8"?>
 <p:sld xmlns:a="http://schemas.openxmlformats.org/drawingml/2006/main" xmlns:r="http://schemas.openxmlformats.org/officeDocument/2006/relationships" xmlns:p="http://schemas.openxmlformats.org/presentationml/2006/main">
   <p:cSld>
     <p:spTree>
@@ -31452,7 +28372,7 @@
 </p:sld>
 </file>
 
-<file path=ppt/slides/slide77.xml><?xml version="1.0" encoding="utf-8"?>
+<file path=ppt/slides/slide69.xml><?xml version="1.0" encoding="utf-8"?>
 <p:sld xmlns:a="http://schemas.openxmlformats.org/drawingml/2006/main" xmlns:r="http://schemas.openxmlformats.org/officeDocument/2006/relationships" xmlns:p="http://schemas.openxmlformats.org/presentationml/2006/main">
   <p:cSld>
     <p:spTree>
@@ -32092,7 +29012,163 @@
 </p:sld>
 </file>
 
-<file path=ppt/slides/slide78.xml><?xml version="1.0" encoding="utf-8"?>
+<file path=ppt/slides/slide7.xml><?xml version="1.0" encoding="utf-8"?>
+<p:sld xmlns:a="http://schemas.openxmlformats.org/drawingml/2006/main" xmlns:r="http://schemas.openxmlformats.org/officeDocument/2006/relationships" xmlns:p="http://schemas.openxmlformats.org/presentationml/2006/main">
+  <p:cSld>
+    <p:spTree>
+      <p:nvGrpSpPr>
+        <p:cNvPr id="1" name="">
+          <a:extLst>
+            <a:ext uri="{FF2B5EF4-FFF2-40B4-BE49-F238E27FC236}">
+              <a16:creationId xmlns:a16="http://schemas.microsoft.com/office/drawing/2014/main" id="{2BCE2279-22FE-A4F2-7AEA-E62C6B0FC446}"/>
+            </a:ext>
+          </a:extLst>
+        </p:cNvPr>
+        <p:cNvGrpSpPr/>
+        <p:nvPr/>
+      </p:nvGrpSpPr>
+      <p:grpSpPr>
+        <a:xfrm>
+          <a:off x="0" y="0"/>
+          <a:ext cx="0" cy="0"/>
+          <a:chOff x="0" y="0"/>
+          <a:chExt cx="0" cy="0"/>
+        </a:xfrm>
+      </p:grpSpPr>
+      <p:sp>
+        <p:nvSpPr>
+          <p:cNvPr id="2" name="Title 1">
+            <a:extLst>
+              <a:ext uri="{FF2B5EF4-FFF2-40B4-BE49-F238E27FC236}">
+                <a16:creationId xmlns:a16="http://schemas.microsoft.com/office/drawing/2014/main" id="{8A4665BC-A9B8-1967-75D9-8E508D417189}"/>
+              </a:ext>
+            </a:extLst>
+          </p:cNvPr>
+          <p:cNvSpPr>
+            <a:spLocks noGrp="1"/>
+          </p:cNvSpPr>
+          <p:nvPr>
+            <p:ph type="title"/>
+          </p:nvPr>
+        </p:nvSpPr>
+        <p:spPr>
+          <a:xfrm>
+            <a:off x="609600" y="337392"/>
+            <a:ext cx="9601200" cy="624840"/>
+          </a:xfrm>
+        </p:spPr>
+        <p:txBody>
+          <a:bodyPr>
+            <a:normAutofit fontScale="90000"/>
+          </a:bodyPr>
+          <a:lstStyle/>
+          <a:p>
+            <a:r>
+              <a:rPr lang="en-US" dirty="0">
+                <a:latin typeface="Times New Roman" panose="02020603050405020304" pitchFamily="18" charset="0"/>
+                <a:cs typeface="Times New Roman" panose="02020603050405020304" pitchFamily="18" charset="0"/>
+              </a:rPr>
+              <a:t>Why describe your data?</a:t>
+            </a:r>
+          </a:p>
+        </p:txBody>
+      </p:sp>
+      <p:sp>
+        <p:nvSpPr>
+          <p:cNvPr id="3" name="Content Placeholder 2">
+            <a:extLst>
+              <a:ext uri="{FF2B5EF4-FFF2-40B4-BE49-F238E27FC236}">
+                <a16:creationId xmlns:a16="http://schemas.microsoft.com/office/drawing/2014/main" id="{553BF719-B92D-6503-B7C4-9D7CDC19F3E0}"/>
+              </a:ext>
+            </a:extLst>
+          </p:cNvPr>
+          <p:cNvSpPr>
+            <a:spLocks noGrp="1"/>
+          </p:cNvSpPr>
+          <p:nvPr>
+            <p:ph idx="1"/>
+          </p:nvPr>
+        </p:nvSpPr>
+        <p:spPr>
+          <a:xfrm>
+            <a:off x="609600" y="1066801"/>
+            <a:ext cx="10210800" cy="5141388"/>
+          </a:xfrm>
+        </p:spPr>
+        <p:txBody>
+          <a:bodyPr>
+            <a:noAutofit/>
+          </a:bodyPr>
+          <a:lstStyle/>
+          <a:p>
+            <a:pPr marL="0" indent="0">
+              <a:buNone/>
+            </a:pPr>
+            <a:r>
+              <a:rPr lang="en-US" sz="2200" b="1" dirty="0">
+                <a:latin typeface="Times New Roman" panose="02020603050405020304" pitchFamily="18" charset="0"/>
+                <a:cs typeface="Times New Roman" panose="02020603050405020304" pitchFamily="18" charset="0"/>
+              </a:rPr>
+              <a:t>Descriptive statistics, summaries, and visualizations are the backbone of quantitative research! </a:t>
+            </a:r>
+          </a:p>
+          <a:p>
+            <a:pPr marL="457200" indent="-457200">
+              <a:buAutoNum type="arabicPeriod"/>
+            </a:pPr>
+            <a:r>
+              <a:rPr lang="en-US" sz="2200" dirty="0">
+                <a:cs typeface="Times New Roman" panose="02020603050405020304" pitchFamily="18" charset="0"/>
+              </a:rPr>
+              <a:t>Validate that the data is telling you what you think it is telling you</a:t>
+            </a:r>
+          </a:p>
+          <a:p>
+            <a:pPr marL="457200" indent="-457200">
+              <a:buAutoNum type="arabicPeriod"/>
+            </a:pPr>
+            <a:r>
+              <a:rPr lang="en-US" sz="2200" dirty="0">
+                <a:latin typeface="Times New Roman" panose="02020603050405020304" pitchFamily="18" charset="0"/>
+                <a:cs typeface="Times New Roman" panose="02020603050405020304" pitchFamily="18" charset="0"/>
+              </a:rPr>
+              <a:t>Sell your readers </a:t>
+            </a:r>
+            <a:r>
+              <a:rPr lang="en-US" sz="2200" dirty="0">
+                <a:cs typeface="Times New Roman" panose="02020603050405020304" pitchFamily="18" charset="0"/>
+              </a:rPr>
+              <a:t>that the story you’re peddling is plausible</a:t>
+            </a:r>
+          </a:p>
+          <a:p>
+            <a:pPr marL="457200" indent="-457200">
+              <a:buAutoNum type="arabicPeriod"/>
+            </a:pPr>
+            <a:r>
+              <a:rPr lang="en-US" sz="2200" dirty="0">
+                <a:latin typeface="Times New Roman" panose="02020603050405020304" pitchFamily="18" charset="0"/>
+                <a:cs typeface="Times New Roman" panose="02020603050405020304" pitchFamily="18" charset="0"/>
+              </a:rPr>
+              <a:t>At the end of the day, all empirical research comes down to accurately describing the (conditional, marginal, etc.) distributions of quantitative variables (and how they change)</a:t>
+            </a:r>
+          </a:p>
+        </p:txBody>
+      </p:sp>
+    </p:spTree>
+    <p:extLst>
+      <p:ext uri="{BB962C8B-B14F-4D97-AF65-F5344CB8AC3E}">
+        <p14:creationId xmlns:p14="http://schemas.microsoft.com/office/powerpoint/2010/main" val="508541231"/>
+      </p:ext>
+    </p:extLst>
+  </p:cSld>
+  <p:clrMapOvr>
+    <a:masterClrMapping/>
+  </p:clrMapOvr>
+</p:sld>
+</file>
+
+<file path=ppt/slides/slide70.xml><?xml version="1.0" encoding="utf-8"?>
 <p:sld xmlns:a="http://schemas.openxmlformats.org/drawingml/2006/main" xmlns:r="http://schemas.openxmlformats.org/officeDocument/2006/relationships" xmlns:p="http://schemas.openxmlformats.org/presentationml/2006/main">
   <p:cSld>
     <p:spTree>
@@ -32681,7 +29757,7 @@
 </p:sld>
 </file>
 
-<file path=ppt/slides/slide79.xml><?xml version="1.0" encoding="utf-8"?>
+<file path=ppt/slides/slide71.xml><?xml version="1.0" encoding="utf-8"?>
 <p:sld xmlns:a="http://schemas.openxmlformats.org/drawingml/2006/main" xmlns:r="http://schemas.openxmlformats.org/officeDocument/2006/relationships" xmlns:p="http://schemas.openxmlformats.org/presentationml/2006/main">
   <p:cSld>
     <p:spTree>
@@ -33270,193 +30346,7 @@
 </p:sld>
 </file>
 
-<file path=ppt/slides/slide8.xml><?xml version="1.0" encoding="utf-8"?>
-<p:sld xmlns:a="http://schemas.openxmlformats.org/drawingml/2006/main" xmlns:r="http://schemas.openxmlformats.org/officeDocument/2006/relationships" xmlns:p="http://schemas.openxmlformats.org/presentationml/2006/main">
-  <p:cSld>
-    <p:spTree>
-      <p:nvGrpSpPr>
-        <p:cNvPr id="1" name=""/>
-        <p:cNvGrpSpPr/>
-        <p:nvPr/>
-      </p:nvGrpSpPr>
-      <p:grpSpPr>
-        <a:xfrm>
-          <a:off x="0" y="0"/>
-          <a:ext cx="0" cy="0"/>
-          <a:chOff x="0" y="0"/>
-          <a:chExt cx="0" cy="0"/>
-        </a:xfrm>
-      </p:grpSpPr>
-      <p:sp>
-        <p:nvSpPr>
-          <p:cNvPr id="2" name="Title 1"/>
-          <p:cNvSpPr>
-            <a:spLocks noGrp="1"/>
-          </p:cNvSpPr>
-          <p:nvPr>
-            <p:ph type="title"/>
-          </p:nvPr>
-        </p:nvSpPr>
-        <p:spPr>
-          <a:xfrm>
-            <a:off x="609600" y="337392"/>
-            <a:ext cx="10439400" cy="624840"/>
-          </a:xfrm>
-        </p:spPr>
-        <p:txBody>
-          <a:bodyPr>
-            <a:noAutofit/>
-          </a:bodyPr>
-          <a:lstStyle/>
-          <a:p>
-            <a:r>
-              <a:rPr lang="en-US" sz="3600" dirty="0">
-                <a:cs typeface="Times New Roman" panose="02020603050405020304" pitchFamily="18" charset="0"/>
-              </a:rPr>
-              <a:t>Descriptive Statistics are Your Friend!</a:t>
-            </a:r>
-            <a:endParaRPr lang="en-US" sz="3600" dirty="0">
-              <a:latin typeface="Times New Roman" panose="02020603050405020304" pitchFamily="18" charset="0"/>
-              <a:cs typeface="Times New Roman" panose="02020603050405020304" pitchFamily="18" charset="0"/>
-            </a:endParaRPr>
-          </a:p>
-        </p:txBody>
-      </p:sp>
-      <p:sp>
-        <p:nvSpPr>
-          <p:cNvPr id="3" name="Content Placeholder 2"/>
-          <p:cNvSpPr>
-            <a:spLocks noGrp="1"/>
-          </p:cNvSpPr>
-          <p:nvPr>
-            <p:ph idx="1"/>
-          </p:nvPr>
-        </p:nvSpPr>
-        <p:spPr>
-          <a:xfrm>
-            <a:off x="1219199" y="1066801"/>
-            <a:ext cx="9405791" cy="5141388"/>
-          </a:xfrm>
-        </p:spPr>
-        <p:txBody>
-          <a:bodyPr>
-            <a:noAutofit/>
-          </a:bodyPr>
-          <a:lstStyle/>
-          <a:p>
-            <a:pPr marL="0" indent="0">
-              <a:buNone/>
-            </a:pPr>
-            <a:r>
-              <a:rPr lang="en-US" sz="2400" dirty="0">
-                <a:cs typeface="Times New Roman" panose="02020603050405020304" pitchFamily="18" charset="0"/>
-              </a:rPr>
-              <a:t>1. Tell us something about the “story” you have in mind</a:t>
-            </a:r>
-          </a:p>
-          <a:p>
-            <a:endParaRPr lang="en-US" sz="2400" dirty="0">
-              <a:cs typeface="Times New Roman" panose="02020603050405020304" pitchFamily="18" charset="0"/>
-            </a:endParaRPr>
-          </a:p>
-        </p:txBody>
-      </p:sp>
-      <p:pic>
-        <p:nvPicPr>
-          <p:cNvPr id="5" name="Picture 4">
-            <a:extLst>
-              <a:ext uri="{FF2B5EF4-FFF2-40B4-BE49-F238E27FC236}">
-                <a16:creationId xmlns:a16="http://schemas.microsoft.com/office/drawing/2014/main" id="{2BD937EB-396E-EA62-7AB0-D0E7EFC1114E}"/>
-              </a:ext>
-            </a:extLst>
-          </p:cNvPr>
-          <p:cNvPicPr>
-            <a:picLocks noChangeAspect="1"/>
-          </p:cNvPicPr>
-          <p:nvPr/>
-        </p:nvPicPr>
-        <p:blipFill>
-          <a:blip r:embed="rId3"/>
-          <a:stretch>
-            <a:fillRect/>
-          </a:stretch>
-        </p:blipFill>
-        <p:spPr>
-          <a:xfrm>
-            <a:off x="2286000" y="1752600"/>
-            <a:ext cx="6773220" cy="4858428"/>
-          </a:xfrm>
-          <a:prstGeom prst="rect">
-            <a:avLst/>
-          </a:prstGeom>
-        </p:spPr>
-      </p:pic>
-      <p:sp>
-        <p:nvSpPr>
-          <p:cNvPr id="4" name="Oval 3">
-            <a:extLst>
-              <a:ext uri="{FF2B5EF4-FFF2-40B4-BE49-F238E27FC236}">
-                <a16:creationId xmlns:a16="http://schemas.microsoft.com/office/drawing/2014/main" id="{CDA96F80-5C04-6B05-1AA1-6EC88DF74266}"/>
-              </a:ext>
-            </a:extLst>
-          </p:cNvPr>
-          <p:cNvSpPr/>
-          <p:nvPr/>
-        </p:nvSpPr>
-        <p:spPr>
-          <a:xfrm>
-            <a:off x="4876800" y="4876800"/>
-            <a:ext cx="990600" cy="620520"/>
-          </a:xfrm>
-          <a:prstGeom prst="ellipse">
-            <a:avLst/>
-          </a:prstGeom>
-          <a:noFill/>
-          <a:ln w="38100">
-            <a:solidFill>
-              <a:srgbClr val="FFC000"/>
-            </a:solidFill>
-          </a:ln>
-        </p:spPr>
-        <p:style>
-          <a:lnRef idx="2">
-            <a:schemeClr val="accent1">
-              <a:shade val="15000"/>
-            </a:schemeClr>
-          </a:lnRef>
-          <a:fillRef idx="1">
-            <a:schemeClr val="accent1"/>
-          </a:fillRef>
-          <a:effectRef idx="0">
-            <a:schemeClr val="accent1"/>
-          </a:effectRef>
-          <a:fontRef idx="minor">
-            <a:schemeClr val="lt1"/>
-          </a:fontRef>
-        </p:style>
-        <p:txBody>
-          <a:bodyPr rtlCol="0" anchor="ctr"/>
-          <a:lstStyle/>
-          <a:p>
-            <a:pPr algn="ctr"/>
-            <a:endParaRPr lang="en-CA"/>
-          </a:p>
-        </p:txBody>
-      </p:sp>
-    </p:spTree>
-    <p:extLst>
-      <p:ext uri="{BB962C8B-B14F-4D97-AF65-F5344CB8AC3E}">
-        <p14:creationId xmlns:p14="http://schemas.microsoft.com/office/powerpoint/2010/main" val="1496632064"/>
-      </p:ext>
-    </p:extLst>
-  </p:cSld>
-  <p:clrMapOvr>
-    <a:masterClrMapping/>
-  </p:clrMapOvr>
-</p:sld>
-</file>
-
-<file path=ppt/slides/slide80.xml><?xml version="1.0" encoding="utf-8"?>
+<file path=ppt/slides/slide72.xml><?xml version="1.0" encoding="utf-8"?>
 <p:sld xmlns:a="http://schemas.openxmlformats.org/drawingml/2006/main" xmlns:r="http://schemas.openxmlformats.org/officeDocument/2006/relationships" xmlns:p="http://schemas.openxmlformats.org/presentationml/2006/main">
   <p:cSld>
     <p:spTree>
@@ -34045,7 +30935,7 @@
 </p:sld>
 </file>
 
-<file path=ppt/slides/slide81.xml><?xml version="1.0" encoding="utf-8"?>
+<file path=ppt/slides/slide73.xml><?xml version="1.0" encoding="utf-8"?>
 <p:sld xmlns:a="http://schemas.openxmlformats.org/drawingml/2006/main" xmlns:r="http://schemas.openxmlformats.org/officeDocument/2006/relationships" xmlns:p="http://schemas.openxmlformats.org/presentationml/2006/main" showMasterSp="0">
   <p:cSld>
     <p:spTree>
@@ -35088,7 +31978,7 @@
 </p:sld>
 </file>
 
-<file path=ppt/slides/slide82.xml><?xml version="1.0" encoding="utf-8"?>
+<file path=ppt/slides/slide74.xml><?xml version="1.0" encoding="utf-8"?>
 <p:sld xmlns:a="http://schemas.openxmlformats.org/drawingml/2006/main" xmlns:r="http://schemas.openxmlformats.org/officeDocument/2006/relationships" xmlns:p="http://schemas.openxmlformats.org/presentationml/2006/main">
   <p:cSld>
     <p:spTree>
@@ -35258,7 +32148,7 @@
 </p:sld>
 </file>
 
-<file path=ppt/slides/slide83.xml><?xml version="1.0" encoding="utf-8"?>
+<file path=ppt/slides/slide75.xml><?xml version="1.0" encoding="utf-8"?>
 <p:sld xmlns:a="http://schemas.openxmlformats.org/drawingml/2006/main" xmlns:r="http://schemas.openxmlformats.org/officeDocument/2006/relationships" xmlns:p="http://schemas.openxmlformats.org/presentationml/2006/main">
   <p:cSld>
     <p:spTree>
@@ -36012,6 +32902,192 @@
     <p:extLst>
       <p:ext uri="{BB962C8B-B14F-4D97-AF65-F5344CB8AC3E}">
         <p14:creationId xmlns:p14="http://schemas.microsoft.com/office/powerpoint/2010/main" val="3517782804"/>
+      </p:ext>
+    </p:extLst>
+  </p:cSld>
+  <p:clrMapOvr>
+    <a:masterClrMapping/>
+  </p:clrMapOvr>
+</p:sld>
+</file>
+
+<file path=ppt/slides/slide8.xml><?xml version="1.0" encoding="utf-8"?>
+<p:sld xmlns:a="http://schemas.openxmlformats.org/drawingml/2006/main" xmlns:r="http://schemas.openxmlformats.org/officeDocument/2006/relationships" xmlns:p="http://schemas.openxmlformats.org/presentationml/2006/main">
+  <p:cSld>
+    <p:spTree>
+      <p:nvGrpSpPr>
+        <p:cNvPr id="1" name=""/>
+        <p:cNvGrpSpPr/>
+        <p:nvPr/>
+      </p:nvGrpSpPr>
+      <p:grpSpPr>
+        <a:xfrm>
+          <a:off x="0" y="0"/>
+          <a:ext cx="0" cy="0"/>
+          <a:chOff x="0" y="0"/>
+          <a:chExt cx="0" cy="0"/>
+        </a:xfrm>
+      </p:grpSpPr>
+      <p:sp>
+        <p:nvSpPr>
+          <p:cNvPr id="2" name="Title 1"/>
+          <p:cNvSpPr>
+            <a:spLocks noGrp="1"/>
+          </p:cNvSpPr>
+          <p:nvPr>
+            <p:ph type="title"/>
+          </p:nvPr>
+        </p:nvSpPr>
+        <p:spPr>
+          <a:xfrm>
+            <a:off x="609600" y="337392"/>
+            <a:ext cx="10439400" cy="624840"/>
+          </a:xfrm>
+        </p:spPr>
+        <p:txBody>
+          <a:bodyPr>
+            <a:noAutofit/>
+          </a:bodyPr>
+          <a:lstStyle/>
+          <a:p>
+            <a:r>
+              <a:rPr lang="en-US" sz="3600" dirty="0">
+                <a:cs typeface="Times New Roman" panose="02020603050405020304" pitchFamily="18" charset="0"/>
+              </a:rPr>
+              <a:t>Descriptive Statistics are Your Friend!</a:t>
+            </a:r>
+            <a:endParaRPr lang="en-US" sz="3600" dirty="0">
+              <a:latin typeface="Times New Roman" panose="02020603050405020304" pitchFamily="18" charset="0"/>
+              <a:cs typeface="Times New Roman" panose="02020603050405020304" pitchFamily="18" charset="0"/>
+            </a:endParaRPr>
+          </a:p>
+        </p:txBody>
+      </p:sp>
+      <p:sp>
+        <p:nvSpPr>
+          <p:cNvPr id="3" name="Content Placeholder 2"/>
+          <p:cNvSpPr>
+            <a:spLocks noGrp="1"/>
+          </p:cNvSpPr>
+          <p:nvPr>
+            <p:ph idx="1"/>
+          </p:nvPr>
+        </p:nvSpPr>
+        <p:spPr>
+          <a:xfrm>
+            <a:off x="1219199" y="1066801"/>
+            <a:ext cx="9405791" cy="5141388"/>
+          </a:xfrm>
+        </p:spPr>
+        <p:txBody>
+          <a:bodyPr>
+            <a:noAutofit/>
+          </a:bodyPr>
+          <a:lstStyle/>
+          <a:p>
+            <a:pPr marL="0" indent="0">
+              <a:buNone/>
+            </a:pPr>
+            <a:r>
+              <a:rPr lang="en-US" sz="2400" dirty="0">
+                <a:cs typeface="Times New Roman" panose="02020603050405020304" pitchFamily="18" charset="0"/>
+              </a:rPr>
+              <a:t>1. Tell us something about the “story” you have in mind</a:t>
+            </a:r>
+          </a:p>
+          <a:p>
+            <a:endParaRPr lang="en-US" sz="2400" dirty="0">
+              <a:cs typeface="Times New Roman" panose="02020603050405020304" pitchFamily="18" charset="0"/>
+            </a:endParaRPr>
+          </a:p>
+        </p:txBody>
+      </p:sp>
+      <p:pic>
+        <p:nvPicPr>
+          <p:cNvPr id="5" name="Picture 4">
+            <a:extLst>
+              <a:ext uri="{FF2B5EF4-FFF2-40B4-BE49-F238E27FC236}">
+                <a16:creationId xmlns:a16="http://schemas.microsoft.com/office/drawing/2014/main" id="{2BD937EB-396E-EA62-7AB0-D0E7EFC1114E}"/>
+              </a:ext>
+            </a:extLst>
+          </p:cNvPr>
+          <p:cNvPicPr>
+            <a:picLocks noChangeAspect="1"/>
+          </p:cNvPicPr>
+          <p:nvPr/>
+        </p:nvPicPr>
+        <p:blipFill>
+          <a:blip r:embed="rId3"/>
+          <a:stretch>
+            <a:fillRect/>
+          </a:stretch>
+        </p:blipFill>
+        <p:spPr>
+          <a:xfrm>
+            <a:off x="2286000" y="1752600"/>
+            <a:ext cx="6773220" cy="4858428"/>
+          </a:xfrm>
+          <a:prstGeom prst="rect">
+            <a:avLst/>
+          </a:prstGeom>
+        </p:spPr>
+      </p:pic>
+      <p:sp>
+        <p:nvSpPr>
+          <p:cNvPr id="4" name="Oval 3">
+            <a:extLst>
+              <a:ext uri="{FF2B5EF4-FFF2-40B4-BE49-F238E27FC236}">
+                <a16:creationId xmlns:a16="http://schemas.microsoft.com/office/drawing/2014/main" id="{CDA96F80-5C04-6B05-1AA1-6EC88DF74266}"/>
+              </a:ext>
+            </a:extLst>
+          </p:cNvPr>
+          <p:cNvSpPr/>
+          <p:nvPr/>
+        </p:nvSpPr>
+        <p:spPr>
+          <a:xfrm>
+            <a:off x="4876800" y="4876800"/>
+            <a:ext cx="990600" cy="620520"/>
+          </a:xfrm>
+          <a:prstGeom prst="ellipse">
+            <a:avLst/>
+          </a:prstGeom>
+          <a:noFill/>
+          <a:ln w="38100">
+            <a:solidFill>
+              <a:srgbClr val="FFC000"/>
+            </a:solidFill>
+          </a:ln>
+        </p:spPr>
+        <p:style>
+          <a:lnRef idx="2">
+            <a:schemeClr val="accent1">
+              <a:shade val="15000"/>
+            </a:schemeClr>
+          </a:lnRef>
+          <a:fillRef idx="1">
+            <a:schemeClr val="accent1"/>
+          </a:fillRef>
+          <a:effectRef idx="0">
+            <a:schemeClr val="accent1"/>
+          </a:effectRef>
+          <a:fontRef idx="minor">
+            <a:schemeClr val="lt1"/>
+          </a:fontRef>
+        </p:style>
+        <p:txBody>
+          <a:bodyPr rtlCol="0" anchor="ctr"/>
+          <a:lstStyle/>
+          <a:p>
+            <a:pPr algn="ctr"/>
+            <a:endParaRPr lang="en-CA"/>
+          </a:p>
+        </p:txBody>
+      </p:sp>
+    </p:spTree>
+    <p:extLst>
+      <p:ext uri="{BB962C8B-B14F-4D97-AF65-F5344CB8AC3E}">
+        <p14:creationId xmlns:p14="http://schemas.microsoft.com/office/powerpoint/2010/main" val="1496632064"/>
       </p:ext>
     </p:extLst>
   </p:cSld>
